--- a/Final project_G03_Tree Algorithm.pptx
+++ b/Final project_G03_Tree Algorithm.pptx
@@ -5,7 +5,7 @@
     <p:sldMasterId id="2147483672" r:id="rId1"/>
   </p:sldMasterIdLst>
   <p:notesMasterIdLst>
-    <p:notesMasterId r:id="rId15"/>
+    <p:notesMasterId r:id="rId21"/>
   </p:notesMasterIdLst>
   <p:sldIdLst>
     <p:sldId id="257" r:id="rId2"/>
@@ -17,10 +17,16 @@
     <p:sldId id="312" r:id="rId8"/>
     <p:sldId id="313" r:id="rId9"/>
     <p:sldId id="315" r:id="rId10"/>
-    <p:sldId id="318" r:id="rId11"/>
-    <p:sldId id="316" r:id="rId12"/>
-    <p:sldId id="317" r:id="rId13"/>
-    <p:sldId id="308" r:id="rId14"/>
+    <p:sldId id="320" r:id="rId11"/>
+    <p:sldId id="321" r:id="rId12"/>
+    <p:sldId id="322" r:id="rId13"/>
+    <p:sldId id="323" r:id="rId14"/>
+    <p:sldId id="324" r:id="rId15"/>
+    <p:sldId id="318" r:id="rId16"/>
+    <p:sldId id="316" r:id="rId17"/>
+    <p:sldId id="317" r:id="rId18"/>
+    <p:sldId id="319" r:id="rId19"/>
+    <p:sldId id="308" r:id="rId20"/>
   </p:sldIdLst>
   <p:sldSz cx="9144000" cy="6858000" type="screen4x3"/>
   <p:notesSz cx="6858000" cy="9144000"/>
@@ -621,7 +627,7 @@
           <a:p>
             <a:fld id="{E55F1738-4E99-4CCF-8A62-E7815A64DE03}" type="slidenum">
               <a:rPr lang="zh-TW" altLang="en-US" smtClean="0"/>
-              <a:t>11</a:t>
+              <a:t>16</a:t>
             </a:fld>
             <a:endParaRPr lang="zh-TW" altLang="en-US"/>
           </a:p>
@@ -4298,7 +4304,7 @@
         </p:nvSpPr>
         <p:spPr>
           <a:xfrm>
-            <a:off x="628650" y="365126"/>
+            <a:off x="628650" y="320882"/>
             <a:ext cx="7886700" cy="1325563"/>
           </a:xfrm>
         </p:spPr>
@@ -4308,7 +4314,15 @@
           <a:p>
             <a:r>
               <a:rPr lang="en-US" altLang="zh-TW" dirty="0"/>
-              <a:t>Results of our Tree</a:t>
+              <a:t>Our Tree Algorithm</a:t>
+            </a:r>
+            <a:r>
+              <a:rPr lang="zh-TW" altLang="en-US" dirty="0"/>
+              <a:t> </a:t>
+            </a:r>
+            <a:r>
+              <a:rPr lang="en-US" altLang="zh-TW" dirty="0"/>
+              <a:t>[Python]</a:t>
             </a:r>
             <a:endParaRPr lang="zh-TW" altLang="en-US" dirty="0"/>
           </a:p>
@@ -4395,12 +4409,42 @@
           </a:p>
         </p:txBody>
       </p:sp>
-      <p:sp>
-        <p:nvSpPr>
-          <p:cNvPr id="7" name="文字方塊 6">
-            <a:extLst>
-              <a:ext uri="{FF2B5EF4-FFF2-40B4-BE49-F238E27FC236}">
-                <a16:creationId xmlns:a16="http://schemas.microsoft.com/office/drawing/2014/main" id="{B69F6069-91C8-484E-82C1-0D4F4EF155D4}"/>
+      <p:pic>
+        <p:nvPicPr>
+          <p:cNvPr id="4" name="圖片 3">
+            <a:extLst>
+              <a:ext uri="{FF2B5EF4-FFF2-40B4-BE49-F238E27FC236}">
+                <a16:creationId xmlns:a16="http://schemas.microsoft.com/office/drawing/2014/main" id="{35C0B2FE-7634-4F63-AA82-3348E640D123}"/>
+              </a:ext>
+            </a:extLst>
+          </p:cNvPr>
+          <p:cNvPicPr>
+            <a:picLocks noChangeAspect="1"/>
+          </p:cNvPicPr>
+          <p:nvPr/>
+        </p:nvPicPr>
+        <p:blipFill>
+          <a:blip r:embed="rId2"/>
+          <a:stretch>
+            <a:fillRect/>
+          </a:stretch>
+        </p:blipFill>
+        <p:spPr>
+          <a:xfrm>
+            <a:off x="582564" y="1257624"/>
+            <a:ext cx="3086367" cy="3025402"/>
+          </a:xfrm>
+          <a:prstGeom prst="rect">
+            <a:avLst/>
+          </a:prstGeom>
+        </p:spPr>
+      </p:pic>
+      <p:sp>
+        <p:nvSpPr>
+          <p:cNvPr id="5" name="文字方塊 4">
+            <a:extLst>
+              <a:ext uri="{FF2B5EF4-FFF2-40B4-BE49-F238E27FC236}">
+                <a16:creationId xmlns:a16="http://schemas.microsoft.com/office/drawing/2014/main" id="{404466CD-79A9-483E-96AE-873A7E783FCA}"/>
               </a:ext>
             </a:extLst>
           </p:cNvPr>
@@ -4409,8 +4453,8 @@
         </p:nvSpPr>
         <p:spPr>
           <a:xfrm>
-            <a:off x="613458" y="1690689"/>
-            <a:ext cx="5441902" cy="492443"/>
+            <a:off x="3715017" y="1507178"/>
+            <a:ext cx="5567422" cy="400110"/>
           </a:xfrm>
           <a:prstGeom prst="rect">
             <a:avLst/>
@@ -4424,19 +4468,57 @@
           <a:lstStyle/>
           <a:p>
             <a:r>
-              <a:rPr lang="en-US" altLang="zh-TW" sz="2600" dirty="0"/>
-              <a:t>&gt;&gt; Python (2 dimensional )</a:t>
+              <a:rPr lang="en-US" altLang="zh-TW" sz="2000" dirty="0"/>
+              <a:t>Define the properties of particles &amp;</a:t>
             </a:r>
-            <a:endParaRPr lang="zh-TW" altLang="en-US" sz="2600" dirty="0"/>
-          </a:p>
-        </p:txBody>
-      </p:sp>
-      <p:sp>
-        <p:nvSpPr>
-          <p:cNvPr id="18" name="文字方塊 17">
-            <a:extLst>
-              <a:ext uri="{FF2B5EF4-FFF2-40B4-BE49-F238E27FC236}">
-                <a16:creationId xmlns:a16="http://schemas.microsoft.com/office/drawing/2014/main" id="{FBCE05A8-3D36-40C9-ABC0-32839C344856}"/>
+            <a:r>
+              <a:rPr lang="zh-TW" altLang="en-US" sz="2000" dirty="0"/>
+              <a:t> </a:t>
+            </a:r>
+            <a:r>
+              <a:rPr lang="en-US" altLang="zh-TW" sz="2000" dirty="0"/>
+              <a:t>Space</a:t>
+            </a:r>
+            <a:endParaRPr lang="zh-TW" altLang="en-US" sz="2000" dirty="0"/>
+          </a:p>
+        </p:txBody>
+      </p:sp>
+      <p:pic>
+        <p:nvPicPr>
+          <p:cNvPr id="6" name="圖片 5">
+            <a:extLst>
+              <a:ext uri="{FF2B5EF4-FFF2-40B4-BE49-F238E27FC236}">
+                <a16:creationId xmlns:a16="http://schemas.microsoft.com/office/drawing/2014/main" id="{8E9200EA-217F-4FAE-A659-6FD7E452787E}"/>
+              </a:ext>
+            </a:extLst>
+          </p:cNvPr>
+          <p:cNvPicPr>
+            <a:picLocks noChangeAspect="1"/>
+          </p:cNvPicPr>
+          <p:nvPr/>
+        </p:nvPicPr>
+        <p:blipFill>
+          <a:blip r:embed="rId3"/>
+          <a:stretch>
+            <a:fillRect/>
+          </a:stretch>
+        </p:blipFill>
+        <p:spPr>
+          <a:xfrm>
+            <a:off x="582564" y="4168199"/>
+            <a:ext cx="6820491" cy="2674852"/>
+          </a:xfrm>
+          <a:prstGeom prst="rect">
+            <a:avLst/>
+          </a:prstGeom>
+        </p:spPr>
+      </p:pic>
+      <p:sp>
+        <p:nvSpPr>
+          <p:cNvPr id="25" name="文字方塊 24">
+            <a:extLst>
+              <a:ext uri="{FF2B5EF4-FFF2-40B4-BE49-F238E27FC236}">
+                <a16:creationId xmlns:a16="http://schemas.microsoft.com/office/drawing/2014/main" id="{D703D060-71D9-4C1D-868B-E94BC8337A54}"/>
               </a:ext>
             </a:extLst>
           </p:cNvPr>
@@ -4445,8 +4527,8 @@
         </p:nvSpPr>
         <p:spPr>
           <a:xfrm>
-            <a:off x="495740" y="4484211"/>
-            <a:ext cx="5441902" cy="492443"/>
+            <a:off x="3715017" y="2727659"/>
+            <a:ext cx="5567422" cy="1323439"/>
           </a:xfrm>
           <a:prstGeom prst="rect">
             <a:avLst/>
@@ -4460,274 +4542,29 @@
           <a:lstStyle/>
           <a:p>
             <a:r>
-              <a:rPr lang="en-US" altLang="zh-TW" sz="2600" dirty="0"/>
-              <a:t>&gt;&gt; C++ (3 dimensional )</a:t>
+              <a:rPr lang="en-US" altLang="zh-TW" sz="2000" dirty="0"/>
+              <a:t>Set some initial conditions</a:t>
             </a:r>
-            <a:endParaRPr lang="zh-TW" altLang="en-US" sz="2600" dirty="0"/>
-          </a:p>
-        </p:txBody>
-      </p:sp>
-      <p:sp>
-        <p:nvSpPr>
-          <p:cNvPr id="13" name="矩形 12">
-            <a:extLst>
-              <a:ext uri="{FF2B5EF4-FFF2-40B4-BE49-F238E27FC236}">
-                <a16:creationId xmlns:a16="http://schemas.microsoft.com/office/drawing/2014/main" id="{486A5522-0EC7-4967-AFCC-FE29D90D7254}"/>
-              </a:ext>
-            </a:extLst>
-          </p:cNvPr>
-          <p:cNvSpPr/>
-          <p:nvPr/>
-        </p:nvSpPr>
-        <p:spPr>
-          <a:xfrm>
-            <a:off x="1051240" y="2266196"/>
-            <a:ext cx="6327823" cy="892552"/>
-          </a:xfrm>
-          <a:prstGeom prst="rect">
-            <a:avLst/>
-          </a:prstGeom>
-        </p:spPr>
-        <p:txBody>
-          <a:bodyPr wrap="none">
-            <a:spAutoFit/>
-          </a:bodyPr>
-          <a:lstStyle/>
-          <a:p>
-            <a:pPr marL="514350" indent="-514350">
-              <a:buAutoNum type="arabicPeriod"/>
-            </a:pPr>
+          </a:p>
+          <a:p>
             <a:r>
-              <a:rPr lang="en-US" altLang="zh-TW" sz="2600" dirty="0">
-                <a:highlight>
-                  <a:srgbClr val="FFFF00"/>
-                </a:highlight>
-              </a:rPr>
-              <a:t>Plot center of mass</a:t>
+              <a:rPr lang="en-US" altLang="zh-TW" sz="2000" dirty="0"/>
+              <a:t>Each square contains merely up to 1 particle</a:t>
             </a:r>
           </a:p>
           <a:p>
-            <a:pPr marL="514350" indent="-514350">
-              <a:buAutoNum type="arabicPeriod"/>
-            </a:pPr>
             <a:r>
-              <a:rPr lang="en-US" altLang="zh-TW" sz="2600" dirty="0">
-                <a:highlight>
-                  <a:srgbClr val="FFFF00"/>
-                </a:highlight>
-              </a:rPr>
-              <a:t>Animation of different N particles vs Time</a:t>
+              <a:rPr lang="en-US" altLang="zh-TW" sz="2000" dirty="0"/>
+              <a:t>and check if the particle is inside the boundary for the following.</a:t>
             </a:r>
-          </a:p>
-        </p:txBody>
-      </p:sp>
-      <p:sp>
-        <p:nvSpPr>
-          <p:cNvPr id="15" name="矩形 14">
-            <a:extLst>
-              <a:ext uri="{FF2B5EF4-FFF2-40B4-BE49-F238E27FC236}">
-                <a16:creationId xmlns:a16="http://schemas.microsoft.com/office/drawing/2014/main" id="{0A1D6F7F-7052-4289-BA13-79B79D63A3E7}"/>
-              </a:ext>
-            </a:extLst>
-          </p:cNvPr>
-          <p:cNvSpPr/>
-          <p:nvPr/>
-        </p:nvSpPr>
-        <p:spPr>
-          <a:xfrm>
-            <a:off x="775098" y="5466756"/>
-            <a:ext cx="6327823" cy="1692771"/>
-          </a:xfrm>
-          <a:prstGeom prst="rect">
-            <a:avLst/>
-          </a:prstGeom>
-        </p:spPr>
-        <p:txBody>
-          <a:bodyPr wrap="none">
-            <a:spAutoFit/>
-          </a:bodyPr>
-          <a:lstStyle/>
-          <a:p>
-            <a:pPr marL="514350" indent="-514350">
-              <a:buAutoNum type="arabicPeriod"/>
-            </a:pPr>
-            <a:r>
-              <a:rPr lang="en-US" altLang="zh-TW" sz="2600" dirty="0">
-                <a:highlight>
-                  <a:srgbClr val="FFFF00"/>
-                </a:highlight>
-              </a:rPr>
-              <a:t>Animation of different N particles vs Time</a:t>
-            </a:r>
-          </a:p>
-          <a:p>
-            <a:pPr marL="514350" indent="-514350">
-              <a:buAutoNum type="arabicPeriod"/>
-            </a:pPr>
-            <a:r>
-              <a:rPr lang="en-US" altLang="zh-TW" sz="2600" dirty="0">
-                <a:highlight>
-                  <a:srgbClr val="FFFF00"/>
-                </a:highlight>
-              </a:rPr>
-              <a:t>Parallelize 1.</a:t>
-            </a:r>
-          </a:p>
-          <a:p>
-            <a:pPr marL="514350" indent="-514350">
-              <a:buFontTx/>
-              <a:buAutoNum type="arabicPeriod"/>
-            </a:pPr>
-            <a:r>
-              <a:rPr lang="en-US" altLang="zh-TW" sz="2600" dirty="0">
-                <a:highlight>
-                  <a:srgbClr val="FFFF00"/>
-                </a:highlight>
-              </a:rPr>
-              <a:t>Fixed N but Change Theta</a:t>
-            </a:r>
-          </a:p>
-          <a:p>
-            <a:pPr marL="514350" indent="-514350">
-              <a:buAutoNum type="arabicPeriod"/>
-            </a:pPr>
-            <a:endParaRPr lang="en-US" altLang="zh-TW" sz="2600" dirty="0">
-              <a:highlight>
-                <a:srgbClr val="FFFF00"/>
-              </a:highlight>
-            </a:endParaRPr>
-          </a:p>
-        </p:txBody>
-      </p:sp>
-      <p:sp>
-        <p:nvSpPr>
-          <p:cNvPr id="16" name="矩形 15">
-            <a:extLst>
-              <a:ext uri="{FF2B5EF4-FFF2-40B4-BE49-F238E27FC236}">
-                <a16:creationId xmlns:a16="http://schemas.microsoft.com/office/drawing/2014/main" id="{4063C52A-2E44-409F-9332-7819189BEA45}"/>
-              </a:ext>
-            </a:extLst>
-          </p:cNvPr>
-          <p:cNvSpPr/>
-          <p:nvPr/>
-        </p:nvSpPr>
-        <p:spPr>
-          <a:xfrm>
-            <a:off x="4653213" y="864800"/>
-            <a:ext cx="1627369" cy="492443"/>
-          </a:xfrm>
-          <a:prstGeom prst="rect">
-            <a:avLst/>
-          </a:prstGeom>
-        </p:spPr>
-        <p:txBody>
-          <a:bodyPr wrap="none">
-            <a:spAutoFit/>
-          </a:bodyPr>
-          <a:lstStyle/>
-          <a:p>
-            <a:r>
-              <a:rPr lang="zh-TW" altLang="en-US" sz="2600" dirty="0">
-                <a:highlight>
-                  <a:srgbClr val="FFFF00"/>
-                </a:highlight>
-              </a:rPr>
-              <a:t>螢光補圖</a:t>
-            </a:r>
-            <a:r>
-              <a:rPr lang="en-US" altLang="zh-TW" sz="2600" dirty="0">
-                <a:highlight>
-                  <a:srgbClr val="FFFF00"/>
-                </a:highlight>
-              </a:rPr>
-              <a:t>!</a:t>
-            </a:r>
-          </a:p>
-        </p:txBody>
-      </p:sp>
-      <p:sp>
-        <p:nvSpPr>
-          <p:cNvPr id="17" name="矩形 16">
-            <a:extLst>
-              <a:ext uri="{FF2B5EF4-FFF2-40B4-BE49-F238E27FC236}">
-                <a16:creationId xmlns:a16="http://schemas.microsoft.com/office/drawing/2014/main" id="{DEC1F70D-B1D4-4A9D-98D2-2CBAE3275611}"/>
-              </a:ext>
-            </a:extLst>
-          </p:cNvPr>
-          <p:cNvSpPr/>
-          <p:nvPr/>
-        </p:nvSpPr>
-        <p:spPr>
-          <a:xfrm>
-            <a:off x="6969483" y="4846142"/>
-            <a:ext cx="5169877" cy="1692771"/>
-          </a:xfrm>
-          <a:prstGeom prst="rect">
-            <a:avLst/>
-          </a:prstGeom>
-        </p:spPr>
-        <p:txBody>
-          <a:bodyPr wrap="none">
-            <a:spAutoFit/>
-          </a:bodyPr>
-          <a:lstStyle/>
-          <a:p>
-            <a:pPr marL="514350" indent="-514350">
-              <a:buAutoNum type="arabicPeriod"/>
-            </a:pPr>
-            <a:r>
-              <a:rPr lang="en-US" altLang="zh-TW" sz="2600" dirty="0">
-                <a:highlight>
-                  <a:srgbClr val="FFFF00"/>
-                </a:highlight>
-              </a:rPr>
-              <a:t>Theta = 0.05, T= 80s</a:t>
-            </a:r>
-          </a:p>
-          <a:p>
-            <a:pPr marL="514350" indent="-514350">
-              <a:buFontTx/>
-              <a:buAutoNum type="arabicPeriod"/>
-            </a:pPr>
-            <a:r>
-              <a:rPr lang="en-US" altLang="zh-TW" sz="2600" dirty="0">
-                <a:highlight>
-                  <a:srgbClr val="FFFF00"/>
-                </a:highlight>
-              </a:rPr>
-              <a:t>Parallelize 1. Theta = 0.05, T= 80s</a:t>
-            </a:r>
-          </a:p>
-          <a:p>
-            <a:pPr marL="514350" indent="-514350">
-              <a:buFontTx/>
-              <a:buAutoNum type="arabicPeriod"/>
-            </a:pPr>
-            <a:r>
-              <a:rPr lang="en-US" altLang="zh-TW" sz="2600" dirty="0">
-                <a:highlight>
-                  <a:srgbClr val="FFFF00"/>
-                </a:highlight>
-              </a:rPr>
-              <a:t>Fixed N but Change Theta</a:t>
-            </a:r>
-          </a:p>
-          <a:p>
-            <a:pPr marL="514350" indent="-514350">
-              <a:buAutoNum type="arabicPeriod"/>
-            </a:pPr>
-            <a:endParaRPr lang="en-US" altLang="zh-TW" sz="2600" dirty="0">
-              <a:highlight>
-                <a:srgbClr val="FFFF00"/>
-              </a:highlight>
-            </a:endParaRPr>
+            <a:endParaRPr lang="zh-TW" altLang="en-US" sz="2000" dirty="0"/>
           </a:p>
         </p:txBody>
       </p:sp>
     </p:spTree>
     <p:extLst>
       <p:ext uri="{BB962C8B-B14F-4D97-AF65-F5344CB8AC3E}">
-        <p14:creationId xmlns:p14="http://schemas.microsoft.com/office/powerpoint/2010/main" val="3146584508"/>
+        <p14:creationId xmlns:p14="http://schemas.microsoft.com/office/powerpoint/2010/main" val="2763842666"/>
       </p:ext>
     </p:extLst>
   </p:cSld>
@@ -4772,7 +4609,7 @@
         </p:nvSpPr>
         <p:spPr>
           <a:xfrm>
-            <a:off x="628650" y="365126"/>
+            <a:off x="628650" y="320882"/>
             <a:ext cx="7886700" cy="1325563"/>
           </a:xfrm>
         </p:spPr>
@@ -4782,7 +4619,15 @@
           <a:p>
             <a:r>
               <a:rPr lang="en-US" altLang="zh-TW" dirty="0"/>
-              <a:t>Problems we met</a:t>
+              <a:t>Our Tree Algorithm</a:t>
+            </a:r>
+            <a:r>
+              <a:rPr lang="zh-TW" altLang="en-US" dirty="0"/>
+              <a:t> </a:t>
+            </a:r>
+            <a:r>
+              <a:rPr lang="en-US" altLang="zh-TW" dirty="0"/>
+              <a:t>[Python]</a:t>
             </a:r>
             <a:endParaRPr lang="zh-TW" altLang="en-US" dirty="0"/>
           </a:p>
@@ -4813,7 +4658,7 @@
               <a:rPr lang="zh-TW" altLang="en-US" smtClean="0"/>
               <a:t>11</a:t>
             </a:fld>
-            <a:endParaRPr lang="zh-TW" altLang="en-US" dirty="0"/>
+            <a:endParaRPr lang="zh-TW" altLang="en-US"/>
           </a:p>
         </p:txBody>
       </p:sp>
@@ -4871,10 +4716,10 @@
       </p:sp>
       <p:sp>
         <p:nvSpPr>
-          <p:cNvPr id="7" name="文字方塊 6">
-            <a:extLst>
-              <a:ext uri="{FF2B5EF4-FFF2-40B4-BE49-F238E27FC236}">
-                <a16:creationId xmlns:a16="http://schemas.microsoft.com/office/drawing/2014/main" id="{B69F6069-91C8-484E-82C1-0D4F4EF155D4}"/>
+          <p:cNvPr id="5" name="文字方塊 4">
+            <a:extLst>
+              <a:ext uri="{FF2B5EF4-FFF2-40B4-BE49-F238E27FC236}">
+                <a16:creationId xmlns:a16="http://schemas.microsoft.com/office/drawing/2014/main" id="{404466CD-79A9-483E-96AE-873A7E783FCA}"/>
               </a:ext>
             </a:extLst>
           </p:cNvPr>
@@ -4883,8 +4728,8 @@
         </p:nvSpPr>
         <p:spPr>
           <a:xfrm>
-            <a:off x="613458" y="1690689"/>
-            <a:ext cx="5441902" cy="492443"/>
+            <a:off x="3850297" y="1206785"/>
+            <a:ext cx="5567422" cy="2246769"/>
           </a:xfrm>
           <a:prstGeom prst="rect">
             <a:avLst/>
@@ -4898,137 +4743,48 @@
           <a:lstStyle/>
           <a:p>
             <a:r>
-              <a:rPr lang="en-US" altLang="zh-TW" sz="2600" dirty="0"/>
-              <a:t>&gt;&gt; Python (2 dimensional)</a:t>
+              <a:rPr lang="en-US" altLang="zh-TW" sz="2000" dirty="0"/>
+              <a:t>Insert particle</a:t>
             </a:r>
-            <a:endParaRPr lang="zh-TW" altLang="en-US" sz="2600" dirty="0"/>
-          </a:p>
-        </p:txBody>
-      </p:sp>
-      <p:sp>
-        <p:nvSpPr>
-          <p:cNvPr id="18" name="文字方塊 17">
-            <a:extLst>
-              <a:ext uri="{FF2B5EF4-FFF2-40B4-BE49-F238E27FC236}">
-                <a16:creationId xmlns:a16="http://schemas.microsoft.com/office/drawing/2014/main" id="{FBCE05A8-3D36-40C9-ABC0-32839C344856}"/>
-              </a:ext>
-            </a:extLst>
-          </p:cNvPr>
-          <p:cNvSpPr txBox="1"/>
-          <p:nvPr/>
-        </p:nvSpPr>
-        <p:spPr>
-          <a:xfrm>
-            <a:off x="495740" y="4183266"/>
-            <a:ext cx="5441902" cy="461665"/>
-          </a:xfrm>
-          <a:prstGeom prst="rect">
-            <a:avLst/>
-          </a:prstGeom>
-          <a:noFill/>
-        </p:spPr>
-        <p:txBody>
-          <a:bodyPr wrap="square" rtlCol="0">
-            <a:spAutoFit/>
-          </a:bodyPr>
-          <a:lstStyle/>
+          </a:p>
           <a:p>
             <a:r>
-              <a:rPr lang="en-US" altLang="zh-TW" sz="2400" dirty="0"/>
-              <a:t>&gt;&gt; C++ (3 dimensional)</a:t>
+              <a:rPr lang="en-US" altLang="zh-TW" sz="2000" dirty="0"/>
+              <a:t>&gt;&gt; Identify the body one by one</a:t>
             </a:r>
-            <a:endParaRPr lang="zh-TW" altLang="en-US" sz="2400" dirty="0"/>
-          </a:p>
-        </p:txBody>
-      </p:sp>
-      <p:sp>
-        <p:nvSpPr>
-          <p:cNvPr id="23" name="矩形 22">
-            <a:extLst>
-              <a:ext uri="{FF2B5EF4-FFF2-40B4-BE49-F238E27FC236}">
-                <a16:creationId xmlns:a16="http://schemas.microsoft.com/office/drawing/2014/main" id="{019391A9-2240-41CF-90FA-9945F22B2110}"/>
-              </a:ext>
-            </a:extLst>
-          </p:cNvPr>
-          <p:cNvSpPr/>
-          <p:nvPr/>
-        </p:nvSpPr>
-        <p:spPr>
-          <a:xfrm>
-            <a:off x="1431857" y="4725972"/>
-            <a:ext cx="6775701" cy="892552"/>
-          </a:xfrm>
-          <a:prstGeom prst="rect">
-            <a:avLst/>
-          </a:prstGeom>
-        </p:spPr>
-        <p:txBody>
-          <a:bodyPr wrap="none">
-            <a:spAutoFit/>
-          </a:bodyPr>
-          <a:lstStyle/>
+          </a:p>
           <a:p>
             <a:r>
-              <a:rPr lang="en-US" altLang="zh-TW" sz="2600" dirty="0"/>
-              <a:t>the outcome Not corresponds to Already known </a:t>
+              <a:rPr lang="en-US" altLang="zh-TW" sz="2000" dirty="0"/>
+              <a:t>Check the boundary first</a:t>
             </a:r>
           </a:p>
           <a:p>
+            <a:endParaRPr lang="en-US" altLang="zh-TW" sz="2000" dirty="0"/>
+          </a:p>
+          <a:p>
             <a:r>
-              <a:rPr lang="en-US" altLang="zh-TW" sz="2600" dirty="0"/>
-              <a:t>of initial condition (3D)</a:t>
+              <a:rPr lang="en-US" altLang="zh-TW" sz="2000" dirty="0"/>
+              <a:t>If the square are contains more than one,</a:t>
             </a:r>
           </a:p>
-        </p:txBody>
-      </p:sp>
-      <p:sp>
-        <p:nvSpPr>
-          <p:cNvPr id="16" name="矩形 15">
-            <a:extLst>
-              <a:ext uri="{FF2B5EF4-FFF2-40B4-BE49-F238E27FC236}">
-                <a16:creationId xmlns:a16="http://schemas.microsoft.com/office/drawing/2014/main" id="{82EC5101-2526-4197-95F0-EC161AF3596D}"/>
-              </a:ext>
-            </a:extLst>
-          </p:cNvPr>
-          <p:cNvSpPr/>
-          <p:nvPr/>
-        </p:nvSpPr>
-        <p:spPr>
-          <a:xfrm>
-            <a:off x="1431857" y="2425836"/>
-            <a:ext cx="5623655" cy="492443"/>
-          </a:xfrm>
-          <a:prstGeom prst="rect">
-            <a:avLst/>
-          </a:prstGeom>
-        </p:spPr>
-        <p:txBody>
-          <a:bodyPr wrap="none">
-            <a:spAutoFit/>
-          </a:bodyPr>
-          <a:lstStyle/>
           <a:p>
             <a:r>
-              <a:rPr lang="en-US" altLang="zh-TW" sz="2600" dirty="0"/>
-              <a:t>Fail to run the file in the form of </a:t>
+              <a:rPr lang="en-US" altLang="zh-TW" sz="2000" dirty="0"/>
+              <a:t>then subdivide the square.</a:t>
             </a:r>
-            <a:r>
-              <a:rPr lang="en-US" altLang="zh-TW" sz="2600" dirty="0" err="1"/>
-              <a:t>Cython</a:t>
-            </a:r>
-            <a:r>
-              <a:rPr lang="en-US" altLang="zh-TW" sz="2600" dirty="0"/>
-              <a:t> </a:t>
-            </a:r>
+          </a:p>
+          <a:p>
+            <a:endParaRPr lang="en-US" altLang="zh-TW" sz="2000" dirty="0"/>
           </a:p>
         </p:txBody>
       </p:sp>
       <p:pic>
         <p:nvPicPr>
-          <p:cNvPr id="5" name="圖形 4" descr="關閉">
-            <a:extLst>
-              <a:ext uri="{FF2B5EF4-FFF2-40B4-BE49-F238E27FC236}">
-                <a16:creationId xmlns:a16="http://schemas.microsoft.com/office/drawing/2014/main" id="{ACF24DBC-2870-4183-8870-FB0AEF6863CD}"/>
+          <p:cNvPr id="7" name="圖片 6">
+            <a:extLst>
+              <a:ext uri="{FF2B5EF4-FFF2-40B4-BE49-F238E27FC236}">
+                <a16:creationId xmlns:a16="http://schemas.microsoft.com/office/drawing/2014/main" id="{9A22DDA1-7CB7-4EE8-9180-03E0C472F4BE}"/>
               </a:ext>
             </a:extLst>
           </p:cNvPr>
@@ -5037,37 +4793,114 @@
           </p:cNvPicPr>
           <p:nvPr/>
         </p:nvPicPr>
-        <p:blipFill>
-          <a:blip r:embed="rId3">
-            <a:extLst>
-              <a:ext uri="{28A0092B-C50C-407E-A947-70E740481C1C}">
-                <a14:useLocalDpi xmlns:a14="http://schemas.microsoft.com/office/drawing/2010/main" val="0"/>
-              </a:ext>
-              <a:ext uri="{96DAC541-7B7A-43D3-8B79-37D633B846F1}">
-                <asvg:svgBlip xmlns:asvg="http://schemas.microsoft.com/office/drawing/2016/SVG/main" r:embed="rId4"/>
-              </a:ext>
-            </a:extLst>
-          </a:blip>
-          <a:stretch>
-            <a:fillRect/>
-          </a:stretch>
+        <p:blipFill rotWithShape="1">
+          <a:blip r:embed="rId2"/>
+          <a:srcRect r="44725"/>
+          <a:stretch/>
         </p:blipFill>
         <p:spPr>
           <a:xfrm>
-            <a:off x="474257" y="2259918"/>
-            <a:ext cx="756334" cy="756334"/>
+            <a:off x="256873" y="1227261"/>
+            <a:ext cx="3454113" cy="2857748"/>
           </a:xfrm>
           <a:prstGeom prst="rect">
             <a:avLst/>
           </a:prstGeom>
         </p:spPr>
       </p:pic>
-      <p:sp>
-        <p:nvSpPr>
-          <p:cNvPr id="28" name="矩形 27">
-            <a:extLst>
-              <a:ext uri="{FF2B5EF4-FFF2-40B4-BE49-F238E27FC236}">
-                <a16:creationId xmlns:a16="http://schemas.microsoft.com/office/drawing/2014/main" id="{B5E70132-7B13-4653-8C00-EE8D817BCED9}"/>
+      <p:pic>
+        <p:nvPicPr>
+          <p:cNvPr id="8" name="圖片 7">
+            <a:extLst>
+              <a:ext uri="{FF2B5EF4-FFF2-40B4-BE49-F238E27FC236}">
+                <a16:creationId xmlns:a16="http://schemas.microsoft.com/office/drawing/2014/main" id="{D9DFB463-A548-4A09-8479-0BB1E93A0D1B}"/>
+              </a:ext>
+            </a:extLst>
+          </p:cNvPr>
+          <p:cNvPicPr>
+            <a:picLocks noChangeAspect="1"/>
+          </p:cNvPicPr>
+          <p:nvPr/>
+        </p:nvPicPr>
+        <p:blipFill rotWithShape="1">
+          <a:blip r:embed="rId3"/>
+          <a:srcRect t="-1" b="68728"/>
+          <a:stretch/>
+        </p:blipFill>
+        <p:spPr>
+          <a:xfrm>
+            <a:off x="256873" y="3923711"/>
+            <a:ext cx="6340389" cy="1067677"/>
+          </a:xfrm>
+          <a:prstGeom prst="rect">
+            <a:avLst/>
+          </a:prstGeom>
+        </p:spPr>
+      </p:pic>
+      <p:pic>
+        <p:nvPicPr>
+          <p:cNvPr id="11" name="圖片 10">
+            <a:extLst>
+              <a:ext uri="{FF2B5EF4-FFF2-40B4-BE49-F238E27FC236}">
+                <a16:creationId xmlns:a16="http://schemas.microsoft.com/office/drawing/2014/main" id="{9EB9704B-6F51-41D2-BE4C-D626E9DE8ACC}"/>
+              </a:ext>
+            </a:extLst>
+          </p:cNvPr>
+          <p:cNvPicPr>
+            <a:picLocks noChangeAspect="1"/>
+          </p:cNvPicPr>
+          <p:nvPr/>
+        </p:nvPicPr>
+        <p:blipFill rotWithShape="1">
+          <a:blip r:embed="rId3"/>
+          <a:srcRect t="58953"/>
+          <a:stretch/>
+        </p:blipFill>
+        <p:spPr>
+          <a:xfrm>
+            <a:off x="256871" y="5456651"/>
+            <a:ext cx="6340389" cy="1401349"/>
+          </a:xfrm>
+          <a:prstGeom prst="rect">
+            <a:avLst/>
+          </a:prstGeom>
+        </p:spPr>
+      </p:pic>
+      <p:pic>
+        <p:nvPicPr>
+          <p:cNvPr id="12" name="圖片 11">
+            <a:extLst>
+              <a:ext uri="{FF2B5EF4-FFF2-40B4-BE49-F238E27FC236}">
+                <a16:creationId xmlns:a16="http://schemas.microsoft.com/office/drawing/2014/main" id="{1F31C226-80C6-4C3F-B099-C00B31224C4D}"/>
+              </a:ext>
+            </a:extLst>
+          </p:cNvPr>
+          <p:cNvPicPr>
+            <a:picLocks noChangeAspect="1"/>
+          </p:cNvPicPr>
+          <p:nvPr/>
+        </p:nvPicPr>
+        <p:blipFill rotWithShape="1">
+          <a:blip r:embed="rId3"/>
+          <a:srcRect t="34031" b="41981"/>
+          <a:stretch/>
+        </p:blipFill>
+        <p:spPr>
+          <a:xfrm>
+            <a:off x="256872" y="4901895"/>
+            <a:ext cx="6340389" cy="818967"/>
+          </a:xfrm>
+          <a:prstGeom prst="rect">
+            <a:avLst/>
+          </a:prstGeom>
+        </p:spPr>
+      </p:pic>
+      <p:sp>
+        <p:nvSpPr>
+          <p:cNvPr id="9" name="矩形 8">
+            <a:extLst>
+              <a:ext uri="{FF2B5EF4-FFF2-40B4-BE49-F238E27FC236}">
+                <a16:creationId xmlns:a16="http://schemas.microsoft.com/office/drawing/2014/main" id="{7BD936AD-C66F-4F75-954F-CEA7BF3D0FFA}"/>
               </a:ext>
             </a:extLst>
           </p:cNvPr>
@@ -5076,47 +4909,18 @@
         </p:nvSpPr>
         <p:spPr>
           <a:xfrm>
-            <a:off x="1431857" y="3306881"/>
-            <a:ext cx="7828361" cy="492443"/>
+            <a:off x="752168" y="2330169"/>
+            <a:ext cx="2802193" cy="1067677"/>
           </a:xfrm>
           <a:prstGeom prst="rect">
             <a:avLst/>
           </a:prstGeom>
-        </p:spPr>
-        <p:txBody>
-          <a:bodyPr wrap="none">
-            <a:spAutoFit/>
-          </a:bodyPr>
-          <a:lstStyle/>
-          <a:p>
-            <a:r>
-              <a:rPr lang="en-US" altLang="zh-TW" sz="2600" dirty="0"/>
-              <a:t>Familiar “multithreading” &amp;“multiprocessing” in Python</a:t>
-            </a:r>
-          </a:p>
-        </p:txBody>
-      </p:sp>
-      <p:sp>
-        <p:nvSpPr>
-          <p:cNvPr id="4" name="圓形: 空心 3">
-            <a:extLst>
-              <a:ext uri="{FF2B5EF4-FFF2-40B4-BE49-F238E27FC236}">
-                <a16:creationId xmlns:a16="http://schemas.microsoft.com/office/drawing/2014/main" id="{8202CDDE-7D64-4FA6-BA00-9A618C90C985}"/>
-              </a:ext>
-            </a:extLst>
-          </p:cNvPr>
-          <p:cNvSpPr/>
-          <p:nvPr/>
-        </p:nvSpPr>
-        <p:spPr>
-          <a:xfrm>
-            <a:off x="499415" y="3235434"/>
-            <a:ext cx="756334" cy="756334"/>
-          </a:xfrm>
-          <a:prstGeom prst="donut">
-            <a:avLst/>
-          </a:prstGeom>
-          <a:ln w="3175"/>
+          <a:noFill/>
+          <a:ln w="28575">
+            <a:solidFill>
+              <a:srgbClr val="C00000"/>
+            </a:solidFill>
+          </a:ln>
         </p:spPr>
         <p:style>
           <a:lnRef idx="2">
@@ -5139,71 +4943,51 @@
           <a:lstStyle/>
           <a:p>
             <a:pPr algn="ctr"/>
-            <a:endParaRPr lang="zh-TW" altLang="en-US">
-              <a:solidFill>
-                <a:schemeClr val="tx1"/>
-              </a:solidFill>
-            </a:endParaRPr>
-          </a:p>
-        </p:txBody>
-      </p:sp>
-      <p:sp>
-        <p:nvSpPr>
-          <p:cNvPr id="30" name="圓形: 空心 29">
-            <a:extLst>
-              <a:ext uri="{FF2B5EF4-FFF2-40B4-BE49-F238E27FC236}">
-                <a16:creationId xmlns:a16="http://schemas.microsoft.com/office/drawing/2014/main" id="{4F8C31CF-23F1-4570-948C-E59548DC747D}"/>
-              </a:ext>
-            </a:extLst>
-          </p:cNvPr>
-          <p:cNvSpPr/>
+            <a:endParaRPr lang="zh-TW" altLang="en-US"/>
+          </a:p>
+        </p:txBody>
+      </p:sp>
+      <p:sp>
+        <p:nvSpPr>
+          <p:cNvPr id="14" name="文字方塊 13">
+            <a:extLst>
+              <a:ext uri="{FF2B5EF4-FFF2-40B4-BE49-F238E27FC236}">
+                <a16:creationId xmlns:a16="http://schemas.microsoft.com/office/drawing/2014/main" id="{F9AA7C48-8209-4608-9ACC-F0182213AF96}"/>
+              </a:ext>
+            </a:extLst>
+          </p:cNvPr>
+          <p:cNvSpPr txBox="1"/>
           <p:nvPr/>
         </p:nvSpPr>
         <p:spPr>
           <a:xfrm>
-            <a:off x="499415" y="5666506"/>
-            <a:ext cx="756334" cy="756334"/>
-          </a:xfrm>
-          <a:prstGeom prst="donut">
-            <a:avLst/>
-          </a:prstGeom>
-          <a:ln w="3175"/>
-        </p:spPr>
-        <p:style>
-          <a:lnRef idx="2">
-            <a:schemeClr val="accent1">
-              <a:shade val="50000"/>
-            </a:schemeClr>
-          </a:lnRef>
-          <a:fillRef idx="1">
-            <a:schemeClr val="accent1"/>
-          </a:fillRef>
-          <a:effectRef idx="0">
-            <a:schemeClr val="accent1"/>
-          </a:effectRef>
-          <a:fontRef idx="minor">
-            <a:schemeClr val="lt1"/>
-          </a:fontRef>
-        </p:style>
-        <p:txBody>
-          <a:bodyPr rtlCol="0" anchor="ctr"/>
-          <a:lstStyle/>
-          <a:p>
-            <a:pPr algn="ctr"/>
-            <a:endParaRPr lang="zh-TW" altLang="en-US">
-              <a:solidFill>
-                <a:schemeClr val="tx1"/>
-              </a:solidFill>
-            </a:endParaRPr>
+            <a:off x="6814914" y="5058495"/>
+            <a:ext cx="2100719" cy="1015663"/>
+          </a:xfrm>
+          <a:prstGeom prst="rect">
+            <a:avLst/>
+          </a:prstGeom>
+          <a:noFill/>
+        </p:spPr>
+        <p:txBody>
+          <a:bodyPr wrap="square" rtlCol="0">
+            <a:spAutoFit/>
+          </a:bodyPr>
+          <a:lstStyle/>
+          <a:p>
+            <a:r>
+              <a:rPr lang="en-US" altLang="zh-TW" sz="2000" dirty="0"/>
+              <a:t>Put those particles into new squares.</a:t>
+            </a:r>
           </a:p>
         </p:txBody>
       </p:sp>
       <p:pic>
         <p:nvPicPr>
-          <p:cNvPr id="31" name="圖形 30" descr="核取記號">
-            <a:extLst>
-              <a:ext uri="{FF2B5EF4-FFF2-40B4-BE49-F238E27FC236}">
-                <a16:creationId xmlns:a16="http://schemas.microsoft.com/office/drawing/2014/main" id="{7B7FA764-7C77-4474-A009-0A0F0FDFA302}"/>
+          <p:cNvPr id="13" name="圖片 12">
+            <a:extLst>
+              <a:ext uri="{FF2B5EF4-FFF2-40B4-BE49-F238E27FC236}">
+                <a16:creationId xmlns:a16="http://schemas.microsoft.com/office/drawing/2014/main" id="{62971FB3-240C-4034-B384-25FBE01BCC80}"/>
               </a:ext>
             </a:extLst>
           </p:cNvPr>
@@ -5212,25 +4996,15 @@
           </p:cNvPicPr>
           <p:nvPr/>
         </p:nvPicPr>
-        <p:blipFill>
-          <a:blip r:embed="rId5">
-            <a:extLst>
-              <a:ext uri="{28A0092B-C50C-407E-A947-70E740481C1C}">
-                <a14:useLocalDpi xmlns:a14="http://schemas.microsoft.com/office/drawing/2010/main" val="0"/>
-              </a:ext>
-              <a:ext uri="{96DAC541-7B7A-43D3-8B79-37D633B846F1}">
-                <asvg:svgBlip xmlns:asvg="http://schemas.microsoft.com/office/drawing/2016/SVG/main" r:embed="rId6"/>
-              </a:ext>
-            </a:extLst>
-          </a:blip>
-          <a:stretch>
-            <a:fillRect/>
-          </a:stretch>
+        <p:blipFill rotWithShape="1">
+          <a:blip r:embed="rId4"/>
+          <a:srcRect r="40795"/>
+          <a:stretch/>
         </p:blipFill>
         <p:spPr>
           <a:xfrm>
-            <a:off x="619623" y="4868064"/>
-            <a:ext cx="628652" cy="628652"/>
+            <a:off x="3850297" y="1498799"/>
+            <a:ext cx="3862138" cy="1798476"/>
           </a:xfrm>
           <a:prstGeom prst="rect">
             <a:avLst/>
@@ -5239,10 +5013,10 @@
       </p:pic>
       <p:sp>
         <p:nvSpPr>
-          <p:cNvPr id="32" name="矩形 31">
-            <a:extLst>
-              <a:ext uri="{FF2B5EF4-FFF2-40B4-BE49-F238E27FC236}">
-                <a16:creationId xmlns:a16="http://schemas.microsoft.com/office/drawing/2014/main" id="{ED239C83-5955-4468-A6C8-D9F811D8613B}"/>
+          <p:cNvPr id="15" name="矩形 14">
+            <a:extLst>
+              <a:ext uri="{FF2B5EF4-FFF2-40B4-BE49-F238E27FC236}">
+                <a16:creationId xmlns:a16="http://schemas.microsoft.com/office/drawing/2014/main" id="{47579CCA-8E12-4D7F-890C-1C25223A5CB1}"/>
               </a:ext>
             </a:extLst>
           </p:cNvPr>
@@ -5251,42 +5025,251 @@
         </p:nvSpPr>
         <p:spPr>
           <a:xfrm>
-            <a:off x="1431857" y="5706262"/>
-            <a:ext cx="6546216" cy="892552"/>
+            <a:off x="3874729" y="3204533"/>
+            <a:ext cx="4572000" cy="707886"/>
           </a:xfrm>
           <a:prstGeom prst="rect">
             <a:avLst/>
           </a:prstGeom>
         </p:spPr>
         <p:txBody>
-          <a:bodyPr wrap="none">
+          <a:bodyPr>
             <a:spAutoFit/>
           </a:bodyPr>
           <a:lstStyle/>
           <a:p>
             <a:r>
-              <a:rPr lang="en-US" altLang="zh-TW" sz="2600" dirty="0"/>
-              <a:t>Discussion &amp; Check lines of programming again</a:t>
+              <a:rPr lang="en-US" altLang="zh-TW" sz="2000" dirty="0"/>
+              <a:t>Subdivide: 1 square generates 4 children squares.</a:t>
             </a:r>
-          </a:p>
-          <a:p>
-            <a:r>
-              <a:rPr lang="en-US" altLang="zh-TW" sz="2600" dirty="0"/>
-              <a:t>&gt;&gt;Typing Error in the acceleration part</a:t>
-            </a:r>
+            <a:endParaRPr lang="zh-TW" altLang="en-US" sz="2000" dirty="0"/>
           </a:p>
         </p:txBody>
       </p:sp>
     </p:spTree>
     <p:extLst>
       <p:ext uri="{BB962C8B-B14F-4D97-AF65-F5344CB8AC3E}">
-        <p14:creationId xmlns:p14="http://schemas.microsoft.com/office/powerpoint/2010/main" val="995690128"/>
+        <p14:creationId xmlns:p14="http://schemas.microsoft.com/office/powerpoint/2010/main" val="4095283552"/>
       </p:ext>
     </p:extLst>
   </p:cSld>
   <p:clrMapOvr>
     <a:masterClrMapping/>
   </p:clrMapOvr>
+  <p:timing>
+    <p:tnLst>
+      <p:par>
+        <p:cTn id="1" dur="indefinite" restart="never" nodeType="tmRoot">
+          <p:childTnLst>
+            <p:seq concurrent="1" nextAc="seek">
+              <p:cTn id="2" dur="indefinite" nodeType="mainSeq">
+                <p:childTnLst>
+                  <p:par>
+                    <p:cTn id="3" fill="hold">
+                      <p:stCondLst>
+                        <p:cond delay="indefinite"/>
+                      </p:stCondLst>
+                      <p:childTnLst>
+                        <p:par>
+                          <p:cTn id="4" fill="hold">
+                            <p:stCondLst>
+                              <p:cond delay="0"/>
+                            </p:stCondLst>
+                            <p:childTnLst>
+                              <p:par>
+                                <p:cTn id="5" presetID="1" presetClass="entr" presetSubtype="0" fill="hold" nodeType="clickEffect">
+                                  <p:stCondLst>
+                                    <p:cond delay="0"/>
+                                  </p:stCondLst>
+                                  <p:childTnLst>
+                                    <p:set>
+                                      <p:cBhvr>
+                                        <p:cTn id="6" dur="1" fill="hold">
+                                          <p:stCondLst>
+                                            <p:cond delay="0"/>
+                                          </p:stCondLst>
+                                        </p:cTn>
+                                        <p:tgtEl>
+                                          <p:spTgt spid="13"/>
+                                        </p:tgtEl>
+                                        <p:attrNameLst>
+                                          <p:attrName>style.visibility</p:attrName>
+                                        </p:attrNameLst>
+                                      </p:cBhvr>
+                                      <p:to>
+                                        <p:strVal val="visible"/>
+                                      </p:to>
+                                    </p:set>
+                                  </p:childTnLst>
+                                </p:cTn>
+                              </p:par>
+                              <p:par>
+                                <p:cTn id="7" presetID="1" presetClass="entr" presetSubtype="0" fill="hold" grpId="0" nodeType="withEffect">
+                                  <p:stCondLst>
+                                    <p:cond delay="0"/>
+                                  </p:stCondLst>
+                                  <p:childTnLst>
+                                    <p:set>
+                                      <p:cBhvr>
+                                        <p:cTn id="8" dur="1" fill="hold">
+                                          <p:stCondLst>
+                                            <p:cond delay="0"/>
+                                          </p:stCondLst>
+                                        </p:cTn>
+                                        <p:tgtEl>
+                                          <p:spTgt spid="15"/>
+                                        </p:tgtEl>
+                                        <p:attrNameLst>
+                                          <p:attrName>style.visibility</p:attrName>
+                                        </p:attrNameLst>
+                                      </p:cBhvr>
+                                      <p:to>
+                                        <p:strVal val="visible"/>
+                                      </p:to>
+                                    </p:set>
+                                  </p:childTnLst>
+                                </p:cTn>
+                              </p:par>
+                              <p:par>
+                                <p:cTn id="9" presetID="1" presetClass="entr" presetSubtype="0" fill="hold" grpId="0" nodeType="withEffect">
+                                  <p:stCondLst>
+                                    <p:cond delay="0"/>
+                                  </p:stCondLst>
+                                  <p:childTnLst>
+                                    <p:set>
+                                      <p:cBhvr>
+                                        <p:cTn id="10" dur="1" fill="hold">
+                                          <p:stCondLst>
+                                            <p:cond delay="0"/>
+                                          </p:stCondLst>
+                                        </p:cTn>
+                                        <p:tgtEl>
+                                          <p:spTgt spid="14"/>
+                                        </p:tgtEl>
+                                        <p:attrNameLst>
+                                          <p:attrName>style.visibility</p:attrName>
+                                        </p:attrNameLst>
+                                      </p:cBhvr>
+                                      <p:to>
+                                        <p:strVal val="visible"/>
+                                      </p:to>
+                                    </p:set>
+                                  </p:childTnLst>
+                                </p:cTn>
+                              </p:par>
+                              <p:par>
+                                <p:cTn id="11" presetID="1" presetClass="entr" presetSubtype="0" fill="hold" nodeType="withEffect">
+                                  <p:stCondLst>
+                                    <p:cond delay="0"/>
+                                  </p:stCondLst>
+                                  <p:childTnLst>
+                                    <p:set>
+                                      <p:cBhvr>
+                                        <p:cTn id="12" dur="1" fill="hold">
+                                          <p:stCondLst>
+                                            <p:cond delay="0"/>
+                                          </p:stCondLst>
+                                        </p:cTn>
+                                        <p:tgtEl>
+                                          <p:spTgt spid="8"/>
+                                        </p:tgtEl>
+                                        <p:attrNameLst>
+                                          <p:attrName>style.visibility</p:attrName>
+                                        </p:attrNameLst>
+                                      </p:cBhvr>
+                                      <p:to>
+                                        <p:strVal val="visible"/>
+                                      </p:to>
+                                    </p:set>
+                                  </p:childTnLst>
+                                </p:cTn>
+                              </p:par>
+                              <p:par>
+                                <p:cTn id="13" presetID="1" presetClass="entr" presetSubtype="0" fill="hold" nodeType="withEffect">
+                                  <p:stCondLst>
+                                    <p:cond delay="0"/>
+                                  </p:stCondLst>
+                                  <p:childTnLst>
+                                    <p:set>
+                                      <p:cBhvr>
+                                        <p:cTn id="14" dur="1" fill="hold">
+                                          <p:stCondLst>
+                                            <p:cond delay="0"/>
+                                          </p:stCondLst>
+                                        </p:cTn>
+                                        <p:tgtEl>
+                                          <p:spTgt spid="11"/>
+                                        </p:tgtEl>
+                                        <p:attrNameLst>
+                                          <p:attrName>style.visibility</p:attrName>
+                                        </p:attrNameLst>
+                                      </p:cBhvr>
+                                      <p:to>
+                                        <p:strVal val="visible"/>
+                                      </p:to>
+                                    </p:set>
+                                  </p:childTnLst>
+                                </p:cTn>
+                              </p:par>
+                              <p:par>
+                                <p:cTn id="15" presetID="1" presetClass="entr" presetSubtype="0" fill="hold" nodeType="withEffect">
+                                  <p:stCondLst>
+                                    <p:cond delay="0"/>
+                                  </p:stCondLst>
+                                  <p:childTnLst>
+                                    <p:set>
+                                      <p:cBhvr>
+                                        <p:cTn id="16" dur="1" fill="hold">
+                                          <p:stCondLst>
+                                            <p:cond delay="0"/>
+                                          </p:stCondLst>
+                                        </p:cTn>
+                                        <p:tgtEl>
+                                          <p:spTgt spid="12"/>
+                                        </p:tgtEl>
+                                        <p:attrNameLst>
+                                          <p:attrName>style.visibility</p:attrName>
+                                        </p:attrNameLst>
+                                      </p:cBhvr>
+                                      <p:to>
+                                        <p:strVal val="visible"/>
+                                      </p:to>
+                                    </p:set>
+                                  </p:childTnLst>
+                                </p:cTn>
+                              </p:par>
+                            </p:childTnLst>
+                          </p:cTn>
+                        </p:par>
+                      </p:childTnLst>
+                    </p:cTn>
+                  </p:par>
+                </p:childTnLst>
+              </p:cTn>
+              <p:prevCondLst>
+                <p:cond evt="onPrev" delay="0">
+                  <p:tgtEl>
+                    <p:sldTgt/>
+                  </p:tgtEl>
+                </p:cond>
+              </p:prevCondLst>
+              <p:nextCondLst>
+                <p:cond evt="onNext" delay="0">
+                  <p:tgtEl>
+                    <p:sldTgt/>
+                  </p:tgtEl>
+                </p:cond>
+              </p:nextCondLst>
+            </p:seq>
+          </p:childTnLst>
+        </p:cTn>
+      </p:par>
+    </p:tnLst>
+    <p:bldLst>
+      <p:bldP spid="14" grpId="0"/>
+      <p:bldP spid="15" grpId="0"/>
+    </p:bldLst>
+  </p:timing>
 </p:sld>
 </file>
 
@@ -5325,7 +5308,7 @@
         </p:nvSpPr>
         <p:spPr>
           <a:xfrm>
-            <a:off x="628650" y="365126"/>
+            <a:off x="628650" y="320882"/>
             <a:ext cx="7886700" cy="1325563"/>
           </a:xfrm>
         </p:spPr>
@@ -5335,7 +5318,15 @@
           <a:p>
             <a:r>
               <a:rPr lang="en-US" altLang="zh-TW" dirty="0"/>
-              <a:t>Reference</a:t>
+              <a:t>Our Tree Algorithm</a:t>
+            </a:r>
+            <a:r>
+              <a:rPr lang="zh-TW" altLang="en-US" dirty="0"/>
+              <a:t> </a:t>
+            </a:r>
+            <a:r>
+              <a:rPr lang="en-US" altLang="zh-TW" dirty="0"/>
+              <a:t>[Python]</a:t>
             </a:r>
             <a:endParaRPr lang="zh-TW" altLang="en-US" dirty="0"/>
           </a:p>
@@ -5365,6 +5356,1846 @@
             <a:fld id="{2E159C05-F6BE-49BE-9845-E33F6769C88E}" type="slidenum">
               <a:rPr lang="zh-TW" altLang="en-US" smtClean="0"/>
               <a:t>12</a:t>
+            </a:fld>
+            <a:endParaRPr lang="zh-TW" altLang="en-US"/>
+          </a:p>
+        </p:txBody>
+      </p:sp>
+      <p:sp>
+        <p:nvSpPr>
+          <p:cNvPr id="10" name="橢圓 9">
+            <a:extLst>
+              <a:ext uri="{FF2B5EF4-FFF2-40B4-BE49-F238E27FC236}">
+                <a16:creationId xmlns:a16="http://schemas.microsoft.com/office/drawing/2014/main" id="{AD8E3C44-ED3F-42C6-A281-14BF36E78898}"/>
+              </a:ext>
+            </a:extLst>
+          </p:cNvPr>
+          <p:cNvSpPr/>
+          <p:nvPr/>
+        </p:nvSpPr>
+        <p:spPr>
+          <a:xfrm>
+            <a:off x="6457950" y="-1551947"/>
+            <a:ext cx="3862137" cy="2971800"/>
+          </a:xfrm>
+          <a:prstGeom prst="ellipse">
+            <a:avLst/>
+          </a:prstGeom>
+          <a:solidFill>
+            <a:schemeClr val="accent2"/>
+          </a:solidFill>
+          <a:ln>
+            <a:noFill/>
+          </a:ln>
+        </p:spPr>
+        <p:style>
+          <a:lnRef idx="2">
+            <a:schemeClr val="accent1">
+              <a:shade val="50000"/>
+            </a:schemeClr>
+          </a:lnRef>
+          <a:fillRef idx="1">
+            <a:schemeClr val="accent1"/>
+          </a:fillRef>
+          <a:effectRef idx="0">
+            <a:schemeClr val="accent1"/>
+          </a:effectRef>
+          <a:fontRef idx="minor">
+            <a:schemeClr val="lt1"/>
+          </a:fontRef>
+        </p:style>
+        <p:txBody>
+          <a:bodyPr rtlCol="0" anchor="ctr"/>
+          <a:lstStyle/>
+          <a:p>
+            <a:pPr algn="ctr"/>
+            <a:endParaRPr lang="zh-TW" altLang="en-US"/>
+          </a:p>
+        </p:txBody>
+      </p:sp>
+      <p:pic>
+        <p:nvPicPr>
+          <p:cNvPr id="4" name="圖片 3">
+            <a:extLst>
+              <a:ext uri="{FF2B5EF4-FFF2-40B4-BE49-F238E27FC236}">
+                <a16:creationId xmlns:a16="http://schemas.microsoft.com/office/drawing/2014/main" id="{853F0269-D97A-4432-9EB4-D78688092F6C}"/>
+              </a:ext>
+            </a:extLst>
+          </p:cNvPr>
+          <p:cNvPicPr>
+            <a:picLocks noChangeAspect="1"/>
+          </p:cNvPicPr>
+          <p:nvPr/>
+        </p:nvPicPr>
+        <p:blipFill>
+          <a:blip r:embed="rId2"/>
+          <a:stretch>
+            <a:fillRect/>
+          </a:stretch>
+        </p:blipFill>
+        <p:spPr>
+          <a:xfrm>
+            <a:off x="0" y="1298781"/>
+            <a:ext cx="9144000" cy="4260437"/>
+          </a:xfrm>
+          <a:prstGeom prst="rect">
+            <a:avLst/>
+          </a:prstGeom>
+        </p:spPr>
+      </p:pic>
+      <p:sp>
+        <p:nvSpPr>
+          <p:cNvPr id="15" name="文字方塊 14">
+            <a:extLst>
+              <a:ext uri="{FF2B5EF4-FFF2-40B4-BE49-F238E27FC236}">
+                <a16:creationId xmlns:a16="http://schemas.microsoft.com/office/drawing/2014/main" id="{8A24A77A-20C3-425E-8453-56E5C17E5480}"/>
+              </a:ext>
+            </a:extLst>
+          </p:cNvPr>
+          <p:cNvSpPr txBox="1"/>
+          <p:nvPr/>
+        </p:nvSpPr>
+        <p:spPr>
+          <a:xfrm>
+            <a:off x="146976" y="5757729"/>
+            <a:ext cx="7625423" cy="1015663"/>
+          </a:xfrm>
+          <a:prstGeom prst="rect">
+            <a:avLst/>
+          </a:prstGeom>
+          <a:noFill/>
+        </p:spPr>
+        <p:txBody>
+          <a:bodyPr wrap="square" rtlCol="0">
+            <a:spAutoFit/>
+          </a:bodyPr>
+          <a:lstStyle/>
+          <a:p>
+            <a:r>
+              <a:rPr lang="en-US" altLang="zh-TW" sz="2000" dirty="0"/>
+              <a:t>Run through the square areas</a:t>
+            </a:r>
+          </a:p>
+          <a:p>
+            <a:r>
+              <a:rPr lang="en-US" altLang="zh-TW" sz="2000" dirty="0"/>
+              <a:t>If the square has children, then calculate </a:t>
+            </a:r>
+            <a:r>
+              <a:rPr lang="en-US" altLang="zh-TW" sz="2000" b="1" dirty="0"/>
+              <a:t>the center of mass </a:t>
+            </a:r>
+            <a:r>
+              <a:rPr lang="en-US" altLang="zh-TW" sz="2000" dirty="0"/>
+              <a:t>and update the mass distribution</a:t>
+            </a:r>
+          </a:p>
+        </p:txBody>
+      </p:sp>
+    </p:spTree>
+    <p:extLst>
+      <p:ext uri="{BB962C8B-B14F-4D97-AF65-F5344CB8AC3E}">
+        <p14:creationId xmlns:p14="http://schemas.microsoft.com/office/powerpoint/2010/main" val="424817950"/>
+      </p:ext>
+    </p:extLst>
+  </p:cSld>
+  <p:clrMapOvr>
+    <a:masterClrMapping/>
+  </p:clrMapOvr>
+</p:sld>
+</file>
+
+<file path=ppt/slides/slide13.xml><?xml version="1.0" encoding="utf-8"?>
+<p:sld xmlns:a="http://schemas.openxmlformats.org/drawingml/2006/main" xmlns:r="http://schemas.openxmlformats.org/officeDocument/2006/relationships" xmlns:p="http://schemas.openxmlformats.org/presentationml/2006/main">
+  <p:cSld>
+    <p:spTree>
+      <p:nvGrpSpPr>
+        <p:cNvPr id="1" name=""/>
+        <p:cNvGrpSpPr/>
+        <p:nvPr/>
+      </p:nvGrpSpPr>
+      <p:grpSpPr>
+        <a:xfrm>
+          <a:off x="0" y="0"/>
+          <a:ext cx="0" cy="0"/>
+          <a:chOff x="0" y="0"/>
+          <a:chExt cx="0" cy="0"/>
+        </a:xfrm>
+      </p:grpSpPr>
+      <p:sp>
+        <p:nvSpPr>
+          <p:cNvPr id="2" name="標題 1">
+            <a:extLst>
+              <a:ext uri="{FF2B5EF4-FFF2-40B4-BE49-F238E27FC236}">
+                <a16:creationId xmlns:a16="http://schemas.microsoft.com/office/drawing/2014/main" id="{0C058A6F-459D-4A03-B413-18EC54CC4692}"/>
+              </a:ext>
+            </a:extLst>
+          </p:cNvPr>
+          <p:cNvSpPr>
+            <a:spLocks noGrp="1"/>
+          </p:cNvSpPr>
+          <p:nvPr>
+            <p:ph type="title"/>
+          </p:nvPr>
+        </p:nvSpPr>
+        <p:spPr>
+          <a:xfrm>
+            <a:off x="628650" y="320882"/>
+            <a:ext cx="7886700" cy="1325563"/>
+          </a:xfrm>
+        </p:spPr>
+        <p:txBody>
+          <a:bodyPr/>
+          <a:lstStyle/>
+          <a:p>
+            <a:r>
+              <a:rPr lang="en-US" altLang="zh-TW" dirty="0"/>
+              <a:t>Our Tree Algorithm</a:t>
+            </a:r>
+            <a:r>
+              <a:rPr lang="zh-TW" altLang="en-US" dirty="0"/>
+              <a:t> </a:t>
+            </a:r>
+            <a:r>
+              <a:rPr lang="en-US" altLang="zh-TW" dirty="0"/>
+              <a:t>[Python]</a:t>
+            </a:r>
+            <a:endParaRPr lang="zh-TW" altLang="en-US" dirty="0"/>
+          </a:p>
+        </p:txBody>
+      </p:sp>
+      <p:sp>
+        <p:nvSpPr>
+          <p:cNvPr id="3" name="投影片編號版面配置區 2">
+            <a:extLst>
+              <a:ext uri="{FF2B5EF4-FFF2-40B4-BE49-F238E27FC236}">
+                <a16:creationId xmlns:a16="http://schemas.microsoft.com/office/drawing/2014/main" id="{F74DD0E4-2A32-4225-BF17-11FD67D90D8A}"/>
+              </a:ext>
+            </a:extLst>
+          </p:cNvPr>
+          <p:cNvSpPr>
+            <a:spLocks noGrp="1"/>
+          </p:cNvSpPr>
+          <p:nvPr>
+            <p:ph type="sldNum" sz="quarter" idx="12"/>
+          </p:nvPr>
+        </p:nvSpPr>
+        <p:spPr/>
+        <p:txBody>
+          <a:bodyPr/>
+          <a:lstStyle/>
+          <a:p>
+            <a:fld id="{2E159C05-F6BE-49BE-9845-E33F6769C88E}" type="slidenum">
+              <a:rPr lang="zh-TW" altLang="en-US" smtClean="0"/>
+              <a:t>13</a:t>
+            </a:fld>
+            <a:endParaRPr lang="zh-TW" altLang="en-US"/>
+          </a:p>
+        </p:txBody>
+      </p:sp>
+      <p:sp>
+        <p:nvSpPr>
+          <p:cNvPr id="10" name="橢圓 9">
+            <a:extLst>
+              <a:ext uri="{FF2B5EF4-FFF2-40B4-BE49-F238E27FC236}">
+                <a16:creationId xmlns:a16="http://schemas.microsoft.com/office/drawing/2014/main" id="{AD8E3C44-ED3F-42C6-A281-14BF36E78898}"/>
+              </a:ext>
+            </a:extLst>
+          </p:cNvPr>
+          <p:cNvSpPr/>
+          <p:nvPr/>
+        </p:nvSpPr>
+        <p:spPr>
+          <a:xfrm>
+            <a:off x="6457950" y="-1551947"/>
+            <a:ext cx="3862137" cy="2971800"/>
+          </a:xfrm>
+          <a:prstGeom prst="ellipse">
+            <a:avLst/>
+          </a:prstGeom>
+          <a:solidFill>
+            <a:schemeClr val="accent2"/>
+          </a:solidFill>
+          <a:ln>
+            <a:noFill/>
+          </a:ln>
+        </p:spPr>
+        <p:style>
+          <a:lnRef idx="2">
+            <a:schemeClr val="accent1">
+              <a:shade val="50000"/>
+            </a:schemeClr>
+          </a:lnRef>
+          <a:fillRef idx="1">
+            <a:schemeClr val="accent1"/>
+          </a:fillRef>
+          <a:effectRef idx="0">
+            <a:schemeClr val="accent1"/>
+          </a:effectRef>
+          <a:fontRef idx="minor">
+            <a:schemeClr val="lt1"/>
+          </a:fontRef>
+        </p:style>
+        <p:txBody>
+          <a:bodyPr rtlCol="0" anchor="ctr"/>
+          <a:lstStyle/>
+          <a:p>
+            <a:pPr algn="ctr"/>
+            <a:endParaRPr lang="zh-TW" altLang="en-US"/>
+          </a:p>
+        </p:txBody>
+      </p:sp>
+      <p:sp>
+        <p:nvSpPr>
+          <p:cNvPr id="15" name="文字方塊 14">
+            <a:extLst>
+              <a:ext uri="{FF2B5EF4-FFF2-40B4-BE49-F238E27FC236}">
+                <a16:creationId xmlns:a16="http://schemas.microsoft.com/office/drawing/2014/main" id="{8A24A77A-20C3-425E-8453-56E5C17E5480}"/>
+              </a:ext>
+            </a:extLst>
+          </p:cNvPr>
+          <p:cNvSpPr txBox="1"/>
+          <p:nvPr/>
+        </p:nvSpPr>
+        <p:spPr>
+          <a:xfrm>
+            <a:off x="132228" y="5525330"/>
+            <a:ext cx="7625423" cy="1323439"/>
+          </a:xfrm>
+          <a:prstGeom prst="rect">
+            <a:avLst/>
+          </a:prstGeom>
+          <a:noFill/>
+        </p:spPr>
+        <p:txBody>
+          <a:bodyPr wrap="square" rtlCol="0">
+            <a:spAutoFit/>
+          </a:bodyPr>
+          <a:lstStyle/>
+          <a:p>
+            <a:r>
+              <a:rPr lang="en-US" altLang="zh-TW" sz="2000" dirty="0"/>
+              <a:t>Run through the area and check the type of it</a:t>
+            </a:r>
+          </a:p>
+          <a:p>
+            <a:r>
+              <a:rPr lang="en-US" altLang="zh-TW" sz="2000" dirty="0"/>
+              <a:t>If it is “empty” (children), </a:t>
+            </a:r>
+          </a:p>
+          <a:p>
+            <a:r>
+              <a:rPr lang="en-US" altLang="zh-TW" sz="2000" dirty="0"/>
+              <a:t>then we have to check the size/distance &lt; theta:</a:t>
+            </a:r>
+          </a:p>
+          <a:p>
+            <a:r>
+              <a:rPr lang="en-US" altLang="zh-TW" sz="2000" dirty="0"/>
+              <a:t>         If it True: </a:t>
+            </a:r>
+            <a:r>
+              <a:rPr lang="en-US" altLang="zh-TW" sz="2000" b="1" dirty="0"/>
+              <a:t>then calculate the force</a:t>
+            </a:r>
+            <a:r>
+              <a:rPr lang="en-US" altLang="zh-TW" sz="2000" dirty="0"/>
+              <a:t>; otherwise, check the children </a:t>
+            </a:r>
+          </a:p>
+        </p:txBody>
+      </p:sp>
+      <p:pic>
+        <p:nvPicPr>
+          <p:cNvPr id="5" name="圖片 4">
+            <a:extLst>
+              <a:ext uri="{FF2B5EF4-FFF2-40B4-BE49-F238E27FC236}">
+                <a16:creationId xmlns:a16="http://schemas.microsoft.com/office/drawing/2014/main" id="{7E637FBF-9B07-4D37-BF18-49477B187198}"/>
+              </a:ext>
+            </a:extLst>
+          </p:cNvPr>
+          <p:cNvPicPr>
+            <a:picLocks noChangeAspect="1"/>
+          </p:cNvPicPr>
+          <p:nvPr/>
+        </p:nvPicPr>
+        <p:blipFill>
+          <a:blip r:embed="rId2"/>
+          <a:stretch>
+            <a:fillRect/>
+          </a:stretch>
+        </p:blipFill>
+        <p:spPr>
+          <a:xfrm>
+            <a:off x="1062686" y="1420956"/>
+            <a:ext cx="7018628" cy="4016088"/>
+          </a:xfrm>
+          <a:prstGeom prst="rect">
+            <a:avLst/>
+          </a:prstGeom>
+        </p:spPr>
+      </p:pic>
+    </p:spTree>
+    <p:extLst>
+      <p:ext uri="{BB962C8B-B14F-4D97-AF65-F5344CB8AC3E}">
+        <p14:creationId xmlns:p14="http://schemas.microsoft.com/office/powerpoint/2010/main" val="2650935710"/>
+      </p:ext>
+    </p:extLst>
+  </p:cSld>
+  <p:clrMapOvr>
+    <a:masterClrMapping/>
+  </p:clrMapOvr>
+</p:sld>
+</file>
+
+<file path=ppt/slides/slide14.xml><?xml version="1.0" encoding="utf-8"?>
+<p:sld xmlns:a="http://schemas.openxmlformats.org/drawingml/2006/main" xmlns:r="http://schemas.openxmlformats.org/officeDocument/2006/relationships" xmlns:p="http://schemas.openxmlformats.org/presentationml/2006/main">
+  <p:cSld>
+    <p:spTree>
+      <p:nvGrpSpPr>
+        <p:cNvPr id="1" name=""/>
+        <p:cNvGrpSpPr/>
+        <p:nvPr/>
+      </p:nvGrpSpPr>
+      <p:grpSpPr>
+        <a:xfrm>
+          <a:off x="0" y="0"/>
+          <a:ext cx="0" cy="0"/>
+          <a:chOff x="0" y="0"/>
+          <a:chExt cx="0" cy="0"/>
+        </a:xfrm>
+      </p:grpSpPr>
+      <p:sp>
+        <p:nvSpPr>
+          <p:cNvPr id="2" name="標題 1">
+            <a:extLst>
+              <a:ext uri="{FF2B5EF4-FFF2-40B4-BE49-F238E27FC236}">
+                <a16:creationId xmlns:a16="http://schemas.microsoft.com/office/drawing/2014/main" id="{0C058A6F-459D-4A03-B413-18EC54CC4692}"/>
+              </a:ext>
+            </a:extLst>
+          </p:cNvPr>
+          <p:cNvSpPr>
+            <a:spLocks noGrp="1"/>
+          </p:cNvSpPr>
+          <p:nvPr>
+            <p:ph type="title"/>
+          </p:nvPr>
+        </p:nvSpPr>
+        <p:spPr>
+          <a:xfrm>
+            <a:off x="628650" y="320882"/>
+            <a:ext cx="7886700" cy="1325563"/>
+          </a:xfrm>
+        </p:spPr>
+        <p:txBody>
+          <a:bodyPr/>
+          <a:lstStyle/>
+          <a:p>
+            <a:r>
+              <a:rPr lang="en-US" altLang="zh-TW" dirty="0"/>
+              <a:t>Our Tree Algorithm</a:t>
+            </a:r>
+            <a:r>
+              <a:rPr lang="zh-TW" altLang="en-US" dirty="0"/>
+              <a:t> </a:t>
+            </a:r>
+            <a:r>
+              <a:rPr lang="en-US" altLang="zh-TW" dirty="0"/>
+              <a:t>[Python]</a:t>
+            </a:r>
+            <a:endParaRPr lang="zh-TW" altLang="en-US" dirty="0"/>
+          </a:p>
+        </p:txBody>
+      </p:sp>
+      <p:sp>
+        <p:nvSpPr>
+          <p:cNvPr id="3" name="投影片編號版面配置區 2">
+            <a:extLst>
+              <a:ext uri="{FF2B5EF4-FFF2-40B4-BE49-F238E27FC236}">
+                <a16:creationId xmlns:a16="http://schemas.microsoft.com/office/drawing/2014/main" id="{F74DD0E4-2A32-4225-BF17-11FD67D90D8A}"/>
+              </a:ext>
+            </a:extLst>
+          </p:cNvPr>
+          <p:cNvSpPr>
+            <a:spLocks noGrp="1"/>
+          </p:cNvSpPr>
+          <p:nvPr>
+            <p:ph type="sldNum" sz="quarter" idx="12"/>
+          </p:nvPr>
+        </p:nvSpPr>
+        <p:spPr/>
+        <p:txBody>
+          <a:bodyPr/>
+          <a:lstStyle/>
+          <a:p>
+            <a:fld id="{2E159C05-F6BE-49BE-9845-E33F6769C88E}" type="slidenum">
+              <a:rPr lang="zh-TW" altLang="en-US" smtClean="0"/>
+              <a:t>14</a:t>
+            </a:fld>
+            <a:endParaRPr lang="zh-TW" altLang="en-US"/>
+          </a:p>
+        </p:txBody>
+      </p:sp>
+      <p:sp>
+        <p:nvSpPr>
+          <p:cNvPr id="10" name="橢圓 9">
+            <a:extLst>
+              <a:ext uri="{FF2B5EF4-FFF2-40B4-BE49-F238E27FC236}">
+                <a16:creationId xmlns:a16="http://schemas.microsoft.com/office/drawing/2014/main" id="{AD8E3C44-ED3F-42C6-A281-14BF36E78898}"/>
+              </a:ext>
+            </a:extLst>
+          </p:cNvPr>
+          <p:cNvSpPr/>
+          <p:nvPr/>
+        </p:nvSpPr>
+        <p:spPr>
+          <a:xfrm>
+            <a:off x="6457950" y="-1551947"/>
+            <a:ext cx="3862137" cy="2971800"/>
+          </a:xfrm>
+          <a:prstGeom prst="ellipse">
+            <a:avLst/>
+          </a:prstGeom>
+          <a:solidFill>
+            <a:schemeClr val="accent2"/>
+          </a:solidFill>
+          <a:ln>
+            <a:noFill/>
+          </a:ln>
+        </p:spPr>
+        <p:style>
+          <a:lnRef idx="2">
+            <a:schemeClr val="accent1">
+              <a:shade val="50000"/>
+            </a:schemeClr>
+          </a:lnRef>
+          <a:fillRef idx="1">
+            <a:schemeClr val="accent1"/>
+          </a:fillRef>
+          <a:effectRef idx="0">
+            <a:schemeClr val="accent1"/>
+          </a:effectRef>
+          <a:fontRef idx="minor">
+            <a:schemeClr val="lt1"/>
+          </a:fontRef>
+        </p:style>
+        <p:txBody>
+          <a:bodyPr rtlCol="0" anchor="ctr"/>
+          <a:lstStyle/>
+          <a:p>
+            <a:pPr algn="ctr"/>
+            <a:endParaRPr lang="zh-TW" altLang="en-US"/>
+          </a:p>
+        </p:txBody>
+      </p:sp>
+      <p:sp>
+        <p:nvSpPr>
+          <p:cNvPr id="15" name="文字方塊 14">
+            <a:extLst>
+              <a:ext uri="{FF2B5EF4-FFF2-40B4-BE49-F238E27FC236}">
+                <a16:creationId xmlns:a16="http://schemas.microsoft.com/office/drawing/2014/main" id="{8A24A77A-20C3-425E-8453-56E5C17E5480}"/>
+              </a:ext>
+            </a:extLst>
+          </p:cNvPr>
+          <p:cNvSpPr txBox="1"/>
+          <p:nvPr/>
+        </p:nvSpPr>
+        <p:spPr>
+          <a:xfrm>
+            <a:off x="492169" y="5621927"/>
+            <a:ext cx="7625423" cy="1015663"/>
+          </a:xfrm>
+          <a:prstGeom prst="rect">
+            <a:avLst/>
+          </a:prstGeom>
+          <a:noFill/>
+        </p:spPr>
+        <p:txBody>
+          <a:bodyPr wrap="square" rtlCol="0">
+            <a:spAutoFit/>
+          </a:bodyPr>
+          <a:lstStyle/>
+          <a:p>
+            <a:r>
+              <a:rPr lang="en-US" altLang="zh-TW" sz="2000" dirty="0"/>
+              <a:t>Plot [Output]</a:t>
+            </a:r>
+          </a:p>
+          <a:p>
+            <a:r>
+              <a:rPr lang="en-US" altLang="zh-TW" sz="2000" dirty="0"/>
+              <a:t>Define every things to do in the time iteration </a:t>
+            </a:r>
+          </a:p>
+          <a:p>
+            <a:r>
+              <a:rPr lang="en-US" altLang="zh-TW" sz="2000" dirty="0"/>
+              <a:t>Input some certain initial condition </a:t>
+            </a:r>
+          </a:p>
+        </p:txBody>
+      </p:sp>
+      <p:pic>
+        <p:nvPicPr>
+          <p:cNvPr id="4" name="圖片 3">
+            <a:extLst>
+              <a:ext uri="{FF2B5EF4-FFF2-40B4-BE49-F238E27FC236}">
+                <a16:creationId xmlns:a16="http://schemas.microsoft.com/office/drawing/2014/main" id="{70F2EBC5-FC71-46EB-8532-0B706B2A08EA}"/>
+              </a:ext>
+            </a:extLst>
+          </p:cNvPr>
+          <p:cNvPicPr>
+            <a:picLocks noChangeAspect="1"/>
+          </p:cNvPicPr>
+          <p:nvPr/>
+        </p:nvPicPr>
+        <p:blipFill>
+          <a:blip r:embed="rId2"/>
+          <a:stretch>
+            <a:fillRect/>
+          </a:stretch>
+        </p:blipFill>
+        <p:spPr>
+          <a:xfrm>
+            <a:off x="628650" y="1646445"/>
+            <a:ext cx="3467400" cy="2865368"/>
+          </a:xfrm>
+          <a:prstGeom prst="rect">
+            <a:avLst/>
+          </a:prstGeom>
+        </p:spPr>
+      </p:pic>
+      <p:pic>
+        <p:nvPicPr>
+          <p:cNvPr id="6" name="圖片 5">
+            <a:extLst>
+              <a:ext uri="{FF2B5EF4-FFF2-40B4-BE49-F238E27FC236}">
+                <a16:creationId xmlns:a16="http://schemas.microsoft.com/office/drawing/2014/main" id="{A0F166FA-8C67-4292-93BD-0BAB9F2FEDA4}"/>
+              </a:ext>
+            </a:extLst>
+          </p:cNvPr>
+          <p:cNvPicPr>
+            <a:picLocks noChangeAspect="1"/>
+          </p:cNvPicPr>
+          <p:nvPr/>
+        </p:nvPicPr>
+        <p:blipFill>
+          <a:blip r:embed="rId3"/>
+          <a:stretch>
+            <a:fillRect/>
+          </a:stretch>
+        </p:blipFill>
+        <p:spPr>
+          <a:xfrm>
+            <a:off x="4304881" y="1614349"/>
+            <a:ext cx="4839119" cy="4320914"/>
+          </a:xfrm>
+          <a:prstGeom prst="rect">
+            <a:avLst/>
+          </a:prstGeom>
+        </p:spPr>
+      </p:pic>
+      <p:sp>
+        <p:nvSpPr>
+          <p:cNvPr id="9" name="文字方塊 8">
+            <a:extLst>
+              <a:ext uri="{FF2B5EF4-FFF2-40B4-BE49-F238E27FC236}">
+                <a16:creationId xmlns:a16="http://schemas.microsoft.com/office/drawing/2014/main" id="{8953334D-7440-4250-9CD7-A672E5369937}"/>
+              </a:ext>
+            </a:extLst>
+          </p:cNvPr>
+          <p:cNvSpPr txBox="1"/>
+          <p:nvPr/>
+        </p:nvSpPr>
+        <p:spPr>
+          <a:xfrm>
+            <a:off x="492169" y="4659863"/>
+            <a:ext cx="7625423" cy="400110"/>
+          </a:xfrm>
+          <a:prstGeom prst="rect">
+            <a:avLst/>
+          </a:prstGeom>
+          <a:noFill/>
+        </p:spPr>
+        <p:txBody>
+          <a:bodyPr wrap="square" rtlCol="0">
+            <a:spAutoFit/>
+          </a:bodyPr>
+          <a:lstStyle/>
+          <a:p>
+            <a:r>
+              <a:rPr lang="en-US" altLang="zh-TW" sz="2000" dirty="0"/>
+              <a:t>Update the motion by DKD scheme</a:t>
+            </a:r>
+          </a:p>
+        </p:txBody>
+      </p:sp>
+    </p:spTree>
+    <p:extLst>
+      <p:ext uri="{BB962C8B-B14F-4D97-AF65-F5344CB8AC3E}">
+        <p14:creationId xmlns:p14="http://schemas.microsoft.com/office/powerpoint/2010/main" val="596052055"/>
+      </p:ext>
+    </p:extLst>
+  </p:cSld>
+  <p:clrMapOvr>
+    <a:masterClrMapping/>
+  </p:clrMapOvr>
+</p:sld>
+</file>
+
+<file path=ppt/slides/slide15.xml><?xml version="1.0" encoding="utf-8"?>
+<p:sld xmlns:a="http://schemas.openxmlformats.org/drawingml/2006/main" xmlns:r="http://schemas.openxmlformats.org/officeDocument/2006/relationships" xmlns:p="http://schemas.openxmlformats.org/presentationml/2006/main">
+  <p:cSld>
+    <p:spTree>
+      <p:nvGrpSpPr>
+        <p:cNvPr id="1" name=""/>
+        <p:cNvGrpSpPr/>
+        <p:nvPr/>
+      </p:nvGrpSpPr>
+      <p:grpSpPr>
+        <a:xfrm>
+          <a:off x="0" y="0"/>
+          <a:ext cx="0" cy="0"/>
+          <a:chOff x="0" y="0"/>
+          <a:chExt cx="0" cy="0"/>
+        </a:xfrm>
+      </p:grpSpPr>
+      <p:sp>
+        <p:nvSpPr>
+          <p:cNvPr id="2" name="標題 1">
+            <a:extLst>
+              <a:ext uri="{FF2B5EF4-FFF2-40B4-BE49-F238E27FC236}">
+                <a16:creationId xmlns:a16="http://schemas.microsoft.com/office/drawing/2014/main" id="{0C058A6F-459D-4A03-B413-18EC54CC4692}"/>
+              </a:ext>
+            </a:extLst>
+          </p:cNvPr>
+          <p:cNvSpPr>
+            <a:spLocks noGrp="1"/>
+          </p:cNvSpPr>
+          <p:nvPr>
+            <p:ph type="title"/>
+          </p:nvPr>
+        </p:nvSpPr>
+        <p:spPr>
+          <a:xfrm>
+            <a:off x="628650" y="365126"/>
+            <a:ext cx="7886700" cy="1325563"/>
+          </a:xfrm>
+        </p:spPr>
+        <p:txBody>
+          <a:bodyPr/>
+          <a:lstStyle/>
+          <a:p>
+            <a:r>
+              <a:rPr lang="en-US" altLang="zh-TW" dirty="0"/>
+              <a:t>Results of our Tree</a:t>
+            </a:r>
+            <a:endParaRPr lang="zh-TW" altLang="en-US" dirty="0"/>
+          </a:p>
+        </p:txBody>
+      </p:sp>
+      <p:sp>
+        <p:nvSpPr>
+          <p:cNvPr id="3" name="投影片編號版面配置區 2">
+            <a:extLst>
+              <a:ext uri="{FF2B5EF4-FFF2-40B4-BE49-F238E27FC236}">
+                <a16:creationId xmlns:a16="http://schemas.microsoft.com/office/drawing/2014/main" id="{F74DD0E4-2A32-4225-BF17-11FD67D90D8A}"/>
+              </a:ext>
+            </a:extLst>
+          </p:cNvPr>
+          <p:cNvSpPr>
+            <a:spLocks noGrp="1"/>
+          </p:cNvSpPr>
+          <p:nvPr>
+            <p:ph type="sldNum" sz="quarter" idx="12"/>
+          </p:nvPr>
+        </p:nvSpPr>
+        <p:spPr/>
+        <p:txBody>
+          <a:bodyPr/>
+          <a:lstStyle/>
+          <a:p>
+            <a:fld id="{2E159C05-F6BE-49BE-9845-E33F6769C88E}" type="slidenum">
+              <a:rPr lang="zh-TW" altLang="en-US" smtClean="0"/>
+              <a:t>15</a:t>
+            </a:fld>
+            <a:endParaRPr lang="zh-TW" altLang="en-US"/>
+          </a:p>
+        </p:txBody>
+      </p:sp>
+      <p:sp>
+        <p:nvSpPr>
+          <p:cNvPr id="10" name="橢圓 9">
+            <a:extLst>
+              <a:ext uri="{FF2B5EF4-FFF2-40B4-BE49-F238E27FC236}">
+                <a16:creationId xmlns:a16="http://schemas.microsoft.com/office/drawing/2014/main" id="{AD8E3C44-ED3F-42C6-A281-14BF36E78898}"/>
+              </a:ext>
+            </a:extLst>
+          </p:cNvPr>
+          <p:cNvSpPr/>
+          <p:nvPr/>
+        </p:nvSpPr>
+        <p:spPr>
+          <a:xfrm>
+            <a:off x="6457950" y="-1551947"/>
+            <a:ext cx="3862137" cy="2971800"/>
+          </a:xfrm>
+          <a:prstGeom prst="ellipse">
+            <a:avLst/>
+          </a:prstGeom>
+          <a:solidFill>
+            <a:schemeClr val="accent2"/>
+          </a:solidFill>
+          <a:ln>
+            <a:noFill/>
+          </a:ln>
+        </p:spPr>
+        <p:style>
+          <a:lnRef idx="2">
+            <a:schemeClr val="accent1">
+              <a:shade val="50000"/>
+            </a:schemeClr>
+          </a:lnRef>
+          <a:fillRef idx="1">
+            <a:schemeClr val="accent1"/>
+          </a:fillRef>
+          <a:effectRef idx="0">
+            <a:schemeClr val="accent1"/>
+          </a:effectRef>
+          <a:fontRef idx="minor">
+            <a:schemeClr val="lt1"/>
+          </a:fontRef>
+        </p:style>
+        <p:txBody>
+          <a:bodyPr rtlCol="0" anchor="ctr"/>
+          <a:lstStyle/>
+          <a:p>
+            <a:pPr algn="ctr"/>
+            <a:endParaRPr lang="zh-TW" altLang="en-US"/>
+          </a:p>
+        </p:txBody>
+      </p:sp>
+      <p:sp>
+        <p:nvSpPr>
+          <p:cNvPr id="7" name="文字方塊 6">
+            <a:extLst>
+              <a:ext uri="{FF2B5EF4-FFF2-40B4-BE49-F238E27FC236}">
+                <a16:creationId xmlns:a16="http://schemas.microsoft.com/office/drawing/2014/main" id="{B69F6069-91C8-484E-82C1-0D4F4EF155D4}"/>
+              </a:ext>
+            </a:extLst>
+          </p:cNvPr>
+          <p:cNvSpPr txBox="1"/>
+          <p:nvPr/>
+        </p:nvSpPr>
+        <p:spPr>
+          <a:xfrm>
+            <a:off x="613458" y="1690689"/>
+            <a:ext cx="5441902" cy="492443"/>
+          </a:xfrm>
+          <a:prstGeom prst="rect">
+            <a:avLst/>
+          </a:prstGeom>
+          <a:noFill/>
+        </p:spPr>
+        <p:txBody>
+          <a:bodyPr wrap="square" rtlCol="0">
+            <a:spAutoFit/>
+          </a:bodyPr>
+          <a:lstStyle/>
+          <a:p>
+            <a:r>
+              <a:rPr lang="en-US" altLang="zh-TW" sz="2600" dirty="0"/>
+              <a:t>&gt;&gt; Python (2 dimensional )</a:t>
+            </a:r>
+            <a:endParaRPr lang="zh-TW" altLang="en-US" sz="2600" dirty="0"/>
+          </a:p>
+        </p:txBody>
+      </p:sp>
+      <p:sp>
+        <p:nvSpPr>
+          <p:cNvPr id="18" name="文字方塊 17">
+            <a:extLst>
+              <a:ext uri="{FF2B5EF4-FFF2-40B4-BE49-F238E27FC236}">
+                <a16:creationId xmlns:a16="http://schemas.microsoft.com/office/drawing/2014/main" id="{FBCE05A8-3D36-40C9-ABC0-32839C344856}"/>
+              </a:ext>
+            </a:extLst>
+          </p:cNvPr>
+          <p:cNvSpPr txBox="1"/>
+          <p:nvPr/>
+        </p:nvSpPr>
+        <p:spPr>
+          <a:xfrm>
+            <a:off x="495740" y="4484211"/>
+            <a:ext cx="5441902" cy="492443"/>
+          </a:xfrm>
+          <a:prstGeom prst="rect">
+            <a:avLst/>
+          </a:prstGeom>
+          <a:noFill/>
+        </p:spPr>
+        <p:txBody>
+          <a:bodyPr wrap="square" rtlCol="0">
+            <a:spAutoFit/>
+          </a:bodyPr>
+          <a:lstStyle/>
+          <a:p>
+            <a:r>
+              <a:rPr lang="en-US" altLang="zh-TW" sz="2600" dirty="0"/>
+              <a:t>&gt;&gt; C++ (3 dimensional )</a:t>
+            </a:r>
+            <a:endParaRPr lang="zh-TW" altLang="en-US" sz="2600" dirty="0"/>
+          </a:p>
+        </p:txBody>
+      </p:sp>
+      <p:sp>
+        <p:nvSpPr>
+          <p:cNvPr id="13" name="矩形 12">
+            <a:extLst>
+              <a:ext uri="{FF2B5EF4-FFF2-40B4-BE49-F238E27FC236}">
+                <a16:creationId xmlns:a16="http://schemas.microsoft.com/office/drawing/2014/main" id="{486A5522-0EC7-4967-AFCC-FE29D90D7254}"/>
+              </a:ext>
+            </a:extLst>
+          </p:cNvPr>
+          <p:cNvSpPr/>
+          <p:nvPr/>
+        </p:nvSpPr>
+        <p:spPr>
+          <a:xfrm>
+            <a:off x="1051240" y="2266196"/>
+            <a:ext cx="6327823" cy="892552"/>
+          </a:xfrm>
+          <a:prstGeom prst="rect">
+            <a:avLst/>
+          </a:prstGeom>
+        </p:spPr>
+        <p:txBody>
+          <a:bodyPr wrap="none">
+            <a:spAutoFit/>
+          </a:bodyPr>
+          <a:lstStyle/>
+          <a:p>
+            <a:pPr marL="514350" indent="-514350">
+              <a:buAutoNum type="arabicPeriod"/>
+            </a:pPr>
+            <a:r>
+              <a:rPr lang="en-US" altLang="zh-TW" sz="2600" dirty="0">
+                <a:highlight>
+                  <a:srgbClr val="FFFF00"/>
+                </a:highlight>
+              </a:rPr>
+              <a:t>Plot center of mass</a:t>
+            </a:r>
+          </a:p>
+          <a:p>
+            <a:pPr marL="514350" indent="-514350">
+              <a:buAutoNum type="arabicPeriod"/>
+            </a:pPr>
+            <a:r>
+              <a:rPr lang="en-US" altLang="zh-TW" sz="2600" dirty="0">
+                <a:highlight>
+                  <a:srgbClr val="FFFF00"/>
+                </a:highlight>
+              </a:rPr>
+              <a:t>Animation of different N particles vs Time</a:t>
+            </a:r>
+          </a:p>
+        </p:txBody>
+      </p:sp>
+      <p:sp>
+        <p:nvSpPr>
+          <p:cNvPr id="15" name="矩形 14">
+            <a:extLst>
+              <a:ext uri="{FF2B5EF4-FFF2-40B4-BE49-F238E27FC236}">
+                <a16:creationId xmlns:a16="http://schemas.microsoft.com/office/drawing/2014/main" id="{0A1D6F7F-7052-4289-BA13-79B79D63A3E7}"/>
+              </a:ext>
+            </a:extLst>
+          </p:cNvPr>
+          <p:cNvSpPr/>
+          <p:nvPr/>
+        </p:nvSpPr>
+        <p:spPr>
+          <a:xfrm>
+            <a:off x="775098" y="5466756"/>
+            <a:ext cx="6327823" cy="1692771"/>
+          </a:xfrm>
+          <a:prstGeom prst="rect">
+            <a:avLst/>
+          </a:prstGeom>
+        </p:spPr>
+        <p:txBody>
+          <a:bodyPr wrap="none">
+            <a:spAutoFit/>
+          </a:bodyPr>
+          <a:lstStyle/>
+          <a:p>
+            <a:pPr marL="514350" indent="-514350">
+              <a:buAutoNum type="arabicPeriod"/>
+            </a:pPr>
+            <a:r>
+              <a:rPr lang="en-US" altLang="zh-TW" sz="2600" dirty="0">
+                <a:highlight>
+                  <a:srgbClr val="FFFF00"/>
+                </a:highlight>
+              </a:rPr>
+              <a:t>Animation of different N particles vs Time</a:t>
+            </a:r>
+          </a:p>
+          <a:p>
+            <a:pPr marL="514350" indent="-514350">
+              <a:buAutoNum type="arabicPeriod"/>
+            </a:pPr>
+            <a:r>
+              <a:rPr lang="en-US" altLang="zh-TW" sz="2600" dirty="0">
+                <a:highlight>
+                  <a:srgbClr val="FFFF00"/>
+                </a:highlight>
+              </a:rPr>
+              <a:t>Parallelize 1.</a:t>
+            </a:r>
+          </a:p>
+          <a:p>
+            <a:pPr marL="514350" indent="-514350">
+              <a:buFontTx/>
+              <a:buAutoNum type="arabicPeriod"/>
+            </a:pPr>
+            <a:r>
+              <a:rPr lang="en-US" altLang="zh-TW" sz="2600" dirty="0">
+                <a:highlight>
+                  <a:srgbClr val="FFFF00"/>
+                </a:highlight>
+              </a:rPr>
+              <a:t>Fixed N but Change Theta</a:t>
+            </a:r>
+          </a:p>
+          <a:p>
+            <a:pPr marL="514350" indent="-514350">
+              <a:buAutoNum type="arabicPeriod"/>
+            </a:pPr>
+            <a:endParaRPr lang="en-US" altLang="zh-TW" sz="2600" dirty="0">
+              <a:highlight>
+                <a:srgbClr val="FFFF00"/>
+              </a:highlight>
+            </a:endParaRPr>
+          </a:p>
+        </p:txBody>
+      </p:sp>
+      <p:sp>
+        <p:nvSpPr>
+          <p:cNvPr id="16" name="矩形 15">
+            <a:extLst>
+              <a:ext uri="{FF2B5EF4-FFF2-40B4-BE49-F238E27FC236}">
+                <a16:creationId xmlns:a16="http://schemas.microsoft.com/office/drawing/2014/main" id="{4063C52A-2E44-409F-9332-7819189BEA45}"/>
+              </a:ext>
+            </a:extLst>
+          </p:cNvPr>
+          <p:cNvSpPr/>
+          <p:nvPr/>
+        </p:nvSpPr>
+        <p:spPr>
+          <a:xfrm>
+            <a:off x="4653213" y="864800"/>
+            <a:ext cx="1627369" cy="492443"/>
+          </a:xfrm>
+          <a:prstGeom prst="rect">
+            <a:avLst/>
+          </a:prstGeom>
+        </p:spPr>
+        <p:txBody>
+          <a:bodyPr wrap="none">
+            <a:spAutoFit/>
+          </a:bodyPr>
+          <a:lstStyle/>
+          <a:p>
+            <a:r>
+              <a:rPr lang="zh-TW" altLang="en-US" sz="2600" dirty="0">
+                <a:highlight>
+                  <a:srgbClr val="FFFF00"/>
+                </a:highlight>
+              </a:rPr>
+              <a:t>螢光補圖</a:t>
+            </a:r>
+            <a:r>
+              <a:rPr lang="en-US" altLang="zh-TW" sz="2600" dirty="0">
+                <a:highlight>
+                  <a:srgbClr val="FFFF00"/>
+                </a:highlight>
+              </a:rPr>
+              <a:t>!</a:t>
+            </a:r>
+          </a:p>
+        </p:txBody>
+      </p:sp>
+      <p:sp>
+        <p:nvSpPr>
+          <p:cNvPr id="17" name="矩形 16">
+            <a:extLst>
+              <a:ext uri="{FF2B5EF4-FFF2-40B4-BE49-F238E27FC236}">
+                <a16:creationId xmlns:a16="http://schemas.microsoft.com/office/drawing/2014/main" id="{DEC1F70D-B1D4-4A9D-98D2-2CBAE3275611}"/>
+              </a:ext>
+            </a:extLst>
+          </p:cNvPr>
+          <p:cNvSpPr/>
+          <p:nvPr/>
+        </p:nvSpPr>
+        <p:spPr>
+          <a:xfrm>
+            <a:off x="6969483" y="4846142"/>
+            <a:ext cx="8284897" cy="3293209"/>
+          </a:xfrm>
+          <a:prstGeom prst="rect">
+            <a:avLst/>
+          </a:prstGeom>
+        </p:spPr>
+        <p:txBody>
+          <a:bodyPr wrap="none">
+            <a:spAutoFit/>
+          </a:bodyPr>
+          <a:lstStyle/>
+          <a:p>
+            <a:pPr marL="514350" indent="-514350">
+              <a:buAutoNum type="arabicPeriod"/>
+            </a:pPr>
+            <a:r>
+              <a:rPr lang="en-US" altLang="zh-TW" sz="2600" dirty="0">
+                <a:highlight>
+                  <a:srgbClr val="FFFF00"/>
+                </a:highlight>
+              </a:rPr>
+              <a:t>1 thread 1000iterations Theta = 0.05, T= 80s</a:t>
+            </a:r>
+          </a:p>
+          <a:p>
+            <a:pPr marL="514350" indent="-514350">
+              <a:buFontTx/>
+              <a:buAutoNum type="arabicPeriod"/>
+            </a:pPr>
+            <a:r>
+              <a:rPr lang="en-US" altLang="zh-TW" sz="2600" dirty="0">
+                <a:highlight>
+                  <a:srgbClr val="FFFF00"/>
+                </a:highlight>
+              </a:rPr>
+              <a:t>Parallelize </a:t>
+            </a:r>
+          </a:p>
+          <a:p>
+            <a:pPr marL="457200" indent="-457200">
+              <a:buFont typeface="Arial" panose="020B0604020202020204" pitchFamily="34" charset="0"/>
+              <a:buChar char="•"/>
+            </a:pPr>
+            <a:r>
+              <a:rPr lang="en-US" altLang="zh-TW" sz="2600" dirty="0">
+                <a:highlight>
+                  <a:srgbClr val="FFFF00"/>
+                </a:highlight>
+              </a:rPr>
+              <a:t>N=10, 32 threads 1000iterations Theta = 0.05, T= 10s</a:t>
+            </a:r>
+          </a:p>
+          <a:p>
+            <a:pPr marL="457200" indent="-457200">
+              <a:buFont typeface="Arial" panose="020B0604020202020204" pitchFamily="34" charset="0"/>
+              <a:buChar char="•"/>
+            </a:pPr>
+            <a:r>
+              <a:rPr lang="en-US" altLang="zh-TW" sz="2600" dirty="0">
+                <a:highlight>
+                  <a:srgbClr val="FFFF00"/>
+                </a:highlight>
+              </a:rPr>
+              <a:t>N=10^4, 32 threads 1000iterations Theta = 0.05, T= 600s</a:t>
+            </a:r>
+          </a:p>
+          <a:p>
+            <a:pPr marL="457200" indent="-457200">
+              <a:buFont typeface="Arial" panose="020B0604020202020204" pitchFamily="34" charset="0"/>
+              <a:buChar char="•"/>
+            </a:pPr>
+            <a:endParaRPr lang="en-US" altLang="zh-TW" sz="2600" dirty="0">
+              <a:highlight>
+                <a:srgbClr val="FFFF00"/>
+              </a:highlight>
+            </a:endParaRPr>
+          </a:p>
+          <a:p>
+            <a:pPr marL="514350" indent="-514350">
+              <a:buFontTx/>
+              <a:buAutoNum type="arabicPeriod"/>
+            </a:pPr>
+            <a:endParaRPr lang="en-US" altLang="zh-TW" sz="2600" dirty="0">
+              <a:highlight>
+                <a:srgbClr val="FFFF00"/>
+              </a:highlight>
+            </a:endParaRPr>
+          </a:p>
+          <a:p>
+            <a:pPr marL="514350" indent="-514350">
+              <a:buFontTx/>
+              <a:buAutoNum type="arabicPeriod"/>
+            </a:pPr>
+            <a:r>
+              <a:rPr lang="en-US" altLang="zh-TW" sz="2600" dirty="0">
+                <a:highlight>
+                  <a:srgbClr val="FFFF00"/>
+                </a:highlight>
+              </a:rPr>
+              <a:t>Fixed N but Change Theta</a:t>
+            </a:r>
+          </a:p>
+          <a:p>
+            <a:pPr marL="514350" indent="-514350">
+              <a:buAutoNum type="arabicPeriod"/>
+            </a:pPr>
+            <a:endParaRPr lang="en-US" altLang="zh-TW" sz="2600" dirty="0">
+              <a:highlight>
+                <a:srgbClr val="FFFF00"/>
+              </a:highlight>
+            </a:endParaRPr>
+          </a:p>
+        </p:txBody>
+      </p:sp>
+    </p:spTree>
+    <p:extLst>
+      <p:ext uri="{BB962C8B-B14F-4D97-AF65-F5344CB8AC3E}">
+        <p14:creationId xmlns:p14="http://schemas.microsoft.com/office/powerpoint/2010/main" val="3146584508"/>
+      </p:ext>
+    </p:extLst>
+  </p:cSld>
+  <p:clrMapOvr>
+    <a:masterClrMapping/>
+  </p:clrMapOvr>
+</p:sld>
+</file>
+
+<file path=ppt/slides/slide16.xml><?xml version="1.0" encoding="utf-8"?>
+<p:sld xmlns:a="http://schemas.openxmlformats.org/drawingml/2006/main" xmlns:r="http://schemas.openxmlformats.org/officeDocument/2006/relationships" xmlns:p="http://schemas.openxmlformats.org/presentationml/2006/main">
+  <p:cSld>
+    <p:spTree>
+      <p:nvGrpSpPr>
+        <p:cNvPr id="1" name=""/>
+        <p:cNvGrpSpPr/>
+        <p:nvPr/>
+      </p:nvGrpSpPr>
+      <p:grpSpPr>
+        <a:xfrm>
+          <a:off x="0" y="0"/>
+          <a:ext cx="0" cy="0"/>
+          <a:chOff x="0" y="0"/>
+          <a:chExt cx="0" cy="0"/>
+        </a:xfrm>
+      </p:grpSpPr>
+      <p:sp>
+        <p:nvSpPr>
+          <p:cNvPr id="2" name="標題 1">
+            <a:extLst>
+              <a:ext uri="{FF2B5EF4-FFF2-40B4-BE49-F238E27FC236}">
+                <a16:creationId xmlns:a16="http://schemas.microsoft.com/office/drawing/2014/main" id="{0C058A6F-459D-4A03-B413-18EC54CC4692}"/>
+              </a:ext>
+            </a:extLst>
+          </p:cNvPr>
+          <p:cNvSpPr>
+            <a:spLocks noGrp="1"/>
+          </p:cNvSpPr>
+          <p:nvPr>
+            <p:ph type="title"/>
+          </p:nvPr>
+        </p:nvSpPr>
+        <p:spPr>
+          <a:xfrm>
+            <a:off x="628650" y="365126"/>
+            <a:ext cx="7886700" cy="1325563"/>
+          </a:xfrm>
+        </p:spPr>
+        <p:txBody>
+          <a:bodyPr/>
+          <a:lstStyle/>
+          <a:p>
+            <a:r>
+              <a:rPr lang="en-US" altLang="zh-TW" dirty="0"/>
+              <a:t>Problems we met</a:t>
+            </a:r>
+            <a:endParaRPr lang="zh-TW" altLang="en-US" dirty="0"/>
+          </a:p>
+        </p:txBody>
+      </p:sp>
+      <p:sp>
+        <p:nvSpPr>
+          <p:cNvPr id="3" name="投影片編號版面配置區 2">
+            <a:extLst>
+              <a:ext uri="{FF2B5EF4-FFF2-40B4-BE49-F238E27FC236}">
+                <a16:creationId xmlns:a16="http://schemas.microsoft.com/office/drawing/2014/main" id="{F74DD0E4-2A32-4225-BF17-11FD67D90D8A}"/>
+              </a:ext>
+            </a:extLst>
+          </p:cNvPr>
+          <p:cNvSpPr>
+            <a:spLocks noGrp="1"/>
+          </p:cNvSpPr>
+          <p:nvPr>
+            <p:ph type="sldNum" sz="quarter" idx="12"/>
+          </p:nvPr>
+        </p:nvSpPr>
+        <p:spPr/>
+        <p:txBody>
+          <a:bodyPr/>
+          <a:lstStyle/>
+          <a:p>
+            <a:fld id="{2E159C05-F6BE-49BE-9845-E33F6769C88E}" type="slidenum">
+              <a:rPr lang="zh-TW" altLang="en-US" smtClean="0"/>
+              <a:t>16</a:t>
+            </a:fld>
+            <a:endParaRPr lang="zh-TW" altLang="en-US" dirty="0"/>
+          </a:p>
+        </p:txBody>
+      </p:sp>
+      <p:sp>
+        <p:nvSpPr>
+          <p:cNvPr id="10" name="橢圓 9">
+            <a:extLst>
+              <a:ext uri="{FF2B5EF4-FFF2-40B4-BE49-F238E27FC236}">
+                <a16:creationId xmlns:a16="http://schemas.microsoft.com/office/drawing/2014/main" id="{AD8E3C44-ED3F-42C6-A281-14BF36E78898}"/>
+              </a:ext>
+            </a:extLst>
+          </p:cNvPr>
+          <p:cNvSpPr/>
+          <p:nvPr/>
+        </p:nvSpPr>
+        <p:spPr>
+          <a:xfrm>
+            <a:off x="6457950" y="-1551947"/>
+            <a:ext cx="3862137" cy="2971800"/>
+          </a:xfrm>
+          <a:prstGeom prst="ellipse">
+            <a:avLst/>
+          </a:prstGeom>
+          <a:solidFill>
+            <a:schemeClr val="accent2"/>
+          </a:solidFill>
+          <a:ln>
+            <a:noFill/>
+          </a:ln>
+        </p:spPr>
+        <p:style>
+          <a:lnRef idx="2">
+            <a:schemeClr val="accent1">
+              <a:shade val="50000"/>
+            </a:schemeClr>
+          </a:lnRef>
+          <a:fillRef idx="1">
+            <a:schemeClr val="accent1"/>
+          </a:fillRef>
+          <a:effectRef idx="0">
+            <a:schemeClr val="accent1"/>
+          </a:effectRef>
+          <a:fontRef idx="minor">
+            <a:schemeClr val="lt1"/>
+          </a:fontRef>
+        </p:style>
+        <p:txBody>
+          <a:bodyPr rtlCol="0" anchor="ctr"/>
+          <a:lstStyle/>
+          <a:p>
+            <a:pPr algn="ctr"/>
+            <a:endParaRPr lang="zh-TW" altLang="en-US"/>
+          </a:p>
+        </p:txBody>
+      </p:sp>
+      <p:sp>
+        <p:nvSpPr>
+          <p:cNvPr id="7" name="文字方塊 6">
+            <a:extLst>
+              <a:ext uri="{FF2B5EF4-FFF2-40B4-BE49-F238E27FC236}">
+                <a16:creationId xmlns:a16="http://schemas.microsoft.com/office/drawing/2014/main" id="{B69F6069-91C8-484E-82C1-0D4F4EF155D4}"/>
+              </a:ext>
+            </a:extLst>
+          </p:cNvPr>
+          <p:cNvSpPr txBox="1"/>
+          <p:nvPr/>
+        </p:nvSpPr>
+        <p:spPr>
+          <a:xfrm>
+            <a:off x="613458" y="1690689"/>
+            <a:ext cx="5441902" cy="492443"/>
+          </a:xfrm>
+          <a:prstGeom prst="rect">
+            <a:avLst/>
+          </a:prstGeom>
+          <a:noFill/>
+        </p:spPr>
+        <p:txBody>
+          <a:bodyPr wrap="square" rtlCol="0">
+            <a:spAutoFit/>
+          </a:bodyPr>
+          <a:lstStyle/>
+          <a:p>
+            <a:r>
+              <a:rPr lang="en-US" altLang="zh-TW" sz="2600" dirty="0"/>
+              <a:t>&gt;&gt; Python (2 dimensional)</a:t>
+            </a:r>
+            <a:endParaRPr lang="zh-TW" altLang="en-US" sz="2600" dirty="0"/>
+          </a:p>
+        </p:txBody>
+      </p:sp>
+      <p:sp>
+        <p:nvSpPr>
+          <p:cNvPr id="18" name="文字方塊 17">
+            <a:extLst>
+              <a:ext uri="{FF2B5EF4-FFF2-40B4-BE49-F238E27FC236}">
+                <a16:creationId xmlns:a16="http://schemas.microsoft.com/office/drawing/2014/main" id="{FBCE05A8-3D36-40C9-ABC0-32839C344856}"/>
+              </a:ext>
+            </a:extLst>
+          </p:cNvPr>
+          <p:cNvSpPr txBox="1"/>
+          <p:nvPr/>
+        </p:nvSpPr>
+        <p:spPr>
+          <a:xfrm>
+            <a:off x="495740" y="4183266"/>
+            <a:ext cx="5441902" cy="461665"/>
+          </a:xfrm>
+          <a:prstGeom prst="rect">
+            <a:avLst/>
+          </a:prstGeom>
+          <a:noFill/>
+        </p:spPr>
+        <p:txBody>
+          <a:bodyPr wrap="square" rtlCol="0">
+            <a:spAutoFit/>
+          </a:bodyPr>
+          <a:lstStyle/>
+          <a:p>
+            <a:r>
+              <a:rPr lang="en-US" altLang="zh-TW" sz="2400" dirty="0"/>
+              <a:t>&gt;&gt; C++ (3 dimensional)</a:t>
+            </a:r>
+            <a:endParaRPr lang="zh-TW" altLang="en-US" sz="2400" dirty="0"/>
+          </a:p>
+        </p:txBody>
+      </p:sp>
+      <p:sp>
+        <p:nvSpPr>
+          <p:cNvPr id="23" name="矩形 22">
+            <a:extLst>
+              <a:ext uri="{FF2B5EF4-FFF2-40B4-BE49-F238E27FC236}">
+                <a16:creationId xmlns:a16="http://schemas.microsoft.com/office/drawing/2014/main" id="{019391A9-2240-41CF-90FA-9945F22B2110}"/>
+              </a:ext>
+            </a:extLst>
+          </p:cNvPr>
+          <p:cNvSpPr/>
+          <p:nvPr/>
+        </p:nvSpPr>
+        <p:spPr>
+          <a:xfrm>
+            <a:off x="1431857" y="4725972"/>
+            <a:ext cx="6775701" cy="892552"/>
+          </a:xfrm>
+          <a:prstGeom prst="rect">
+            <a:avLst/>
+          </a:prstGeom>
+        </p:spPr>
+        <p:txBody>
+          <a:bodyPr wrap="none">
+            <a:spAutoFit/>
+          </a:bodyPr>
+          <a:lstStyle/>
+          <a:p>
+            <a:r>
+              <a:rPr lang="en-US" altLang="zh-TW" sz="2600" dirty="0"/>
+              <a:t>the outcome Not corresponds to Already known </a:t>
+            </a:r>
+          </a:p>
+          <a:p>
+            <a:r>
+              <a:rPr lang="en-US" altLang="zh-TW" sz="2600" dirty="0"/>
+              <a:t>of initial condition (3D)</a:t>
+            </a:r>
+          </a:p>
+        </p:txBody>
+      </p:sp>
+      <p:sp>
+        <p:nvSpPr>
+          <p:cNvPr id="16" name="矩形 15">
+            <a:extLst>
+              <a:ext uri="{FF2B5EF4-FFF2-40B4-BE49-F238E27FC236}">
+                <a16:creationId xmlns:a16="http://schemas.microsoft.com/office/drawing/2014/main" id="{82EC5101-2526-4197-95F0-EC161AF3596D}"/>
+              </a:ext>
+            </a:extLst>
+          </p:cNvPr>
+          <p:cNvSpPr/>
+          <p:nvPr/>
+        </p:nvSpPr>
+        <p:spPr>
+          <a:xfrm>
+            <a:off x="1431857" y="2425836"/>
+            <a:ext cx="5623655" cy="492443"/>
+          </a:xfrm>
+          <a:prstGeom prst="rect">
+            <a:avLst/>
+          </a:prstGeom>
+        </p:spPr>
+        <p:txBody>
+          <a:bodyPr wrap="none">
+            <a:spAutoFit/>
+          </a:bodyPr>
+          <a:lstStyle/>
+          <a:p>
+            <a:r>
+              <a:rPr lang="en-US" altLang="zh-TW" sz="2600" dirty="0"/>
+              <a:t>Fail to run the file in the form of </a:t>
+            </a:r>
+            <a:r>
+              <a:rPr lang="en-US" altLang="zh-TW" sz="2600" dirty="0" err="1"/>
+              <a:t>Cython</a:t>
+            </a:r>
+            <a:r>
+              <a:rPr lang="en-US" altLang="zh-TW" sz="2600" dirty="0"/>
+              <a:t> </a:t>
+            </a:r>
+          </a:p>
+        </p:txBody>
+      </p:sp>
+      <p:pic>
+        <p:nvPicPr>
+          <p:cNvPr id="5" name="圖形 4" descr="關閉">
+            <a:extLst>
+              <a:ext uri="{FF2B5EF4-FFF2-40B4-BE49-F238E27FC236}">
+                <a16:creationId xmlns:a16="http://schemas.microsoft.com/office/drawing/2014/main" id="{ACF24DBC-2870-4183-8870-FB0AEF6863CD}"/>
+              </a:ext>
+            </a:extLst>
+          </p:cNvPr>
+          <p:cNvPicPr>
+            <a:picLocks noChangeAspect="1"/>
+          </p:cNvPicPr>
+          <p:nvPr/>
+        </p:nvPicPr>
+        <p:blipFill>
+          <a:blip r:embed="rId3">
+            <a:extLst>
+              <a:ext uri="{28A0092B-C50C-407E-A947-70E740481C1C}">
+                <a14:useLocalDpi xmlns:a14="http://schemas.microsoft.com/office/drawing/2010/main" val="0"/>
+              </a:ext>
+              <a:ext uri="{96DAC541-7B7A-43D3-8B79-37D633B846F1}">
+                <asvg:svgBlip xmlns:asvg="http://schemas.microsoft.com/office/drawing/2016/SVG/main" r:embed="rId4"/>
+              </a:ext>
+            </a:extLst>
+          </a:blip>
+          <a:stretch>
+            <a:fillRect/>
+          </a:stretch>
+        </p:blipFill>
+        <p:spPr>
+          <a:xfrm>
+            <a:off x="474257" y="2259918"/>
+            <a:ext cx="756334" cy="756334"/>
+          </a:xfrm>
+          <a:prstGeom prst="rect">
+            <a:avLst/>
+          </a:prstGeom>
+        </p:spPr>
+      </p:pic>
+      <p:sp>
+        <p:nvSpPr>
+          <p:cNvPr id="28" name="矩形 27">
+            <a:extLst>
+              <a:ext uri="{FF2B5EF4-FFF2-40B4-BE49-F238E27FC236}">
+                <a16:creationId xmlns:a16="http://schemas.microsoft.com/office/drawing/2014/main" id="{B5E70132-7B13-4653-8C00-EE8D817BCED9}"/>
+              </a:ext>
+            </a:extLst>
+          </p:cNvPr>
+          <p:cNvSpPr/>
+          <p:nvPr/>
+        </p:nvSpPr>
+        <p:spPr>
+          <a:xfrm>
+            <a:off x="1431857" y="3306881"/>
+            <a:ext cx="7828361" cy="492443"/>
+          </a:xfrm>
+          <a:prstGeom prst="rect">
+            <a:avLst/>
+          </a:prstGeom>
+        </p:spPr>
+        <p:txBody>
+          <a:bodyPr wrap="none">
+            <a:spAutoFit/>
+          </a:bodyPr>
+          <a:lstStyle/>
+          <a:p>
+            <a:r>
+              <a:rPr lang="en-US" altLang="zh-TW" sz="2600" dirty="0"/>
+              <a:t>Familiar “multithreading” &amp;“multiprocessing” in Python</a:t>
+            </a:r>
+          </a:p>
+        </p:txBody>
+      </p:sp>
+      <p:sp>
+        <p:nvSpPr>
+          <p:cNvPr id="4" name="圓形: 空心 3">
+            <a:extLst>
+              <a:ext uri="{FF2B5EF4-FFF2-40B4-BE49-F238E27FC236}">
+                <a16:creationId xmlns:a16="http://schemas.microsoft.com/office/drawing/2014/main" id="{8202CDDE-7D64-4FA6-BA00-9A618C90C985}"/>
+              </a:ext>
+            </a:extLst>
+          </p:cNvPr>
+          <p:cNvSpPr/>
+          <p:nvPr/>
+        </p:nvSpPr>
+        <p:spPr>
+          <a:xfrm>
+            <a:off x="499415" y="3235434"/>
+            <a:ext cx="756334" cy="756334"/>
+          </a:xfrm>
+          <a:prstGeom prst="donut">
+            <a:avLst/>
+          </a:prstGeom>
+          <a:ln w="3175"/>
+        </p:spPr>
+        <p:style>
+          <a:lnRef idx="2">
+            <a:schemeClr val="accent1">
+              <a:shade val="50000"/>
+            </a:schemeClr>
+          </a:lnRef>
+          <a:fillRef idx="1">
+            <a:schemeClr val="accent1"/>
+          </a:fillRef>
+          <a:effectRef idx="0">
+            <a:schemeClr val="accent1"/>
+          </a:effectRef>
+          <a:fontRef idx="minor">
+            <a:schemeClr val="lt1"/>
+          </a:fontRef>
+        </p:style>
+        <p:txBody>
+          <a:bodyPr rtlCol="0" anchor="ctr"/>
+          <a:lstStyle/>
+          <a:p>
+            <a:pPr algn="ctr"/>
+            <a:endParaRPr lang="zh-TW" altLang="en-US">
+              <a:solidFill>
+                <a:schemeClr val="tx1"/>
+              </a:solidFill>
+            </a:endParaRPr>
+          </a:p>
+        </p:txBody>
+      </p:sp>
+      <p:sp>
+        <p:nvSpPr>
+          <p:cNvPr id="30" name="圓形: 空心 29">
+            <a:extLst>
+              <a:ext uri="{FF2B5EF4-FFF2-40B4-BE49-F238E27FC236}">
+                <a16:creationId xmlns:a16="http://schemas.microsoft.com/office/drawing/2014/main" id="{4F8C31CF-23F1-4570-948C-E59548DC747D}"/>
+              </a:ext>
+            </a:extLst>
+          </p:cNvPr>
+          <p:cNvSpPr/>
+          <p:nvPr/>
+        </p:nvSpPr>
+        <p:spPr>
+          <a:xfrm>
+            <a:off x="499415" y="5666506"/>
+            <a:ext cx="756334" cy="756334"/>
+          </a:xfrm>
+          <a:prstGeom prst="donut">
+            <a:avLst/>
+          </a:prstGeom>
+          <a:ln w="3175"/>
+        </p:spPr>
+        <p:style>
+          <a:lnRef idx="2">
+            <a:schemeClr val="accent1">
+              <a:shade val="50000"/>
+            </a:schemeClr>
+          </a:lnRef>
+          <a:fillRef idx="1">
+            <a:schemeClr val="accent1"/>
+          </a:fillRef>
+          <a:effectRef idx="0">
+            <a:schemeClr val="accent1"/>
+          </a:effectRef>
+          <a:fontRef idx="minor">
+            <a:schemeClr val="lt1"/>
+          </a:fontRef>
+        </p:style>
+        <p:txBody>
+          <a:bodyPr rtlCol="0" anchor="ctr"/>
+          <a:lstStyle/>
+          <a:p>
+            <a:pPr algn="ctr"/>
+            <a:endParaRPr lang="zh-TW" altLang="en-US">
+              <a:solidFill>
+                <a:schemeClr val="tx1"/>
+              </a:solidFill>
+            </a:endParaRPr>
+          </a:p>
+        </p:txBody>
+      </p:sp>
+      <p:pic>
+        <p:nvPicPr>
+          <p:cNvPr id="31" name="圖形 30" descr="核取記號">
+            <a:extLst>
+              <a:ext uri="{FF2B5EF4-FFF2-40B4-BE49-F238E27FC236}">
+                <a16:creationId xmlns:a16="http://schemas.microsoft.com/office/drawing/2014/main" id="{7B7FA764-7C77-4474-A009-0A0F0FDFA302}"/>
+              </a:ext>
+            </a:extLst>
+          </p:cNvPr>
+          <p:cNvPicPr>
+            <a:picLocks noChangeAspect="1"/>
+          </p:cNvPicPr>
+          <p:nvPr/>
+        </p:nvPicPr>
+        <p:blipFill>
+          <a:blip r:embed="rId5">
+            <a:extLst>
+              <a:ext uri="{28A0092B-C50C-407E-A947-70E740481C1C}">
+                <a14:useLocalDpi xmlns:a14="http://schemas.microsoft.com/office/drawing/2010/main" val="0"/>
+              </a:ext>
+              <a:ext uri="{96DAC541-7B7A-43D3-8B79-37D633B846F1}">
+                <asvg:svgBlip xmlns:asvg="http://schemas.microsoft.com/office/drawing/2016/SVG/main" r:embed="rId6"/>
+              </a:ext>
+            </a:extLst>
+          </a:blip>
+          <a:stretch>
+            <a:fillRect/>
+          </a:stretch>
+        </p:blipFill>
+        <p:spPr>
+          <a:xfrm>
+            <a:off x="619623" y="4868064"/>
+            <a:ext cx="628652" cy="628652"/>
+          </a:xfrm>
+          <a:prstGeom prst="rect">
+            <a:avLst/>
+          </a:prstGeom>
+        </p:spPr>
+      </p:pic>
+      <p:sp>
+        <p:nvSpPr>
+          <p:cNvPr id="32" name="矩形 31">
+            <a:extLst>
+              <a:ext uri="{FF2B5EF4-FFF2-40B4-BE49-F238E27FC236}">
+                <a16:creationId xmlns:a16="http://schemas.microsoft.com/office/drawing/2014/main" id="{ED239C83-5955-4468-A6C8-D9F811D8613B}"/>
+              </a:ext>
+            </a:extLst>
+          </p:cNvPr>
+          <p:cNvSpPr/>
+          <p:nvPr/>
+        </p:nvSpPr>
+        <p:spPr>
+          <a:xfrm>
+            <a:off x="1431857" y="5706262"/>
+            <a:ext cx="6546216" cy="892552"/>
+          </a:xfrm>
+          <a:prstGeom prst="rect">
+            <a:avLst/>
+          </a:prstGeom>
+        </p:spPr>
+        <p:txBody>
+          <a:bodyPr wrap="none">
+            <a:spAutoFit/>
+          </a:bodyPr>
+          <a:lstStyle/>
+          <a:p>
+            <a:r>
+              <a:rPr lang="en-US" altLang="zh-TW" sz="2600" dirty="0"/>
+              <a:t>Discussion &amp; Check lines of programming again</a:t>
+            </a:r>
+          </a:p>
+          <a:p>
+            <a:r>
+              <a:rPr lang="en-US" altLang="zh-TW" sz="2600" dirty="0"/>
+              <a:t>&gt;&gt;Typing Error in the acceleration part</a:t>
+            </a:r>
+          </a:p>
+        </p:txBody>
+      </p:sp>
+    </p:spTree>
+    <p:extLst>
+      <p:ext uri="{BB962C8B-B14F-4D97-AF65-F5344CB8AC3E}">
+        <p14:creationId xmlns:p14="http://schemas.microsoft.com/office/powerpoint/2010/main" val="995690128"/>
+      </p:ext>
+    </p:extLst>
+  </p:cSld>
+  <p:clrMapOvr>
+    <a:masterClrMapping/>
+  </p:clrMapOvr>
+</p:sld>
+</file>
+
+<file path=ppt/slides/slide17.xml><?xml version="1.0" encoding="utf-8"?>
+<p:sld xmlns:a="http://schemas.openxmlformats.org/drawingml/2006/main" xmlns:r="http://schemas.openxmlformats.org/officeDocument/2006/relationships" xmlns:p="http://schemas.openxmlformats.org/presentationml/2006/main">
+  <p:cSld>
+    <p:spTree>
+      <p:nvGrpSpPr>
+        <p:cNvPr id="1" name=""/>
+        <p:cNvGrpSpPr/>
+        <p:nvPr/>
+      </p:nvGrpSpPr>
+      <p:grpSpPr>
+        <a:xfrm>
+          <a:off x="0" y="0"/>
+          <a:ext cx="0" cy="0"/>
+          <a:chOff x="0" y="0"/>
+          <a:chExt cx="0" cy="0"/>
+        </a:xfrm>
+      </p:grpSpPr>
+      <p:sp>
+        <p:nvSpPr>
+          <p:cNvPr id="2" name="標題 1">
+            <a:extLst>
+              <a:ext uri="{FF2B5EF4-FFF2-40B4-BE49-F238E27FC236}">
+                <a16:creationId xmlns:a16="http://schemas.microsoft.com/office/drawing/2014/main" id="{0C058A6F-459D-4A03-B413-18EC54CC4692}"/>
+              </a:ext>
+            </a:extLst>
+          </p:cNvPr>
+          <p:cNvSpPr>
+            <a:spLocks noGrp="1"/>
+          </p:cNvSpPr>
+          <p:nvPr>
+            <p:ph type="title"/>
+          </p:nvPr>
+        </p:nvSpPr>
+        <p:spPr>
+          <a:xfrm>
+            <a:off x="628650" y="365126"/>
+            <a:ext cx="7886700" cy="1325563"/>
+          </a:xfrm>
+        </p:spPr>
+        <p:txBody>
+          <a:bodyPr/>
+          <a:lstStyle/>
+          <a:p>
+            <a:r>
+              <a:rPr lang="en-US" altLang="zh-TW" dirty="0"/>
+              <a:t>Reference</a:t>
+            </a:r>
+            <a:endParaRPr lang="zh-TW" altLang="en-US" dirty="0"/>
+          </a:p>
+        </p:txBody>
+      </p:sp>
+      <p:sp>
+        <p:nvSpPr>
+          <p:cNvPr id="3" name="投影片編號版面配置區 2">
+            <a:extLst>
+              <a:ext uri="{FF2B5EF4-FFF2-40B4-BE49-F238E27FC236}">
+                <a16:creationId xmlns:a16="http://schemas.microsoft.com/office/drawing/2014/main" id="{F74DD0E4-2A32-4225-BF17-11FD67D90D8A}"/>
+              </a:ext>
+            </a:extLst>
+          </p:cNvPr>
+          <p:cNvSpPr>
+            <a:spLocks noGrp="1"/>
+          </p:cNvSpPr>
+          <p:nvPr>
+            <p:ph type="sldNum" sz="quarter" idx="12"/>
+          </p:nvPr>
+        </p:nvSpPr>
+        <p:spPr/>
+        <p:txBody>
+          <a:bodyPr/>
+          <a:lstStyle/>
+          <a:p>
+            <a:fld id="{2E159C05-F6BE-49BE-9845-E33F6769C88E}" type="slidenum">
+              <a:rPr lang="zh-TW" altLang="en-US" smtClean="0"/>
+              <a:t>17</a:t>
             </a:fld>
             <a:endParaRPr lang="zh-TW" altLang="en-US" dirty="0"/>
           </a:p>
@@ -5575,7 +7406,7 @@
             </a:pPr>
             <a:r>
               <a:rPr lang="en-US" altLang="zh-TW" sz="2400" b="1" dirty="0"/>
-              <a:t>Content of parallelization in python</a:t>
+              <a:t> Content of parallelization in python</a:t>
             </a:r>
           </a:p>
           <a:p>
@@ -5621,7 +7452,282 @@
 </p:sld>
 </file>
 
-<file path=ppt/slides/slide13.xml><?xml version="1.0" encoding="utf-8"?>
+<file path=ppt/slides/slide18.xml><?xml version="1.0" encoding="utf-8"?>
+<p:sld xmlns:a="http://schemas.openxmlformats.org/drawingml/2006/main" xmlns:r="http://schemas.openxmlformats.org/officeDocument/2006/relationships" xmlns:p="http://schemas.openxmlformats.org/presentationml/2006/main">
+  <p:cSld>
+    <p:spTree>
+      <p:nvGrpSpPr>
+        <p:cNvPr id="1" name=""/>
+        <p:cNvGrpSpPr/>
+        <p:nvPr/>
+      </p:nvGrpSpPr>
+      <p:grpSpPr>
+        <a:xfrm>
+          <a:off x="0" y="0"/>
+          <a:ext cx="0" cy="0"/>
+          <a:chOff x="0" y="0"/>
+          <a:chExt cx="0" cy="0"/>
+        </a:xfrm>
+      </p:grpSpPr>
+      <p:sp>
+        <p:nvSpPr>
+          <p:cNvPr id="2" name="標題 1">
+            <a:extLst>
+              <a:ext uri="{FF2B5EF4-FFF2-40B4-BE49-F238E27FC236}">
+                <a16:creationId xmlns:a16="http://schemas.microsoft.com/office/drawing/2014/main" id="{64B6408E-55FB-4CD2-97B3-813DFDC06962}"/>
+              </a:ext>
+            </a:extLst>
+          </p:cNvPr>
+          <p:cNvSpPr>
+            <a:spLocks noGrp="1"/>
+          </p:cNvSpPr>
+          <p:nvPr>
+            <p:ph type="title"/>
+          </p:nvPr>
+        </p:nvSpPr>
+        <p:spPr/>
+        <p:txBody>
+          <a:bodyPr/>
+          <a:lstStyle/>
+          <a:p>
+            <a:r>
+              <a:rPr lang="en-US" altLang="zh-TW" dirty="0"/>
+              <a:t>Thank you !</a:t>
+            </a:r>
+            <a:endParaRPr lang="zh-TW" altLang="en-US" dirty="0"/>
+          </a:p>
+        </p:txBody>
+      </p:sp>
+      <p:sp>
+        <p:nvSpPr>
+          <p:cNvPr id="3" name="文字版面配置區 2">
+            <a:extLst>
+              <a:ext uri="{FF2B5EF4-FFF2-40B4-BE49-F238E27FC236}">
+                <a16:creationId xmlns:a16="http://schemas.microsoft.com/office/drawing/2014/main" id="{14EBA2FF-C599-4050-9BEF-E98BC46CC33C}"/>
+              </a:ext>
+            </a:extLst>
+          </p:cNvPr>
+          <p:cNvSpPr>
+            <a:spLocks noGrp="1"/>
+          </p:cNvSpPr>
+          <p:nvPr>
+            <p:ph type="body" idx="1"/>
+          </p:nvPr>
+        </p:nvSpPr>
+        <p:spPr/>
+        <p:txBody>
+          <a:bodyPr/>
+          <a:lstStyle/>
+          <a:p>
+            <a:endParaRPr lang="zh-TW" altLang="en-US" dirty="0"/>
+          </a:p>
+        </p:txBody>
+      </p:sp>
+      <p:sp>
+        <p:nvSpPr>
+          <p:cNvPr id="4" name="投影片編號版面配置區 3">
+            <a:extLst>
+              <a:ext uri="{FF2B5EF4-FFF2-40B4-BE49-F238E27FC236}">
+                <a16:creationId xmlns:a16="http://schemas.microsoft.com/office/drawing/2014/main" id="{F718D4BE-F69F-4EFA-A693-AB4735A1E2F7}"/>
+              </a:ext>
+            </a:extLst>
+          </p:cNvPr>
+          <p:cNvSpPr>
+            <a:spLocks noGrp="1"/>
+          </p:cNvSpPr>
+          <p:nvPr>
+            <p:ph type="sldNum" sz="quarter" idx="12"/>
+          </p:nvPr>
+        </p:nvSpPr>
+        <p:spPr/>
+        <p:txBody>
+          <a:bodyPr/>
+          <a:lstStyle/>
+          <a:p>
+            <a:fld id="{2E159C05-F6BE-49BE-9845-E33F6769C88E}" type="slidenum">
+              <a:rPr lang="zh-TW" altLang="en-US" smtClean="0"/>
+              <a:t>18</a:t>
+            </a:fld>
+            <a:endParaRPr lang="zh-TW" altLang="en-US"/>
+          </a:p>
+        </p:txBody>
+      </p:sp>
+      <p:sp>
+        <p:nvSpPr>
+          <p:cNvPr id="5" name="橢圓 4">
+            <a:extLst>
+              <a:ext uri="{FF2B5EF4-FFF2-40B4-BE49-F238E27FC236}">
+                <a16:creationId xmlns:a16="http://schemas.microsoft.com/office/drawing/2014/main" id="{C88A4D66-3177-444A-A9E9-607D20152AC7}"/>
+              </a:ext>
+            </a:extLst>
+          </p:cNvPr>
+          <p:cNvSpPr/>
+          <p:nvPr/>
+        </p:nvSpPr>
+        <p:spPr>
+          <a:xfrm>
+            <a:off x="-1177290" y="-957587"/>
+            <a:ext cx="3862137" cy="2971800"/>
+          </a:xfrm>
+          <a:prstGeom prst="ellipse">
+            <a:avLst/>
+          </a:prstGeom>
+          <a:solidFill>
+            <a:schemeClr val="accent2"/>
+          </a:solidFill>
+          <a:ln>
+            <a:noFill/>
+          </a:ln>
+        </p:spPr>
+        <p:style>
+          <a:lnRef idx="2">
+            <a:schemeClr val="accent1">
+              <a:shade val="50000"/>
+            </a:schemeClr>
+          </a:lnRef>
+          <a:fillRef idx="1">
+            <a:schemeClr val="accent1"/>
+          </a:fillRef>
+          <a:effectRef idx="0">
+            <a:schemeClr val="accent1"/>
+          </a:effectRef>
+          <a:fontRef idx="minor">
+            <a:schemeClr val="lt1"/>
+          </a:fontRef>
+        </p:style>
+        <p:txBody>
+          <a:bodyPr rtlCol="0" anchor="ctr"/>
+          <a:lstStyle/>
+          <a:p>
+            <a:pPr algn="ctr"/>
+            <a:endParaRPr lang="zh-TW" altLang="en-US"/>
+          </a:p>
+        </p:txBody>
+      </p:sp>
+      <p:sp>
+        <p:nvSpPr>
+          <p:cNvPr id="6" name="橢圓 5">
+            <a:extLst>
+              <a:ext uri="{FF2B5EF4-FFF2-40B4-BE49-F238E27FC236}">
+                <a16:creationId xmlns:a16="http://schemas.microsoft.com/office/drawing/2014/main" id="{96667BA6-C9FD-403C-8F9C-12E120A49F5D}"/>
+              </a:ext>
+            </a:extLst>
+          </p:cNvPr>
+          <p:cNvSpPr/>
+          <p:nvPr/>
+        </p:nvSpPr>
+        <p:spPr>
+          <a:xfrm>
+            <a:off x="6457950" y="2176461"/>
+            <a:ext cx="3862137" cy="2971800"/>
+          </a:xfrm>
+          <a:prstGeom prst="ellipse">
+            <a:avLst/>
+          </a:prstGeom>
+          <a:solidFill>
+            <a:schemeClr val="accent6">
+              <a:lumMod val="40000"/>
+              <a:lumOff val="60000"/>
+            </a:schemeClr>
+          </a:solidFill>
+          <a:ln>
+            <a:noFill/>
+          </a:ln>
+        </p:spPr>
+        <p:style>
+          <a:lnRef idx="2">
+            <a:schemeClr val="accent1">
+              <a:shade val="50000"/>
+            </a:schemeClr>
+          </a:lnRef>
+          <a:fillRef idx="1">
+            <a:schemeClr val="accent1"/>
+          </a:fillRef>
+          <a:effectRef idx="0">
+            <a:schemeClr val="accent1"/>
+          </a:effectRef>
+          <a:fontRef idx="minor">
+            <a:schemeClr val="lt1"/>
+          </a:fontRef>
+        </p:style>
+        <p:txBody>
+          <a:bodyPr rtlCol="0" anchor="ctr"/>
+          <a:lstStyle/>
+          <a:p>
+            <a:pPr algn="ctr"/>
+            <a:endParaRPr lang="zh-TW" altLang="en-US"/>
+          </a:p>
+        </p:txBody>
+      </p:sp>
+      <p:sp>
+        <p:nvSpPr>
+          <p:cNvPr id="7" name="橢圓 6">
+            <a:extLst>
+              <a:ext uri="{FF2B5EF4-FFF2-40B4-BE49-F238E27FC236}">
+                <a16:creationId xmlns:a16="http://schemas.microsoft.com/office/drawing/2014/main" id="{0706809A-A717-416A-942B-76A3D9F0C03C}"/>
+              </a:ext>
+            </a:extLst>
+          </p:cNvPr>
+          <p:cNvSpPr/>
+          <p:nvPr/>
+        </p:nvSpPr>
+        <p:spPr>
+          <a:xfrm>
+            <a:off x="-321218" y="4737101"/>
+            <a:ext cx="3862137" cy="2971800"/>
+          </a:xfrm>
+          <a:prstGeom prst="ellipse">
+            <a:avLst/>
+          </a:prstGeom>
+          <a:solidFill>
+            <a:schemeClr val="accent2">
+              <a:lumMod val="40000"/>
+              <a:lumOff val="60000"/>
+            </a:schemeClr>
+          </a:solidFill>
+          <a:ln>
+            <a:noFill/>
+          </a:ln>
+        </p:spPr>
+        <p:style>
+          <a:lnRef idx="2">
+            <a:schemeClr val="accent1">
+              <a:shade val="50000"/>
+            </a:schemeClr>
+          </a:lnRef>
+          <a:fillRef idx="1">
+            <a:schemeClr val="accent1"/>
+          </a:fillRef>
+          <a:effectRef idx="0">
+            <a:schemeClr val="accent1"/>
+          </a:effectRef>
+          <a:fontRef idx="minor">
+            <a:schemeClr val="lt1"/>
+          </a:fontRef>
+        </p:style>
+        <p:txBody>
+          <a:bodyPr rtlCol="0" anchor="ctr"/>
+          <a:lstStyle/>
+          <a:p>
+            <a:pPr algn="ctr"/>
+            <a:endParaRPr lang="zh-TW" altLang="en-US"/>
+          </a:p>
+        </p:txBody>
+      </p:sp>
+    </p:spTree>
+    <p:extLst>
+      <p:ext uri="{BB962C8B-B14F-4D97-AF65-F5344CB8AC3E}">
+        <p14:creationId xmlns:p14="http://schemas.microsoft.com/office/powerpoint/2010/main" val="3455996144"/>
+      </p:ext>
+    </p:extLst>
+  </p:cSld>
+  <p:clrMapOvr>
+    <a:masterClrMapping/>
+  </p:clrMapOvr>
+</p:sld>
+</file>
+
+<file path=ppt/slides/slide19.xml><?xml version="1.0" encoding="utf-8"?>
 <p:sld xmlns:a="http://schemas.openxmlformats.org/drawingml/2006/main" xmlns:r="http://schemas.openxmlformats.org/officeDocument/2006/relationships" xmlns:p="http://schemas.openxmlformats.org/presentationml/2006/main" show="0">
   <p:cSld>
     <p:spTree>
@@ -5798,7 +7904,7 @@
           <a:p>
             <a:fld id="{2E159C05-F6BE-49BE-9845-E33F6769C88E}" type="slidenum">
               <a:rPr lang="zh-TW" altLang="en-US" smtClean="0"/>
-              <a:t>13</a:t>
+              <a:t>19</a:t>
             </a:fld>
             <a:endParaRPr lang="zh-TW" altLang="en-US"/>
           </a:p>
@@ -12045,8 +14151,8 @@
           </a:fontRef>
         </p:style>
       </p:cxnSp>
-      <mc:AlternateContent xmlns:mc="http://schemas.openxmlformats.org/markup-compatibility/2006">
-        <mc:Choice xmlns:a14="http://schemas.microsoft.com/office/drawing/2010/main" Requires="a14">
+      <mc:AlternateContent xmlns:mc="http://schemas.openxmlformats.org/markup-compatibility/2006" xmlns:a14="http://schemas.microsoft.com/office/drawing/2010/main">
+        <mc:Choice Requires="a14">
           <p:sp>
             <p:nvSpPr>
               <p:cNvPr id="112" name="內容版面配置區 2">
@@ -12356,7 +14462,7 @@
             </p:txBody>
           </p:sp>
         </mc:Choice>
-        <mc:Fallback>
+        <mc:Fallback xmlns="">
           <p:sp>
             <p:nvSpPr>
               <p:cNvPr id="112" name="內容版面配置區 2">
@@ -12401,8 +14507,8 @@
           </p:sp>
         </mc:Fallback>
       </mc:AlternateContent>
-      <mc:AlternateContent xmlns:mc="http://schemas.openxmlformats.org/markup-compatibility/2006">
-        <mc:Choice xmlns:a14="http://schemas.microsoft.com/office/drawing/2010/main" Requires="a14">
+      <mc:AlternateContent xmlns:mc="http://schemas.openxmlformats.org/markup-compatibility/2006" xmlns:a14="http://schemas.microsoft.com/office/drawing/2010/main">
+        <mc:Choice Requires="a14">
           <p:sp>
             <p:nvSpPr>
               <p:cNvPr id="125" name="內容版面配置區 2">
@@ -12674,7 +14780,7 @@
             </p:txBody>
           </p:sp>
         </mc:Choice>
-        <mc:Fallback>
+        <mc:Fallback xmlns="">
           <p:sp>
             <p:nvSpPr>
               <p:cNvPr id="125" name="內容版面配置區 2">
@@ -12979,7 +15085,7 @@
                                   <p:childTnLst>
                                     <p:animEffect transition="out" filter="fade">
                                       <p:cBhvr>
-                                        <p:cTn id="6" dur="500" tmFilter="0, 0; .2, .5; .8, .5; 1, 0"/>
+                                        <p:cTn id="6" dur="1000" tmFilter="0, 0; .2, .5; .8, .5; 1, 0"/>
                                         <p:tgtEl>
                                           <p:spTgt spid="16"/>
                                         </p:tgtEl>
@@ -12987,7 +15093,7 @@
                                     </p:animEffect>
                                     <p:animScale>
                                       <p:cBhvr>
-                                        <p:cTn id="7" dur="250" autoRev="1" fill="hold"/>
+                                        <p:cTn id="7" dur="500" autoRev="1" fill="hold"/>
                                         <p:tgtEl>
                                           <p:spTgt spid="16"/>
                                         </p:tgtEl>
@@ -13003,7 +15109,7 @@
                         <p:par>
                           <p:cTn id="8" fill="hold">
                             <p:stCondLst>
-                              <p:cond delay="500"/>
+                              <p:cond delay="1000"/>
                             </p:stCondLst>
                             <p:childTnLst>
                               <p:par>
@@ -13014,7 +15120,7 @@
                                   <p:childTnLst>
                                     <p:animEffect transition="out" filter="fade">
                                       <p:cBhvr>
-                                        <p:cTn id="10" dur="500" tmFilter="0, 0; .2, .5; .8, .5; 1, 0"/>
+                                        <p:cTn id="10" dur="1000" tmFilter="0, 0; .2, .5; .8, .5; 1, 0"/>
                                         <p:tgtEl>
                                           <p:spTgt spid="18"/>
                                         </p:tgtEl>
@@ -13022,7 +15128,7 @@
                                     </p:animEffect>
                                     <p:animScale>
                                       <p:cBhvr>
-                                        <p:cTn id="11" dur="250" autoRev="1" fill="hold"/>
+                                        <p:cTn id="11" dur="500" autoRev="1" fill="hold"/>
                                         <p:tgtEl>
                                           <p:spTgt spid="18"/>
                                         </p:tgtEl>
@@ -13038,7 +15144,7 @@
                         <p:par>
                           <p:cTn id="12" fill="hold">
                             <p:stCondLst>
-                              <p:cond delay="1000"/>
+                              <p:cond delay="2000"/>
                             </p:stCondLst>
                             <p:childTnLst>
                               <p:par>
@@ -13049,7 +15155,7 @@
                                   <p:childTnLst>
                                     <p:animEffect transition="out" filter="fade">
                                       <p:cBhvr>
-                                        <p:cTn id="14" dur="500" tmFilter="0, 0; .2, .5; .8, .5; 1, 0"/>
+                                        <p:cTn id="14" dur="1000" tmFilter="0, 0; .2, .5; .8, .5; 1, 0"/>
                                         <p:tgtEl>
                                           <p:spTgt spid="22"/>
                                         </p:tgtEl>
@@ -13057,7 +15163,7 @@
                                     </p:animEffect>
                                     <p:animScale>
                                       <p:cBhvr>
-                                        <p:cTn id="15" dur="250" autoRev="1" fill="hold"/>
+                                        <p:cTn id="15" dur="500" autoRev="1" fill="hold"/>
                                         <p:tgtEl>
                                           <p:spTgt spid="22"/>
                                         </p:tgtEl>
@@ -13073,7 +15179,7 @@
                         <p:par>
                           <p:cTn id="16" fill="hold">
                             <p:stCondLst>
-                              <p:cond delay="1500"/>
+                              <p:cond delay="3000"/>
                             </p:stCondLst>
                             <p:childTnLst>
                               <p:par>
@@ -13084,7 +15190,7 @@
                                   <p:childTnLst>
                                     <p:animEffect transition="out" filter="fade">
                                       <p:cBhvr>
-                                        <p:cTn id="18" dur="500" tmFilter="0, 0; .2, .5; .8, .5; 1, 0"/>
+                                        <p:cTn id="18" dur="1000" tmFilter="0, 0; .2, .5; .8, .5; 1, 0"/>
                                         <p:tgtEl>
                                           <p:spTgt spid="14"/>
                                         </p:tgtEl>
@@ -13092,7 +15198,7 @@
                                     </p:animEffect>
                                     <p:animScale>
                                       <p:cBhvr>
-                                        <p:cTn id="19" dur="250" autoRev="1" fill="hold"/>
+                                        <p:cTn id="19" dur="500" autoRev="1" fill="hold"/>
                                         <p:tgtEl>
                                           <p:spTgt spid="14"/>
                                         </p:tgtEl>
@@ -13128,7 +15234,7 @@
                                   <p:childTnLst>
                                     <p:animEffect transition="out" filter="fade">
                                       <p:cBhvr>
-                                        <p:cTn id="23" dur="500" tmFilter="0, 0; .2, .5; .8, .5; 1, 0"/>
+                                        <p:cTn id="23" dur="1000" tmFilter="0, 0; .2, .5; .8, .5; 1, 0"/>
                                         <p:tgtEl>
                                           <p:spTgt spid="36"/>
                                         </p:tgtEl>
@@ -13136,7 +15242,7 @@
                                     </p:animEffect>
                                     <p:animScale>
                                       <p:cBhvr>
-                                        <p:cTn id="24" dur="250" autoRev="1" fill="hold"/>
+                                        <p:cTn id="24" dur="500" autoRev="1" fill="hold"/>
                                         <p:tgtEl>
                                           <p:spTgt spid="36"/>
                                         </p:tgtEl>
@@ -13154,7 +15260,7 @@
                                   <p:childTnLst>
                                     <p:animEffect transition="out" filter="fade">
                                       <p:cBhvr>
-                                        <p:cTn id="26" dur="500" tmFilter="0, 0; .2, .5; .8, .5; 1, 0"/>
+                                        <p:cTn id="26" dur="1000" tmFilter="0, 0; .2, .5; .8, .5; 1, 0"/>
                                         <p:tgtEl>
                                           <p:spTgt spid="41"/>
                                         </p:tgtEl>
@@ -13162,7 +15268,7 @@
                                     </p:animEffect>
                                     <p:animScale>
                                       <p:cBhvr>
-                                        <p:cTn id="27" dur="250" autoRev="1" fill="hold"/>
+                                        <p:cTn id="27" dur="500" autoRev="1" fill="hold"/>
                                         <p:tgtEl>
                                           <p:spTgt spid="41"/>
                                         </p:tgtEl>
@@ -13178,7 +15284,7 @@
                         <p:par>
                           <p:cTn id="28" fill="hold">
                             <p:stCondLst>
-                              <p:cond delay="1000"/>
+                              <p:cond delay="1500"/>
                             </p:stCondLst>
                             <p:childTnLst>
                               <p:par>
@@ -13189,7 +15295,7 @@
                                   <p:childTnLst>
                                     <p:animEffect transition="out" filter="fade">
                                       <p:cBhvr>
-                                        <p:cTn id="30" dur="500" tmFilter="0, 0; .2, .5; .8, .5; 1, 0"/>
+                                        <p:cTn id="30" dur="1000" tmFilter="0, 0; .2, .5; .8, .5; 1, 0"/>
                                         <p:tgtEl>
                                           <p:spTgt spid="44"/>
                                         </p:tgtEl>
@@ -13197,7 +15303,7 @@
                                     </p:animEffect>
                                     <p:animScale>
                                       <p:cBhvr>
-                                        <p:cTn id="31" dur="250" autoRev="1" fill="hold"/>
+                                        <p:cTn id="31" dur="500" autoRev="1" fill="hold"/>
                                         <p:tgtEl>
                                           <p:spTgt spid="44"/>
                                         </p:tgtEl>
@@ -13233,7 +15339,7 @@
                                   <p:childTnLst>
                                     <p:animEffect transition="out" filter="fade">
                                       <p:cBhvr>
-                                        <p:cTn id="35" dur="500" tmFilter="0, 0; .2, .5; .8, .5; 1, 0"/>
+                                        <p:cTn id="35" dur="1000" tmFilter="0, 0; .2, .5; .8, .5; 1, 0"/>
                                         <p:tgtEl>
                                           <p:spTgt spid="89"/>
                                         </p:tgtEl>
@@ -13241,7 +15347,7 @@
                                     </p:animEffect>
                                     <p:animScale>
                                       <p:cBhvr>
-                                        <p:cTn id="36" dur="250" autoRev="1" fill="hold"/>
+                                        <p:cTn id="36" dur="500" autoRev="1" fill="hold"/>
                                         <p:tgtEl>
                                           <p:spTgt spid="89"/>
                                         </p:tgtEl>
@@ -13257,7 +15363,7 @@
                         <p:par>
                           <p:cTn id="37" fill="hold">
                             <p:stCondLst>
-                              <p:cond delay="500"/>
+                              <p:cond delay="1000"/>
                             </p:stCondLst>
                             <p:childTnLst>
                               <p:par>
@@ -13268,7 +15374,7 @@
                                   <p:childTnLst>
                                     <p:animEffect transition="out" filter="fade">
                                       <p:cBhvr>
-                                        <p:cTn id="39" dur="500" tmFilter="0, 0; .2, .5; .8, .5; 1, 0"/>
+                                        <p:cTn id="39" dur="1000" tmFilter="0, 0; .2, .5; .8, .5; 1, 0"/>
                                         <p:tgtEl>
                                           <p:spTgt spid="93"/>
                                         </p:tgtEl>
@@ -13276,7 +15382,7 @@
                                     </p:animEffect>
                                     <p:animScale>
                                       <p:cBhvr>
-                                        <p:cTn id="40" dur="250" autoRev="1" fill="hold"/>
+                                        <p:cTn id="40" dur="500" autoRev="1" fill="hold"/>
                                         <p:tgtEl>
                                           <p:spTgt spid="93"/>
                                         </p:tgtEl>
@@ -13312,7 +15418,7 @@
                                   <p:childTnLst>
                                     <p:animEffect transition="out" filter="fade">
                                       <p:cBhvr>
-                                        <p:cTn id="44" dur="500" tmFilter="0, 0; .2, .5; .8, .5; 1, 0"/>
+                                        <p:cTn id="44" dur="1000" tmFilter="0, 0; .2, .5; .8, .5; 1, 0"/>
                                         <p:tgtEl>
                                           <p:spTgt spid="103"/>
                                         </p:tgtEl>
@@ -13320,7 +15426,7 @@
                                     </p:animEffect>
                                     <p:animScale>
                                       <p:cBhvr>
-                                        <p:cTn id="45" dur="250" autoRev="1" fill="hold"/>
+                                        <p:cTn id="45" dur="500" autoRev="1" fill="hold"/>
                                         <p:tgtEl>
                                           <p:spTgt spid="103"/>
                                         </p:tgtEl>
@@ -19390,7 +21496,7 @@
           <a:p>
             <a:r>
               <a:rPr lang="en-US" altLang="zh-TW" sz="2000" b="1" dirty="0"/>
-              <a:t>Order</a:t>
+              <a:t>Level</a:t>
             </a:r>
             <a:endParaRPr lang="zh-TW" altLang="en-US" sz="2000" b="1" dirty="0"/>
           </a:p>
@@ -21138,7 +23244,7 @@
           <a:p>
             <a:r>
               <a:rPr lang="en-US" altLang="zh-TW" sz="2000" dirty="0"/>
-              <a:t>&gt;&gt; stops at the same order of Tree</a:t>
+              <a:t>&gt;&gt; stops at the same level of Tree</a:t>
             </a:r>
             <a:endParaRPr lang="en-US" altLang="zh-TW" sz="2000" b="1" dirty="0"/>
           </a:p>
@@ -21160,7 +23266,7 @@
           <a:p>
             <a:r>
               <a:rPr lang="en-US" altLang="zh-TW" sz="2000" dirty="0"/>
-              <a:t>&gt;&gt; stops at another order of Tree (children)</a:t>
+              <a:t>&gt;&gt; stops at another level of Tree (children)</a:t>
             </a:r>
           </a:p>
           <a:p>
@@ -21378,7 +23484,7 @@
           <a:p>
             <a:r>
               <a:rPr lang="en-US" altLang="zh-TW" sz="2000" b="1" dirty="0"/>
-              <a:t>Order</a:t>
+              <a:t>Level</a:t>
             </a:r>
             <a:endParaRPr lang="zh-TW" altLang="en-US" sz="2000" b="1" dirty="0"/>
           </a:p>
@@ -22183,8 +24289,8 @@
           </a:prstGeom>
         </p:spPr>
       </p:pic>
-      <mc:AlternateContent xmlns:mc="http://schemas.openxmlformats.org/markup-compatibility/2006">
-        <mc:Choice xmlns:a14="http://schemas.microsoft.com/office/drawing/2010/main" Requires="a14">
+      <mc:AlternateContent xmlns:mc="http://schemas.openxmlformats.org/markup-compatibility/2006" xmlns:a14="http://schemas.microsoft.com/office/drawing/2010/main">
+        <mc:Choice Requires="a14">
           <p:sp>
             <p:nvSpPr>
               <p:cNvPr id="31" name="文字方塊 30">
@@ -22213,6 +24319,7 @@
               </a:bodyPr>
               <a:lstStyle/>
               <a:p>
+                <a:pPr/>
                 <a14:m>
                   <m:oMathPara xmlns:m="http://schemas.openxmlformats.org/officeDocument/2006/math">
                     <m:oMathParaPr>
@@ -22396,7 +24503,7 @@
             </p:txBody>
           </p:sp>
         </mc:Choice>
-        <mc:Fallback>
+        <mc:Fallback xmlns="">
           <p:sp>
             <p:nvSpPr>
               <p:cNvPr id="31" name="文字方塊 30">
@@ -22441,8 +24548,8 @@
           </p:sp>
         </mc:Fallback>
       </mc:AlternateContent>
-      <mc:AlternateContent xmlns:mc="http://schemas.openxmlformats.org/markup-compatibility/2006">
-        <mc:Choice xmlns:a14="http://schemas.microsoft.com/office/drawing/2010/main" Requires="a14">
+      <mc:AlternateContent xmlns:mc="http://schemas.openxmlformats.org/markup-compatibility/2006" xmlns:a14="http://schemas.microsoft.com/office/drawing/2010/main">
+        <mc:Choice Requires="a14">
           <p:sp>
             <p:nvSpPr>
               <p:cNvPr id="32" name="文字方塊 31">
@@ -22471,6 +24578,7 @@
               </a:bodyPr>
               <a:lstStyle/>
               <a:p>
+                <a:pPr/>
                 <a14:m>
                   <m:oMathPara xmlns:m="http://schemas.openxmlformats.org/officeDocument/2006/math">
                     <m:oMathParaPr>
@@ -22639,7 +24747,7 @@
             </p:txBody>
           </p:sp>
         </mc:Choice>
-        <mc:Fallback>
+        <mc:Fallback xmlns="">
           <p:sp>
             <p:nvSpPr>
               <p:cNvPr id="32" name="文字方塊 31">
@@ -22684,8 +24792,8 @@
           </p:sp>
         </mc:Fallback>
       </mc:AlternateContent>
-      <mc:AlternateContent xmlns:mc="http://schemas.openxmlformats.org/markup-compatibility/2006">
-        <mc:Choice xmlns:a14="http://schemas.microsoft.com/office/drawing/2010/main" Requires="a14">
+      <mc:AlternateContent xmlns:mc="http://schemas.openxmlformats.org/markup-compatibility/2006" xmlns:a14="http://schemas.microsoft.com/office/drawing/2010/main">
+        <mc:Choice Requires="a14">
           <p:sp>
             <p:nvSpPr>
               <p:cNvPr id="34" name="文字方塊 33">
@@ -22714,6 +24822,7 @@
               </a:bodyPr>
               <a:lstStyle/>
               <a:p>
+                <a:pPr/>
                 <a14:m>
                   <m:oMathPara xmlns:m="http://schemas.openxmlformats.org/officeDocument/2006/math">
                     <m:oMathParaPr>
@@ -22927,7 +25036,7 @@
             </p:txBody>
           </p:sp>
         </mc:Choice>
-        <mc:Fallback>
+        <mc:Fallback xmlns="">
           <p:sp>
             <p:nvSpPr>
               <p:cNvPr id="34" name="文字方塊 33">
@@ -22972,8 +25081,8 @@
           </p:sp>
         </mc:Fallback>
       </mc:AlternateContent>
-      <mc:AlternateContent xmlns:mc="http://schemas.openxmlformats.org/markup-compatibility/2006">
-        <mc:Choice xmlns:a14="http://schemas.microsoft.com/office/drawing/2010/main" Requires="a14">
+      <mc:AlternateContent xmlns:mc="http://schemas.openxmlformats.org/markup-compatibility/2006" xmlns:a14="http://schemas.microsoft.com/office/drawing/2010/main">
+        <mc:Choice Requires="a14">
           <p:sp>
             <p:nvSpPr>
               <p:cNvPr id="4" name="文字方塊 3">
@@ -23002,6 +25111,7 @@
               </a:bodyPr>
               <a:lstStyle/>
               <a:p>
+                <a:pPr/>
                 <a14:m>
                   <m:oMathPara xmlns:m="http://schemas.openxmlformats.org/officeDocument/2006/math">
                     <m:oMathParaPr>
@@ -23145,7 +25255,7 @@
             </p:txBody>
           </p:sp>
         </mc:Choice>
-        <mc:Fallback>
+        <mc:Fallback xmlns="">
           <p:sp>
             <p:nvSpPr>
               <p:cNvPr id="4" name="文字方塊 3">
@@ -23517,7 +25627,7 @@
         </p:nvSpPr>
         <p:spPr>
           <a:xfrm>
-            <a:off x="495740" y="4484211"/>
+            <a:off x="495740" y="4331811"/>
             <a:ext cx="5441902" cy="492443"/>
           </a:xfrm>
           <a:prstGeom prst="rect">
@@ -23677,7 +25787,7 @@
         </p:blipFill>
         <p:spPr>
           <a:xfrm>
-            <a:off x="619623" y="4983813"/>
+            <a:off x="619623" y="4831413"/>
             <a:ext cx="628652" cy="628652"/>
           </a:xfrm>
           <a:prstGeom prst="rect">
@@ -23699,7 +25809,7 @@
         </p:nvSpPr>
         <p:spPr>
           <a:xfrm>
-            <a:off x="1431857" y="5026917"/>
+            <a:off x="1431857" y="4874517"/>
             <a:ext cx="7206588" cy="492443"/>
           </a:xfrm>
           <a:prstGeom prst="rect">
@@ -23750,7 +25860,7 @@
         </p:blipFill>
         <p:spPr>
           <a:xfrm>
-            <a:off x="613458" y="5693475"/>
+            <a:off x="613458" y="5541075"/>
             <a:ext cx="628652" cy="628652"/>
           </a:xfrm>
           <a:prstGeom prst="rect">
@@ -23772,7 +25882,7 @@
         </p:nvSpPr>
         <p:spPr>
           <a:xfrm>
-            <a:off x="1492025" y="5761579"/>
+            <a:off x="1492025" y="5609179"/>
             <a:ext cx="3432543" cy="492443"/>
           </a:xfrm>
           <a:prstGeom prst="rect">
@@ -23789,6 +25899,108 @@
               <a:rPr lang="en-US" altLang="zh-TW" sz="2600" dirty="0"/>
               <a:t>Parallelization (Threads)</a:t>
             </a:r>
+          </a:p>
+        </p:txBody>
+      </p:sp>
+      <p:sp>
+        <p:nvSpPr>
+          <p:cNvPr id="19" name="矩形 18">
+            <a:extLst>
+              <a:ext uri="{FF2B5EF4-FFF2-40B4-BE49-F238E27FC236}">
+                <a16:creationId xmlns:a16="http://schemas.microsoft.com/office/drawing/2014/main" id="{C18E7953-3F80-464A-BF2A-55939365A528}"/>
+              </a:ext>
+            </a:extLst>
+          </p:cNvPr>
+          <p:cNvSpPr/>
+          <p:nvPr/>
+        </p:nvSpPr>
+        <p:spPr>
+          <a:xfrm>
+            <a:off x="544880" y="3633357"/>
+            <a:ext cx="2329420" cy="492443"/>
+          </a:xfrm>
+          <a:prstGeom prst="rect">
+            <a:avLst/>
+          </a:prstGeom>
+        </p:spPr>
+        <p:txBody>
+          <a:bodyPr wrap="none">
+            <a:spAutoFit/>
+          </a:bodyPr>
+          <a:lstStyle/>
+          <a:p>
+            <a:r>
+              <a:rPr lang="en-US" altLang="zh-TW" sz="2600" dirty="0">
+                <a:highlight>
+                  <a:srgbClr val="FFFF00"/>
+                </a:highlight>
+              </a:rPr>
+              <a:t># Link to </a:t>
+            </a:r>
+            <a:r>
+              <a:rPr lang="en-US" altLang="zh-TW" sz="2600" dirty="0" err="1">
+                <a:highlight>
+                  <a:srgbClr val="FFFF00"/>
+                </a:highlight>
+              </a:rPr>
+              <a:t>Github</a:t>
+            </a:r>
+            <a:endParaRPr lang="en-US" altLang="zh-TW" sz="2600" dirty="0">
+              <a:highlight>
+                <a:srgbClr val="FFFF00"/>
+              </a:highlight>
+            </a:endParaRPr>
+          </a:p>
+        </p:txBody>
+      </p:sp>
+      <p:sp>
+        <p:nvSpPr>
+          <p:cNvPr id="24" name="矩形 23">
+            <a:extLst>
+              <a:ext uri="{FF2B5EF4-FFF2-40B4-BE49-F238E27FC236}">
+                <a16:creationId xmlns:a16="http://schemas.microsoft.com/office/drawing/2014/main" id="{84A70F19-5631-473A-BE6B-9DB05730FA46}"/>
+              </a:ext>
+            </a:extLst>
+          </p:cNvPr>
+          <p:cNvSpPr/>
+          <p:nvPr/>
+        </p:nvSpPr>
+        <p:spPr>
+          <a:xfrm>
+            <a:off x="495740" y="6234176"/>
+            <a:ext cx="2329420" cy="492443"/>
+          </a:xfrm>
+          <a:prstGeom prst="rect">
+            <a:avLst/>
+          </a:prstGeom>
+        </p:spPr>
+        <p:txBody>
+          <a:bodyPr wrap="none">
+            <a:spAutoFit/>
+          </a:bodyPr>
+          <a:lstStyle/>
+          <a:p>
+            <a:r>
+              <a:rPr lang="en-US" altLang="zh-TW" sz="2600" dirty="0">
+                <a:highlight>
+                  <a:srgbClr val="FFFF00"/>
+                </a:highlight>
+              </a:rPr>
+              <a:t># Link to </a:t>
+            </a:r>
+            <a:r>
+              <a:rPr lang="en-US" altLang="zh-TW" sz="2600" dirty="0" err="1">
+                <a:highlight>
+                  <a:srgbClr val="FFFF00"/>
+                </a:highlight>
+              </a:rPr>
+              <a:t>Github</a:t>
+            </a:r>
+            <a:endParaRPr lang="en-US" altLang="zh-TW" sz="2600" dirty="0">
+              <a:highlight>
+                <a:srgbClr val="FFFF00"/>
+              </a:highlight>
+            </a:endParaRPr>
           </a:p>
         </p:txBody>
       </p:sp>

--- a/Final project_G03_Tree Algorithm.pptx
+++ b/Final project_G03_Tree Algorithm.pptx
@@ -227,7 +227,7 @@
           <a:p>
             <a:fld id="{28D5AAEC-2179-41D4-A0A9-6F825E81F792}" type="datetimeFigureOut">
               <a:rPr lang="zh-TW" altLang="en-US" smtClean="0"/>
-              <a:t>2024/5/30</a:t>
+              <a:t>2024/5/31</a:t>
             </a:fld>
             <a:endParaRPr lang="zh-TW" altLang="en-US"/>
           </a:p>
@@ -777,7 +777,7 @@
           <a:p>
             <a:fld id="{081DF769-AD68-4469-9E1E-35DFCB1823FC}" type="datetime1">
               <a:rPr lang="zh-TW" altLang="en-US" smtClean="0"/>
-              <a:t>2024/5/30</a:t>
+              <a:t>2024/5/31</a:t>
             </a:fld>
             <a:endParaRPr lang="zh-TW" altLang="en-US"/>
           </a:p>
@@ -947,7 +947,7 @@
           <a:p>
             <a:fld id="{4CB863D1-A7B2-413A-B10C-23253AE47D0F}" type="datetime1">
               <a:rPr lang="zh-TW" altLang="en-US" smtClean="0"/>
-              <a:t>2024/5/30</a:t>
+              <a:t>2024/5/31</a:t>
             </a:fld>
             <a:endParaRPr lang="zh-TW" altLang="en-US"/>
           </a:p>
@@ -1127,7 +1127,7 @@
           <a:p>
             <a:fld id="{6E0DC0B4-6369-42F1-AC4D-37AD9863568B}" type="datetime1">
               <a:rPr lang="zh-TW" altLang="en-US" smtClean="0"/>
-              <a:t>2024/5/30</a:t>
+              <a:t>2024/5/31</a:t>
             </a:fld>
             <a:endParaRPr lang="zh-TW" altLang="en-US"/>
           </a:p>
@@ -1297,7 +1297,7 @@
           <a:p>
             <a:fld id="{300A675F-96BB-4FAF-9BCD-7B1E6091AC0B}" type="datetime1">
               <a:rPr lang="zh-TW" altLang="en-US" smtClean="0"/>
-              <a:t>2024/5/30</a:t>
+              <a:t>2024/5/31</a:t>
             </a:fld>
             <a:endParaRPr lang="zh-TW" altLang="en-US"/>
           </a:p>
@@ -1541,7 +1541,7 @@
           <a:p>
             <a:fld id="{D074D902-E9E8-4E2B-89D1-3B73CB588132}" type="datetime1">
               <a:rPr lang="zh-TW" altLang="en-US" smtClean="0"/>
-              <a:t>2024/5/30</a:t>
+              <a:t>2024/5/31</a:t>
             </a:fld>
             <a:endParaRPr lang="zh-TW" altLang="en-US"/>
           </a:p>
@@ -1773,7 +1773,7 @@
           <a:p>
             <a:fld id="{97E10C5E-3CDB-4F86-A898-D483A4998FB3}" type="datetime1">
               <a:rPr lang="zh-TW" altLang="en-US" smtClean="0"/>
-              <a:t>2024/5/30</a:t>
+              <a:t>2024/5/31</a:t>
             </a:fld>
             <a:endParaRPr lang="zh-TW" altLang="en-US"/>
           </a:p>
@@ -2140,7 +2140,7 @@
           <a:p>
             <a:fld id="{886AE860-55B7-4E0D-8354-E0D4762D7AF9}" type="datetime1">
               <a:rPr lang="zh-TW" altLang="en-US" smtClean="0"/>
-              <a:t>2024/5/30</a:t>
+              <a:t>2024/5/31</a:t>
             </a:fld>
             <a:endParaRPr lang="zh-TW" altLang="en-US"/>
           </a:p>
@@ -2258,7 +2258,7 @@
           <a:p>
             <a:fld id="{424FD2D9-6C9B-40B5-8F90-B5CADE688C32}" type="datetime1">
               <a:rPr lang="zh-TW" altLang="en-US" smtClean="0"/>
-              <a:t>2024/5/30</a:t>
+              <a:t>2024/5/31</a:t>
             </a:fld>
             <a:endParaRPr lang="zh-TW" altLang="en-US"/>
           </a:p>
@@ -2353,7 +2353,7 @@
           <a:p>
             <a:fld id="{5F1517A0-54BE-43A8-AE7A-0EA6E02123A1}" type="datetime1">
               <a:rPr lang="zh-TW" altLang="en-US" smtClean="0"/>
-              <a:t>2024/5/30</a:t>
+              <a:t>2024/5/31</a:t>
             </a:fld>
             <a:endParaRPr lang="zh-TW" altLang="en-US"/>
           </a:p>
@@ -2630,7 +2630,7 @@
           <a:p>
             <a:fld id="{966BA1A7-2D11-4DA1-82CE-52557C4CE74F}" type="datetime1">
               <a:rPr lang="zh-TW" altLang="en-US" smtClean="0"/>
-              <a:t>2024/5/30</a:t>
+              <a:t>2024/5/31</a:t>
             </a:fld>
             <a:endParaRPr lang="zh-TW" altLang="en-US"/>
           </a:p>
@@ -2887,7 +2887,7 @@
           <a:p>
             <a:fld id="{866E7C6D-CD89-43D8-B19F-EAE9E74B5C90}" type="datetime1">
               <a:rPr lang="zh-TW" altLang="en-US" smtClean="0"/>
-              <a:t>2024/5/30</a:t>
+              <a:t>2024/5/31</a:t>
             </a:fld>
             <a:endParaRPr lang="zh-TW" altLang="en-US"/>
           </a:p>
@@ -3100,7 +3100,7 @@
           <a:p>
             <a:fld id="{0BF0F619-6BD9-4CD0-862C-415FC4725200}" type="datetime1">
               <a:rPr lang="zh-TW" altLang="en-US" smtClean="0"/>
-              <a:t>2024/5/30</a:t>
+              <a:t>2024/5/31</a:t>
             </a:fld>
             <a:endParaRPr lang="zh-TW" altLang="en-US"/>
           </a:p>
@@ -3573,7 +3573,7 @@
           <a:lstStyle/>
           <a:p>
             <a:pPr algn="ctr"/>
-            <a:endParaRPr lang="en-US">
+            <a:endParaRPr lang="en-US" dirty="0">
               <a:solidFill>
                 <a:schemeClr val="tx1"/>
               </a:solidFill>
@@ -3658,7 +3658,7 @@
               <a:tabLst/>
               <a:defRPr/>
             </a:pPr>
-            <a:endParaRPr kumimoji="0" lang="en-US" sz="1800" b="0" i="0" u="none" strike="noStrike" kern="1200" cap="none" spc="0" normalizeH="0" baseline="0" noProof="0">
+            <a:endParaRPr kumimoji="0" lang="en-US" sz="1800" b="0" i="0" u="none" strike="noStrike" kern="1200" cap="none" spc="0" normalizeH="0" baseline="0" noProof="0" dirty="0">
               <a:ln>
                 <a:noFill/>
               </a:ln>
@@ -3801,7 +3801,7 @@
               <a:tabLst/>
               <a:defRPr/>
             </a:pPr>
-            <a:endParaRPr kumimoji="0" lang="en-US" sz="1800" b="0" i="0" u="none" strike="noStrike" kern="1200" cap="none" spc="0" normalizeH="0" baseline="0" noProof="0">
+            <a:endParaRPr kumimoji="0" lang="en-US" sz="1800" b="0" i="0" u="none" strike="noStrike" kern="1200" cap="none" spc="0" normalizeH="0" baseline="0" noProof="0" dirty="0">
               <a:ln>
                 <a:noFill/>
               </a:ln>
@@ -3960,7 +3960,7 @@
           <a:lstStyle/>
           <a:p>
             <a:pPr algn="ctr"/>
-            <a:endParaRPr lang="en-US"/>
+            <a:endParaRPr lang="en-US" dirty="0"/>
           </a:p>
         </p:txBody>
       </p:sp>
@@ -4100,7 +4100,7 @@
           <a:lstStyle/>
           <a:p>
             <a:pPr algn="ctr"/>
-            <a:endParaRPr lang="en-US"/>
+            <a:endParaRPr lang="en-US" dirty="0"/>
           </a:p>
         </p:txBody>
       </p:sp>
@@ -4152,7 +4152,7 @@
               </a:pPr>
               <a:t>1</a:t>
             </a:fld>
-            <a:endParaRPr lang="en-US" altLang="zh-TW">
+            <a:endParaRPr lang="en-US" altLang="zh-TW" dirty="0">
               <a:solidFill>
                 <a:prstClr val="black">
                   <a:tint val="75000"/>
@@ -6190,7 +6190,7 @@
         </p:nvSpPr>
         <p:spPr>
           <a:xfrm>
-            <a:off x="613458" y="1690689"/>
+            <a:off x="261665" y="1584022"/>
             <a:ext cx="5441902" cy="492443"/>
           </a:xfrm>
           <a:prstGeom prst="rect">
@@ -6226,7 +6226,7 @@
         </p:nvSpPr>
         <p:spPr>
           <a:xfrm>
-            <a:off x="495740" y="4484211"/>
+            <a:off x="185758" y="5027756"/>
             <a:ext cx="5441902" cy="492443"/>
           </a:xfrm>
           <a:prstGeom prst="rect">
@@ -6262,8 +6262,120 @@
         </p:nvSpPr>
         <p:spPr>
           <a:xfrm>
-            <a:off x="1051240" y="2266196"/>
+            <a:off x="613458" y="4276163"/>
             <a:ext cx="6327823" cy="892552"/>
+          </a:xfrm>
+          <a:prstGeom prst="rect">
+            <a:avLst/>
+          </a:prstGeom>
+        </p:spPr>
+        <p:txBody>
+          <a:bodyPr wrap="none">
+            <a:spAutoFit/>
+          </a:bodyPr>
+          <a:lstStyle/>
+          <a:p>
+            <a:pPr marL="514350" indent="-514350">
+              <a:buAutoNum type="arabicPeriod"/>
+            </a:pPr>
+            <a:r>
+              <a:rPr lang="en-US" altLang="zh-TW" sz="2600" dirty="0"/>
+              <a:t>Plot center of mass</a:t>
+            </a:r>
+          </a:p>
+          <a:p>
+            <a:pPr marL="514350" indent="-514350">
+              <a:buAutoNum type="arabicPeriod"/>
+            </a:pPr>
+            <a:r>
+              <a:rPr lang="en-US" altLang="zh-TW" sz="2600" dirty="0"/>
+              <a:t>Animation of different N particles vs Time</a:t>
+            </a:r>
+          </a:p>
+        </p:txBody>
+      </p:sp>
+      <p:sp>
+        <p:nvSpPr>
+          <p:cNvPr id="15" name="矩形 14">
+            <a:extLst>
+              <a:ext uri="{FF2B5EF4-FFF2-40B4-BE49-F238E27FC236}">
+                <a16:creationId xmlns:a16="http://schemas.microsoft.com/office/drawing/2014/main" id="{0A1D6F7F-7052-4289-BA13-79B79D63A3E7}"/>
+              </a:ext>
+            </a:extLst>
+          </p:cNvPr>
+          <p:cNvSpPr/>
+          <p:nvPr/>
+        </p:nvSpPr>
+        <p:spPr>
+          <a:xfrm>
+            <a:off x="775098" y="5381703"/>
+            <a:ext cx="6327823" cy="1692771"/>
+          </a:xfrm>
+          <a:prstGeom prst="rect">
+            <a:avLst/>
+          </a:prstGeom>
+        </p:spPr>
+        <p:txBody>
+          <a:bodyPr wrap="none">
+            <a:spAutoFit/>
+          </a:bodyPr>
+          <a:lstStyle/>
+          <a:p>
+            <a:pPr marL="514350" indent="-514350">
+              <a:buAutoNum type="arabicPeriod"/>
+            </a:pPr>
+            <a:r>
+              <a:rPr lang="en-US" altLang="zh-TW" sz="2600" dirty="0"/>
+              <a:t>Animation of different N particles vs Time</a:t>
+            </a:r>
+          </a:p>
+          <a:p>
+            <a:pPr marL="514350" indent="-514350">
+              <a:buAutoNum type="arabicPeriod"/>
+            </a:pPr>
+            <a:r>
+              <a:rPr lang="en-US" altLang="zh-TW" sz="2600" dirty="0"/>
+              <a:t>Parallelize 1.</a:t>
+            </a:r>
+          </a:p>
+          <a:p>
+            <a:pPr marL="514350" indent="-514350">
+              <a:buFontTx/>
+              <a:buAutoNum type="arabicPeriod"/>
+            </a:pPr>
+            <a:r>
+              <a:rPr lang="en-US" altLang="zh-TW" sz="2600" dirty="0"/>
+              <a:t>Fixed N but Change Theta</a:t>
+            </a:r>
+          </a:p>
+          <a:p>
+            <a:pPr marL="514350" indent="-514350">
+              <a:buAutoNum type="arabicPeriod"/>
+            </a:pPr>
+            <a:endParaRPr lang="en-US" altLang="zh-TW" sz="2600" dirty="0">
+              <a:highlight>
+                <a:srgbClr val="FFFF00"/>
+              </a:highlight>
+            </a:endParaRPr>
+          </a:p>
+        </p:txBody>
+      </p:sp>
+      <p:sp>
+        <p:nvSpPr>
+          <p:cNvPr id="17" name="矩形 16">
+            <a:extLst>
+              <a:ext uri="{FF2B5EF4-FFF2-40B4-BE49-F238E27FC236}">
+                <a16:creationId xmlns:a16="http://schemas.microsoft.com/office/drawing/2014/main" id="{DEC1F70D-B1D4-4A9D-98D2-2CBAE3275611}"/>
+              </a:ext>
+            </a:extLst>
+          </p:cNvPr>
+          <p:cNvSpPr/>
+          <p:nvPr/>
+        </p:nvSpPr>
+        <p:spPr>
+          <a:xfrm>
+            <a:off x="9844786" y="4709746"/>
+            <a:ext cx="8284897" cy="3293209"/>
           </a:xfrm>
           <a:prstGeom prst="rect">
             <a:avLst/>
@@ -6284,11 +6396,12 @@
                   <a:srgbClr val="FFFF00"/>
                 </a:highlight>
               </a:rPr>
-              <a:t>Plot center of mass</a:t>
+              <a:t>1 thread 1000iterations Theta = 0.05, T= 80s</a:t>
             </a:r>
           </a:p>
           <a:p>
             <a:pPr marL="514350" indent="-514350">
+              <a:buFontTx/>
               <a:buAutoNum type="arabicPeriod"/>
             </a:pPr>
             <a:r>
@@ -6297,40 +6410,13 @@
                   <a:srgbClr val="FFFF00"/>
                 </a:highlight>
               </a:rPr>
-              <a:t>Animation of different N particles vs Time</a:t>
+              <a:t>Parallelize </a:t>
             </a:r>
           </a:p>
-        </p:txBody>
-      </p:sp>
-      <p:sp>
-        <p:nvSpPr>
-          <p:cNvPr id="15" name="矩形 14">
-            <a:extLst>
-              <a:ext uri="{FF2B5EF4-FFF2-40B4-BE49-F238E27FC236}">
-                <a16:creationId xmlns:a16="http://schemas.microsoft.com/office/drawing/2014/main" id="{0A1D6F7F-7052-4289-BA13-79B79D63A3E7}"/>
-              </a:ext>
-            </a:extLst>
-          </p:cNvPr>
-          <p:cNvSpPr/>
-          <p:nvPr/>
-        </p:nvSpPr>
-        <p:spPr>
-          <a:xfrm>
-            <a:off x="775098" y="5466756"/>
-            <a:ext cx="6327823" cy="1692771"/>
-          </a:xfrm>
-          <a:prstGeom prst="rect">
-            <a:avLst/>
-          </a:prstGeom>
-        </p:spPr>
-        <p:txBody>
-          <a:bodyPr wrap="none">
-            <a:spAutoFit/>
-          </a:bodyPr>
-          <a:lstStyle/>
-          <a:p>
-            <a:pPr marL="514350" indent="-514350">
-              <a:buAutoNum type="arabicPeriod"/>
+          <a:p>
+            <a:pPr marL="457200" indent="-457200">
+              <a:buFont typeface="Arial" panose="020B0604020202020204" pitchFamily="34" charset="0"/>
+              <a:buChar char="•"/>
             </a:pPr>
             <a:r>
               <a:rPr lang="en-US" altLang="zh-TW" sz="2600" dirty="0">
@@ -6338,12 +6424,13 @@
                   <a:srgbClr val="FFFF00"/>
                 </a:highlight>
               </a:rPr>
-              <a:t>Animation of different N particles vs Time</a:t>
+              <a:t>N=10, 32 threads 1000iterations Theta = 0.05, T= 10s</a:t>
             </a:r>
           </a:p>
           <a:p>
-            <a:pPr marL="514350" indent="-514350">
-              <a:buAutoNum type="arabicPeriod"/>
+            <a:pPr marL="457200" indent="-457200">
+              <a:buFont typeface="Arial" panose="020B0604020202020204" pitchFamily="34" charset="0"/>
+              <a:buChar char="•"/>
             </a:pPr>
             <a:r>
               <a:rPr lang="en-US" altLang="zh-TW" sz="2600" dirty="0">
@@ -6351,8 +6438,30 @@
                   <a:srgbClr val="FFFF00"/>
                 </a:highlight>
               </a:rPr>
-              <a:t>Parallelize 1.</a:t>
+              <a:t>N=10^4, 32 threads 1000iterations Theta = 0.05, T= 600s</a:t>
             </a:r>
+          </a:p>
+          <a:p>
+            <a:pPr marL="457200" indent="-457200">
+              <a:buFont typeface="Arial" panose="020B0604020202020204" pitchFamily="34" charset="0"/>
+              <a:buChar char="•"/>
+            </a:pPr>
+            <a:endParaRPr lang="en-US" altLang="zh-TW" sz="2600" dirty="0">
+              <a:highlight>
+                <a:srgbClr val="FFFF00"/>
+              </a:highlight>
+            </a:endParaRPr>
+          </a:p>
+          <a:p>
+            <a:pPr marL="514350" indent="-514350">
+              <a:buFontTx/>
+              <a:buAutoNum type="arabicPeriod"/>
+            </a:pPr>
+            <a:endParaRPr lang="en-US" altLang="zh-TW" sz="2600" dirty="0">
+              <a:highlight>
+                <a:srgbClr val="FFFF00"/>
+              </a:highlight>
+            </a:endParaRPr>
           </a:p>
           <a:p>
             <a:pPr marL="514350" indent="-514350">
@@ -6380,181 +6489,42 @@
           </a:p>
         </p:txBody>
       </p:sp>
-      <p:sp>
-        <p:nvSpPr>
-          <p:cNvPr id="16" name="矩形 15">
-            <a:extLst>
-              <a:ext uri="{FF2B5EF4-FFF2-40B4-BE49-F238E27FC236}">
-                <a16:creationId xmlns:a16="http://schemas.microsoft.com/office/drawing/2014/main" id="{4063C52A-2E44-409F-9332-7819189BEA45}"/>
-              </a:ext>
-            </a:extLst>
-          </p:cNvPr>
-          <p:cNvSpPr/>
+      <p:pic>
+        <p:nvPicPr>
+          <p:cNvPr id="5" name="圖片 4">
+            <a:extLst>
+              <a:ext uri="{FF2B5EF4-FFF2-40B4-BE49-F238E27FC236}">
+                <a16:creationId xmlns:a16="http://schemas.microsoft.com/office/drawing/2014/main" id="{48040D48-ADF5-4E44-B2D0-71281C736594}"/>
+              </a:ext>
+            </a:extLst>
+          </p:cNvPr>
+          <p:cNvPicPr>
+            <a:picLocks noChangeAspect="1"/>
+          </p:cNvPicPr>
           <p:nvPr/>
-        </p:nvSpPr>
-        <p:spPr>
-          <a:xfrm>
-            <a:off x="4653213" y="864800"/>
-            <a:ext cx="1627369" cy="492443"/>
+        </p:nvPicPr>
+        <p:blipFill>
+          <a:blip r:embed="rId2">
+            <a:extLst>
+              <a:ext uri="{28A0092B-C50C-407E-A947-70E740481C1C}">
+                <a14:useLocalDpi xmlns:a14="http://schemas.microsoft.com/office/drawing/2010/main" val="0"/>
+              </a:ext>
+            </a:extLst>
+          </a:blip>
+          <a:stretch>
+            <a:fillRect/>
+          </a:stretch>
+        </p:blipFill>
+        <p:spPr>
+          <a:xfrm>
+            <a:off x="4220861" y="1231285"/>
+            <a:ext cx="4770149" cy="3577611"/>
           </a:xfrm>
           <a:prstGeom prst="rect">
             <a:avLst/>
           </a:prstGeom>
         </p:spPr>
-        <p:txBody>
-          <a:bodyPr wrap="none">
-            <a:spAutoFit/>
-          </a:bodyPr>
-          <a:lstStyle/>
-          <a:p>
-            <a:r>
-              <a:rPr lang="zh-TW" altLang="en-US" sz="2600" dirty="0">
-                <a:highlight>
-                  <a:srgbClr val="FFFF00"/>
-                </a:highlight>
-              </a:rPr>
-              <a:t>螢光補圖</a:t>
-            </a:r>
-            <a:r>
-              <a:rPr lang="en-US" altLang="zh-TW" sz="2600" dirty="0">
-                <a:highlight>
-                  <a:srgbClr val="FFFF00"/>
-                </a:highlight>
-              </a:rPr>
-              <a:t>!</a:t>
-            </a:r>
-          </a:p>
-        </p:txBody>
-      </p:sp>
-      <p:sp>
-        <p:nvSpPr>
-          <p:cNvPr id="17" name="矩形 16">
-            <a:extLst>
-              <a:ext uri="{FF2B5EF4-FFF2-40B4-BE49-F238E27FC236}">
-                <a16:creationId xmlns:a16="http://schemas.microsoft.com/office/drawing/2014/main" id="{DEC1F70D-B1D4-4A9D-98D2-2CBAE3275611}"/>
-              </a:ext>
-            </a:extLst>
-          </p:cNvPr>
-          <p:cNvSpPr/>
-          <p:nvPr/>
-        </p:nvSpPr>
-        <p:spPr>
-          <a:xfrm>
-            <a:off x="6969483" y="4846142"/>
-            <a:ext cx="8284897" cy="3293209"/>
-          </a:xfrm>
-          <a:prstGeom prst="rect">
-            <a:avLst/>
-          </a:prstGeom>
-        </p:spPr>
-        <p:txBody>
-          <a:bodyPr wrap="none">
-            <a:spAutoFit/>
-          </a:bodyPr>
-          <a:lstStyle/>
-          <a:p>
-            <a:pPr marL="514350" indent="-514350">
-              <a:buAutoNum type="arabicPeriod"/>
-            </a:pPr>
-            <a:r>
-              <a:rPr lang="en-US" altLang="zh-TW" sz="2600" dirty="0">
-                <a:highlight>
-                  <a:srgbClr val="FFFF00"/>
-                </a:highlight>
-              </a:rPr>
-              <a:t>1 thread 1000iterations Theta = 0.05, T= 80s</a:t>
-            </a:r>
-          </a:p>
-          <a:p>
-            <a:pPr marL="514350" indent="-514350">
-              <a:buFontTx/>
-              <a:buAutoNum type="arabicPeriod"/>
-            </a:pPr>
-            <a:r>
-              <a:rPr lang="en-US" altLang="zh-TW" sz="2600" dirty="0">
-                <a:highlight>
-                  <a:srgbClr val="FFFF00"/>
-                </a:highlight>
-              </a:rPr>
-              <a:t>Parallelize </a:t>
-            </a:r>
-          </a:p>
-          <a:p>
-            <a:pPr marL="457200" indent="-457200">
-              <a:buFont typeface="Arial" panose="020B0604020202020204" pitchFamily="34" charset="0"/>
-              <a:buChar char="•"/>
-            </a:pPr>
-            <a:r>
-              <a:rPr lang="en-US" altLang="zh-TW" sz="2600" dirty="0">
-                <a:highlight>
-                  <a:srgbClr val="FFFF00"/>
-                </a:highlight>
-              </a:rPr>
-              <a:t>N=10, 32 threads 1000iterations Theta = 0.05, T= 10s</a:t>
-            </a:r>
-          </a:p>
-          <a:p>
-            <a:pPr marL="457200" indent="-457200">
-              <a:buFont typeface="Arial" panose="020B0604020202020204" pitchFamily="34" charset="0"/>
-              <a:buChar char="•"/>
-            </a:pPr>
-            <a:r>
-              <a:rPr lang="en-US" altLang="zh-TW" sz="2600" dirty="0">
-                <a:highlight>
-                  <a:srgbClr val="FFFF00"/>
-                </a:highlight>
-              </a:rPr>
-              <a:t>N=10^4, 32 threads 1000iterations Theta = 0.05, T= 600s</a:t>
-            </a:r>
-          </a:p>
-          <a:p>
-            <a:pPr marL="457200" indent="-457200">
-              <a:buFont typeface="Arial" panose="020B0604020202020204" pitchFamily="34" charset="0"/>
-              <a:buChar char="•"/>
-            </a:pPr>
-            <a:endParaRPr lang="en-US" altLang="zh-TW" sz="2600" dirty="0">
-              <a:highlight>
-                <a:srgbClr val="FFFF00"/>
-              </a:highlight>
-            </a:endParaRPr>
-          </a:p>
-          <a:p>
-            <a:pPr marL="514350" indent="-514350">
-              <a:buFontTx/>
-              <a:buAutoNum type="arabicPeriod"/>
-            </a:pPr>
-            <a:endParaRPr lang="en-US" altLang="zh-TW" sz="2600" dirty="0">
-              <a:highlight>
-                <a:srgbClr val="FFFF00"/>
-              </a:highlight>
-            </a:endParaRPr>
-          </a:p>
-          <a:p>
-            <a:pPr marL="514350" indent="-514350">
-              <a:buFontTx/>
-              <a:buAutoNum type="arabicPeriod"/>
-            </a:pPr>
-            <a:r>
-              <a:rPr lang="en-US" altLang="zh-TW" sz="2600" dirty="0">
-                <a:highlight>
-                  <a:srgbClr val="FFFF00"/>
-                </a:highlight>
-              </a:rPr>
-              <a:t>Fixed N but Change Theta</a:t>
-            </a:r>
-          </a:p>
-          <a:p>
-            <a:pPr marL="514350" indent="-514350">
-              <a:buAutoNum type="arabicPeriod"/>
-            </a:pPr>
-            <a:endParaRPr lang="en-US" altLang="zh-TW" sz="2600" dirty="0">
-              <a:highlight>
-                <a:srgbClr val="FFFF00"/>
-              </a:highlight>
-            </a:endParaRPr>
-          </a:p>
-        </p:txBody>
-      </p:sp>
+      </p:pic>
     </p:spTree>
     <p:extLst>
       <p:ext uri="{BB962C8B-B14F-4D97-AF65-F5344CB8AC3E}">
@@ -15548,7 +15518,7 @@
           <a:lstStyle/>
           <a:p>
             <a:pPr algn="ctr"/>
-            <a:endParaRPr lang="en-US"/>
+            <a:endParaRPr lang="en-US" dirty="0"/>
           </a:p>
         </p:txBody>
       </p:sp>
@@ -15682,7 +15652,7 @@
           <a:lstStyle/>
           <a:p>
             <a:pPr algn="ctr"/>
-            <a:endParaRPr lang="en-US"/>
+            <a:endParaRPr lang="en-US" dirty="0"/>
           </a:p>
         </p:txBody>
       </p:sp>
@@ -15970,7 +15940,7 @@
           <a:lstStyle/>
           <a:p>
             <a:pPr algn="ctr"/>
-            <a:endParaRPr lang="en-US"/>
+            <a:endParaRPr lang="en-US" dirty="0"/>
           </a:p>
         </p:txBody>
       </p:sp>
@@ -16104,7 +16074,7 @@
           <a:lstStyle/>
           <a:p>
             <a:pPr algn="ctr"/>
-            <a:endParaRPr lang="en-US"/>
+            <a:endParaRPr lang="en-US" dirty="0"/>
           </a:p>
         </p:txBody>
       </p:sp>
@@ -16137,7 +16107,7 @@
           <a:lstStyle/>
           <a:p>
             <a:r>
-              <a:rPr lang="en-US" altLang="zh-TW">
+              <a:rPr lang="en-US" altLang="zh-TW" dirty="0">
                 <a:solidFill>
                   <a:srgbClr val="FFFFFF"/>
                 </a:solidFill>

--- a/Final project_G03_Tree Algorithm.pptx
+++ b/Final project_G03_Tree Algorithm.pptx
@@ -5,7 +5,7 @@
     <p:sldMasterId id="2147483672" r:id="rId1"/>
   </p:sldMasterIdLst>
   <p:notesMasterIdLst>
-    <p:notesMasterId r:id="rId21"/>
+    <p:notesMasterId r:id="rId22"/>
   </p:notesMasterIdLst>
   <p:sldIdLst>
     <p:sldId id="257" r:id="rId2"/>
@@ -26,7 +26,8 @@
     <p:sldId id="316" r:id="rId17"/>
     <p:sldId id="317" r:id="rId18"/>
     <p:sldId id="319" r:id="rId19"/>
-    <p:sldId id="308" r:id="rId20"/>
+    <p:sldId id="325" r:id="rId20"/>
+    <p:sldId id="308" r:id="rId21"/>
   </p:sldIdLst>
   <p:sldSz cx="9144000" cy="6858000" type="screen4x3"/>
   <p:notesSz cx="6858000" cy="9144000"/>
@@ -227,7 +228,7 @@
           <a:p>
             <a:fld id="{28D5AAEC-2179-41D4-A0A9-6F825E81F792}" type="datetimeFigureOut">
               <a:rPr lang="zh-TW" altLang="en-US" smtClean="0"/>
-              <a:t>2024/5/31</a:t>
+              <a:t>2024/6/9</a:t>
             </a:fld>
             <a:endParaRPr lang="zh-TW" altLang="en-US"/>
           </a:p>
@@ -646,6 +647,90 @@
 </p:notes>
 </file>
 
+<file path=ppt/notesSlides/notesSlide2.xml><?xml version="1.0" encoding="utf-8"?>
+<p:notes xmlns:a="http://schemas.openxmlformats.org/drawingml/2006/main" xmlns:r="http://schemas.openxmlformats.org/officeDocument/2006/relationships" xmlns:p="http://schemas.openxmlformats.org/presentationml/2006/main">
+  <p:cSld>
+    <p:spTree>
+      <p:nvGrpSpPr>
+        <p:cNvPr id="1" name=""/>
+        <p:cNvGrpSpPr/>
+        <p:nvPr/>
+      </p:nvGrpSpPr>
+      <p:grpSpPr>
+        <a:xfrm>
+          <a:off x="0" y="0"/>
+          <a:ext cx="0" cy="0"/>
+          <a:chOff x="0" y="0"/>
+          <a:chExt cx="0" cy="0"/>
+        </a:xfrm>
+      </p:grpSpPr>
+      <p:sp>
+        <p:nvSpPr>
+          <p:cNvPr id="2" name="投影片影像版面配置區 1"/>
+          <p:cNvSpPr>
+            <a:spLocks noGrp="1" noRot="1" noChangeAspect="1"/>
+          </p:cNvSpPr>
+          <p:nvPr>
+            <p:ph type="sldImg"/>
+          </p:nvPr>
+        </p:nvSpPr>
+        <p:spPr/>
+      </p:sp>
+      <p:sp>
+        <p:nvSpPr>
+          <p:cNvPr id="3" name="備忘稿版面配置區 2"/>
+          <p:cNvSpPr>
+            <a:spLocks noGrp="1"/>
+          </p:cNvSpPr>
+          <p:nvPr>
+            <p:ph type="body" idx="1"/>
+          </p:nvPr>
+        </p:nvSpPr>
+        <p:spPr/>
+        <p:txBody>
+          <a:bodyPr/>
+          <a:lstStyle/>
+          <a:p>
+            <a:endParaRPr lang="zh-TW" altLang="en-US" dirty="0"/>
+          </a:p>
+        </p:txBody>
+      </p:sp>
+      <p:sp>
+        <p:nvSpPr>
+          <p:cNvPr id="4" name="投影片編號版面配置區 3"/>
+          <p:cNvSpPr>
+            <a:spLocks noGrp="1"/>
+          </p:cNvSpPr>
+          <p:nvPr>
+            <p:ph type="sldNum" sz="quarter" idx="5"/>
+          </p:nvPr>
+        </p:nvSpPr>
+        <p:spPr/>
+        <p:txBody>
+          <a:bodyPr/>
+          <a:lstStyle/>
+          <a:p>
+            <a:fld id="{E55F1738-4E99-4CCF-8A62-E7815A64DE03}" type="slidenum">
+              <a:rPr lang="zh-TW" altLang="en-US" smtClean="0"/>
+              <a:t>19</a:t>
+            </a:fld>
+            <a:endParaRPr lang="zh-TW" altLang="en-US"/>
+          </a:p>
+        </p:txBody>
+      </p:sp>
+    </p:spTree>
+    <p:extLst>
+      <p:ext uri="{BB962C8B-B14F-4D97-AF65-F5344CB8AC3E}">
+        <p14:creationId xmlns:p14="http://schemas.microsoft.com/office/powerpoint/2010/main" val="1511728388"/>
+      </p:ext>
+    </p:extLst>
+  </p:cSld>
+  <p:clrMapOvr>
+    <a:masterClrMapping/>
+  </p:clrMapOvr>
+</p:notes>
+</file>
+
 <file path=ppt/slideLayouts/slideLayout1.xml><?xml version="1.0" encoding="utf-8"?>
 <p:sldLayout xmlns:a="http://schemas.openxmlformats.org/drawingml/2006/main" xmlns:r="http://schemas.openxmlformats.org/officeDocument/2006/relationships" xmlns:p="http://schemas.openxmlformats.org/presentationml/2006/main" type="title" preserve="1">
   <p:cSld name="標題投影片">
@@ -777,7 +862,7 @@
           <a:p>
             <a:fld id="{081DF769-AD68-4469-9E1E-35DFCB1823FC}" type="datetime1">
               <a:rPr lang="zh-TW" altLang="en-US" smtClean="0"/>
-              <a:t>2024/5/31</a:t>
+              <a:t>2024/6/9</a:t>
             </a:fld>
             <a:endParaRPr lang="zh-TW" altLang="en-US"/>
           </a:p>
@@ -947,7 +1032,7 @@
           <a:p>
             <a:fld id="{4CB863D1-A7B2-413A-B10C-23253AE47D0F}" type="datetime1">
               <a:rPr lang="zh-TW" altLang="en-US" smtClean="0"/>
-              <a:t>2024/5/31</a:t>
+              <a:t>2024/6/9</a:t>
             </a:fld>
             <a:endParaRPr lang="zh-TW" altLang="en-US"/>
           </a:p>
@@ -1127,7 +1212,7 @@
           <a:p>
             <a:fld id="{6E0DC0B4-6369-42F1-AC4D-37AD9863568B}" type="datetime1">
               <a:rPr lang="zh-TW" altLang="en-US" smtClean="0"/>
-              <a:t>2024/5/31</a:t>
+              <a:t>2024/6/9</a:t>
             </a:fld>
             <a:endParaRPr lang="zh-TW" altLang="en-US"/>
           </a:p>
@@ -1297,7 +1382,7 @@
           <a:p>
             <a:fld id="{300A675F-96BB-4FAF-9BCD-7B1E6091AC0B}" type="datetime1">
               <a:rPr lang="zh-TW" altLang="en-US" smtClean="0"/>
-              <a:t>2024/5/31</a:t>
+              <a:t>2024/6/9</a:t>
             </a:fld>
             <a:endParaRPr lang="zh-TW" altLang="en-US"/>
           </a:p>
@@ -1541,7 +1626,7 @@
           <a:p>
             <a:fld id="{D074D902-E9E8-4E2B-89D1-3B73CB588132}" type="datetime1">
               <a:rPr lang="zh-TW" altLang="en-US" smtClean="0"/>
-              <a:t>2024/5/31</a:t>
+              <a:t>2024/6/9</a:t>
             </a:fld>
             <a:endParaRPr lang="zh-TW" altLang="en-US"/>
           </a:p>
@@ -1773,7 +1858,7 @@
           <a:p>
             <a:fld id="{97E10C5E-3CDB-4F86-A898-D483A4998FB3}" type="datetime1">
               <a:rPr lang="zh-TW" altLang="en-US" smtClean="0"/>
-              <a:t>2024/5/31</a:t>
+              <a:t>2024/6/9</a:t>
             </a:fld>
             <a:endParaRPr lang="zh-TW" altLang="en-US"/>
           </a:p>
@@ -2140,7 +2225,7 @@
           <a:p>
             <a:fld id="{886AE860-55B7-4E0D-8354-E0D4762D7AF9}" type="datetime1">
               <a:rPr lang="zh-TW" altLang="en-US" smtClean="0"/>
-              <a:t>2024/5/31</a:t>
+              <a:t>2024/6/9</a:t>
             </a:fld>
             <a:endParaRPr lang="zh-TW" altLang="en-US"/>
           </a:p>
@@ -2258,7 +2343,7 @@
           <a:p>
             <a:fld id="{424FD2D9-6C9B-40B5-8F90-B5CADE688C32}" type="datetime1">
               <a:rPr lang="zh-TW" altLang="en-US" smtClean="0"/>
-              <a:t>2024/5/31</a:t>
+              <a:t>2024/6/9</a:t>
             </a:fld>
             <a:endParaRPr lang="zh-TW" altLang="en-US"/>
           </a:p>
@@ -2353,7 +2438,7 @@
           <a:p>
             <a:fld id="{5F1517A0-54BE-43A8-AE7A-0EA6E02123A1}" type="datetime1">
               <a:rPr lang="zh-TW" altLang="en-US" smtClean="0"/>
-              <a:t>2024/5/31</a:t>
+              <a:t>2024/6/9</a:t>
             </a:fld>
             <a:endParaRPr lang="zh-TW" altLang="en-US"/>
           </a:p>
@@ -2630,7 +2715,7 @@
           <a:p>
             <a:fld id="{966BA1A7-2D11-4DA1-82CE-52557C4CE74F}" type="datetime1">
               <a:rPr lang="zh-TW" altLang="en-US" smtClean="0"/>
-              <a:t>2024/5/31</a:t>
+              <a:t>2024/6/9</a:t>
             </a:fld>
             <a:endParaRPr lang="zh-TW" altLang="en-US"/>
           </a:p>
@@ -2887,7 +2972,7 @@
           <a:p>
             <a:fld id="{866E7C6D-CD89-43D8-B19F-EAE9E74B5C90}" type="datetime1">
               <a:rPr lang="zh-TW" altLang="en-US" smtClean="0"/>
-              <a:t>2024/5/31</a:t>
+              <a:t>2024/6/9</a:t>
             </a:fld>
             <a:endParaRPr lang="zh-TW" altLang="en-US"/>
           </a:p>
@@ -3100,7 +3185,7 @@
           <a:p>
             <a:fld id="{0BF0F619-6BD9-4CD0-862C-415FC4725200}" type="datetime1">
               <a:rPr lang="zh-TW" altLang="en-US" smtClean="0"/>
-              <a:t>2024/5/31</a:t>
+              <a:t>2024/6/9</a:t>
             </a:fld>
             <a:endParaRPr lang="zh-TW" altLang="en-US"/>
           </a:p>
@@ -7698,6 +7783,2845 @@
 </file>
 
 <file path=ppt/slides/slide19.xml><?xml version="1.0" encoding="utf-8"?>
+<p:sld xmlns:a="http://schemas.openxmlformats.org/drawingml/2006/main" xmlns:r="http://schemas.openxmlformats.org/officeDocument/2006/relationships" xmlns:p="http://schemas.openxmlformats.org/presentationml/2006/main">
+  <p:cSld>
+    <p:spTree>
+      <p:nvGrpSpPr>
+        <p:cNvPr id="1" name=""/>
+        <p:cNvGrpSpPr/>
+        <p:nvPr/>
+      </p:nvGrpSpPr>
+      <p:grpSpPr>
+        <a:xfrm>
+          <a:off x="0" y="0"/>
+          <a:ext cx="0" cy="0"/>
+          <a:chOff x="0" y="0"/>
+          <a:chExt cx="0" cy="0"/>
+        </a:xfrm>
+      </p:grpSpPr>
+      <p:sp>
+        <p:nvSpPr>
+          <p:cNvPr id="3" name="投影片編號版面配置區 2">
+            <a:extLst>
+              <a:ext uri="{FF2B5EF4-FFF2-40B4-BE49-F238E27FC236}">
+                <a16:creationId xmlns:a16="http://schemas.microsoft.com/office/drawing/2014/main" id="{F74DD0E4-2A32-4225-BF17-11FD67D90D8A}"/>
+              </a:ext>
+            </a:extLst>
+          </p:cNvPr>
+          <p:cNvSpPr>
+            <a:spLocks noGrp="1"/>
+          </p:cNvSpPr>
+          <p:nvPr>
+            <p:ph type="sldNum" sz="quarter" idx="12"/>
+          </p:nvPr>
+        </p:nvSpPr>
+        <p:spPr/>
+        <p:txBody>
+          <a:bodyPr/>
+          <a:lstStyle/>
+          <a:p>
+            <a:fld id="{2E159C05-F6BE-49BE-9845-E33F6769C88E}" type="slidenum">
+              <a:rPr lang="zh-TW" altLang="en-US" smtClean="0"/>
+              <a:t>19</a:t>
+            </a:fld>
+            <a:endParaRPr lang="zh-TW" altLang="en-US" dirty="0"/>
+          </a:p>
+        </p:txBody>
+      </p:sp>
+      <p:sp>
+        <p:nvSpPr>
+          <p:cNvPr id="7" name="文字方塊 6">
+            <a:extLst>
+              <a:ext uri="{FF2B5EF4-FFF2-40B4-BE49-F238E27FC236}">
+                <a16:creationId xmlns:a16="http://schemas.microsoft.com/office/drawing/2014/main" id="{B69F6069-91C8-484E-82C1-0D4F4EF155D4}"/>
+              </a:ext>
+            </a:extLst>
+          </p:cNvPr>
+          <p:cNvSpPr txBox="1"/>
+          <p:nvPr/>
+        </p:nvSpPr>
+        <p:spPr>
+          <a:xfrm>
+            <a:off x="613458" y="1424469"/>
+            <a:ext cx="9444942" cy="2000548"/>
+          </a:xfrm>
+          <a:prstGeom prst="rect">
+            <a:avLst/>
+          </a:prstGeom>
+          <a:noFill/>
+        </p:spPr>
+        <p:txBody>
+          <a:bodyPr wrap="square" rtlCol="0">
+            <a:spAutoFit/>
+          </a:bodyPr>
+          <a:lstStyle/>
+          <a:p>
+            <a:endParaRPr lang="en-US" altLang="zh-TW" sz="2400" b="1" dirty="0"/>
+          </a:p>
+          <a:p>
+            <a:endParaRPr lang="en-US" altLang="zh-TW" sz="2400" dirty="0"/>
+          </a:p>
+          <a:p>
+            <a:endParaRPr lang="en-US" altLang="zh-TW" sz="2800" dirty="0"/>
+          </a:p>
+          <a:p>
+            <a:endParaRPr lang="en-US" altLang="zh-TW" sz="2400" dirty="0"/>
+          </a:p>
+          <a:p>
+            <a:endParaRPr lang="zh-TW" altLang="en-US" sz="2400" dirty="0"/>
+          </a:p>
+        </p:txBody>
+      </p:sp>
+      <p:sp>
+        <p:nvSpPr>
+          <p:cNvPr id="8" name="橢圓 7">
+            <a:extLst>
+              <a:ext uri="{FF2B5EF4-FFF2-40B4-BE49-F238E27FC236}">
+                <a16:creationId xmlns:a16="http://schemas.microsoft.com/office/drawing/2014/main" id="{2FF1195E-B105-492A-92D4-74860E8BB9FE}"/>
+              </a:ext>
+            </a:extLst>
+          </p:cNvPr>
+          <p:cNvSpPr/>
+          <p:nvPr/>
+        </p:nvSpPr>
+        <p:spPr>
+          <a:xfrm>
+            <a:off x="-1177290" y="-957587"/>
+            <a:ext cx="3862137" cy="2971800"/>
+          </a:xfrm>
+          <a:prstGeom prst="ellipse">
+            <a:avLst/>
+          </a:prstGeom>
+          <a:solidFill>
+            <a:schemeClr val="accent2"/>
+          </a:solidFill>
+          <a:ln>
+            <a:noFill/>
+          </a:ln>
+        </p:spPr>
+        <p:style>
+          <a:lnRef idx="2">
+            <a:schemeClr val="accent1">
+              <a:shade val="50000"/>
+            </a:schemeClr>
+          </a:lnRef>
+          <a:fillRef idx="1">
+            <a:schemeClr val="accent1"/>
+          </a:fillRef>
+          <a:effectRef idx="0">
+            <a:schemeClr val="accent1"/>
+          </a:effectRef>
+          <a:fontRef idx="minor">
+            <a:schemeClr val="lt1"/>
+          </a:fontRef>
+        </p:style>
+        <p:txBody>
+          <a:bodyPr rtlCol="0" anchor="ctr"/>
+          <a:lstStyle/>
+          <a:p>
+            <a:pPr algn="ctr"/>
+            <a:endParaRPr lang="zh-TW" altLang="en-US"/>
+          </a:p>
+        </p:txBody>
+      </p:sp>
+      <p:sp>
+        <p:nvSpPr>
+          <p:cNvPr id="9" name="橢圓 8">
+            <a:extLst>
+              <a:ext uri="{FF2B5EF4-FFF2-40B4-BE49-F238E27FC236}">
+                <a16:creationId xmlns:a16="http://schemas.microsoft.com/office/drawing/2014/main" id="{A94D87C1-6817-4C77-B941-7808F929DAAA}"/>
+              </a:ext>
+            </a:extLst>
+          </p:cNvPr>
+          <p:cNvSpPr/>
+          <p:nvPr/>
+        </p:nvSpPr>
+        <p:spPr>
+          <a:xfrm>
+            <a:off x="6457950" y="2176461"/>
+            <a:ext cx="3862137" cy="2971800"/>
+          </a:xfrm>
+          <a:prstGeom prst="ellipse">
+            <a:avLst/>
+          </a:prstGeom>
+          <a:solidFill>
+            <a:schemeClr val="accent6">
+              <a:lumMod val="40000"/>
+              <a:lumOff val="60000"/>
+            </a:schemeClr>
+          </a:solidFill>
+          <a:ln>
+            <a:noFill/>
+          </a:ln>
+        </p:spPr>
+        <p:style>
+          <a:lnRef idx="2">
+            <a:schemeClr val="accent1">
+              <a:shade val="50000"/>
+            </a:schemeClr>
+          </a:lnRef>
+          <a:fillRef idx="1">
+            <a:schemeClr val="accent1"/>
+          </a:fillRef>
+          <a:effectRef idx="0">
+            <a:schemeClr val="accent1"/>
+          </a:effectRef>
+          <a:fontRef idx="minor">
+            <a:schemeClr val="lt1"/>
+          </a:fontRef>
+        </p:style>
+        <p:txBody>
+          <a:bodyPr rtlCol="0" anchor="ctr"/>
+          <a:lstStyle/>
+          <a:p>
+            <a:pPr algn="ctr"/>
+            <a:endParaRPr lang="zh-TW" altLang="en-US"/>
+          </a:p>
+        </p:txBody>
+      </p:sp>
+      <p:sp>
+        <p:nvSpPr>
+          <p:cNvPr id="11" name="橢圓 10">
+            <a:extLst>
+              <a:ext uri="{FF2B5EF4-FFF2-40B4-BE49-F238E27FC236}">
+                <a16:creationId xmlns:a16="http://schemas.microsoft.com/office/drawing/2014/main" id="{58D7F3CC-3C6D-4B19-97A6-977BB81FB84C}"/>
+              </a:ext>
+            </a:extLst>
+          </p:cNvPr>
+          <p:cNvSpPr/>
+          <p:nvPr/>
+        </p:nvSpPr>
+        <p:spPr>
+          <a:xfrm>
+            <a:off x="-321218" y="4737101"/>
+            <a:ext cx="3862137" cy="2971800"/>
+          </a:xfrm>
+          <a:prstGeom prst="ellipse">
+            <a:avLst/>
+          </a:prstGeom>
+          <a:solidFill>
+            <a:schemeClr val="accent2">
+              <a:lumMod val="40000"/>
+              <a:lumOff val="60000"/>
+            </a:schemeClr>
+          </a:solidFill>
+          <a:ln>
+            <a:noFill/>
+          </a:ln>
+        </p:spPr>
+        <p:style>
+          <a:lnRef idx="2">
+            <a:schemeClr val="accent1">
+              <a:shade val="50000"/>
+            </a:schemeClr>
+          </a:lnRef>
+          <a:fillRef idx="1">
+            <a:schemeClr val="accent1"/>
+          </a:fillRef>
+          <a:effectRef idx="0">
+            <a:schemeClr val="accent1"/>
+          </a:effectRef>
+          <a:fontRef idx="minor">
+            <a:schemeClr val="lt1"/>
+          </a:fontRef>
+        </p:style>
+        <p:txBody>
+          <a:bodyPr rtlCol="0" anchor="ctr"/>
+          <a:lstStyle/>
+          <a:p>
+            <a:pPr algn="ctr"/>
+            <a:endParaRPr lang="zh-TW" altLang="en-US"/>
+          </a:p>
+        </p:txBody>
+      </p:sp>
+      <p:sp>
+        <p:nvSpPr>
+          <p:cNvPr id="2" name="標題 1">
+            <a:extLst>
+              <a:ext uri="{FF2B5EF4-FFF2-40B4-BE49-F238E27FC236}">
+                <a16:creationId xmlns:a16="http://schemas.microsoft.com/office/drawing/2014/main" id="{0C058A6F-459D-4A03-B413-18EC54CC4692}"/>
+              </a:ext>
+            </a:extLst>
+          </p:cNvPr>
+          <p:cNvSpPr>
+            <a:spLocks noGrp="1"/>
+          </p:cNvSpPr>
+          <p:nvPr>
+            <p:ph type="title"/>
+          </p:nvPr>
+        </p:nvSpPr>
+        <p:spPr>
+          <a:xfrm>
+            <a:off x="628650" y="365126"/>
+            <a:ext cx="7886700" cy="1325563"/>
+          </a:xfrm>
+        </p:spPr>
+        <p:txBody>
+          <a:bodyPr/>
+          <a:lstStyle/>
+          <a:p>
+            <a:r>
+              <a:rPr lang="en-US" altLang="zh-TW" dirty="0"/>
+              <a:t>Work distribution</a:t>
+            </a:r>
+            <a:endParaRPr lang="zh-TW" altLang="en-US" dirty="0"/>
+          </a:p>
+        </p:txBody>
+      </p:sp>
+      <p:graphicFrame>
+        <p:nvGraphicFramePr>
+          <p:cNvPr id="4" name="表格 3">
+            <a:extLst>
+              <a:ext uri="{FF2B5EF4-FFF2-40B4-BE49-F238E27FC236}">
+                <a16:creationId xmlns:a16="http://schemas.microsoft.com/office/drawing/2014/main" id="{0F84259E-7EEF-4C0F-A131-60121B74A890}"/>
+              </a:ext>
+            </a:extLst>
+          </p:cNvPr>
+          <p:cNvGraphicFramePr>
+            <a:graphicFrameLocks noGrp="1"/>
+          </p:cNvGraphicFramePr>
+          <p:nvPr>
+            <p:extLst>
+              <p:ext uri="{D42A27DB-BD31-4B8C-83A1-F6EECF244321}">
+                <p14:modId xmlns:p14="http://schemas.microsoft.com/office/powerpoint/2010/main" val="3342802721"/>
+              </p:ext>
+            </p:extLst>
+          </p:nvPr>
+        </p:nvGraphicFramePr>
+        <p:xfrm>
+          <a:off x="803565" y="1690689"/>
+          <a:ext cx="7276413" cy="3949379"/>
+        </p:xfrm>
+        <a:graphic>
+          <a:graphicData uri="http://schemas.openxmlformats.org/drawingml/2006/table">
+            <a:tbl>
+              <a:tblPr firstRow="1" bandRow="1">
+                <a:tableStyleId>{1E171933-4619-4E11-9A3F-F7608DF75F80}</a:tableStyleId>
+              </a:tblPr>
+              <a:tblGrid>
+                <a:gridCol w="2425471">
+                  <a:extLst>
+                    <a:ext uri="{9D8B030D-6E8A-4147-A177-3AD203B41FA5}">
+                      <a16:colId xmlns:a16="http://schemas.microsoft.com/office/drawing/2014/main" val="2900085293"/>
+                    </a:ext>
+                  </a:extLst>
+                </a:gridCol>
+                <a:gridCol w="2425471">
+                  <a:extLst>
+                    <a:ext uri="{9D8B030D-6E8A-4147-A177-3AD203B41FA5}">
+                      <a16:colId xmlns:a16="http://schemas.microsoft.com/office/drawing/2014/main" val="3531686730"/>
+                    </a:ext>
+                  </a:extLst>
+                </a:gridCol>
+                <a:gridCol w="2425471">
+                  <a:extLst>
+                    <a:ext uri="{9D8B030D-6E8A-4147-A177-3AD203B41FA5}">
+                      <a16:colId xmlns:a16="http://schemas.microsoft.com/office/drawing/2014/main" val="924543385"/>
+                    </a:ext>
+                  </a:extLst>
+                </a:gridCol>
+              </a:tblGrid>
+              <a:tr h="553747">
+                <a:tc>
+                  <a:txBody>
+                    <a:bodyPr/>
+                    <a:lstStyle/>
+                    <a:p>
+                      <a:pPr algn="ctr"/>
+                      <a:r>
+                        <a:rPr lang="zh-TW" altLang="en-US" sz="2400" dirty="0">
+                          <a:latin typeface="標楷體" panose="03000509000000000000" pitchFamily="65" charset="-120"/>
+                          <a:ea typeface="標楷體" panose="03000509000000000000" pitchFamily="65" charset="-120"/>
+                        </a:rPr>
+                        <a:t>廖品淳</a:t>
+                      </a:r>
+                    </a:p>
+                  </a:txBody>
+                  <a:tcPr/>
+                </a:tc>
+                <a:tc>
+                  <a:txBody>
+                    <a:bodyPr/>
+                    <a:lstStyle/>
+                    <a:p>
+                      <a:pPr algn="ctr"/>
+                      <a:r>
+                        <a:rPr lang="zh-TW" altLang="en-US" sz="2400" dirty="0">
+                          <a:latin typeface="標楷體" panose="03000509000000000000" pitchFamily="65" charset="-120"/>
+                          <a:ea typeface="標楷體" panose="03000509000000000000" pitchFamily="65" charset="-120"/>
+                        </a:rPr>
+                        <a:t>謝博安</a:t>
+                      </a:r>
+                    </a:p>
+                  </a:txBody>
+                  <a:tcPr/>
+                </a:tc>
+                <a:tc>
+                  <a:txBody>
+                    <a:bodyPr/>
+                    <a:lstStyle/>
+                    <a:p>
+                      <a:pPr algn="ctr"/>
+                      <a:r>
+                        <a:rPr lang="zh-TW" altLang="en-US" sz="2400" dirty="0">
+                          <a:latin typeface="標楷體" panose="03000509000000000000" pitchFamily="65" charset="-120"/>
+                          <a:ea typeface="標楷體" panose="03000509000000000000" pitchFamily="65" charset="-120"/>
+                        </a:rPr>
+                        <a:t>游柏仁</a:t>
+                      </a:r>
+                    </a:p>
+                  </a:txBody>
+                  <a:tcPr/>
+                </a:tc>
+                <a:extLst>
+                  <a:ext uri="{0D108BD9-81ED-4DB2-BD59-A6C34878D82A}">
+                    <a16:rowId xmlns:a16="http://schemas.microsoft.com/office/drawing/2014/main" val="738984346"/>
+                  </a:ext>
+                </a:extLst>
+              </a:tr>
+              <a:tr h="783416">
+                <a:tc gridSpan="3">
+                  <a:txBody>
+                    <a:bodyPr/>
+                    <a:lstStyle/>
+                    <a:p>
+                      <a:pPr algn="l"/>
+                      <a:r>
+                        <a:rPr lang="en-US" altLang="zh-TW" dirty="0"/>
+                        <a:t>Having some discussions online preliminarily and some Face-to-face conversations to discuss the project</a:t>
+                      </a:r>
+                      <a:endParaRPr lang="zh-TW" altLang="en-US" dirty="0"/>
+                    </a:p>
+                  </a:txBody>
+                  <a:tcPr/>
+                </a:tc>
+                <a:tc hMerge="1">
+                  <a:txBody>
+                    <a:bodyPr/>
+                    <a:lstStyle/>
+                    <a:p>
+                      <a:endParaRPr lang="zh-TW" altLang="en-US" dirty="0"/>
+                    </a:p>
+                  </a:txBody>
+                  <a:tcPr/>
+                </a:tc>
+                <a:tc hMerge="1">
+                  <a:txBody>
+                    <a:bodyPr/>
+                    <a:lstStyle/>
+                    <a:p>
+                      <a:endParaRPr lang="zh-TW" altLang="en-US" dirty="0"/>
+                    </a:p>
+                  </a:txBody>
+                  <a:tcPr/>
+                </a:tc>
+                <a:extLst>
+                  <a:ext uri="{0D108BD9-81ED-4DB2-BD59-A6C34878D82A}">
+                    <a16:rowId xmlns:a16="http://schemas.microsoft.com/office/drawing/2014/main" val="2228011263"/>
+                  </a:ext>
+                </a:extLst>
+              </a:tr>
+              <a:tr h="783416">
+                <a:tc>
+                  <a:txBody>
+                    <a:bodyPr/>
+                    <a:lstStyle/>
+                    <a:p>
+                      <a:pPr algn="l"/>
+                      <a:r>
+                        <a:rPr lang="en-US" altLang="zh-TW" dirty="0"/>
+                        <a:t>Literature Review</a:t>
+                      </a:r>
+                      <a:endParaRPr lang="zh-TW" altLang="en-US" dirty="0"/>
+                    </a:p>
+                  </a:txBody>
+                  <a:tcPr/>
+                </a:tc>
+                <a:tc>
+                  <a:txBody>
+                    <a:bodyPr/>
+                    <a:lstStyle/>
+                    <a:p>
+                      <a:pPr algn="l"/>
+                      <a:r>
+                        <a:rPr lang="en-US" altLang="zh-TW" dirty="0"/>
+                        <a:t>2D Python programming</a:t>
+                      </a:r>
+                      <a:endParaRPr lang="zh-TW" altLang="en-US" dirty="0"/>
+                    </a:p>
+                  </a:txBody>
+                  <a:tcPr/>
+                </a:tc>
+                <a:tc>
+                  <a:txBody>
+                    <a:bodyPr/>
+                    <a:lstStyle/>
+                    <a:p>
+                      <a:pPr algn="l"/>
+                      <a:r>
+                        <a:rPr lang="en-US" altLang="zh-TW" dirty="0"/>
+                        <a:t>3D C++</a:t>
+                      </a:r>
+                    </a:p>
+                    <a:p>
+                      <a:pPr algn="l"/>
+                      <a:r>
+                        <a:rPr lang="en-US" altLang="zh-TW" dirty="0"/>
+                        <a:t>programming</a:t>
+                      </a:r>
+                      <a:endParaRPr lang="zh-TW" altLang="en-US" dirty="0"/>
+                    </a:p>
+                  </a:txBody>
+                  <a:tcPr/>
+                </a:tc>
+                <a:extLst>
+                  <a:ext uri="{0D108BD9-81ED-4DB2-BD59-A6C34878D82A}">
+                    <a16:rowId xmlns:a16="http://schemas.microsoft.com/office/drawing/2014/main" val="3089409810"/>
+                  </a:ext>
+                </a:extLst>
+              </a:tr>
+              <a:tr h="783416">
+                <a:tc>
+                  <a:txBody>
+                    <a:bodyPr/>
+                    <a:lstStyle/>
+                    <a:p>
+                      <a:pPr algn="l"/>
+                      <a:r>
+                        <a:rPr lang="en-US" altLang="zh-TW" dirty="0"/>
+                        <a:t>Programming Debug &amp; Plotting the simulation results</a:t>
+                      </a:r>
+                      <a:endParaRPr lang="zh-TW" altLang="en-US" dirty="0"/>
+                    </a:p>
+                  </a:txBody>
+                  <a:tcPr/>
+                </a:tc>
+                <a:tc>
+                  <a:txBody>
+                    <a:bodyPr/>
+                    <a:lstStyle/>
+                    <a:p>
+                      <a:pPr algn="l"/>
+                      <a:r>
+                        <a:rPr lang="en-US" altLang="zh-TW" dirty="0"/>
+                        <a:t>Proposing the main algorithm</a:t>
+                      </a:r>
+                      <a:endParaRPr lang="zh-TW" altLang="en-US" dirty="0"/>
+                    </a:p>
+                  </a:txBody>
+                  <a:tcPr/>
+                </a:tc>
+                <a:tc>
+                  <a:txBody>
+                    <a:bodyPr/>
+                    <a:lstStyle/>
+                    <a:p>
+                      <a:pPr algn="l"/>
+                      <a:r>
+                        <a:rPr lang="en-US" altLang="zh-TW" dirty="0"/>
+                        <a:t>Providing initial condition with predicable results</a:t>
+                      </a:r>
+                      <a:endParaRPr lang="zh-TW" altLang="en-US" dirty="0"/>
+                    </a:p>
+                  </a:txBody>
+                  <a:tcPr/>
+                </a:tc>
+                <a:extLst>
+                  <a:ext uri="{0D108BD9-81ED-4DB2-BD59-A6C34878D82A}">
+                    <a16:rowId xmlns:a16="http://schemas.microsoft.com/office/drawing/2014/main" val="2163997682"/>
+                  </a:ext>
+                </a:extLst>
+              </a:tr>
+              <a:tr h="783416">
+                <a:tc>
+                  <a:txBody>
+                    <a:bodyPr/>
+                    <a:lstStyle/>
+                    <a:p>
+                      <a:pPr algn="l"/>
+                      <a:r>
+                        <a:rPr lang="en-US" altLang="zh-TW" dirty="0"/>
+                        <a:t>Preparing presentation slides</a:t>
+                      </a:r>
+                      <a:endParaRPr lang="zh-TW" altLang="en-US" dirty="0"/>
+                    </a:p>
+                  </a:txBody>
+                  <a:tcPr/>
+                </a:tc>
+                <a:tc>
+                  <a:txBody>
+                    <a:bodyPr/>
+                    <a:lstStyle/>
+                    <a:p>
+                      <a:pPr algn="l"/>
+                      <a:r>
+                        <a:rPr lang="en-US" altLang="zh-TW" dirty="0"/>
+                        <a:t>Modularize file</a:t>
+                      </a:r>
+                      <a:endParaRPr lang="zh-TW" altLang="en-US" dirty="0"/>
+                    </a:p>
+                  </a:txBody>
+                  <a:tcPr/>
+                </a:tc>
+                <a:tc>
+                  <a:txBody>
+                    <a:bodyPr/>
+                    <a:lstStyle/>
+                    <a:p>
+                      <a:pPr marL="0" marR="0" lvl="0" indent="0" algn="l" defTabSz="914400" rtl="0" eaLnBrk="1" fontAlgn="auto" latinLnBrk="0" hangingPunct="1">
+                        <a:lnSpc>
+                          <a:spcPct val="100000"/>
+                        </a:lnSpc>
+                        <a:spcBef>
+                          <a:spcPts val="0"/>
+                        </a:spcBef>
+                        <a:spcAft>
+                          <a:spcPts val="0"/>
+                        </a:spcAft>
+                        <a:buClrTx/>
+                        <a:buSzTx/>
+                        <a:buFontTx/>
+                        <a:buNone/>
+                        <a:tabLst/>
+                        <a:defRPr/>
+                      </a:pPr>
+                      <a:r>
+                        <a:rPr lang="en-US" altLang="zh-TW" dirty="0"/>
+                        <a:t>Parallelization 3D Model</a:t>
+                      </a:r>
+                      <a:endParaRPr lang="zh-TW" altLang="en-US" dirty="0"/>
+                    </a:p>
+                    <a:p>
+                      <a:pPr algn="l"/>
+                      <a:endParaRPr lang="zh-TW" altLang="en-US" dirty="0"/>
+                    </a:p>
+                  </a:txBody>
+                  <a:tcPr/>
+                </a:tc>
+                <a:extLst>
+                  <a:ext uri="{0D108BD9-81ED-4DB2-BD59-A6C34878D82A}">
+                    <a16:rowId xmlns:a16="http://schemas.microsoft.com/office/drawing/2014/main" val="801453697"/>
+                  </a:ext>
+                </a:extLst>
+              </a:tr>
+            </a:tbl>
+          </a:graphicData>
+        </a:graphic>
+      </p:graphicFrame>
+    </p:spTree>
+    <p:extLst>
+      <p:ext uri="{BB962C8B-B14F-4D97-AF65-F5344CB8AC3E}">
+        <p14:creationId xmlns:p14="http://schemas.microsoft.com/office/powerpoint/2010/main" val="4259739669"/>
+      </p:ext>
+    </p:extLst>
+  </p:cSld>
+  <p:clrMapOvr>
+    <a:masterClrMapping/>
+  </p:clrMapOvr>
+</p:sld>
+</file>
+
+<file path=ppt/slides/slide2.xml><?xml version="1.0" encoding="utf-8"?>
+<p:sld xmlns:a="http://schemas.openxmlformats.org/drawingml/2006/main" xmlns:r="http://schemas.openxmlformats.org/officeDocument/2006/relationships" xmlns:p="http://schemas.openxmlformats.org/presentationml/2006/main">
+  <p:cSld>
+    <p:spTree>
+      <p:nvGrpSpPr>
+        <p:cNvPr id="1" name=""/>
+        <p:cNvGrpSpPr/>
+        <p:nvPr/>
+      </p:nvGrpSpPr>
+      <p:grpSpPr>
+        <a:xfrm>
+          <a:off x="0" y="0"/>
+          <a:ext cx="0" cy="0"/>
+          <a:chOff x="0" y="0"/>
+          <a:chExt cx="0" cy="0"/>
+        </a:xfrm>
+      </p:grpSpPr>
+      <p:sp>
+        <p:nvSpPr>
+          <p:cNvPr id="2" name="標題 1">
+            <a:extLst>
+              <a:ext uri="{FF2B5EF4-FFF2-40B4-BE49-F238E27FC236}">
+                <a16:creationId xmlns:a16="http://schemas.microsoft.com/office/drawing/2014/main" id="{5B091271-51E3-4061-82D8-805C838A2062}"/>
+              </a:ext>
+            </a:extLst>
+          </p:cNvPr>
+          <p:cNvSpPr>
+            <a:spLocks noGrp="1"/>
+          </p:cNvSpPr>
+          <p:nvPr>
+            <p:ph type="title"/>
+          </p:nvPr>
+        </p:nvSpPr>
+        <p:spPr/>
+        <p:txBody>
+          <a:bodyPr/>
+          <a:lstStyle/>
+          <a:p>
+            <a:r>
+              <a:rPr lang="en-US" altLang="zh-TW" dirty="0"/>
+              <a:t>Introduction</a:t>
+            </a:r>
+            <a:endParaRPr lang="zh-TW" altLang="en-US" dirty="0"/>
+          </a:p>
+        </p:txBody>
+      </p:sp>
+      <p:sp>
+        <p:nvSpPr>
+          <p:cNvPr id="3" name="內容版面配置區 2">
+            <a:extLst>
+              <a:ext uri="{FF2B5EF4-FFF2-40B4-BE49-F238E27FC236}">
+                <a16:creationId xmlns:a16="http://schemas.microsoft.com/office/drawing/2014/main" id="{945F5FBA-A0B9-4C67-9B39-DF96863B8836}"/>
+              </a:ext>
+            </a:extLst>
+          </p:cNvPr>
+          <p:cNvSpPr>
+            <a:spLocks noGrp="1"/>
+          </p:cNvSpPr>
+          <p:nvPr>
+            <p:ph idx="1"/>
+          </p:nvPr>
+        </p:nvSpPr>
+        <p:spPr>
+          <a:xfrm>
+            <a:off x="876904" y="1420681"/>
+            <a:ext cx="8615050" cy="825662"/>
+          </a:xfrm>
+        </p:spPr>
+        <p:txBody>
+          <a:bodyPr>
+            <a:noAutofit/>
+          </a:bodyPr>
+          <a:lstStyle/>
+          <a:p>
+            <a:pPr marL="0" indent="0">
+              <a:buNone/>
+            </a:pPr>
+            <a:r>
+              <a:rPr lang="en-US" altLang="zh-TW" sz="2600" dirty="0"/>
+              <a:t>To simulate planetary motion, </a:t>
+            </a:r>
+          </a:p>
+          <a:p>
+            <a:pPr marL="0" indent="0">
+              <a:buNone/>
+            </a:pPr>
+            <a:r>
+              <a:rPr lang="en-US" altLang="zh-TW" sz="2600" dirty="0"/>
+              <a:t>we go through each planet to inspect the force.</a:t>
+            </a:r>
+            <a:endParaRPr lang="zh-TW" altLang="en-US" sz="2600" dirty="0"/>
+          </a:p>
+        </p:txBody>
+      </p:sp>
+      <p:sp>
+        <p:nvSpPr>
+          <p:cNvPr id="4" name="投影片編號版面配置區 3">
+            <a:extLst>
+              <a:ext uri="{FF2B5EF4-FFF2-40B4-BE49-F238E27FC236}">
+                <a16:creationId xmlns:a16="http://schemas.microsoft.com/office/drawing/2014/main" id="{F58C175C-CB9D-4FB2-8483-60149FE66A8B}"/>
+              </a:ext>
+            </a:extLst>
+          </p:cNvPr>
+          <p:cNvSpPr>
+            <a:spLocks noGrp="1"/>
+          </p:cNvSpPr>
+          <p:nvPr>
+            <p:ph type="sldNum" sz="quarter" idx="12"/>
+          </p:nvPr>
+        </p:nvSpPr>
+        <p:spPr/>
+        <p:txBody>
+          <a:bodyPr/>
+          <a:lstStyle/>
+          <a:p>
+            <a:fld id="{2E159C05-F6BE-49BE-9845-E33F6769C88E}" type="slidenum">
+              <a:rPr lang="zh-TW" altLang="en-US" smtClean="0"/>
+              <a:t>2</a:t>
+            </a:fld>
+            <a:endParaRPr lang="zh-TW" altLang="en-US" dirty="0"/>
+          </a:p>
+        </p:txBody>
+      </p:sp>
+      <p:sp>
+        <p:nvSpPr>
+          <p:cNvPr id="5" name="橢圓 4">
+            <a:extLst>
+              <a:ext uri="{FF2B5EF4-FFF2-40B4-BE49-F238E27FC236}">
+                <a16:creationId xmlns:a16="http://schemas.microsoft.com/office/drawing/2014/main" id="{8A9742B8-450F-42EE-A24A-0E14D8E87243}"/>
+              </a:ext>
+            </a:extLst>
+          </p:cNvPr>
+          <p:cNvSpPr/>
+          <p:nvPr/>
+        </p:nvSpPr>
+        <p:spPr>
+          <a:xfrm>
+            <a:off x="795831" y="2439042"/>
+            <a:ext cx="553604" cy="555654"/>
+          </a:xfrm>
+          <a:prstGeom prst="ellipse">
+            <a:avLst/>
+          </a:prstGeom>
+          <a:ln>
+            <a:noFill/>
+          </a:ln>
+        </p:spPr>
+        <p:style>
+          <a:lnRef idx="2">
+            <a:schemeClr val="accent1">
+              <a:shade val="50000"/>
+            </a:schemeClr>
+          </a:lnRef>
+          <a:fillRef idx="1">
+            <a:schemeClr val="accent1"/>
+          </a:fillRef>
+          <a:effectRef idx="0">
+            <a:schemeClr val="accent1"/>
+          </a:effectRef>
+          <a:fontRef idx="minor">
+            <a:schemeClr val="lt1"/>
+          </a:fontRef>
+        </p:style>
+        <p:txBody>
+          <a:bodyPr rtlCol="0" anchor="ctr"/>
+          <a:lstStyle/>
+          <a:p>
+            <a:pPr algn="ctr"/>
+            <a:r>
+              <a:rPr lang="en-US" altLang="zh-TW" dirty="0"/>
+              <a:t>1</a:t>
+            </a:r>
+            <a:endParaRPr lang="zh-TW" altLang="en-US" dirty="0"/>
+          </a:p>
+        </p:txBody>
+      </p:sp>
+      <p:sp>
+        <p:nvSpPr>
+          <p:cNvPr id="6" name="橢圓 5">
+            <a:extLst>
+              <a:ext uri="{FF2B5EF4-FFF2-40B4-BE49-F238E27FC236}">
+                <a16:creationId xmlns:a16="http://schemas.microsoft.com/office/drawing/2014/main" id="{2CCA372C-6874-476C-911C-BD5A3F446A4F}"/>
+              </a:ext>
+            </a:extLst>
+          </p:cNvPr>
+          <p:cNvSpPr/>
+          <p:nvPr/>
+        </p:nvSpPr>
+        <p:spPr>
+          <a:xfrm>
+            <a:off x="205386" y="3837239"/>
+            <a:ext cx="553604" cy="555654"/>
+          </a:xfrm>
+          <a:prstGeom prst="ellipse">
+            <a:avLst/>
+          </a:prstGeom>
+          <a:solidFill>
+            <a:srgbClr val="FFC000"/>
+          </a:solidFill>
+          <a:ln>
+            <a:noFill/>
+          </a:ln>
+        </p:spPr>
+        <p:style>
+          <a:lnRef idx="2">
+            <a:schemeClr val="accent1">
+              <a:shade val="50000"/>
+            </a:schemeClr>
+          </a:lnRef>
+          <a:fillRef idx="1">
+            <a:schemeClr val="accent1"/>
+          </a:fillRef>
+          <a:effectRef idx="0">
+            <a:schemeClr val="accent1"/>
+          </a:effectRef>
+          <a:fontRef idx="minor">
+            <a:schemeClr val="lt1"/>
+          </a:fontRef>
+        </p:style>
+        <p:txBody>
+          <a:bodyPr rtlCol="0" anchor="ctr"/>
+          <a:lstStyle/>
+          <a:p>
+            <a:pPr algn="ctr"/>
+            <a:r>
+              <a:rPr lang="en-US" altLang="zh-TW" dirty="0"/>
+              <a:t>5</a:t>
+            </a:r>
+            <a:endParaRPr lang="zh-TW" altLang="en-US" dirty="0"/>
+          </a:p>
+        </p:txBody>
+      </p:sp>
+      <p:sp>
+        <p:nvSpPr>
+          <p:cNvPr id="10" name="橢圓 9">
+            <a:extLst>
+              <a:ext uri="{FF2B5EF4-FFF2-40B4-BE49-F238E27FC236}">
+                <a16:creationId xmlns:a16="http://schemas.microsoft.com/office/drawing/2014/main" id="{3385BDF9-9BC9-4B3F-8342-AED250A09390}"/>
+              </a:ext>
+            </a:extLst>
+          </p:cNvPr>
+          <p:cNvSpPr/>
+          <p:nvPr/>
+        </p:nvSpPr>
+        <p:spPr>
+          <a:xfrm>
+            <a:off x="1444040" y="4905732"/>
+            <a:ext cx="553604" cy="555654"/>
+          </a:xfrm>
+          <a:prstGeom prst="ellipse">
+            <a:avLst/>
+          </a:prstGeom>
+          <a:solidFill>
+            <a:schemeClr val="accent6"/>
+          </a:solidFill>
+          <a:ln>
+            <a:noFill/>
+          </a:ln>
+        </p:spPr>
+        <p:style>
+          <a:lnRef idx="2">
+            <a:schemeClr val="accent1">
+              <a:shade val="50000"/>
+            </a:schemeClr>
+          </a:lnRef>
+          <a:fillRef idx="1">
+            <a:schemeClr val="accent1"/>
+          </a:fillRef>
+          <a:effectRef idx="0">
+            <a:schemeClr val="accent1"/>
+          </a:effectRef>
+          <a:fontRef idx="minor">
+            <a:schemeClr val="lt1"/>
+          </a:fontRef>
+        </p:style>
+        <p:txBody>
+          <a:bodyPr rtlCol="0" anchor="ctr"/>
+          <a:lstStyle/>
+          <a:p>
+            <a:pPr algn="ctr"/>
+            <a:r>
+              <a:rPr lang="en-US" altLang="zh-TW" dirty="0"/>
+              <a:t>4</a:t>
+            </a:r>
+            <a:endParaRPr lang="zh-TW" altLang="en-US" dirty="0"/>
+          </a:p>
+        </p:txBody>
+      </p:sp>
+      <p:sp>
+        <p:nvSpPr>
+          <p:cNvPr id="11" name="橢圓 10">
+            <a:extLst>
+              <a:ext uri="{FF2B5EF4-FFF2-40B4-BE49-F238E27FC236}">
+                <a16:creationId xmlns:a16="http://schemas.microsoft.com/office/drawing/2014/main" id="{7930A7F7-BC7C-419C-8EBA-C1E749E6E4B4}"/>
+              </a:ext>
+            </a:extLst>
+          </p:cNvPr>
+          <p:cNvSpPr/>
+          <p:nvPr/>
+        </p:nvSpPr>
+        <p:spPr>
+          <a:xfrm>
+            <a:off x="2645854" y="2443600"/>
+            <a:ext cx="553604" cy="555654"/>
+          </a:xfrm>
+          <a:prstGeom prst="ellipse">
+            <a:avLst/>
+          </a:prstGeom>
+          <a:solidFill>
+            <a:schemeClr val="accent2"/>
+          </a:solidFill>
+          <a:ln>
+            <a:noFill/>
+          </a:ln>
+        </p:spPr>
+        <p:style>
+          <a:lnRef idx="2">
+            <a:schemeClr val="accent1">
+              <a:shade val="50000"/>
+            </a:schemeClr>
+          </a:lnRef>
+          <a:fillRef idx="1">
+            <a:schemeClr val="accent1"/>
+          </a:fillRef>
+          <a:effectRef idx="0">
+            <a:schemeClr val="accent1"/>
+          </a:effectRef>
+          <a:fontRef idx="minor">
+            <a:schemeClr val="lt1"/>
+          </a:fontRef>
+        </p:style>
+        <p:txBody>
+          <a:bodyPr rtlCol="0" anchor="ctr"/>
+          <a:lstStyle/>
+          <a:p>
+            <a:pPr algn="ctr"/>
+            <a:r>
+              <a:rPr lang="en-US" altLang="zh-TW" dirty="0"/>
+              <a:t>2</a:t>
+            </a:r>
+            <a:endParaRPr lang="zh-TW" altLang="en-US" dirty="0"/>
+          </a:p>
+        </p:txBody>
+      </p:sp>
+      <p:sp>
+        <p:nvSpPr>
+          <p:cNvPr id="12" name="橢圓 11">
+            <a:extLst>
+              <a:ext uri="{FF2B5EF4-FFF2-40B4-BE49-F238E27FC236}">
+                <a16:creationId xmlns:a16="http://schemas.microsoft.com/office/drawing/2014/main" id="{26820A5F-3FC5-4883-9F78-3A64FAF2A98A}"/>
+              </a:ext>
+            </a:extLst>
+          </p:cNvPr>
+          <p:cNvSpPr/>
+          <p:nvPr/>
+        </p:nvSpPr>
+        <p:spPr>
+          <a:xfrm>
+            <a:off x="3118385" y="3947694"/>
+            <a:ext cx="553604" cy="555654"/>
+          </a:xfrm>
+          <a:prstGeom prst="ellipse">
+            <a:avLst/>
+          </a:prstGeom>
+          <a:solidFill>
+            <a:srgbClr val="C00000"/>
+          </a:solidFill>
+          <a:ln>
+            <a:noFill/>
+          </a:ln>
+        </p:spPr>
+        <p:style>
+          <a:lnRef idx="2">
+            <a:schemeClr val="accent1">
+              <a:shade val="50000"/>
+            </a:schemeClr>
+          </a:lnRef>
+          <a:fillRef idx="1">
+            <a:schemeClr val="accent1"/>
+          </a:fillRef>
+          <a:effectRef idx="0">
+            <a:schemeClr val="accent1"/>
+          </a:effectRef>
+          <a:fontRef idx="minor">
+            <a:schemeClr val="lt1"/>
+          </a:fontRef>
+        </p:style>
+        <p:txBody>
+          <a:bodyPr rtlCol="0" anchor="ctr"/>
+          <a:lstStyle/>
+          <a:p>
+            <a:pPr algn="ctr"/>
+            <a:r>
+              <a:rPr lang="en-US" altLang="zh-TW" dirty="0"/>
+              <a:t>3</a:t>
+            </a:r>
+            <a:endParaRPr lang="zh-TW" altLang="en-US" dirty="0"/>
+          </a:p>
+        </p:txBody>
+      </p:sp>
+      <p:cxnSp>
+        <p:nvCxnSpPr>
+          <p:cNvPr id="14" name="直線接點 13">
+            <a:extLst>
+              <a:ext uri="{FF2B5EF4-FFF2-40B4-BE49-F238E27FC236}">
+                <a16:creationId xmlns:a16="http://schemas.microsoft.com/office/drawing/2014/main" id="{1D805438-8AE0-4FC6-B5A3-62F95BD19133}"/>
+              </a:ext>
+            </a:extLst>
+          </p:cNvPr>
+          <p:cNvCxnSpPr>
+            <a:cxnSpLocks/>
+            <a:stCxn id="5" idx="3"/>
+            <a:endCxn id="6" idx="0"/>
+          </p:cNvCxnSpPr>
+          <p:nvPr/>
+        </p:nvCxnSpPr>
+        <p:spPr>
+          <a:xfrm flipH="1">
+            <a:off x="482188" y="2913322"/>
+            <a:ext cx="394716" cy="923917"/>
+          </a:xfrm>
+          <a:prstGeom prst="line">
+            <a:avLst/>
+          </a:prstGeom>
+          <a:ln w="76200">
+            <a:solidFill>
+              <a:schemeClr val="accent1">
+                <a:lumMod val="40000"/>
+                <a:lumOff val="60000"/>
+              </a:schemeClr>
+            </a:solidFill>
+            <a:prstDash val="sysDot"/>
+          </a:ln>
+        </p:spPr>
+        <p:style>
+          <a:lnRef idx="1">
+            <a:schemeClr val="accent1"/>
+          </a:lnRef>
+          <a:fillRef idx="0">
+            <a:schemeClr val="accent1"/>
+          </a:fillRef>
+          <a:effectRef idx="0">
+            <a:schemeClr val="accent1"/>
+          </a:effectRef>
+          <a:fontRef idx="minor">
+            <a:schemeClr val="tx1"/>
+          </a:fontRef>
+        </p:style>
+      </p:cxnSp>
+      <p:cxnSp>
+        <p:nvCxnSpPr>
+          <p:cNvPr id="16" name="直線接點 15">
+            <a:extLst>
+              <a:ext uri="{FF2B5EF4-FFF2-40B4-BE49-F238E27FC236}">
+                <a16:creationId xmlns:a16="http://schemas.microsoft.com/office/drawing/2014/main" id="{C73C60B1-9BB8-47B1-BE71-DF80BBFCADFA}"/>
+              </a:ext>
+            </a:extLst>
+          </p:cNvPr>
+          <p:cNvCxnSpPr>
+            <a:cxnSpLocks/>
+            <a:stCxn id="5" idx="6"/>
+            <a:endCxn id="11" idx="2"/>
+          </p:cNvCxnSpPr>
+          <p:nvPr/>
+        </p:nvCxnSpPr>
+        <p:spPr>
+          <a:xfrm>
+            <a:off x="1349435" y="2716869"/>
+            <a:ext cx="1296419" cy="4558"/>
+          </a:xfrm>
+          <a:prstGeom prst="line">
+            <a:avLst/>
+          </a:prstGeom>
+          <a:ln w="76200">
+            <a:solidFill>
+              <a:schemeClr val="accent1">
+                <a:lumMod val="40000"/>
+                <a:lumOff val="60000"/>
+              </a:schemeClr>
+            </a:solidFill>
+            <a:prstDash val="sysDot"/>
+          </a:ln>
+        </p:spPr>
+        <p:style>
+          <a:lnRef idx="1">
+            <a:schemeClr val="accent1"/>
+          </a:lnRef>
+          <a:fillRef idx="0">
+            <a:schemeClr val="accent1"/>
+          </a:fillRef>
+          <a:effectRef idx="0">
+            <a:schemeClr val="accent1"/>
+          </a:effectRef>
+          <a:fontRef idx="minor">
+            <a:schemeClr val="tx1"/>
+          </a:fontRef>
+        </p:style>
+      </p:cxnSp>
+      <p:cxnSp>
+        <p:nvCxnSpPr>
+          <p:cNvPr id="18" name="直線接點 17">
+            <a:extLst>
+              <a:ext uri="{FF2B5EF4-FFF2-40B4-BE49-F238E27FC236}">
+                <a16:creationId xmlns:a16="http://schemas.microsoft.com/office/drawing/2014/main" id="{CC9FEE3A-A032-4AD3-A322-04C6FFFD15F5}"/>
+              </a:ext>
+            </a:extLst>
+          </p:cNvPr>
+          <p:cNvCxnSpPr>
+            <a:cxnSpLocks/>
+            <a:stCxn id="5" idx="5"/>
+            <a:endCxn id="12" idx="1"/>
+          </p:cNvCxnSpPr>
+          <p:nvPr/>
+        </p:nvCxnSpPr>
+        <p:spPr>
+          <a:xfrm>
+            <a:off x="1268362" y="2913322"/>
+            <a:ext cx="1931096" cy="1115746"/>
+          </a:xfrm>
+          <a:prstGeom prst="line">
+            <a:avLst/>
+          </a:prstGeom>
+          <a:ln w="76200">
+            <a:solidFill>
+              <a:schemeClr val="accent1">
+                <a:lumMod val="40000"/>
+                <a:lumOff val="60000"/>
+              </a:schemeClr>
+            </a:solidFill>
+            <a:prstDash val="sysDot"/>
+          </a:ln>
+        </p:spPr>
+        <p:style>
+          <a:lnRef idx="1">
+            <a:schemeClr val="accent1"/>
+          </a:lnRef>
+          <a:fillRef idx="0">
+            <a:schemeClr val="accent1"/>
+          </a:fillRef>
+          <a:effectRef idx="0">
+            <a:schemeClr val="accent1"/>
+          </a:effectRef>
+          <a:fontRef idx="minor">
+            <a:schemeClr val="tx1"/>
+          </a:fontRef>
+        </p:style>
+      </p:cxnSp>
+      <p:cxnSp>
+        <p:nvCxnSpPr>
+          <p:cNvPr id="22" name="直線接點 21">
+            <a:extLst>
+              <a:ext uri="{FF2B5EF4-FFF2-40B4-BE49-F238E27FC236}">
+                <a16:creationId xmlns:a16="http://schemas.microsoft.com/office/drawing/2014/main" id="{A8AD7A18-CC9E-4E43-9D7C-9BA61D7D5D12}"/>
+              </a:ext>
+            </a:extLst>
+          </p:cNvPr>
+          <p:cNvCxnSpPr>
+            <a:cxnSpLocks/>
+            <a:stCxn id="5" idx="4"/>
+            <a:endCxn id="10" idx="0"/>
+          </p:cNvCxnSpPr>
+          <p:nvPr/>
+        </p:nvCxnSpPr>
+        <p:spPr>
+          <a:xfrm>
+            <a:off x="1072633" y="2994696"/>
+            <a:ext cx="648209" cy="1911036"/>
+          </a:xfrm>
+          <a:prstGeom prst="line">
+            <a:avLst/>
+          </a:prstGeom>
+          <a:ln w="76200">
+            <a:solidFill>
+              <a:schemeClr val="accent1">
+                <a:lumMod val="40000"/>
+                <a:lumOff val="60000"/>
+              </a:schemeClr>
+            </a:solidFill>
+            <a:prstDash val="sysDot"/>
+          </a:ln>
+        </p:spPr>
+        <p:style>
+          <a:lnRef idx="1">
+            <a:schemeClr val="accent1"/>
+          </a:lnRef>
+          <a:fillRef idx="0">
+            <a:schemeClr val="accent1"/>
+          </a:fillRef>
+          <a:effectRef idx="0">
+            <a:schemeClr val="accent1"/>
+          </a:effectRef>
+          <a:fontRef idx="minor">
+            <a:schemeClr val="tx1"/>
+          </a:fontRef>
+        </p:style>
+      </p:cxnSp>
+      <p:cxnSp>
+        <p:nvCxnSpPr>
+          <p:cNvPr id="36" name="直線接點 35">
+            <a:extLst>
+              <a:ext uri="{FF2B5EF4-FFF2-40B4-BE49-F238E27FC236}">
+                <a16:creationId xmlns:a16="http://schemas.microsoft.com/office/drawing/2014/main" id="{C2BACAE7-4460-4A89-BA9B-DAC2D907F87F}"/>
+              </a:ext>
+            </a:extLst>
+          </p:cNvPr>
+          <p:cNvCxnSpPr>
+            <a:cxnSpLocks/>
+            <a:stCxn id="11" idx="4"/>
+            <a:endCxn id="12" idx="0"/>
+          </p:cNvCxnSpPr>
+          <p:nvPr/>
+        </p:nvCxnSpPr>
+        <p:spPr>
+          <a:xfrm>
+            <a:off x="2922656" y="2999254"/>
+            <a:ext cx="472531" cy="948440"/>
+          </a:xfrm>
+          <a:prstGeom prst="line">
+            <a:avLst/>
+          </a:prstGeom>
+          <a:ln w="76200">
+            <a:solidFill>
+              <a:schemeClr val="accent2">
+                <a:lumMod val="40000"/>
+                <a:lumOff val="60000"/>
+              </a:schemeClr>
+            </a:solidFill>
+            <a:prstDash val="sysDot"/>
+          </a:ln>
+        </p:spPr>
+        <p:style>
+          <a:lnRef idx="1">
+            <a:schemeClr val="accent1"/>
+          </a:lnRef>
+          <a:fillRef idx="0">
+            <a:schemeClr val="accent1"/>
+          </a:fillRef>
+          <a:effectRef idx="0">
+            <a:schemeClr val="accent1"/>
+          </a:effectRef>
+          <a:fontRef idx="minor">
+            <a:schemeClr val="tx1"/>
+          </a:fontRef>
+        </p:style>
+      </p:cxnSp>
+      <p:cxnSp>
+        <p:nvCxnSpPr>
+          <p:cNvPr id="41" name="直線接點 40">
+            <a:extLst>
+              <a:ext uri="{FF2B5EF4-FFF2-40B4-BE49-F238E27FC236}">
+                <a16:creationId xmlns:a16="http://schemas.microsoft.com/office/drawing/2014/main" id="{17C8378F-79F9-4440-9734-941884BFFB79}"/>
+              </a:ext>
+            </a:extLst>
+          </p:cNvPr>
+          <p:cNvCxnSpPr>
+            <a:cxnSpLocks/>
+            <a:stCxn id="11" idx="3"/>
+            <a:endCxn id="10" idx="0"/>
+          </p:cNvCxnSpPr>
+          <p:nvPr/>
+        </p:nvCxnSpPr>
+        <p:spPr>
+          <a:xfrm flipH="1">
+            <a:off x="1720842" y="2917880"/>
+            <a:ext cx="1006085" cy="1987852"/>
+          </a:xfrm>
+          <a:prstGeom prst="line">
+            <a:avLst/>
+          </a:prstGeom>
+          <a:ln w="76200">
+            <a:solidFill>
+              <a:schemeClr val="accent2">
+                <a:lumMod val="40000"/>
+                <a:lumOff val="60000"/>
+              </a:schemeClr>
+            </a:solidFill>
+            <a:prstDash val="sysDot"/>
+          </a:ln>
+        </p:spPr>
+        <p:style>
+          <a:lnRef idx="1">
+            <a:schemeClr val="accent1"/>
+          </a:lnRef>
+          <a:fillRef idx="0">
+            <a:schemeClr val="accent1"/>
+          </a:fillRef>
+          <a:effectRef idx="0">
+            <a:schemeClr val="accent1"/>
+          </a:effectRef>
+          <a:fontRef idx="minor">
+            <a:schemeClr val="tx1"/>
+          </a:fontRef>
+        </p:style>
+      </p:cxnSp>
+      <p:cxnSp>
+        <p:nvCxnSpPr>
+          <p:cNvPr id="44" name="直線接點 43">
+            <a:extLst>
+              <a:ext uri="{FF2B5EF4-FFF2-40B4-BE49-F238E27FC236}">
+                <a16:creationId xmlns:a16="http://schemas.microsoft.com/office/drawing/2014/main" id="{9F209B1F-57AD-42BE-9BB7-A30F8509821B}"/>
+              </a:ext>
+            </a:extLst>
+          </p:cNvPr>
+          <p:cNvCxnSpPr>
+            <a:cxnSpLocks/>
+            <a:stCxn id="11" idx="3"/>
+            <a:endCxn id="6" idx="7"/>
+          </p:cNvCxnSpPr>
+          <p:nvPr/>
+        </p:nvCxnSpPr>
+        <p:spPr>
+          <a:xfrm flipH="1">
+            <a:off x="677917" y="2917880"/>
+            <a:ext cx="2049010" cy="1000733"/>
+          </a:xfrm>
+          <a:prstGeom prst="line">
+            <a:avLst/>
+          </a:prstGeom>
+          <a:ln w="76200">
+            <a:solidFill>
+              <a:schemeClr val="accent2">
+                <a:lumMod val="40000"/>
+                <a:lumOff val="60000"/>
+              </a:schemeClr>
+            </a:solidFill>
+            <a:prstDash val="sysDot"/>
+          </a:ln>
+        </p:spPr>
+        <p:style>
+          <a:lnRef idx="1">
+            <a:schemeClr val="accent1"/>
+          </a:lnRef>
+          <a:fillRef idx="0">
+            <a:schemeClr val="accent1"/>
+          </a:fillRef>
+          <a:effectRef idx="0">
+            <a:schemeClr val="accent1"/>
+          </a:effectRef>
+          <a:fontRef idx="minor">
+            <a:schemeClr val="tx1"/>
+          </a:fontRef>
+        </p:style>
+      </p:cxnSp>
+      <p:cxnSp>
+        <p:nvCxnSpPr>
+          <p:cNvPr id="89" name="直線接點 88">
+            <a:extLst>
+              <a:ext uri="{FF2B5EF4-FFF2-40B4-BE49-F238E27FC236}">
+                <a16:creationId xmlns:a16="http://schemas.microsoft.com/office/drawing/2014/main" id="{0B5D0CEB-147C-4168-B5E3-270C24BABDF9}"/>
+              </a:ext>
+            </a:extLst>
+          </p:cNvPr>
+          <p:cNvCxnSpPr>
+            <a:cxnSpLocks/>
+            <a:stCxn id="12" idx="3"/>
+            <a:endCxn id="10" idx="7"/>
+          </p:cNvCxnSpPr>
+          <p:nvPr/>
+        </p:nvCxnSpPr>
+        <p:spPr>
+          <a:xfrm flipH="1">
+            <a:off x="1916571" y="4421974"/>
+            <a:ext cx="1282887" cy="565132"/>
+          </a:xfrm>
+          <a:prstGeom prst="line">
+            <a:avLst/>
+          </a:prstGeom>
+          <a:ln w="76200">
+            <a:solidFill>
+              <a:srgbClr val="FEBEBE"/>
+            </a:solidFill>
+            <a:prstDash val="sysDot"/>
+          </a:ln>
+        </p:spPr>
+        <p:style>
+          <a:lnRef idx="1">
+            <a:schemeClr val="accent1"/>
+          </a:lnRef>
+          <a:fillRef idx="0">
+            <a:schemeClr val="accent1"/>
+          </a:fillRef>
+          <a:effectRef idx="0">
+            <a:schemeClr val="accent1"/>
+          </a:effectRef>
+          <a:fontRef idx="minor">
+            <a:schemeClr val="tx1"/>
+          </a:fontRef>
+        </p:style>
+      </p:cxnSp>
+      <p:cxnSp>
+        <p:nvCxnSpPr>
+          <p:cNvPr id="93" name="直線接點 92">
+            <a:extLst>
+              <a:ext uri="{FF2B5EF4-FFF2-40B4-BE49-F238E27FC236}">
+                <a16:creationId xmlns:a16="http://schemas.microsoft.com/office/drawing/2014/main" id="{6BB39F79-3BCE-45D7-8B10-CB48AFB29E76}"/>
+              </a:ext>
+            </a:extLst>
+          </p:cNvPr>
+          <p:cNvCxnSpPr>
+            <a:cxnSpLocks/>
+            <a:stCxn id="12" idx="2"/>
+            <a:endCxn id="6" idx="6"/>
+          </p:cNvCxnSpPr>
+          <p:nvPr/>
+        </p:nvCxnSpPr>
+        <p:spPr>
+          <a:xfrm flipH="1" flipV="1">
+            <a:off x="758990" y="4115066"/>
+            <a:ext cx="2359395" cy="110455"/>
+          </a:xfrm>
+          <a:prstGeom prst="line">
+            <a:avLst/>
+          </a:prstGeom>
+          <a:ln w="76200">
+            <a:solidFill>
+              <a:srgbClr val="FEBEBE"/>
+            </a:solidFill>
+            <a:prstDash val="sysDot"/>
+          </a:ln>
+        </p:spPr>
+        <p:style>
+          <a:lnRef idx="1">
+            <a:schemeClr val="accent1"/>
+          </a:lnRef>
+          <a:fillRef idx="0">
+            <a:schemeClr val="accent1"/>
+          </a:fillRef>
+          <a:effectRef idx="0">
+            <a:schemeClr val="accent1"/>
+          </a:effectRef>
+          <a:fontRef idx="minor">
+            <a:schemeClr val="tx1"/>
+          </a:fontRef>
+        </p:style>
+      </p:cxnSp>
+      <p:cxnSp>
+        <p:nvCxnSpPr>
+          <p:cNvPr id="103" name="直線接點 102">
+            <a:extLst>
+              <a:ext uri="{FF2B5EF4-FFF2-40B4-BE49-F238E27FC236}">
+                <a16:creationId xmlns:a16="http://schemas.microsoft.com/office/drawing/2014/main" id="{31D90625-4A9F-4A5E-A7A9-498194E463D7}"/>
+              </a:ext>
+            </a:extLst>
+          </p:cNvPr>
+          <p:cNvCxnSpPr>
+            <a:cxnSpLocks/>
+            <a:stCxn id="10" idx="1"/>
+            <a:endCxn id="6" idx="5"/>
+          </p:cNvCxnSpPr>
+          <p:nvPr/>
+        </p:nvCxnSpPr>
+        <p:spPr>
+          <a:xfrm flipH="1" flipV="1">
+            <a:off x="677917" y="4311519"/>
+            <a:ext cx="847196" cy="675587"/>
+          </a:xfrm>
+          <a:prstGeom prst="line">
+            <a:avLst/>
+          </a:prstGeom>
+          <a:ln w="76200">
+            <a:solidFill>
+              <a:schemeClr val="accent6">
+                <a:lumMod val="40000"/>
+                <a:lumOff val="60000"/>
+              </a:schemeClr>
+            </a:solidFill>
+            <a:prstDash val="sysDot"/>
+          </a:ln>
+        </p:spPr>
+        <p:style>
+          <a:lnRef idx="1">
+            <a:schemeClr val="accent1"/>
+          </a:lnRef>
+          <a:fillRef idx="0">
+            <a:schemeClr val="accent1"/>
+          </a:fillRef>
+          <a:effectRef idx="0">
+            <a:schemeClr val="accent1"/>
+          </a:effectRef>
+          <a:fontRef idx="minor">
+            <a:schemeClr val="tx1"/>
+          </a:fontRef>
+        </p:style>
+      </p:cxnSp>
+      <mc:AlternateContent xmlns:mc="http://schemas.openxmlformats.org/markup-compatibility/2006" xmlns:a14="http://schemas.microsoft.com/office/drawing/2010/main">
+        <mc:Choice Requires="a14">
+          <p:sp>
+            <p:nvSpPr>
+              <p:cNvPr id="112" name="內容版面配置區 2">
+                <a:extLst>
+                  <a:ext uri="{FF2B5EF4-FFF2-40B4-BE49-F238E27FC236}">
+                    <a16:creationId xmlns:a16="http://schemas.microsoft.com/office/drawing/2014/main" id="{D73B85FC-7E2F-4B02-A8B1-5B44366FAAD4}"/>
+                  </a:ext>
+                </a:extLst>
+              </p:cNvPr>
+              <p:cNvSpPr txBox="1">
+                <a:spLocks/>
+              </p:cNvSpPr>
+              <p:nvPr/>
+            </p:nvSpPr>
+            <p:spPr>
+              <a:xfrm>
+                <a:off x="3709736" y="2708092"/>
+                <a:ext cx="5434264" cy="825662"/>
+              </a:xfrm>
+              <a:prstGeom prst="rect">
+                <a:avLst/>
+              </a:prstGeom>
+            </p:spPr>
+            <p:txBody>
+              <a:bodyPr vert="horz" lIns="91440" tIns="45720" rIns="91440" bIns="45720" rtlCol="0">
+                <a:noAutofit/>
+              </a:bodyPr>
+              <a:lstStyle>
+                <a:lvl1pPr marL="228600" indent="-228600" algn="l" defTabSz="914400" rtl="0" eaLnBrk="1" latinLnBrk="0" hangingPunct="1">
+                  <a:lnSpc>
+                    <a:spcPct val="90000"/>
+                  </a:lnSpc>
+                  <a:spcBef>
+                    <a:spcPts val="1000"/>
+                  </a:spcBef>
+                  <a:buFont typeface="Arial" panose="020B0604020202020204" pitchFamily="34" charset="0"/>
+                  <a:buChar char="•"/>
+                  <a:defRPr sz="2800" kern="1200">
+                    <a:solidFill>
+                      <a:schemeClr val="tx1"/>
+                    </a:solidFill>
+                    <a:latin typeface="+mn-lt"/>
+                    <a:ea typeface="+mn-ea"/>
+                    <a:cs typeface="+mn-cs"/>
+                  </a:defRPr>
+                </a:lvl1pPr>
+                <a:lvl2pPr marL="685800" indent="-228600" algn="l" defTabSz="914400" rtl="0" eaLnBrk="1" latinLnBrk="0" hangingPunct="1">
+                  <a:lnSpc>
+                    <a:spcPct val="90000"/>
+                  </a:lnSpc>
+                  <a:spcBef>
+                    <a:spcPts val="500"/>
+                  </a:spcBef>
+                  <a:buFont typeface="Arial" panose="020B0604020202020204" pitchFamily="34" charset="0"/>
+                  <a:buChar char="•"/>
+                  <a:defRPr sz="2400" kern="1200">
+                    <a:solidFill>
+                      <a:schemeClr val="tx1"/>
+                    </a:solidFill>
+                    <a:latin typeface="+mn-lt"/>
+                    <a:ea typeface="+mn-ea"/>
+                    <a:cs typeface="+mn-cs"/>
+                  </a:defRPr>
+                </a:lvl2pPr>
+                <a:lvl3pPr marL="1143000" indent="-228600" algn="l" defTabSz="914400" rtl="0" eaLnBrk="1" latinLnBrk="0" hangingPunct="1">
+                  <a:lnSpc>
+                    <a:spcPct val="90000"/>
+                  </a:lnSpc>
+                  <a:spcBef>
+                    <a:spcPts val="500"/>
+                  </a:spcBef>
+                  <a:buFont typeface="Arial" panose="020B0604020202020204" pitchFamily="34" charset="0"/>
+                  <a:buChar char="•"/>
+                  <a:defRPr sz="2000" kern="1200">
+                    <a:solidFill>
+                      <a:schemeClr val="tx1"/>
+                    </a:solidFill>
+                    <a:latin typeface="+mn-lt"/>
+                    <a:ea typeface="+mn-ea"/>
+                    <a:cs typeface="+mn-cs"/>
+                  </a:defRPr>
+                </a:lvl3pPr>
+                <a:lvl4pPr marL="1600200" indent="-228600" algn="l" defTabSz="914400" rtl="0" eaLnBrk="1" latinLnBrk="0" hangingPunct="1">
+                  <a:lnSpc>
+                    <a:spcPct val="90000"/>
+                  </a:lnSpc>
+                  <a:spcBef>
+                    <a:spcPts val="500"/>
+                  </a:spcBef>
+                  <a:buFont typeface="Arial" panose="020B0604020202020204" pitchFamily="34" charset="0"/>
+                  <a:buChar char="•"/>
+                  <a:defRPr sz="1800" kern="1200">
+                    <a:solidFill>
+                      <a:schemeClr val="tx1"/>
+                    </a:solidFill>
+                    <a:latin typeface="+mn-lt"/>
+                    <a:ea typeface="+mn-ea"/>
+                    <a:cs typeface="+mn-cs"/>
+                  </a:defRPr>
+                </a:lvl4pPr>
+                <a:lvl5pPr marL="2057400" indent="-228600" algn="l" defTabSz="914400" rtl="0" eaLnBrk="1" latinLnBrk="0" hangingPunct="1">
+                  <a:lnSpc>
+                    <a:spcPct val="90000"/>
+                  </a:lnSpc>
+                  <a:spcBef>
+                    <a:spcPts val="500"/>
+                  </a:spcBef>
+                  <a:buFont typeface="Arial" panose="020B0604020202020204" pitchFamily="34" charset="0"/>
+                  <a:buChar char="•"/>
+                  <a:defRPr sz="1800" kern="1200">
+                    <a:solidFill>
+                      <a:schemeClr val="tx1"/>
+                    </a:solidFill>
+                    <a:latin typeface="+mn-lt"/>
+                    <a:ea typeface="+mn-ea"/>
+                    <a:cs typeface="+mn-cs"/>
+                  </a:defRPr>
+                </a:lvl5pPr>
+                <a:lvl6pPr marL="2514600" indent="-228600" algn="l" defTabSz="914400" rtl="0" eaLnBrk="1" latinLnBrk="0" hangingPunct="1">
+                  <a:lnSpc>
+                    <a:spcPct val="90000"/>
+                  </a:lnSpc>
+                  <a:spcBef>
+                    <a:spcPts val="500"/>
+                  </a:spcBef>
+                  <a:buFont typeface="Arial" panose="020B0604020202020204" pitchFamily="34" charset="0"/>
+                  <a:buChar char="•"/>
+                  <a:defRPr sz="1800" kern="1200">
+                    <a:solidFill>
+                      <a:schemeClr val="tx1"/>
+                    </a:solidFill>
+                    <a:latin typeface="+mn-lt"/>
+                    <a:ea typeface="+mn-ea"/>
+                    <a:cs typeface="+mn-cs"/>
+                  </a:defRPr>
+                </a:lvl6pPr>
+                <a:lvl7pPr marL="2971800" indent="-228600" algn="l" defTabSz="914400" rtl="0" eaLnBrk="1" latinLnBrk="0" hangingPunct="1">
+                  <a:lnSpc>
+                    <a:spcPct val="90000"/>
+                  </a:lnSpc>
+                  <a:spcBef>
+                    <a:spcPts val="500"/>
+                  </a:spcBef>
+                  <a:buFont typeface="Arial" panose="020B0604020202020204" pitchFamily="34" charset="0"/>
+                  <a:buChar char="•"/>
+                  <a:defRPr sz="1800" kern="1200">
+                    <a:solidFill>
+                      <a:schemeClr val="tx1"/>
+                    </a:solidFill>
+                    <a:latin typeface="+mn-lt"/>
+                    <a:ea typeface="+mn-ea"/>
+                    <a:cs typeface="+mn-cs"/>
+                  </a:defRPr>
+                </a:lvl7pPr>
+                <a:lvl8pPr marL="3429000" indent="-228600" algn="l" defTabSz="914400" rtl="0" eaLnBrk="1" latinLnBrk="0" hangingPunct="1">
+                  <a:lnSpc>
+                    <a:spcPct val="90000"/>
+                  </a:lnSpc>
+                  <a:spcBef>
+                    <a:spcPts val="500"/>
+                  </a:spcBef>
+                  <a:buFont typeface="Arial" panose="020B0604020202020204" pitchFamily="34" charset="0"/>
+                  <a:buChar char="•"/>
+                  <a:defRPr sz="1800" kern="1200">
+                    <a:solidFill>
+                      <a:schemeClr val="tx1"/>
+                    </a:solidFill>
+                    <a:latin typeface="+mn-lt"/>
+                    <a:ea typeface="+mn-ea"/>
+                    <a:cs typeface="+mn-cs"/>
+                  </a:defRPr>
+                </a:lvl8pPr>
+                <a:lvl9pPr marL="3886200" indent="-228600" algn="l" defTabSz="914400" rtl="0" eaLnBrk="1" latinLnBrk="0" hangingPunct="1">
+                  <a:lnSpc>
+                    <a:spcPct val="90000"/>
+                  </a:lnSpc>
+                  <a:spcBef>
+                    <a:spcPts val="500"/>
+                  </a:spcBef>
+                  <a:buFont typeface="Arial" panose="020B0604020202020204" pitchFamily="34" charset="0"/>
+                  <a:buChar char="•"/>
+                  <a:defRPr sz="1800" kern="1200">
+                    <a:solidFill>
+                      <a:schemeClr val="tx1"/>
+                    </a:solidFill>
+                    <a:latin typeface="+mn-lt"/>
+                    <a:ea typeface="+mn-ea"/>
+                    <a:cs typeface="+mn-cs"/>
+                  </a:defRPr>
+                </a:lvl9pPr>
+              </a:lstStyle>
+              <a:p>
+                <a:pPr marL="0" indent="0">
+                  <a:buFont typeface="Arial" panose="020B0604020202020204" pitchFamily="34" charset="0"/>
+                  <a:buNone/>
+                </a:pPr>
+                <a:r>
+                  <a:rPr lang="en-US" altLang="zh-TW" sz="2600" dirty="0"/>
+                  <a:t>For N planets,</a:t>
+                </a:r>
+              </a:p>
+              <a:p>
+                <a:pPr marL="0" indent="0">
+                  <a:buFont typeface="Arial" panose="020B0604020202020204" pitchFamily="34" charset="0"/>
+                  <a:buNone/>
+                </a:pPr>
+                <a:r>
+                  <a:rPr lang="en-US" altLang="zh-TW" sz="2600" dirty="0"/>
+                  <a:t>There are </a:t>
+                </a:r>
+                <a14:m>
+                  <m:oMath xmlns:m="http://schemas.openxmlformats.org/officeDocument/2006/math">
+                    <m:sSubSup>
+                      <m:sSubSupPr>
+                        <m:ctrlPr>
+                          <a:rPr lang="en-US" altLang="zh-TW" sz="2600" i="1" smtClean="0">
+                            <a:latin typeface="Cambria Math" panose="02040503050406030204" pitchFamily="18" charset="0"/>
+                          </a:rPr>
+                        </m:ctrlPr>
+                      </m:sSubSupPr>
+                      <m:e>
+                        <m:r>
+                          <a:rPr lang="en-US" altLang="zh-TW" sz="2600" b="0" i="1" smtClean="0">
+                            <a:latin typeface="Cambria Math" panose="02040503050406030204" pitchFamily="18" charset="0"/>
+                          </a:rPr>
+                          <m:t>𝐶</m:t>
+                        </m:r>
+                      </m:e>
+                      <m:sub>
+                        <m:r>
+                          <a:rPr lang="en-US" altLang="zh-TW" sz="2600" b="0" i="1" smtClean="0">
+                            <a:latin typeface="Cambria Math" panose="02040503050406030204" pitchFamily="18" charset="0"/>
+                          </a:rPr>
+                          <m:t>2</m:t>
+                        </m:r>
+                      </m:sub>
+                      <m:sup>
+                        <m:r>
+                          <a:rPr lang="en-US" altLang="zh-TW" sz="2600" b="0" i="1" smtClean="0">
+                            <a:latin typeface="Cambria Math" panose="02040503050406030204" pitchFamily="18" charset="0"/>
+                          </a:rPr>
+                          <m:t>𝑁</m:t>
+                        </m:r>
+                      </m:sup>
+                    </m:sSubSup>
+                    <m:r>
+                      <a:rPr lang="en-US" altLang="zh-TW" sz="2600" b="0" i="1" smtClean="0">
+                        <a:latin typeface="Cambria Math" panose="02040503050406030204" pitchFamily="18" charset="0"/>
+                      </a:rPr>
+                      <m:t>=</m:t>
+                    </m:r>
+                    <m:f>
+                      <m:fPr>
+                        <m:ctrlPr>
+                          <a:rPr lang="en-US" altLang="zh-TW" sz="2600" b="0" i="1" smtClean="0">
+                            <a:latin typeface="Cambria Math" panose="02040503050406030204" pitchFamily="18" charset="0"/>
+                          </a:rPr>
+                        </m:ctrlPr>
+                      </m:fPr>
+                      <m:num>
+                        <m:r>
+                          <a:rPr lang="en-US" altLang="zh-TW" sz="2600" b="0" i="1" smtClean="0">
+                            <a:latin typeface="Cambria Math" panose="02040503050406030204" pitchFamily="18" charset="0"/>
+                          </a:rPr>
+                          <m:t>𝑁</m:t>
+                        </m:r>
+                        <m:d>
+                          <m:dPr>
+                            <m:ctrlPr>
+                              <a:rPr lang="en-US" altLang="zh-TW" sz="2600" b="0" i="1" smtClean="0">
+                                <a:latin typeface="Cambria Math" panose="02040503050406030204" pitchFamily="18" charset="0"/>
+                              </a:rPr>
+                            </m:ctrlPr>
+                          </m:dPr>
+                          <m:e>
+                            <m:r>
+                              <a:rPr lang="en-US" altLang="zh-TW" sz="2600" b="0" i="1" smtClean="0">
+                                <a:latin typeface="Cambria Math" panose="02040503050406030204" pitchFamily="18" charset="0"/>
+                              </a:rPr>
+                              <m:t>𝑁</m:t>
+                            </m:r>
+                            <m:r>
+                              <a:rPr lang="en-US" altLang="zh-TW" sz="2600" b="0" i="1" smtClean="0">
+                                <a:latin typeface="Cambria Math" panose="02040503050406030204" pitchFamily="18" charset="0"/>
+                              </a:rPr>
+                              <m:t>−1</m:t>
+                            </m:r>
+                          </m:e>
+                        </m:d>
+                      </m:num>
+                      <m:den>
+                        <m:r>
+                          <a:rPr lang="en-US" altLang="zh-TW" sz="2600" b="0" i="1" smtClean="0">
+                            <a:latin typeface="Cambria Math" panose="02040503050406030204" pitchFamily="18" charset="0"/>
+                          </a:rPr>
+                          <m:t>2</m:t>
+                        </m:r>
+                      </m:den>
+                    </m:f>
+                  </m:oMath>
+                </a14:m>
+                <a:r>
+                  <a:rPr lang="en-US" altLang="zh-TW" sz="2600" dirty="0"/>
+                  <a:t>  force pairs. </a:t>
+                </a:r>
+              </a:p>
+            </p:txBody>
+          </p:sp>
+        </mc:Choice>
+        <mc:Fallback xmlns="">
+          <p:sp>
+            <p:nvSpPr>
+              <p:cNvPr id="112" name="內容版面配置區 2">
+                <a:extLst>
+                  <a:ext uri="{FF2B5EF4-FFF2-40B4-BE49-F238E27FC236}">
+                    <a16:creationId xmlns:a16="http://schemas.microsoft.com/office/drawing/2014/main" id="{D73B85FC-7E2F-4B02-A8B1-5B44366FAAD4}"/>
+                  </a:ext>
+                </a:extLst>
+              </p:cNvPr>
+              <p:cNvSpPr txBox="1">
+                <a:spLocks noRot="1" noChangeAspect="1" noMove="1" noResize="1" noEditPoints="1" noAdjustHandles="1" noChangeArrowheads="1" noChangeShapeType="1" noTextEdit="1"/>
+              </p:cNvSpPr>
+              <p:nvPr/>
+            </p:nvSpPr>
+            <p:spPr>
+              <a:xfrm>
+                <a:off x="3709736" y="2708092"/>
+                <a:ext cx="5434264" cy="825662"/>
+              </a:xfrm>
+              <a:prstGeom prst="rect">
+                <a:avLst/>
+              </a:prstGeom>
+              <a:blipFill>
+                <a:blip r:embed="rId2"/>
+                <a:stretch>
+                  <a:fillRect l="-2020" t="-11029" b="-44853"/>
+                </a:stretch>
+              </a:blipFill>
+            </p:spPr>
+            <p:txBody>
+              <a:bodyPr/>
+              <a:lstStyle/>
+              <a:p>
+                <a:r>
+                  <a:rPr lang="zh-TW" altLang="en-US">
+                    <a:noFill/>
+                  </a:rPr>
+                  <a:t> </a:t>
+                </a:r>
+              </a:p>
+            </p:txBody>
+          </p:sp>
+        </mc:Fallback>
+      </mc:AlternateContent>
+      <mc:AlternateContent xmlns:mc="http://schemas.openxmlformats.org/markup-compatibility/2006" xmlns:a14="http://schemas.microsoft.com/office/drawing/2010/main">
+        <mc:Choice Requires="a14">
+          <p:sp>
+            <p:nvSpPr>
+              <p:cNvPr id="125" name="內容版面配置區 2">
+                <a:extLst>
+                  <a:ext uri="{FF2B5EF4-FFF2-40B4-BE49-F238E27FC236}">
+                    <a16:creationId xmlns:a16="http://schemas.microsoft.com/office/drawing/2014/main" id="{29776F24-9A1B-40EC-9E9A-D67FEB6192B9}"/>
+                  </a:ext>
+                </a:extLst>
+              </p:cNvPr>
+              <p:cNvSpPr txBox="1">
+                <a:spLocks/>
+              </p:cNvSpPr>
+              <p:nvPr/>
+            </p:nvSpPr>
+            <p:spPr>
+              <a:xfrm>
+                <a:off x="4223005" y="4302209"/>
+                <a:ext cx="2203863" cy="825662"/>
+              </a:xfrm>
+              <a:prstGeom prst="rect">
+                <a:avLst/>
+              </a:prstGeom>
+              <a:ln w="19050">
+                <a:solidFill>
+                  <a:schemeClr val="tx1"/>
+                </a:solidFill>
+                <a:prstDash val="dashDot"/>
+              </a:ln>
+            </p:spPr>
+            <p:txBody>
+              <a:bodyPr vert="horz" lIns="91440" tIns="45720" rIns="91440" bIns="45720" rtlCol="0">
+                <a:noAutofit/>
+              </a:bodyPr>
+              <a:lstStyle>
+                <a:lvl1pPr marL="228600" indent="-228600" algn="l" defTabSz="914400" rtl="0" eaLnBrk="1" latinLnBrk="0" hangingPunct="1">
+                  <a:lnSpc>
+                    <a:spcPct val="90000"/>
+                  </a:lnSpc>
+                  <a:spcBef>
+                    <a:spcPts val="1000"/>
+                  </a:spcBef>
+                  <a:buFont typeface="Arial" panose="020B0604020202020204" pitchFamily="34" charset="0"/>
+                  <a:buChar char="•"/>
+                  <a:defRPr sz="2800" kern="1200">
+                    <a:solidFill>
+                      <a:schemeClr val="tx1"/>
+                    </a:solidFill>
+                    <a:latin typeface="+mn-lt"/>
+                    <a:ea typeface="+mn-ea"/>
+                    <a:cs typeface="+mn-cs"/>
+                  </a:defRPr>
+                </a:lvl1pPr>
+                <a:lvl2pPr marL="685800" indent="-228600" algn="l" defTabSz="914400" rtl="0" eaLnBrk="1" latinLnBrk="0" hangingPunct="1">
+                  <a:lnSpc>
+                    <a:spcPct val="90000"/>
+                  </a:lnSpc>
+                  <a:spcBef>
+                    <a:spcPts val="500"/>
+                  </a:spcBef>
+                  <a:buFont typeface="Arial" panose="020B0604020202020204" pitchFamily="34" charset="0"/>
+                  <a:buChar char="•"/>
+                  <a:defRPr sz="2400" kern="1200">
+                    <a:solidFill>
+                      <a:schemeClr val="tx1"/>
+                    </a:solidFill>
+                    <a:latin typeface="+mn-lt"/>
+                    <a:ea typeface="+mn-ea"/>
+                    <a:cs typeface="+mn-cs"/>
+                  </a:defRPr>
+                </a:lvl2pPr>
+                <a:lvl3pPr marL="1143000" indent="-228600" algn="l" defTabSz="914400" rtl="0" eaLnBrk="1" latinLnBrk="0" hangingPunct="1">
+                  <a:lnSpc>
+                    <a:spcPct val="90000"/>
+                  </a:lnSpc>
+                  <a:spcBef>
+                    <a:spcPts val="500"/>
+                  </a:spcBef>
+                  <a:buFont typeface="Arial" panose="020B0604020202020204" pitchFamily="34" charset="0"/>
+                  <a:buChar char="•"/>
+                  <a:defRPr sz="2000" kern="1200">
+                    <a:solidFill>
+                      <a:schemeClr val="tx1"/>
+                    </a:solidFill>
+                    <a:latin typeface="+mn-lt"/>
+                    <a:ea typeface="+mn-ea"/>
+                    <a:cs typeface="+mn-cs"/>
+                  </a:defRPr>
+                </a:lvl3pPr>
+                <a:lvl4pPr marL="1600200" indent="-228600" algn="l" defTabSz="914400" rtl="0" eaLnBrk="1" latinLnBrk="0" hangingPunct="1">
+                  <a:lnSpc>
+                    <a:spcPct val="90000"/>
+                  </a:lnSpc>
+                  <a:spcBef>
+                    <a:spcPts val="500"/>
+                  </a:spcBef>
+                  <a:buFont typeface="Arial" panose="020B0604020202020204" pitchFamily="34" charset="0"/>
+                  <a:buChar char="•"/>
+                  <a:defRPr sz="1800" kern="1200">
+                    <a:solidFill>
+                      <a:schemeClr val="tx1"/>
+                    </a:solidFill>
+                    <a:latin typeface="+mn-lt"/>
+                    <a:ea typeface="+mn-ea"/>
+                    <a:cs typeface="+mn-cs"/>
+                  </a:defRPr>
+                </a:lvl4pPr>
+                <a:lvl5pPr marL="2057400" indent="-228600" algn="l" defTabSz="914400" rtl="0" eaLnBrk="1" latinLnBrk="0" hangingPunct="1">
+                  <a:lnSpc>
+                    <a:spcPct val="90000"/>
+                  </a:lnSpc>
+                  <a:spcBef>
+                    <a:spcPts val="500"/>
+                  </a:spcBef>
+                  <a:buFont typeface="Arial" panose="020B0604020202020204" pitchFamily="34" charset="0"/>
+                  <a:buChar char="•"/>
+                  <a:defRPr sz="1800" kern="1200">
+                    <a:solidFill>
+                      <a:schemeClr val="tx1"/>
+                    </a:solidFill>
+                    <a:latin typeface="+mn-lt"/>
+                    <a:ea typeface="+mn-ea"/>
+                    <a:cs typeface="+mn-cs"/>
+                  </a:defRPr>
+                </a:lvl5pPr>
+                <a:lvl6pPr marL="2514600" indent="-228600" algn="l" defTabSz="914400" rtl="0" eaLnBrk="1" latinLnBrk="0" hangingPunct="1">
+                  <a:lnSpc>
+                    <a:spcPct val="90000"/>
+                  </a:lnSpc>
+                  <a:spcBef>
+                    <a:spcPts val="500"/>
+                  </a:spcBef>
+                  <a:buFont typeface="Arial" panose="020B0604020202020204" pitchFamily="34" charset="0"/>
+                  <a:buChar char="•"/>
+                  <a:defRPr sz="1800" kern="1200">
+                    <a:solidFill>
+                      <a:schemeClr val="tx1"/>
+                    </a:solidFill>
+                    <a:latin typeface="+mn-lt"/>
+                    <a:ea typeface="+mn-ea"/>
+                    <a:cs typeface="+mn-cs"/>
+                  </a:defRPr>
+                </a:lvl6pPr>
+                <a:lvl7pPr marL="2971800" indent="-228600" algn="l" defTabSz="914400" rtl="0" eaLnBrk="1" latinLnBrk="0" hangingPunct="1">
+                  <a:lnSpc>
+                    <a:spcPct val="90000"/>
+                  </a:lnSpc>
+                  <a:spcBef>
+                    <a:spcPts val="500"/>
+                  </a:spcBef>
+                  <a:buFont typeface="Arial" panose="020B0604020202020204" pitchFamily="34" charset="0"/>
+                  <a:buChar char="•"/>
+                  <a:defRPr sz="1800" kern="1200">
+                    <a:solidFill>
+                      <a:schemeClr val="tx1"/>
+                    </a:solidFill>
+                    <a:latin typeface="+mn-lt"/>
+                    <a:ea typeface="+mn-ea"/>
+                    <a:cs typeface="+mn-cs"/>
+                  </a:defRPr>
+                </a:lvl7pPr>
+                <a:lvl8pPr marL="3429000" indent="-228600" algn="l" defTabSz="914400" rtl="0" eaLnBrk="1" latinLnBrk="0" hangingPunct="1">
+                  <a:lnSpc>
+                    <a:spcPct val="90000"/>
+                  </a:lnSpc>
+                  <a:spcBef>
+                    <a:spcPts val="500"/>
+                  </a:spcBef>
+                  <a:buFont typeface="Arial" panose="020B0604020202020204" pitchFamily="34" charset="0"/>
+                  <a:buChar char="•"/>
+                  <a:defRPr sz="1800" kern="1200">
+                    <a:solidFill>
+                      <a:schemeClr val="tx1"/>
+                    </a:solidFill>
+                    <a:latin typeface="+mn-lt"/>
+                    <a:ea typeface="+mn-ea"/>
+                    <a:cs typeface="+mn-cs"/>
+                  </a:defRPr>
+                </a:lvl8pPr>
+                <a:lvl9pPr marL="3886200" indent="-228600" algn="l" defTabSz="914400" rtl="0" eaLnBrk="1" latinLnBrk="0" hangingPunct="1">
+                  <a:lnSpc>
+                    <a:spcPct val="90000"/>
+                  </a:lnSpc>
+                  <a:spcBef>
+                    <a:spcPts val="500"/>
+                  </a:spcBef>
+                  <a:buFont typeface="Arial" panose="020B0604020202020204" pitchFamily="34" charset="0"/>
+                  <a:buChar char="•"/>
+                  <a:defRPr sz="1800" kern="1200">
+                    <a:solidFill>
+                      <a:schemeClr val="tx1"/>
+                    </a:solidFill>
+                    <a:latin typeface="+mn-lt"/>
+                    <a:ea typeface="+mn-ea"/>
+                    <a:cs typeface="+mn-cs"/>
+                  </a:defRPr>
+                </a:lvl9pPr>
+              </a:lstStyle>
+              <a:p>
+                <a:pPr marL="0" indent="0">
+                  <a:buNone/>
+                </a:pPr>
+                <a14:m>
+                  <m:oMathPara xmlns:m="http://schemas.openxmlformats.org/officeDocument/2006/math">
+                    <m:oMathParaPr>
+                      <m:jc m:val="centerGroup"/>
+                    </m:oMathParaPr>
+                    <m:oMath xmlns:m="http://schemas.openxmlformats.org/officeDocument/2006/math">
+                      <m:r>
+                        <a:rPr lang="en-US" altLang="zh-TW" sz="2600" b="0" i="1" smtClean="0">
+                          <a:latin typeface="Cambria Math" panose="02040503050406030204" pitchFamily="18" charset="0"/>
+                        </a:rPr>
+                        <m:t>𝐹</m:t>
+                      </m:r>
+                      <m:r>
+                        <a:rPr lang="en-US" altLang="zh-TW" sz="2600" b="0" i="1" smtClean="0">
+                          <a:latin typeface="Cambria Math" panose="02040503050406030204" pitchFamily="18" charset="0"/>
+                        </a:rPr>
+                        <m:t>=</m:t>
+                      </m:r>
+                      <m:f>
+                        <m:fPr>
+                          <m:ctrlPr>
+                            <a:rPr lang="en-US" altLang="zh-TW" sz="2600" b="0" i="1" smtClean="0">
+                              <a:latin typeface="Cambria Math" panose="02040503050406030204" pitchFamily="18" charset="0"/>
+                            </a:rPr>
+                          </m:ctrlPr>
+                        </m:fPr>
+                        <m:num>
+                          <m:r>
+                            <a:rPr lang="en-US" altLang="zh-TW" sz="2600" b="0" i="1" smtClean="0">
+                              <a:latin typeface="Cambria Math" panose="02040503050406030204" pitchFamily="18" charset="0"/>
+                            </a:rPr>
+                            <m:t>𝐺𝑀𝑚</m:t>
+                          </m:r>
+                        </m:num>
+                        <m:den>
+                          <m:sSup>
+                            <m:sSupPr>
+                              <m:ctrlPr>
+                                <a:rPr lang="en-US" altLang="zh-TW" sz="2600" i="1">
+                                  <a:latin typeface="Cambria Math" panose="02040503050406030204" pitchFamily="18" charset="0"/>
+                                </a:rPr>
+                              </m:ctrlPr>
+                            </m:sSupPr>
+                            <m:e>
+                              <m:r>
+                                <a:rPr lang="en-US" altLang="zh-TW" sz="2600" b="0" i="1" smtClean="0">
+                                  <a:latin typeface="Cambria Math" panose="02040503050406030204" pitchFamily="18" charset="0"/>
+                                </a:rPr>
+                                <m:t>𝑟</m:t>
+                              </m:r>
+                            </m:e>
+                            <m:sup>
+                              <m:r>
+                                <a:rPr lang="en-US" altLang="zh-TW" sz="2600" b="0" i="1" smtClean="0">
+                                  <a:latin typeface="Cambria Math" panose="02040503050406030204" pitchFamily="18" charset="0"/>
+                                </a:rPr>
+                                <m:t>2</m:t>
+                              </m:r>
+                            </m:sup>
+                          </m:sSup>
+                        </m:den>
+                      </m:f>
+                    </m:oMath>
+                  </m:oMathPara>
+                </a14:m>
+                <a:endParaRPr lang="zh-TW" altLang="en-US" sz="2600" dirty="0"/>
+              </a:p>
+            </p:txBody>
+          </p:sp>
+        </mc:Choice>
+        <mc:Fallback xmlns="">
+          <p:sp>
+            <p:nvSpPr>
+              <p:cNvPr id="125" name="內容版面配置區 2">
+                <a:extLst>
+                  <a:ext uri="{FF2B5EF4-FFF2-40B4-BE49-F238E27FC236}">
+                    <a16:creationId xmlns:a16="http://schemas.microsoft.com/office/drawing/2014/main" id="{29776F24-9A1B-40EC-9E9A-D67FEB6192B9}"/>
+                  </a:ext>
+                </a:extLst>
+              </p:cNvPr>
+              <p:cNvSpPr txBox="1">
+                <a:spLocks noRot="1" noChangeAspect="1" noMove="1" noResize="1" noEditPoints="1" noAdjustHandles="1" noChangeArrowheads="1" noChangeShapeType="1" noTextEdit="1"/>
+              </p:cNvSpPr>
+              <p:nvPr/>
+            </p:nvSpPr>
+            <p:spPr>
+              <a:xfrm>
+                <a:off x="4223005" y="4302209"/>
+                <a:ext cx="2203863" cy="825662"/>
+              </a:xfrm>
+              <a:prstGeom prst="rect">
+                <a:avLst/>
+              </a:prstGeom>
+              <a:blipFill>
+                <a:blip r:embed="rId3"/>
+                <a:stretch>
+                  <a:fillRect/>
+                </a:stretch>
+              </a:blipFill>
+              <a:ln w="19050">
+                <a:solidFill>
+                  <a:schemeClr val="tx1"/>
+                </a:solidFill>
+                <a:prstDash val="dashDot"/>
+              </a:ln>
+            </p:spPr>
+            <p:txBody>
+              <a:bodyPr/>
+              <a:lstStyle/>
+              <a:p>
+                <a:r>
+                  <a:rPr lang="zh-TW" altLang="en-US">
+                    <a:noFill/>
+                  </a:rPr>
+                  <a:t> </a:t>
+                </a:r>
+              </a:p>
+            </p:txBody>
+          </p:sp>
+        </mc:Fallback>
+      </mc:AlternateContent>
+      <p:sp>
+        <p:nvSpPr>
+          <p:cNvPr id="126" name="內容版面配置區 2">
+            <a:extLst>
+              <a:ext uri="{FF2B5EF4-FFF2-40B4-BE49-F238E27FC236}">
+                <a16:creationId xmlns:a16="http://schemas.microsoft.com/office/drawing/2014/main" id="{180CBC79-0A65-4B44-9B93-B966A2EDA656}"/>
+              </a:ext>
+            </a:extLst>
+          </p:cNvPr>
+          <p:cNvSpPr txBox="1">
+            <a:spLocks/>
+          </p:cNvSpPr>
+          <p:nvPr/>
+        </p:nvSpPr>
+        <p:spPr>
+          <a:xfrm>
+            <a:off x="205386" y="5591342"/>
+            <a:ext cx="9091014" cy="825662"/>
+          </a:xfrm>
+          <a:prstGeom prst="rect">
+            <a:avLst/>
+          </a:prstGeom>
+        </p:spPr>
+        <p:txBody>
+          <a:bodyPr vert="horz" lIns="91440" tIns="45720" rIns="91440" bIns="45720" rtlCol="0">
+            <a:noAutofit/>
+          </a:bodyPr>
+          <a:lstStyle>
+            <a:lvl1pPr marL="228600" indent="-228600" algn="l" defTabSz="914400" rtl="0" eaLnBrk="1" latinLnBrk="0" hangingPunct="1">
+              <a:lnSpc>
+                <a:spcPct val="90000"/>
+              </a:lnSpc>
+              <a:spcBef>
+                <a:spcPts val="1000"/>
+              </a:spcBef>
+              <a:buFont typeface="Arial" panose="020B0604020202020204" pitchFamily="34" charset="0"/>
+              <a:buChar char="•"/>
+              <a:defRPr sz="2800" kern="1200">
+                <a:solidFill>
+                  <a:schemeClr val="tx1"/>
+                </a:solidFill>
+                <a:latin typeface="+mn-lt"/>
+                <a:ea typeface="+mn-ea"/>
+                <a:cs typeface="+mn-cs"/>
+              </a:defRPr>
+            </a:lvl1pPr>
+            <a:lvl2pPr marL="685800" indent="-228600" algn="l" defTabSz="914400" rtl="0" eaLnBrk="1" latinLnBrk="0" hangingPunct="1">
+              <a:lnSpc>
+                <a:spcPct val="90000"/>
+              </a:lnSpc>
+              <a:spcBef>
+                <a:spcPts val="500"/>
+              </a:spcBef>
+              <a:buFont typeface="Arial" panose="020B0604020202020204" pitchFamily="34" charset="0"/>
+              <a:buChar char="•"/>
+              <a:defRPr sz="2400" kern="1200">
+                <a:solidFill>
+                  <a:schemeClr val="tx1"/>
+                </a:solidFill>
+                <a:latin typeface="+mn-lt"/>
+                <a:ea typeface="+mn-ea"/>
+                <a:cs typeface="+mn-cs"/>
+              </a:defRPr>
+            </a:lvl2pPr>
+            <a:lvl3pPr marL="1143000" indent="-228600" algn="l" defTabSz="914400" rtl="0" eaLnBrk="1" latinLnBrk="0" hangingPunct="1">
+              <a:lnSpc>
+                <a:spcPct val="90000"/>
+              </a:lnSpc>
+              <a:spcBef>
+                <a:spcPts val="500"/>
+              </a:spcBef>
+              <a:buFont typeface="Arial" panose="020B0604020202020204" pitchFamily="34" charset="0"/>
+              <a:buChar char="•"/>
+              <a:defRPr sz="2000" kern="1200">
+                <a:solidFill>
+                  <a:schemeClr val="tx1"/>
+                </a:solidFill>
+                <a:latin typeface="+mn-lt"/>
+                <a:ea typeface="+mn-ea"/>
+                <a:cs typeface="+mn-cs"/>
+              </a:defRPr>
+            </a:lvl3pPr>
+            <a:lvl4pPr marL="1600200" indent="-228600" algn="l" defTabSz="914400" rtl="0" eaLnBrk="1" latinLnBrk="0" hangingPunct="1">
+              <a:lnSpc>
+                <a:spcPct val="90000"/>
+              </a:lnSpc>
+              <a:spcBef>
+                <a:spcPts val="500"/>
+              </a:spcBef>
+              <a:buFont typeface="Arial" panose="020B0604020202020204" pitchFamily="34" charset="0"/>
+              <a:buChar char="•"/>
+              <a:defRPr sz="1800" kern="1200">
+                <a:solidFill>
+                  <a:schemeClr val="tx1"/>
+                </a:solidFill>
+                <a:latin typeface="+mn-lt"/>
+                <a:ea typeface="+mn-ea"/>
+                <a:cs typeface="+mn-cs"/>
+              </a:defRPr>
+            </a:lvl4pPr>
+            <a:lvl5pPr marL="2057400" indent="-228600" algn="l" defTabSz="914400" rtl="0" eaLnBrk="1" latinLnBrk="0" hangingPunct="1">
+              <a:lnSpc>
+                <a:spcPct val="90000"/>
+              </a:lnSpc>
+              <a:spcBef>
+                <a:spcPts val="500"/>
+              </a:spcBef>
+              <a:buFont typeface="Arial" panose="020B0604020202020204" pitchFamily="34" charset="0"/>
+              <a:buChar char="•"/>
+              <a:defRPr sz="1800" kern="1200">
+                <a:solidFill>
+                  <a:schemeClr val="tx1"/>
+                </a:solidFill>
+                <a:latin typeface="+mn-lt"/>
+                <a:ea typeface="+mn-ea"/>
+                <a:cs typeface="+mn-cs"/>
+              </a:defRPr>
+            </a:lvl5pPr>
+            <a:lvl6pPr marL="2514600" indent="-228600" algn="l" defTabSz="914400" rtl="0" eaLnBrk="1" latinLnBrk="0" hangingPunct="1">
+              <a:lnSpc>
+                <a:spcPct val="90000"/>
+              </a:lnSpc>
+              <a:spcBef>
+                <a:spcPts val="500"/>
+              </a:spcBef>
+              <a:buFont typeface="Arial" panose="020B0604020202020204" pitchFamily="34" charset="0"/>
+              <a:buChar char="•"/>
+              <a:defRPr sz="1800" kern="1200">
+                <a:solidFill>
+                  <a:schemeClr val="tx1"/>
+                </a:solidFill>
+                <a:latin typeface="+mn-lt"/>
+                <a:ea typeface="+mn-ea"/>
+                <a:cs typeface="+mn-cs"/>
+              </a:defRPr>
+            </a:lvl6pPr>
+            <a:lvl7pPr marL="2971800" indent="-228600" algn="l" defTabSz="914400" rtl="0" eaLnBrk="1" latinLnBrk="0" hangingPunct="1">
+              <a:lnSpc>
+                <a:spcPct val="90000"/>
+              </a:lnSpc>
+              <a:spcBef>
+                <a:spcPts val="500"/>
+              </a:spcBef>
+              <a:buFont typeface="Arial" panose="020B0604020202020204" pitchFamily="34" charset="0"/>
+              <a:buChar char="•"/>
+              <a:defRPr sz="1800" kern="1200">
+                <a:solidFill>
+                  <a:schemeClr val="tx1"/>
+                </a:solidFill>
+                <a:latin typeface="+mn-lt"/>
+                <a:ea typeface="+mn-ea"/>
+                <a:cs typeface="+mn-cs"/>
+              </a:defRPr>
+            </a:lvl7pPr>
+            <a:lvl8pPr marL="3429000" indent="-228600" algn="l" defTabSz="914400" rtl="0" eaLnBrk="1" latinLnBrk="0" hangingPunct="1">
+              <a:lnSpc>
+                <a:spcPct val="90000"/>
+              </a:lnSpc>
+              <a:spcBef>
+                <a:spcPts val="500"/>
+              </a:spcBef>
+              <a:buFont typeface="Arial" panose="020B0604020202020204" pitchFamily="34" charset="0"/>
+              <a:buChar char="•"/>
+              <a:defRPr sz="1800" kern="1200">
+                <a:solidFill>
+                  <a:schemeClr val="tx1"/>
+                </a:solidFill>
+                <a:latin typeface="+mn-lt"/>
+                <a:ea typeface="+mn-ea"/>
+                <a:cs typeface="+mn-cs"/>
+              </a:defRPr>
+            </a:lvl8pPr>
+            <a:lvl9pPr marL="3886200" indent="-228600" algn="l" defTabSz="914400" rtl="0" eaLnBrk="1" latinLnBrk="0" hangingPunct="1">
+              <a:lnSpc>
+                <a:spcPct val="90000"/>
+              </a:lnSpc>
+              <a:spcBef>
+                <a:spcPts val="500"/>
+              </a:spcBef>
+              <a:buFont typeface="Arial" panose="020B0604020202020204" pitchFamily="34" charset="0"/>
+              <a:buChar char="•"/>
+              <a:defRPr sz="1800" kern="1200">
+                <a:solidFill>
+                  <a:schemeClr val="tx1"/>
+                </a:solidFill>
+                <a:latin typeface="+mn-lt"/>
+                <a:ea typeface="+mn-ea"/>
+                <a:cs typeface="+mn-cs"/>
+              </a:defRPr>
+            </a:lvl9pPr>
+          </a:lstStyle>
+          <a:p>
+            <a:pPr marL="0" indent="0">
+              <a:buFont typeface="Arial" panose="020B0604020202020204" pitchFamily="34" charset="0"/>
+              <a:buNone/>
+            </a:pPr>
+            <a:r>
+              <a:rPr lang="en-US" altLang="zh-TW" sz="2600" dirty="0"/>
+              <a:t>No matter the distance is, </a:t>
+            </a:r>
+          </a:p>
+          <a:p>
+            <a:pPr marL="0" indent="0">
+              <a:buFont typeface="Arial" panose="020B0604020202020204" pitchFamily="34" charset="0"/>
+              <a:buNone/>
+            </a:pPr>
+            <a:r>
+              <a:rPr lang="en-US" altLang="zh-TW" sz="2600" dirty="0"/>
+              <a:t>calculating force pairs will consume a lot of time when N is large. </a:t>
+            </a:r>
+          </a:p>
+        </p:txBody>
+      </p:sp>
+    </p:spTree>
+    <p:extLst>
+      <p:ext uri="{BB962C8B-B14F-4D97-AF65-F5344CB8AC3E}">
+        <p14:creationId xmlns:p14="http://schemas.microsoft.com/office/powerpoint/2010/main" val="746654055"/>
+      </p:ext>
+    </p:extLst>
+  </p:cSld>
+  <p:clrMapOvr>
+    <a:masterClrMapping/>
+  </p:clrMapOvr>
+  <p:timing>
+    <p:tnLst>
+      <p:par>
+        <p:cTn id="1" dur="indefinite" restart="never" nodeType="tmRoot">
+          <p:childTnLst>
+            <p:seq concurrent="1" nextAc="seek">
+              <p:cTn id="2" dur="indefinite" nodeType="mainSeq">
+                <p:childTnLst>
+                  <p:par>
+                    <p:cTn id="3" fill="hold">
+                      <p:stCondLst>
+                        <p:cond delay="indefinite"/>
+                        <p:cond evt="onBegin" delay="0">
+                          <p:tn val="2"/>
+                        </p:cond>
+                      </p:stCondLst>
+                      <p:childTnLst>
+                        <p:par>
+                          <p:cTn id="4" fill="hold">
+                            <p:stCondLst>
+                              <p:cond delay="0"/>
+                            </p:stCondLst>
+                            <p:childTnLst>
+                              <p:par>
+                                <p:cTn id="5" presetID="26" presetClass="emph" presetSubtype="0" fill="hold" nodeType="afterEffect">
+                                  <p:stCondLst>
+                                    <p:cond delay="0"/>
+                                  </p:stCondLst>
+                                  <p:childTnLst>
+                                    <p:animEffect transition="out" filter="fade">
+                                      <p:cBhvr>
+                                        <p:cTn id="6" dur="1000" tmFilter="0, 0; .2, .5; .8, .5; 1, 0"/>
+                                        <p:tgtEl>
+                                          <p:spTgt spid="16"/>
+                                        </p:tgtEl>
+                                      </p:cBhvr>
+                                    </p:animEffect>
+                                    <p:animScale>
+                                      <p:cBhvr>
+                                        <p:cTn id="7" dur="500" autoRev="1" fill="hold"/>
+                                        <p:tgtEl>
+                                          <p:spTgt spid="16"/>
+                                        </p:tgtEl>
+                                      </p:cBhvr>
+                                      <p:by x="105000" y="105000"/>
+                                    </p:animScale>
+                                  </p:childTnLst>
+                                </p:cTn>
+                              </p:par>
+                            </p:childTnLst>
+                          </p:cTn>
+                        </p:par>
+                        <p:par>
+                          <p:cTn id="8" fill="hold">
+                            <p:stCondLst>
+                              <p:cond delay="1000"/>
+                            </p:stCondLst>
+                            <p:childTnLst>
+                              <p:par>
+                                <p:cTn id="9" presetID="26" presetClass="emph" presetSubtype="0" fill="hold" nodeType="afterEffect">
+                                  <p:stCondLst>
+                                    <p:cond delay="0"/>
+                                  </p:stCondLst>
+                                  <p:childTnLst>
+                                    <p:animEffect transition="out" filter="fade">
+                                      <p:cBhvr>
+                                        <p:cTn id="10" dur="1000" tmFilter="0, 0; .2, .5; .8, .5; 1, 0"/>
+                                        <p:tgtEl>
+                                          <p:spTgt spid="18"/>
+                                        </p:tgtEl>
+                                      </p:cBhvr>
+                                    </p:animEffect>
+                                    <p:animScale>
+                                      <p:cBhvr>
+                                        <p:cTn id="11" dur="500" autoRev="1" fill="hold"/>
+                                        <p:tgtEl>
+                                          <p:spTgt spid="18"/>
+                                        </p:tgtEl>
+                                      </p:cBhvr>
+                                      <p:by x="105000" y="105000"/>
+                                    </p:animScale>
+                                  </p:childTnLst>
+                                </p:cTn>
+                              </p:par>
+                            </p:childTnLst>
+                          </p:cTn>
+                        </p:par>
+                        <p:par>
+                          <p:cTn id="12" fill="hold">
+                            <p:stCondLst>
+                              <p:cond delay="2000"/>
+                            </p:stCondLst>
+                            <p:childTnLst>
+                              <p:par>
+                                <p:cTn id="13" presetID="26" presetClass="emph" presetSubtype="0" fill="hold" nodeType="afterEffect">
+                                  <p:stCondLst>
+                                    <p:cond delay="0"/>
+                                  </p:stCondLst>
+                                  <p:childTnLst>
+                                    <p:animEffect transition="out" filter="fade">
+                                      <p:cBhvr>
+                                        <p:cTn id="14" dur="1000" tmFilter="0, 0; .2, .5; .8, .5; 1, 0"/>
+                                        <p:tgtEl>
+                                          <p:spTgt spid="22"/>
+                                        </p:tgtEl>
+                                      </p:cBhvr>
+                                    </p:animEffect>
+                                    <p:animScale>
+                                      <p:cBhvr>
+                                        <p:cTn id="15" dur="500" autoRev="1" fill="hold"/>
+                                        <p:tgtEl>
+                                          <p:spTgt spid="22"/>
+                                        </p:tgtEl>
+                                      </p:cBhvr>
+                                      <p:by x="105000" y="105000"/>
+                                    </p:animScale>
+                                  </p:childTnLst>
+                                </p:cTn>
+                              </p:par>
+                            </p:childTnLst>
+                          </p:cTn>
+                        </p:par>
+                        <p:par>
+                          <p:cTn id="16" fill="hold">
+                            <p:stCondLst>
+                              <p:cond delay="3000"/>
+                            </p:stCondLst>
+                            <p:childTnLst>
+                              <p:par>
+                                <p:cTn id="17" presetID="26" presetClass="emph" presetSubtype="0" fill="hold" nodeType="afterEffect">
+                                  <p:stCondLst>
+                                    <p:cond delay="0"/>
+                                  </p:stCondLst>
+                                  <p:childTnLst>
+                                    <p:animEffect transition="out" filter="fade">
+                                      <p:cBhvr>
+                                        <p:cTn id="18" dur="1000" tmFilter="0, 0; .2, .5; .8, .5; 1, 0"/>
+                                        <p:tgtEl>
+                                          <p:spTgt spid="14"/>
+                                        </p:tgtEl>
+                                      </p:cBhvr>
+                                    </p:animEffect>
+                                    <p:animScale>
+                                      <p:cBhvr>
+                                        <p:cTn id="19" dur="500" autoRev="1" fill="hold"/>
+                                        <p:tgtEl>
+                                          <p:spTgt spid="14"/>
+                                        </p:tgtEl>
+                                      </p:cBhvr>
+                                      <p:by x="105000" y="105000"/>
+                                    </p:animScale>
+                                  </p:childTnLst>
+                                </p:cTn>
+                              </p:par>
+                            </p:childTnLst>
+                          </p:cTn>
+                        </p:par>
+                      </p:childTnLst>
+                    </p:cTn>
+                  </p:par>
+                  <p:par>
+                    <p:cTn id="20" fill="hold">
+                      <p:stCondLst>
+                        <p:cond delay="indefinite"/>
+                      </p:stCondLst>
+                      <p:childTnLst>
+                        <p:par>
+                          <p:cTn id="21" fill="hold">
+                            <p:stCondLst>
+                              <p:cond delay="0"/>
+                            </p:stCondLst>
+                            <p:childTnLst>
+                              <p:par>
+                                <p:cTn id="22" presetID="26" presetClass="emph" presetSubtype="0" fill="hold" nodeType="clickEffect">
+                                  <p:stCondLst>
+                                    <p:cond delay="0"/>
+                                  </p:stCondLst>
+                                  <p:childTnLst>
+                                    <p:animEffect transition="out" filter="fade">
+                                      <p:cBhvr>
+                                        <p:cTn id="23" dur="1000" tmFilter="0, 0; .2, .5; .8, .5; 1, 0"/>
+                                        <p:tgtEl>
+                                          <p:spTgt spid="36"/>
+                                        </p:tgtEl>
+                                      </p:cBhvr>
+                                    </p:animEffect>
+                                    <p:animScale>
+                                      <p:cBhvr>
+                                        <p:cTn id="24" dur="500" autoRev="1" fill="hold"/>
+                                        <p:tgtEl>
+                                          <p:spTgt spid="36"/>
+                                        </p:tgtEl>
+                                      </p:cBhvr>
+                                      <p:by x="105000" y="105000"/>
+                                    </p:animScale>
+                                  </p:childTnLst>
+                                </p:cTn>
+                              </p:par>
+                              <p:par>
+                                <p:cTn id="25" presetID="26" presetClass="emph" presetSubtype="0" fill="hold" nodeType="withEffect">
+                                  <p:stCondLst>
+                                    <p:cond delay="500"/>
+                                  </p:stCondLst>
+                                  <p:childTnLst>
+                                    <p:animEffect transition="out" filter="fade">
+                                      <p:cBhvr>
+                                        <p:cTn id="26" dur="1000" tmFilter="0, 0; .2, .5; .8, .5; 1, 0"/>
+                                        <p:tgtEl>
+                                          <p:spTgt spid="41"/>
+                                        </p:tgtEl>
+                                      </p:cBhvr>
+                                    </p:animEffect>
+                                    <p:animScale>
+                                      <p:cBhvr>
+                                        <p:cTn id="27" dur="500" autoRev="1" fill="hold"/>
+                                        <p:tgtEl>
+                                          <p:spTgt spid="41"/>
+                                        </p:tgtEl>
+                                      </p:cBhvr>
+                                      <p:by x="105000" y="105000"/>
+                                    </p:animScale>
+                                  </p:childTnLst>
+                                </p:cTn>
+                              </p:par>
+                            </p:childTnLst>
+                          </p:cTn>
+                        </p:par>
+                        <p:par>
+                          <p:cTn id="28" fill="hold">
+                            <p:stCondLst>
+                              <p:cond delay="1500"/>
+                            </p:stCondLst>
+                            <p:childTnLst>
+                              <p:par>
+                                <p:cTn id="29" presetID="26" presetClass="emph" presetSubtype="0" fill="hold" nodeType="afterEffect">
+                                  <p:stCondLst>
+                                    <p:cond delay="0"/>
+                                  </p:stCondLst>
+                                  <p:childTnLst>
+                                    <p:animEffect transition="out" filter="fade">
+                                      <p:cBhvr>
+                                        <p:cTn id="30" dur="1000" tmFilter="0, 0; .2, .5; .8, .5; 1, 0"/>
+                                        <p:tgtEl>
+                                          <p:spTgt spid="44"/>
+                                        </p:tgtEl>
+                                      </p:cBhvr>
+                                    </p:animEffect>
+                                    <p:animScale>
+                                      <p:cBhvr>
+                                        <p:cTn id="31" dur="500" autoRev="1" fill="hold"/>
+                                        <p:tgtEl>
+                                          <p:spTgt spid="44"/>
+                                        </p:tgtEl>
+                                      </p:cBhvr>
+                                      <p:by x="105000" y="105000"/>
+                                    </p:animScale>
+                                  </p:childTnLst>
+                                </p:cTn>
+                              </p:par>
+                            </p:childTnLst>
+                          </p:cTn>
+                        </p:par>
+                      </p:childTnLst>
+                    </p:cTn>
+                  </p:par>
+                  <p:par>
+                    <p:cTn id="32" fill="hold">
+                      <p:stCondLst>
+                        <p:cond delay="indefinite"/>
+                      </p:stCondLst>
+                      <p:childTnLst>
+                        <p:par>
+                          <p:cTn id="33" fill="hold">
+                            <p:stCondLst>
+                              <p:cond delay="0"/>
+                            </p:stCondLst>
+                            <p:childTnLst>
+                              <p:par>
+                                <p:cTn id="34" presetID="26" presetClass="emph" presetSubtype="0" fill="hold" nodeType="clickEffect">
+                                  <p:stCondLst>
+                                    <p:cond delay="0"/>
+                                  </p:stCondLst>
+                                  <p:childTnLst>
+                                    <p:animEffect transition="out" filter="fade">
+                                      <p:cBhvr>
+                                        <p:cTn id="35" dur="1000" tmFilter="0, 0; .2, .5; .8, .5; 1, 0"/>
+                                        <p:tgtEl>
+                                          <p:spTgt spid="89"/>
+                                        </p:tgtEl>
+                                      </p:cBhvr>
+                                    </p:animEffect>
+                                    <p:animScale>
+                                      <p:cBhvr>
+                                        <p:cTn id="36" dur="500" autoRev="1" fill="hold"/>
+                                        <p:tgtEl>
+                                          <p:spTgt spid="89"/>
+                                        </p:tgtEl>
+                                      </p:cBhvr>
+                                      <p:by x="105000" y="105000"/>
+                                    </p:animScale>
+                                  </p:childTnLst>
+                                </p:cTn>
+                              </p:par>
+                            </p:childTnLst>
+                          </p:cTn>
+                        </p:par>
+                        <p:par>
+                          <p:cTn id="37" fill="hold">
+                            <p:stCondLst>
+                              <p:cond delay="1000"/>
+                            </p:stCondLst>
+                            <p:childTnLst>
+                              <p:par>
+                                <p:cTn id="38" presetID="26" presetClass="emph" presetSubtype="0" fill="hold" nodeType="afterEffect">
+                                  <p:stCondLst>
+                                    <p:cond delay="0"/>
+                                  </p:stCondLst>
+                                  <p:childTnLst>
+                                    <p:animEffect transition="out" filter="fade">
+                                      <p:cBhvr>
+                                        <p:cTn id="39" dur="1000" tmFilter="0, 0; .2, .5; .8, .5; 1, 0"/>
+                                        <p:tgtEl>
+                                          <p:spTgt spid="93"/>
+                                        </p:tgtEl>
+                                      </p:cBhvr>
+                                    </p:animEffect>
+                                    <p:animScale>
+                                      <p:cBhvr>
+                                        <p:cTn id="40" dur="500" autoRev="1" fill="hold"/>
+                                        <p:tgtEl>
+                                          <p:spTgt spid="93"/>
+                                        </p:tgtEl>
+                                      </p:cBhvr>
+                                      <p:by x="105000" y="105000"/>
+                                    </p:animScale>
+                                  </p:childTnLst>
+                                </p:cTn>
+                              </p:par>
+                            </p:childTnLst>
+                          </p:cTn>
+                        </p:par>
+                      </p:childTnLst>
+                    </p:cTn>
+                  </p:par>
+                  <p:par>
+                    <p:cTn id="41" fill="hold">
+                      <p:stCondLst>
+                        <p:cond delay="indefinite"/>
+                      </p:stCondLst>
+                      <p:childTnLst>
+                        <p:par>
+                          <p:cTn id="42" fill="hold">
+                            <p:stCondLst>
+                              <p:cond delay="0"/>
+                            </p:stCondLst>
+                            <p:childTnLst>
+                              <p:par>
+                                <p:cTn id="43" presetID="26" presetClass="emph" presetSubtype="0" fill="hold" nodeType="clickEffect">
+                                  <p:stCondLst>
+                                    <p:cond delay="0"/>
+                                  </p:stCondLst>
+                                  <p:childTnLst>
+                                    <p:animEffect transition="out" filter="fade">
+                                      <p:cBhvr>
+                                        <p:cTn id="44" dur="1000" tmFilter="0, 0; .2, .5; .8, .5; 1, 0"/>
+                                        <p:tgtEl>
+                                          <p:spTgt spid="103"/>
+                                        </p:tgtEl>
+                                      </p:cBhvr>
+                                    </p:animEffect>
+                                    <p:animScale>
+                                      <p:cBhvr>
+                                        <p:cTn id="45" dur="500" autoRev="1" fill="hold"/>
+                                        <p:tgtEl>
+                                          <p:spTgt spid="103"/>
+                                        </p:tgtEl>
+                                      </p:cBhvr>
+                                      <p:by x="105000" y="105000"/>
+                                    </p:animScale>
+                                  </p:childTnLst>
+                                </p:cTn>
+                              </p:par>
+                            </p:childTnLst>
+                          </p:cTn>
+                        </p:par>
+                      </p:childTnLst>
+                    </p:cTn>
+                  </p:par>
+                </p:childTnLst>
+              </p:cTn>
+              <p:prevCondLst>
+                <p:cond evt="onPrev" delay="0">
+                  <p:tgtEl>
+                    <p:sldTgt/>
+                  </p:tgtEl>
+                </p:cond>
+              </p:prevCondLst>
+              <p:nextCondLst>
+                <p:cond evt="onNext" delay="0">
+                  <p:tgtEl>
+                    <p:sldTgt/>
+                  </p:tgtEl>
+                </p:cond>
+              </p:nextCondLst>
+            </p:seq>
+          </p:childTnLst>
+        </p:cTn>
+      </p:par>
+    </p:tnLst>
+  </p:timing>
+</p:sld>
+</file>
+
+<file path=ppt/slides/slide20.xml><?xml version="1.0" encoding="utf-8"?>
 <p:sld xmlns:a="http://schemas.openxmlformats.org/drawingml/2006/main" xmlns:r="http://schemas.openxmlformats.org/officeDocument/2006/relationships" xmlns:p="http://schemas.openxmlformats.org/presentationml/2006/main" show="0">
   <p:cSld>
     <p:spTree>
@@ -7874,7 +10798,7 @@
           <a:p>
             <a:fld id="{2E159C05-F6BE-49BE-9845-E33F6769C88E}" type="slidenum">
               <a:rPr lang="zh-TW" altLang="en-US" smtClean="0"/>
-              <a:t>19</a:t>
+              <a:t>20</a:t>
             </a:fld>
             <a:endParaRPr lang="zh-TW" altLang="en-US"/>
           </a:p>
@@ -13237,2206 +16161,6 @@
 </p:sld>
 </file>
 
-<file path=ppt/slides/slide2.xml><?xml version="1.0" encoding="utf-8"?>
-<p:sld xmlns:a="http://schemas.openxmlformats.org/drawingml/2006/main" xmlns:r="http://schemas.openxmlformats.org/officeDocument/2006/relationships" xmlns:p="http://schemas.openxmlformats.org/presentationml/2006/main">
-  <p:cSld>
-    <p:spTree>
-      <p:nvGrpSpPr>
-        <p:cNvPr id="1" name=""/>
-        <p:cNvGrpSpPr/>
-        <p:nvPr/>
-      </p:nvGrpSpPr>
-      <p:grpSpPr>
-        <a:xfrm>
-          <a:off x="0" y="0"/>
-          <a:ext cx="0" cy="0"/>
-          <a:chOff x="0" y="0"/>
-          <a:chExt cx="0" cy="0"/>
-        </a:xfrm>
-      </p:grpSpPr>
-      <p:sp>
-        <p:nvSpPr>
-          <p:cNvPr id="2" name="標題 1">
-            <a:extLst>
-              <a:ext uri="{FF2B5EF4-FFF2-40B4-BE49-F238E27FC236}">
-                <a16:creationId xmlns:a16="http://schemas.microsoft.com/office/drawing/2014/main" id="{5B091271-51E3-4061-82D8-805C838A2062}"/>
-              </a:ext>
-            </a:extLst>
-          </p:cNvPr>
-          <p:cNvSpPr>
-            <a:spLocks noGrp="1"/>
-          </p:cNvSpPr>
-          <p:nvPr>
-            <p:ph type="title"/>
-          </p:nvPr>
-        </p:nvSpPr>
-        <p:spPr/>
-        <p:txBody>
-          <a:bodyPr/>
-          <a:lstStyle/>
-          <a:p>
-            <a:r>
-              <a:rPr lang="en-US" altLang="zh-TW" dirty="0"/>
-              <a:t>Introduction</a:t>
-            </a:r>
-            <a:endParaRPr lang="zh-TW" altLang="en-US" dirty="0"/>
-          </a:p>
-        </p:txBody>
-      </p:sp>
-      <p:sp>
-        <p:nvSpPr>
-          <p:cNvPr id="3" name="內容版面配置區 2">
-            <a:extLst>
-              <a:ext uri="{FF2B5EF4-FFF2-40B4-BE49-F238E27FC236}">
-                <a16:creationId xmlns:a16="http://schemas.microsoft.com/office/drawing/2014/main" id="{945F5FBA-A0B9-4C67-9B39-DF96863B8836}"/>
-              </a:ext>
-            </a:extLst>
-          </p:cNvPr>
-          <p:cNvSpPr>
-            <a:spLocks noGrp="1"/>
-          </p:cNvSpPr>
-          <p:nvPr>
-            <p:ph idx="1"/>
-          </p:nvPr>
-        </p:nvSpPr>
-        <p:spPr>
-          <a:xfrm>
-            <a:off x="876904" y="1420681"/>
-            <a:ext cx="8615050" cy="825662"/>
-          </a:xfrm>
-        </p:spPr>
-        <p:txBody>
-          <a:bodyPr>
-            <a:noAutofit/>
-          </a:bodyPr>
-          <a:lstStyle/>
-          <a:p>
-            <a:pPr marL="0" indent="0">
-              <a:buNone/>
-            </a:pPr>
-            <a:r>
-              <a:rPr lang="en-US" altLang="zh-TW" sz="2600" dirty="0"/>
-              <a:t>To simulate planetary motion, </a:t>
-            </a:r>
-          </a:p>
-          <a:p>
-            <a:pPr marL="0" indent="0">
-              <a:buNone/>
-            </a:pPr>
-            <a:r>
-              <a:rPr lang="en-US" altLang="zh-TW" sz="2600" dirty="0"/>
-              <a:t>we go through each planet to inspect the force.</a:t>
-            </a:r>
-            <a:endParaRPr lang="zh-TW" altLang="en-US" sz="2600" dirty="0"/>
-          </a:p>
-        </p:txBody>
-      </p:sp>
-      <p:sp>
-        <p:nvSpPr>
-          <p:cNvPr id="4" name="投影片編號版面配置區 3">
-            <a:extLst>
-              <a:ext uri="{FF2B5EF4-FFF2-40B4-BE49-F238E27FC236}">
-                <a16:creationId xmlns:a16="http://schemas.microsoft.com/office/drawing/2014/main" id="{F58C175C-CB9D-4FB2-8483-60149FE66A8B}"/>
-              </a:ext>
-            </a:extLst>
-          </p:cNvPr>
-          <p:cNvSpPr>
-            <a:spLocks noGrp="1"/>
-          </p:cNvSpPr>
-          <p:nvPr>
-            <p:ph type="sldNum" sz="quarter" idx="12"/>
-          </p:nvPr>
-        </p:nvSpPr>
-        <p:spPr/>
-        <p:txBody>
-          <a:bodyPr/>
-          <a:lstStyle/>
-          <a:p>
-            <a:fld id="{2E159C05-F6BE-49BE-9845-E33F6769C88E}" type="slidenum">
-              <a:rPr lang="zh-TW" altLang="en-US" smtClean="0"/>
-              <a:t>2</a:t>
-            </a:fld>
-            <a:endParaRPr lang="zh-TW" altLang="en-US" dirty="0"/>
-          </a:p>
-        </p:txBody>
-      </p:sp>
-      <p:sp>
-        <p:nvSpPr>
-          <p:cNvPr id="5" name="橢圓 4">
-            <a:extLst>
-              <a:ext uri="{FF2B5EF4-FFF2-40B4-BE49-F238E27FC236}">
-                <a16:creationId xmlns:a16="http://schemas.microsoft.com/office/drawing/2014/main" id="{8A9742B8-450F-42EE-A24A-0E14D8E87243}"/>
-              </a:ext>
-            </a:extLst>
-          </p:cNvPr>
-          <p:cNvSpPr/>
-          <p:nvPr/>
-        </p:nvSpPr>
-        <p:spPr>
-          <a:xfrm>
-            <a:off x="795831" y="2439042"/>
-            <a:ext cx="553604" cy="555654"/>
-          </a:xfrm>
-          <a:prstGeom prst="ellipse">
-            <a:avLst/>
-          </a:prstGeom>
-          <a:ln>
-            <a:noFill/>
-          </a:ln>
-        </p:spPr>
-        <p:style>
-          <a:lnRef idx="2">
-            <a:schemeClr val="accent1">
-              <a:shade val="50000"/>
-            </a:schemeClr>
-          </a:lnRef>
-          <a:fillRef idx="1">
-            <a:schemeClr val="accent1"/>
-          </a:fillRef>
-          <a:effectRef idx="0">
-            <a:schemeClr val="accent1"/>
-          </a:effectRef>
-          <a:fontRef idx="minor">
-            <a:schemeClr val="lt1"/>
-          </a:fontRef>
-        </p:style>
-        <p:txBody>
-          <a:bodyPr rtlCol="0" anchor="ctr"/>
-          <a:lstStyle/>
-          <a:p>
-            <a:pPr algn="ctr"/>
-            <a:r>
-              <a:rPr lang="en-US" altLang="zh-TW" dirty="0"/>
-              <a:t>1</a:t>
-            </a:r>
-            <a:endParaRPr lang="zh-TW" altLang="en-US" dirty="0"/>
-          </a:p>
-        </p:txBody>
-      </p:sp>
-      <p:sp>
-        <p:nvSpPr>
-          <p:cNvPr id="6" name="橢圓 5">
-            <a:extLst>
-              <a:ext uri="{FF2B5EF4-FFF2-40B4-BE49-F238E27FC236}">
-                <a16:creationId xmlns:a16="http://schemas.microsoft.com/office/drawing/2014/main" id="{2CCA372C-6874-476C-911C-BD5A3F446A4F}"/>
-              </a:ext>
-            </a:extLst>
-          </p:cNvPr>
-          <p:cNvSpPr/>
-          <p:nvPr/>
-        </p:nvSpPr>
-        <p:spPr>
-          <a:xfrm>
-            <a:off x="205386" y="3837239"/>
-            <a:ext cx="553604" cy="555654"/>
-          </a:xfrm>
-          <a:prstGeom prst="ellipse">
-            <a:avLst/>
-          </a:prstGeom>
-          <a:solidFill>
-            <a:srgbClr val="FFC000"/>
-          </a:solidFill>
-          <a:ln>
-            <a:noFill/>
-          </a:ln>
-        </p:spPr>
-        <p:style>
-          <a:lnRef idx="2">
-            <a:schemeClr val="accent1">
-              <a:shade val="50000"/>
-            </a:schemeClr>
-          </a:lnRef>
-          <a:fillRef idx="1">
-            <a:schemeClr val="accent1"/>
-          </a:fillRef>
-          <a:effectRef idx="0">
-            <a:schemeClr val="accent1"/>
-          </a:effectRef>
-          <a:fontRef idx="minor">
-            <a:schemeClr val="lt1"/>
-          </a:fontRef>
-        </p:style>
-        <p:txBody>
-          <a:bodyPr rtlCol="0" anchor="ctr"/>
-          <a:lstStyle/>
-          <a:p>
-            <a:pPr algn="ctr"/>
-            <a:r>
-              <a:rPr lang="en-US" altLang="zh-TW" dirty="0"/>
-              <a:t>5</a:t>
-            </a:r>
-            <a:endParaRPr lang="zh-TW" altLang="en-US" dirty="0"/>
-          </a:p>
-        </p:txBody>
-      </p:sp>
-      <p:sp>
-        <p:nvSpPr>
-          <p:cNvPr id="10" name="橢圓 9">
-            <a:extLst>
-              <a:ext uri="{FF2B5EF4-FFF2-40B4-BE49-F238E27FC236}">
-                <a16:creationId xmlns:a16="http://schemas.microsoft.com/office/drawing/2014/main" id="{3385BDF9-9BC9-4B3F-8342-AED250A09390}"/>
-              </a:ext>
-            </a:extLst>
-          </p:cNvPr>
-          <p:cNvSpPr/>
-          <p:nvPr/>
-        </p:nvSpPr>
-        <p:spPr>
-          <a:xfrm>
-            <a:off x="1444040" y="4905732"/>
-            <a:ext cx="553604" cy="555654"/>
-          </a:xfrm>
-          <a:prstGeom prst="ellipse">
-            <a:avLst/>
-          </a:prstGeom>
-          <a:solidFill>
-            <a:schemeClr val="accent6"/>
-          </a:solidFill>
-          <a:ln>
-            <a:noFill/>
-          </a:ln>
-        </p:spPr>
-        <p:style>
-          <a:lnRef idx="2">
-            <a:schemeClr val="accent1">
-              <a:shade val="50000"/>
-            </a:schemeClr>
-          </a:lnRef>
-          <a:fillRef idx="1">
-            <a:schemeClr val="accent1"/>
-          </a:fillRef>
-          <a:effectRef idx="0">
-            <a:schemeClr val="accent1"/>
-          </a:effectRef>
-          <a:fontRef idx="minor">
-            <a:schemeClr val="lt1"/>
-          </a:fontRef>
-        </p:style>
-        <p:txBody>
-          <a:bodyPr rtlCol="0" anchor="ctr"/>
-          <a:lstStyle/>
-          <a:p>
-            <a:pPr algn="ctr"/>
-            <a:r>
-              <a:rPr lang="en-US" altLang="zh-TW" dirty="0"/>
-              <a:t>4</a:t>
-            </a:r>
-            <a:endParaRPr lang="zh-TW" altLang="en-US" dirty="0"/>
-          </a:p>
-        </p:txBody>
-      </p:sp>
-      <p:sp>
-        <p:nvSpPr>
-          <p:cNvPr id="11" name="橢圓 10">
-            <a:extLst>
-              <a:ext uri="{FF2B5EF4-FFF2-40B4-BE49-F238E27FC236}">
-                <a16:creationId xmlns:a16="http://schemas.microsoft.com/office/drawing/2014/main" id="{7930A7F7-BC7C-419C-8EBA-C1E749E6E4B4}"/>
-              </a:ext>
-            </a:extLst>
-          </p:cNvPr>
-          <p:cNvSpPr/>
-          <p:nvPr/>
-        </p:nvSpPr>
-        <p:spPr>
-          <a:xfrm>
-            <a:off x="2645854" y="2443600"/>
-            <a:ext cx="553604" cy="555654"/>
-          </a:xfrm>
-          <a:prstGeom prst="ellipse">
-            <a:avLst/>
-          </a:prstGeom>
-          <a:solidFill>
-            <a:schemeClr val="accent2"/>
-          </a:solidFill>
-          <a:ln>
-            <a:noFill/>
-          </a:ln>
-        </p:spPr>
-        <p:style>
-          <a:lnRef idx="2">
-            <a:schemeClr val="accent1">
-              <a:shade val="50000"/>
-            </a:schemeClr>
-          </a:lnRef>
-          <a:fillRef idx="1">
-            <a:schemeClr val="accent1"/>
-          </a:fillRef>
-          <a:effectRef idx="0">
-            <a:schemeClr val="accent1"/>
-          </a:effectRef>
-          <a:fontRef idx="minor">
-            <a:schemeClr val="lt1"/>
-          </a:fontRef>
-        </p:style>
-        <p:txBody>
-          <a:bodyPr rtlCol="0" anchor="ctr"/>
-          <a:lstStyle/>
-          <a:p>
-            <a:pPr algn="ctr"/>
-            <a:r>
-              <a:rPr lang="en-US" altLang="zh-TW" dirty="0"/>
-              <a:t>2</a:t>
-            </a:r>
-            <a:endParaRPr lang="zh-TW" altLang="en-US" dirty="0"/>
-          </a:p>
-        </p:txBody>
-      </p:sp>
-      <p:sp>
-        <p:nvSpPr>
-          <p:cNvPr id="12" name="橢圓 11">
-            <a:extLst>
-              <a:ext uri="{FF2B5EF4-FFF2-40B4-BE49-F238E27FC236}">
-                <a16:creationId xmlns:a16="http://schemas.microsoft.com/office/drawing/2014/main" id="{26820A5F-3FC5-4883-9F78-3A64FAF2A98A}"/>
-              </a:ext>
-            </a:extLst>
-          </p:cNvPr>
-          <p:cNvSpPr/>
-          <p:nvPr/>
-        </p:nvSpPr>
-        <p:spPr>
-          <a:xfrm>
-            <a:off x="3118385" y="3947694"/>
-            <a:ext cx="553604" cy="555654"/>
-          </a:xfrm>
-          <a:prstGeom prst="ellipse">
-            <a:avLst/>
-          </a:prstGeom>
-          <a:solidFill>
-            <a:srgbClr val="C00000"/>
-          </a:solidFill>
-          <a:ln>
-            <a:noFill/>
-          </a:ln>
-        </p:spPr>
-        <p:style>
-          <a:lnRef idx="2">
-            <a:schemeClr val="accent1">
-              <a:shade val="50000"/>
-            </a:schemeClr>
-          </a:lnRef>
-          <a:fillRef idx="1">
-            <a:schemeClr val="accent1"/>
-          </a:fillRef>
-          <a:effectRef idx="0">
-            <a:schemeClr val="accent1"/>
-          </a:effectRef>
-          <a:fontRef idx="minor">
-            <a:schemeClr val="lt1"/>
-          </a:fontRef>
-        </p:style>
-        <p:txBody>
-          <a:bodyPr rtlCol="0" anchor="ctr"/>
-          <a:lstStyle/>
-          <a:p>
-            <a:pPr algn="ctr"/>
-            <a:r>
-              <a:rPr lang="en-US" altLang="zh-TW" dirty="0"/>
-              <a:t>3</a:t>
-            </a:r>
-            <a:endParaRPr lang="zh-TW" altLang="en-US" dirty="0"/>
-          </a:p>
-        </p:txBody>
-      </p:sp>
-      <p:cxnSp>
-        <p:nvCxnSpPr>
-          <p:cNvPr id="14" name="直線接點 13">
-            <a:extLst>
-              <a:ext uri="{FF2B5EF4-FFF2-40B4-BE49-F238E27FC236}">
-                <a16:creationId xmlns:a16="http://schemas.microsoft.com/office/drawing/2014/main" id="{1D805438-8AE0-4FC6-B5A3-62F95BD19133}"/>
-              </a:ext>
-            </a:extLst>
-          </p:cNvPr>
-          <p:cNvCxnSpPr>
-            <a:cxnSpLocks/>
-            <a:stCxn id="5" idx="3"/>
-            <a:endCxn id="6" idx="0"/>
-          </p:cNvCxnSpPr>
-          <p:nvPr/>
-        </p:nvCxnSpPr>
-        <p:spPr>
-          <a:xfrm flipH="1">
-            <a:off x="482188" y="2913322"/>
-            <a:ext cx="394716" cy="923917"/>
-          </a:xfrm>
-          <a:prstGeom prst="line">
-            <a:avLst/>
-          </a:prstGeom>
-          <a:ln w="76200">
-            <a:solidFill>
-              <a:schemeClr val="accent1">
-                <a:lumMod val="40000"/>
-                <a:lumOff val="60000"/>
-              </a:schemeClr>
-            </a:solidFill>
-            <a:prstDash val="sysDot"/>
-          </a:ln>
-        </p:spPr>
-        <p:style>
-          <a:lnRef idx="1">
-            <a:schemeClr val="accent1"/>
-          </a:lnRef>
-          <a:fillRef idx="0">
-            <a:schemeClr val="accent1"/>
-          </a:fillRef>
-          <a:effectRef idx="0">
-            <a:schemeClr val="accent1"/>
-          </a:effectRef>
-          <a:fontRef idx="minor">
-            <a:schemeClr val="tx1"/>
-          </a:fontRef>
-        </p:style>
-      </p:cxnSp>
-      <p:cxnSp>
-        <p:nvCxnSpPr>
-          <p:cNvPr id="16" name="直線接點 15">
-            <a:extLst>
-              <a:ext uri="{FF2B5EF4-FFF2-40B4-BE49-F238E27FC236}">
-                <a16:creationId xmlns:a16="http://schemas.microsoft.com/office/drawing/2014/main" id="{C73C60B1-9BB8-47B1-BE71-DF80BBFCADFA}"/>
-              </a:ext>
-            </a:extLst>
-          </p:cNvPr>
-          <p:cNvCxnSpPr>
-            <a:cxnSpLocks/>
-            <a:stCxn id="5" idx="6"/>
-            <a:endCxn id="11" idx="2"/>
-          </p:cNvCxnSpPr>
-          <p:nvPr/>
-        </p:nvCxnSpPr>
-        <p:spPr>
-          <a:xfrm>
-            <a:off x="1349435" y="2716869"/>
-            <a:ext cx="1296419" cy="4558"/>
-          </a:xfrm>
-          <a:prstGeom prst="line">
-            <a:avLst/>
-          </a:prstGeom>
-          <a:ln w="76200">
-            <a:solidFill>
-              <a:schemeClr val="accent1">
-                <a:lumMod val="40000"/>
-                <a:lumOff val="60000"/>
-              </a:schemeClr>
-            </a:solidFill>
-            <a:prstDash val="sysDot"/>
-          </a:ln>
-        </p:spPr>
-        <p:style>
-          <a:lnRef idx="1">
-            <a:schemeClr val="accent1"/>
-          </a:lnRef>
-          <a:fillRef idx="0">
-            <a:schemeClr val="accent1"/>
-          </a:fillRef>
-          <a:effectRef idx="0">
-            <a:schemeClr val="accent1"/>
-          </a:effectRef>
-          <a:fontRef idx="minor">
-            <a:schemeClr val="tx1"/>
-          </a:fontRef>
-        </p:style>
-      </p:cxnSp>
-      <p:cxnSp>
-        <p:nvCxnSpPr>
-          <p:cNvPr id="18" name="直線接點 17">
-            <a:extLst>
-              <a:ext uri="{FF2B5EF4-FFF2-40B4-BE49-F238E27FC236}">
-                <a16:creationId xmlns:a16="http://schemas.microsoft.com/office/drawing/2014/main" id="{CC9FEE3A-A032-4AD3-A322-04C6FFFD15F5}"/>
-              </a:ext>
-            </a:extLst>
-          </p:cNvPr>
-          <p:cNvCxnSpPr>
-            <a:cxnSpLocks/>
-            <a:stCxn id="5" idx="5"/>
-            <a:endCxn id="12" idx="1"/>
-          </p:cNvCxnSpPr>
-          <p:nvPr/>
-        </p:nvCxnSpPr>
-        <p:spPr>
-          <a:xfrm>
-            <a:off x="1268362" y="2913322"/>
-            <a:ext cx="1931096" cy="1115746"/>
-          </a:xfrm>
-          <a:prstGeom prst="line">
-            <a:avLst/>
-          </a:prstGeom>
-          <a:ln w="76200">
-            <a:solidFill>
-              <a:schemeClr val="accent1">
-                <a:lumMod val="40000"/>
-                <a:lumOff val="60000"/>
-              </a:schemeClr>
-            </a:solidFill>
-            <a:prstDash val="sysDot"/>
-          </a:ln>
-        </p:spPr>
-        <p:style>
-          <a:lnRef idx="1">
-            <a:schemeClr val="accent1"/>
-          </a:lnRef>
-          <a:fillRef idx="0">
-            <a:schemeClr val="accent1"/>
-          </a:fillRef>
-          <a:effectRef idx="0">
-            <a:schemeClr val="accent1"/>
-          </a:effectRef>
-          <a:fontRef idx="minor">
-            <a:schemeClr val="tx1"/>
-          </a:fontRef>
-        </p:style>
-      </p:cxnSp>
-      <p:cxnSp>
-        <p:nvCxnSpPr>
-          <p:cNvPr id="22" name="直線接點 21">
-            <a:extLst>
-              <a:ext uri="{FF2B5EF4-FFF2-40B4-BE49-F238E27FC236}">
-                <a16:creationId xmlns:a16="http://schemas.microsoft.com/office/drawing/2014/main" id="{A8AD7A18-CC9E-4E43-9D7C-9BA61D7D5D12}"/>
-              </a:ext>
-            </a:extLst>
-          </p:cNvPr>
-          <p:cNvCxnSpPr>
-            <a:cxnSpLocks/>
-            <a:stCxn id="5" idx="4"/>
-            <a:endCxn id="10" idx="0"/>
-          </p:cNvCxnSpPr>
-          <p:nvPr/>
-        </p:nvCxnSpPr>
-        <p:spPr>
-          <a:xfrm>
-            <a:off x="1072633" y="2994696"/>
-            <a:ext cx="648209" cy="1911036"/>
-          </a:xfrm>
-          <a:prstGeom prst="line">
-            <a:avLst/>
-          </a:prstGeom>
-          <a:ln w="76200">
-            <a:solidFill>
-              <a:schemeClr val="accent1">
-                <a:lumMod val="40000"/>
-                <a:lumOff val="60000"/>
-              </a:schemeClr>
-            </a:solidFill>
-            <a:prstDash val="sysDot"/>
-          </a:ln>
-        </p:spPr>
-        <p:style>
-          <a:lnRef idx="1">
-            <a:schemeClr val="accent1"/>
-          </a:lnRef>
-          <a:fillRef idx="0">
-            <a:schemeClr val="accent1"/>
-          </a:fillRef>
-          <a:effectRef idx="0">
-            <a:schemeClr val="accent1"/>
-          </a:effectRef>
-          <a:fontRef idx="minor">
-            <a:schemeClr val="tx1"/>
-          </a:fontRef>
-        </p:style>
-      </p:cxnSp>
-      <p:cxnSp>
-        <p:nvCxnSpPr>
-          <p:cNvPr id="36" name="直線接點 35">
-            <a:extLst>
-              <a:ext uri="{FF2B5EF4-FFF2-40B4-BE49-F238E27FC236}">
-                <a16:creationId xmlns:a16="http://schemas.microsoft.com/office/drawing/2014/main" id="{C2BACAE7-4460-4A89-BA9B-DAC2D907F87F}"/>
-              </a:ext>
-            </a:extLst>
-          </p:cNvPr>
-          <p:cNvCxnSpPr>
-            <a:cxnSpLocks/>
-            <a:stCxn id="11" idx="4"/>
-            <a:endCxn id="12" idx="0"/>
-          </p:cNvCxnSpPr>
-          <p:nvPr/>
-        </p:nvCxnSpPr>
-        <p:spPr>
-          <a:xfrm>
-            <a:off x="2922656" y="2999254"/>
-            <a:ext cx="472531" cy="948440"/>
-          </a:xfrm>
-          <a:prstGeom prst="line">
-            <a:avLst/>
-          </a:prstGeom>
-          <a:ln w="76200">
-            <a:solidFill>
-              <a:schemeClr val="accent2">
-                <a:lumMod val="40000"/>
-                <a:lumOff val="60000"/>
-              </a:schemeClr>
-            </a:solidFill>
-            <a:prstDash val="sysDot"/>
-          </a:ln>
-        </p:spPr>
-        <p:style>
-          <a:lnRef idx="1">
-            <a:schemeClr val="accent1"/>
-          </a:lnRef>
-          <a:fillRef idx="0">
-            <a:schemeClr val="accent1"/>
-          </a:fillRef>
-          <a:effectRef idx="0">
-            <a:schemeClr val="accent1"/>
-          </a:effectRef>
-          <a:fontRef idx="minor">
-            <a:schemeClr val="tx1"/>
-          </a:fontRef>
-        </p:style>
-      </p:cxnSp>
-      <p:cxnSp>
-        <p:nvCxnSpPr>
-          <p:cNvPr id="41" name="直線接點 40">
-            <a:extLst>
-              <a:ext uri="{FF2B5EF4-FFF2-40B4-BE49-F238E27FC236}">
-                <a16:creationId xmlns:a16="http://schemas.microsoft.com/office/drawing/2014/main" id="{17C8378F-79F9-4440-9734-941884BFFB79}"/>
-              </a:ext>
-            </a:extLst>
-          </p:cNvPr>
-          <p:cNvCxnSpPr>
-            <a:cxnSpLocks/>
-            <a:stCxn id="11" idx="3"/>
-            <a:endCxn id="10" idx="0"/>
-          </p:cNvCxnSpPr>
-          <p:nvPr/>
-        </p:nvCxnSpPr>
-        <p:spPr>
-          <a:xfrm flipH="1">
-            <a:off x="1720842" y="2917880"/>
-            <a:ext cx="1006085" cy="1987852"/>
-          </a:xfrm>
-          <a:prstGeom prst="line">
-            <a:avLst/>
-          </a:prstGeom>
-          <a:ln w="76200">
-            <a:solidFill>
-              <a:schemeClr val="accent2">
-                <a:lumMod val="40000"/>
-                <a:lumOff val="60000"/>
-              </a:schemeClr>
-            </a:solidFill>
-            <a:prstDash val="sysDot"/>
-          </a:ln>
-        </p:spPr>
-        <p:style>
-          <a:lnRef idx="1">
-            <a:schemeClr val="accent1"/>
-          </a:lnRef>
-          <a:fillRef idx="0">
-            <a:schemeClr val="accent1"/>
-          </a:fillRef>
-          <a:effectRef idx="0">
-            <a:schemeClr val="accent1"/>
-          </a:effectRef>
-          <a:fontRef idx="minor">
-            <a:schemeClr val="tx1"/>
-          </a:fontRef>
-        </p:style>
-      </p:cxnSp>
-      <p:cxnSp>
-        <p:nvCxnSpPr>
-          <p:cNvPr id="44" name="直線接點 43">
-            <a:extLst>
-              <a:ext uri="{FF2B5EF4-FFF2-40B4-BE49-F238E27FC236}">
-                <a16:creationId xmlns:a16="http://schemas.microsoft.com/office/drawing/2014/main" id="{9F209B1F-57AD-42BE-9BB7-A30F8509821B}"/>
-              </a:ext>
-            </a:extLst>
-          </p:cNvPr>
-          <p:cNvCxnSpPr>
-            <a:cxnSpLocks/>
-            <a:stCxn id="11" idx="3"/>
-            <a:endCxn id="6" idx="7"/>
-          </p:cNvCxnSpPr>
-          <p:nvPr/>
-        </p:nvCxnSpPr>
-        <p:spPr>
-          <a:xfrm flipH="1">
-            <a:off x="677917" y="2917880"/>
-            <a:ext cx="2049010" cy="1000733"/>
-          </a:xfrm>
-          <a:prstGeom prst="line">
-            <a:avLst/>
-          </a:prstGeom>
-          <a:ln w="76200">
-            <a:solidFill>
-              <a:schemeClr val="accent2">
-                <a:lumMod val="40000"/>
-                <a:lumOff val="60000"/>
-              </a:schemeClr>
-            </a:solidFill>
-            <a:prstDash val="sysDot"/>
-          </a:ln>
-        </p:spPr>
-        <p:style>
-          <a:lnRef idx="1">
-            <a:schemeClr val="accent1"/>
-          </a:lnRef>
-          <a:fillRef idx="0">
-            <a:schemeClr val="accent1"/>
-          </a:fillRef>
-          <a:effectRef idx="0">
-            <a:schemeClr val="accent1"/>
-          </a:effectRef>
-          <a:fontRef idx="minor">
-            <a:schemeClr val="tx1"/>
-          </a:fontRef>
-        </p:style>
-      </p:cxnSp>
-      <p:cxnSp>
-        <p:nvCxnSpPr>
-          <p:cNvPr id="89" name="直線接點 88">
-            <a:extLst>
-              <a:ext uri="{FF2B5EF4-FFF2-40B4-BE49-F238E27FC236}">
-                <a16:creationId xmlns:a16="http://schemas.microsoft.com/office/drawing/2014/main" id="{0B5D0CEB-147C-4168-B5E3-270C24BABDF9}"/>
-              </a:ext>
-            </a:extLst>
-          </p:cNvPr>
-          <p:cNvCxnSpPr>
-            <a:cxnSpLocks/>
-            <a:stCxn id="12" idx="3"/>
-            <a:endCxn id="10" idx="7"/>
-          </p:cNvCxnSpPr>
-          <p:nvPr/>
-        </p:nvCxnSpPr>
-        <p:spPr>
-          <a:xfrm flipH="1">
-            <a:off x="1916571" y="4421974"/>
-            <a:ext cx="1282887" cy="565132"/>
-          </a:xfrm>
-          <a:prstGeom prst="line">
-            <a:avLst/>
-          </a:prstGeom>
-          <a:ln w="76200">
-            <a:solidFill>
-              <a:srgbClr val="FEBEBE"/>
-            </a:solidFill>
-            <a:prstDash val="sysDot"/>
-          </a:ln>
-        </p:spPr>
-        <p:style>
-          <a:lnRef idx="1">
-            <a:schemeClr val="accent1"/>
-          </a:lnRef>
-          <a:fillRef idx="0">
-            <a:schemeClr val="accent1"/>
-          </a:fillRef>
-          <a:effectRef idx="0">
-            <a:schemeClr val="accent1"/>
-          </a:effectRef>
-          <a:fontRef idx="minor">
-            <a:schemeClr val="tx1"/>
-          </a:fontRef>
-        </p:style>
-      </p:cxnSp>
-      <p:cxnSp>
-        <p:nvCxnSpPr>
-          <p:cNvPr id="93" name="直線接點 92">
-            <a:extLst>
-              <a:ext uri="{FF2B5EF4-FFF2-40B4-BE49-F238E27FC236}">
-                <a16:creationId xmlns:a16="http://schemas.microsoft.com/office/drawing/2014/main" id="{6BB39F79-3BCE-45D7-8B10-CB48AFB29E76}"/>
-              </a:ext>
-            </a:extLst>
-          </p:cNvPr>
-          <p:cNvCxnSpPr>
-            <a:cxnSpLocks/>
-            <a:stCxn id="12" idx="2"/>
-            <a:endCxn id="6" idx="6"/>
-          </p:cNvCxnSpPr>
-          <p:nvPr/>
-        </p:nvCxnSpPr>
-        <p:spPr>
-          <a:xfrm flipH="1" flipV="1">
-            <a:off x="758990" y="4115066"/>
-            <a:ext cx="2359395" cy="110455"/>
-          </a:xfrm>
-          <a:prstGeom prst="line">
-            <a:avLst/>
-          </a:prstGeom>
-          <a:ln w="76200">
-            <a:solidFill>
-              <a:srgbClr val="FEBEBE"/>
-            </a:solidFill>
-            <a:prstDash val="sysDot"/>
-          </a:ln>
-        </p:spPr>
-        <p:style>
-          <a:lnRef idx="1">
-            <a:schemeClr val="accent1"/>
-          </a:lnRef>
-          <a:fillRef idx="0">
-            <a:schemeClr val="accent1"/>
-          </a:fillRef>
-          <a:effectRef idx="0">
-            <a:schemeClr val="accent1"/>
-          </a:effectRef>
-          <a:fontRef idx="minor">
-            <a:schemeClr val="tx1"/>
-          </a:fontRef>
-        </p:style>
-      </p:cxnSp>
-      <p:cxnSp>
-        <p:nvCxnSpPr>
-          <p:cNvPr id="103" name="直線接點 102">
-            <a:extLst>
-              <a:ext uri="{FF2B5EF4-FFF2-40B4-BE49-F238E27FC236}">
-                <a16:creationId xmlns:a16="http://schemas.microsoft.com/office/drawing/2014/main" id="{31D90625-4A9F-4A5E-A7A9-498194E463D7}"/>
-              </a:ext>
-            </a:extLst>
-          </p:cNvPr>
-          <p:cNvCxnSpPr>
-            <a:cxnSpLocks/>
-            <a:stCxn id="10" idx="1"/>
-            <a:endCxn id="6" idx="5"/>
-          </p:cNvCxnSpPr>
-          <p:nvPr/>
-        </p:nvCxnSpPr>
-        <p:spPr>
-          <a:xfrm flipH="1" flipV="1">
-            <a:off x="677917" y="4311519"/>
-            <a:ext cx="847196" cy="675587"/>
-          </a:xfrm>
-          <a:prstGeom prst="line">
-            <a:avLst/>
-          </a:prstGeom>
-          <a:ln w="76200">
-            <a:solidFill>
-              <a:schemeClr val="accent6">
-                <a:lumMod val="40000"/>
-                <a:lumOff val="60000"/>
-              </a:schemeClr>
-            </a:solidFill>
-            <a:prstDash val="sysDot"/>
-          </a:ln>
-        </p:spPr>
-        <p:style>
-          <a:lnRef idx="1">
-            <a:schemeClr val="accent1"/>
-          </a:lnRef>
-          <a:fillRef idx="0">
-            <a:schemeClr val="accent1"/>
-          </a:fillRef>
-          <a:effectRef idx="0">
-            <a:schemeClr val="accent1"/>
-          </a:effectRef>
-          <a:fontRef idx="minor">
-            <a:schemeClr val="tx1"/>
-          </a:fontRef>
-        </p:style>
-      </p:cxnSp>
-      <mc:AlternateContent xmlns:mc="http://schemas.openxmlformats.org/markup-compatibility/2006" xmlns:a14="http://schemas.microsoft.com/office/drawing/2010/main">
-        <mc:Choice Requires="a14">
-          <p:sp>
-            <p:nvSpPr>
-              <p:cNvPr id="112" name="內容版面配置區 2">
-                <a:extLst>
-                  <a:ext uri="{FF2B5EF4-FFF2-40B4-BE49-F238E27FC236}">
-                    <a16:creationId xmlns:a16="http://schemas.microsoft.com/office/drawing/2014/main" id="{D73B85FC-7E2F-4B02-A8B1-5B44366FAAD4}"/>
-                  </a:ext>
-                </a:extLst>
-              </p:cNvPr>
-              <p:cNvSpPr txBox="1">
-                <a:spLocks/>
-              </p:cNvSpPr>
-              <p:nvPr/>
-            </p:nvSpPr>
-            <p:spPr>
-              <a:xfrm>
-                <a:off x="3709736" y="2708092"/>
-                <a:ext cx="5434264" cy="825662"/>
-              </a:xfrm>
-              <a:prstGeom prst="rect">
-                <a:avLst/>
-              </a:prstGeom>
-            </p:spPr>
-            <p:txBody>
-              <a:bodyPr vert="horz" lIns="91440" tIns="45720" rIns="91440" bIns="45720" rtlCol="0">
-                <a:noAutofit/>
-              </a:bodyPr>
-              <a:lstStyle>
-                <a:lvl1pPr marL="228600" indent="-228600" algn="l" defTabSz="914400" rtl="0" eaLnBrk="1" latinLnBrk="0" hangingPunct="1">
-                  <a:lnSpc>
-                    <a:spcPct val="90000"/>
-                  </a:lnSpc>
-                  <a:spcBef>
-                    <a:spcPts val="1000"/>
-                  </a:spcBef>
-                  <a:buFont typeface="Arial" panose="020B0604020202020204" pitchFamily="34" charset="0"/>
-                  <a:buChar char="•"/>
-                  <a:defRPr sz="2800" kern="1200">
-                    <a:solidFill>
-                      <a:schemeClr val="tx1"/>
-                    </a:solidFill>
-                    <a:latin typeface="+mn-lt"/>
-                    <a:ea typeface="+mn-ea"/>
-                    <a:cs typeface="+mn-cs"/>
-                  </a:defRPr>
-                </a:lvl1pPr>
-                <a:lvl2pPr marL="685800" indent="-228600" algn="l" defTabSz="914400" rtl="0" eaLnBrk="1" latinLnBrk="0" hangingPunct="1">
-                  <a:lnSpc>
-                    <a:spcPct val="90000"/>
-                  </a:lnSpc>
-                  <a:spcBef>
-                    <a:spcPts val="500"/>
-                  </a:spcBef>
-                  <a:buFont typeface="Arial" panose="020B0604020202020204" pitchFamily="34" charset="0"/>
-                  <a:buChar char="•"/>
-                  <a:defRPr sz="2400" kern="1200">
-                    <a:solidFill>
-                      <a:schemeClr val="tx1"/>
-                    </a:solidFill>
-                    <a:latin typeface="+mn-lt"/>
-                    <a:ea typeface="+mn-ea"/>
-                    <a:cs typeface="+mn-cs"/>
-                  </a:defRPr>
-                </a:lvl2pPr>
-                <a:lvl3pPr marL="1143000" indent="-228600" algn="l" defTabSz="914400" rtl="0" eaLnBrk="1" latinLnBrk="0" hangingPunct="1">
-                  <a:lnSpc>
-                    <a:spcPct val="90000"/>
-                  </a:lnSpc>
-                  <a:spcBef>
-                    <a:spcPts val="500"/>
-                  </a:spcBef>
-                  <a:buFont typeface="Arial" panose="020B0604020202020204" pitchFamily="34" charset="0"/>
-                  <a:buChar char="•"/>
-                  <a:defRPr sz="2000" kern="1200">
-                    <a:solidFill>
-                      <a:schemeClr val="tx1"/>
-                    </a:solidFill>
-                    <a:latin typeface="+mn-lt"/>
-                    <a:ea typeface="+mn-ea"/>
-                    <a:cs typeface="+mn-cs"/>
-                  </a:defRPr>
-                </a:lvl3pPr>
-                <a:lvl4pPr marL="1600200" indent="-228600" algn="l" defTabSz="914400" rtl="0" eaLnBrk="1" latinLnBrk="0" hangingPunct="1">
-                  <a:lnSpc>
-                    <a:spcPct val="90000"/>
-                  </a:lnSpc>
-                  <a:spcBef>
-                    <a:spcPts val="500"/>
-                  </a:spcBef>
-                  <a:buFont typeface="Arial" panose="020B0604020202020204" pitchFamily="34" charset="0"/>
-                  <a:buChar char="•"/>
-                  <a:defRPr sz="1800" kern="1200">
-                    <a:solidFill>
-                      <a:schemeClr val="tx1"/>
-                    </a:solidFill>
-                    <a:latin typeface="+mn-lt"/>
-                    <a:ea typeface="+mn-ea"/>
-                    <a:cs typeface="+mn-cs"/>
-                  </a:defRPr>
-                </a:lvl4pPr>
-                <a:lvl5pPr marL="2057400" indent="-228600" algn="l" defTabSz="914400" rtl="0" eaLnBrk="1" latinLnBrk="0" hangingPunct="1">
-                  <a:lnSpc>
-                    <a:spcPct val="90000"/>
-                  </a:lnSpc>
-                  <a:spcBef>
-                    <a:spcPts val="500"/>
-                  </a:spcBef>
-                  <a:buFont typeface="Arial" panose="020B0604020202020204" pitchFamily="34" charset="0"/>
-                  <a:buChar char="•"/>
-                  <a:defRPr sz="1800" kern="1200">
-                    <a:solidFill>
-                      <a:schemeClr val="tx1"/>
-                    </a:solidFill>
-                    <a:latin typeface="+mn-lt"/>
-                    <a:ea typeface="+mn-ea"/>
-                    <a:cs typeface="+mn-cs"/>
-                  </a:defRPr>
-                </a:lvl5pPr>
-                <a:lvl6pPr marL="2514600" indent="-228600" algn="l" defTabSz="914400" rtl="0" eaLnBrk="1" latinLnBrk="0" hangingPunct="1">
-                  <a:lnSpc>
-                    <a:spcPct val="90000"/>
-                  </a:lnSpc>
-                  <a:spcBef>
-                    <a:spcPts val="500"/>
-                  </a:spcBef>
-                  <a:buFont typeface="Arial" panose="020B0604020202020204" pitchFamily="34" charset="0"/>
-                  <a:buChar char="•"/>
-                  <a:defRPr sz="1800" kern="1200">
-                    <a:solidFill>
-                      <a:schemeClr val="tx1"/>
-                    </a:solidFill>
-                    <a:latin typeface="+mn-lt"/>
-                    <a:ea typeface="+mn-ea"/>
-                    <a:cs typeface="+mn-cs"/>
-                  </a:defRPr>
-                </a:lvl6pPr>
-                <a:lvl7pPr marL="2971800" indent="-228600" algn="l" defTabSz="914400" rtl="0" eaLnBrk="1" latinLnBrk="0" hangingPunct="1">
-                  <a:lnSpc>
-                    <a:spcPct val="90000"/>
-                  </a:lnSpc>
-                  <a:spcBef>
-                    <a:spcPts val="500"/>
-                  </a:spcBef>
-                  <a:buFont typeface="Arial" panose="020B0604020202020204" pitchFamily="34" charset="0"/>
-                  <a:buChar char="•"/>
-                  <a:defRPr sz="1800" kern="1200">
-                    <a:solidFill>
-                      <a:schemeClr val="tx1"/>
-                    </a:solidFill>
-                    <a:latin typeface="+mn-lt"/>
-                    <a:ea typeface="+mn-ea"/>
-                    <a:cs typeface="+mn-cs"/>
-                  </a:defRPr>
-                </a:lvl7pPr>
-                <a:lvl8pPr marL="3429000" indent="-228600" algn="l" defTabSz="914400" rtl="0" eaLnBrk="1" latinLnBrk="0" hangingPunct="1">
-                  <a:lnSpc>
-                    <a:spcPct val="90000"/>
-                  </a:lnSpc>
-                  <a:spcBef>
-                    <a:spcPts val="500"/>
-                  </a:spcBef>
-                  <a:buFont typeface="Arial" panose="020B0604020202020204" pitchFamily="34" charset="0"/>
-                  <a:buChar char="•"/>
-                  <a:defRPr sz="1800" kern="1200">
-                    <a:solidFill>
-                      <a:schemeClr val="tx1"/>
-                    </a:solidFill>
-                    <a:latin typeface="+mn-lt"/>
-                    <a:ea typeface="+mn-ea"/>
-                    <a:cs typeface="+mn-cs"/>
-                  </a:defRPr>
-                </a:lvl8pPr>
-                <a:lvl9pPr marL="3886200" indent="-228600" algn="l" defTabSz="914400" rtl="0" eaLnBrk="1" latinLnBrk="0" hangingPunct="1">
-                  <a:lnSpc>
-                    <a:spcPct val="90000"/>
-                  </a:lnSpc>
-                  <a:spcBef>
-                    <a:spcPts val="500"/>
-                  </a:spcBef>
-                  <a:buFont typeface="Arial" panose="020B0604020202020204" pitchFamily="34" charset="0"/>
-                  <a:buChar char="•"/>
-                  <a:defRPr sz="1800" kern="1200">
-                    <a:solidFill>
-                      <a:schemeClr val="tx1"/>
-                    </a:solidFill>
-                    <a:latin typeface="+mn-lt"/>
-                    <a:ea typeface="+mn-ea"/>
-                    <a:cs typeface="+mn-cs"/>
-                  </a:defRPr>
-                </a:lvl9pPr>
-              </a:lstStyle>
-              <a:p>
-                <a:pPr marL="0" indent="0">
-                  <a:buFont typeface="Arial" panose="020B0604020202020204" pitchFamily="34" charset="0"/>
-                  <a:buNone/>
-                </a:pPr>
-                <a:r>
-                  <a:rPr lang="en-US" altLang="zh-TW" sz="2600" dirty="0"/>
-                  <a:t>For N planets,</a:t>
-                </a:r>
-              </a:p>
-              <a:p>
-                <a:pPr marL="0" indent="0">
-                  <a:buFont typeface="Arial" panose="020B0604020202020204" pitchFamily="34" charset="0"/>
-                  <a:buNone/>
-                </a:pPr>
-                <a:r>
-                  <a:rPr lang="en-US" altLang="zh-TW" sz="2600" dirty="0"/>
-                  <a:t>There are </a:t>
-                </a:r>
-                <a14:m>
-                  <m:oMath xmlns:m="http://schemas.openxmlformats.org/officeDocument/2006/math">
-                    <m:sSubSup>
-                      <m:sSubSupPr>
-                        <m:ctrlPr>
-                          <a:rPr lang="en-US" altLang="zh-TW" sz="2600" i="1" smtClean="0">
-                            <a:latin typeface="Cambria Math" panose="02040503050406030204" pitchFamily="18" charset="0"/>
-                          </a:rPr>
-                        </m:ctrlPr>
-                      </m:sSubSupPr>
-                      <m:e>
-                        <m:r>
-                          <a:rPr lang="en-US" altLang="zh-TW" sz="2600" b="0" i="1" smtClean="0">
-                            <a:latin typeface="Cambria Math" panose="02040503050406030204" pitchFamily="18" charset="0"/>
-                          </a:rPr>
-                          <m:t>𝐶</m:t>
-                        </m:r>
-                      </m:e>
-                      <m:sub>
-                        <m:r>
-                          <a:rPr lang="en-US" altLang="zh-TW" sz="2600" b="0" i="1" smtClean="0">
-                            <a:latin typeface="Cambria Math" panose="02040503050406030204" pitchFamily="18" charset="0"/>
-                          </a:rPr>
-                          <m:t>2</m:t>
-                        </m:r>
-                      </m:sub>
-                      <m:sup>
-                        <m:r>
-                          <a:rPr lang="en-US" altLang="zh-TW" sz="2600" b="0" i="1" smtClean="0">
-                            <a:latin typeface="Cambria Math" panose="02040503050406030204" pitchFamily="18" charset="0"/>
-                          </a:rPr>
-                          <m:t>𝑁</m:t>
-                        </m:r>
-                      </m:sup>
-                    </m:sSubSup>
-                    <m:r>
-                      <a:rPr lang="en-US" altLang="zh-TW" sz="2600" b="0" i="1" smtClean="0">
-                        <a:latin typeface="Cambria Math" panose="02040503050406030204" pitchFamily="18" charset="0"/>
-                      </a:rPr>
-                      <m:t>=</m:t>
-                    </m:r>
-                    <m:f>
-                      <m:fPr>
-                        <m:ctrlPr>
-                          <a:rPr lang="en-US" altLang="zh-TW" sz="2600" b="0" i="1" smtClean="0">
-                            <a:latin typeface="Cambria Math" panose="02040503050406030204" pitchFamily="18" charset="0"/>
-                          </a:rPr>
-                        </m:ctrlPr>
-                      </m:fPr>
-                      <m:num>
-                        <m:r>
-                          <a:rPr lang="en-US" altLang="zh-TW" sz="2600" b="0" i="1" smtClean="0">
-                            <a:latin typeface="Cambria Math" panose="02040503050406030204" pitchFamily="18" charset="0"/>
-                          </a:rPr>
-                          <m:t>𝑁</m:t>
-                        </m:r>
-                        <m:d>
-                          <m:dPr>
-                            <m:ctrlPr>
-                              <a:rPr lang="en-US" altLang="zh-TW" sz="2600" b="0" i="1" smtClean="0">
-                                <a:latin typeface="Cambria Math" panose="02040503050406030204" pitchFamily="18" charset="0"/>
-                              </a:rPr>
-                            </m:ctrlPr>
-                          </m:dPr>
-                          <m:e>
-                            <m:r>
-                              <a:rPr lang="en-US" altLang="zh-TW" sz="2600" b="0" i="1" smtClean="0">
-                                <a:latin typeface="Cambria Math" panose="02040503050406030204" pitchFamily="18" charset="0"/>
-                              </a:rPr>
-                              <m:t>𝑁</m:t>
-                            </m:r>
-                            <m:r>
-                              <a:rPr lang="en-US" altLang="zh-TW" sz="2600" b="0" i="1" smtClean="0">
-                                <a:latin typeface="Cambria Math" panose="02040503050406030204" pitchFamily="18" charset="0"/>
-                              </a:rPr>
-                              <m:t>−1</m:t>
-                            </m:r>
-                          </m:e>
-                        </m:d>
-                      </m:num>
-                      <m:den>
-                        <m:r>
-                          <a:rPr lang="en-US" altLang="zh-TW" sz="2600" b="0" i="1" smtClean="0">
-                            <a:latin typeface="Cambria Math" panose="02040503050406030204" pitchFamily="18" charset="0"/>
-                          </a:rPr>
-                          <m:t>2</m:t>
-                        </m:r>
-                      </m:den>
-                    </m:f>
-                  </m:oMath>
-                </a14:m>
-                <a:r>
-                  <a:rPr lang="en-US" altLang="zh-TW" sz="2600" dirty="0"/>
-                  <a:t>  force pairs. </a:t>
-                </a:r>
-              </a:p>
-            </p:txBody>
-          </p:sp>
-        </mc:Choice>
-        <mc:Fallback xmlns="">
-          <p:sp>
-            <p:nvSpPr>
-              <p:cNvPr id="112" name="內容版面配置區 2">
-                <a:extLst>
-                  <a:ext uri="{FF2B5EF4-FFF2-40B4-BE49-F238E27FC236}">
-                    <a16:creationId xmlns:a16="http://schemas.microsoft.com/office/drawing/2014/main" id="{D73B85FC-7E2F-4B02-A8B1-5B44366FAAD4}"/>
-                  </a:ext>
-                </a:extLst>
-              </p:cNvPr>
-              <p:cNvSpPr txBox="1">
-                <a:spLocks noRot="1" noChangeAspect="1" noMove="1" noResize="1" noEditPoints="1" noAdjustHandles="1" noChangeArrowheads="1" noChangeShapeType="1" noTextEdit="1"/>
-              </p:cNvSpPr>
-              <p:nvPr/>
-            </p:nvSpPr>
-            <p:spPr>
-              <a:xfrm>
-                <a:off x="3709736" y="2708092"/>
-                <a:ext cx="5434264" cy="825662"/>
-              </a:xfrm>
-              <a:prstGeom prst="rect">
-                <a:avLst/>
-              </a:prstGeom>
-              <a:blipFill>
-                <a:blip r:embed="rId2"/>
-                <a:stretch>
-                  <a:fillRect l="-2020" t="-11029" b="-44853"/>
-                </a:stretch>
-              </a:blipFill>
-            </p:spPr>
-            <p:txBody>
-              <a:bodyPr/>
-              <a:lstStyle/>
-              <a:p>
-                <a:r>
-                  <a:rPr lang="zh-TW" altLang="en-US">
-                    <a:noFill/>
-                  </a:rPr>
-                  <a:t> </a:t>
-                </a:r>
-              </a:p>
-            </p:txBody>
-          </p:sp>
-        </mc:Fallback>
-      </mc:AlternateContent>
-      <mc:AlternateContent xmlns:mc="http://schemas.openxmlformats.org/markup-compatibility/2006" xmlns:a14="http://schemas.microsoft.com/office/drawing/2010/main">
-        <mc:Choice Requires="a14">
-          <p:sp>
-            <p:nvSpPr>
-              <p:cNvPr id="125" name="內容版面配置區 2">
-                <a:extLst>
-                  <a:ext uri="{FF2B5EF4-FFF2-40B4-BE49-F238E27FC236}">
-                    <a16:creationId xmlns:a16="http://schemas.microsoft.com/office/drawing/2014/main" id="{29776F24-9A1B-40EC-9E9A-D67FEB6192B9}"/>
-                  </a:ext>
-                </a:extLst>
-              </p:cNvPr>
-              <p:cNvSpPr txBox="1">
-                <a:spLocks/>
-              </p:cNvSpPr>
-              <p:nvPr/>
-            </p:nvSpPr>
-            <p:spPr>
-              <a:xfrm>
-                <a:off x="4223005" y="4302209"/>
-                <a:ext cx="2203863" cy="825662"/>
-              </a:xfrm>
-              <a:prstGeom prst="rect">
-                <a:avLst/>
-              </a:prstGeom>
-              <a:ln w="19050">
-                <a:solidFill>
-                  <a:schemeClr val="tx1"/>
-                </a:solidFill>
-                <a:prstDash val="dashDot"/>
-              </a:ln>
-            </p:spPr>
-            <p:txBody>
-              <a:bodyPr vert="horz" lIns="91440" tIns="45720" rIns="91440" bIns="45720" rtlCol="0">
-                <a:noAutofit/>
-              </a:bodyPr>
-              <a:lstStyle>
-                <a:lvl1pPr marL="228600" indent="-228600" algn="l" defTabSz="914400" rtl="0" eaLnBrk="1" latinLnBrk="0" hangingPunct="1">
-                  <a:lnSpc>
-                    <a:spcPct val="90000"/>
-                  </a:lnSpc>
-                  <a:spcBef>
-                    <a:spcPts val="1000"/>
-                  </a:spcBef>
-                  <a:buFont typeface="Arial" panose="020B0604020202020204" pitchFamily="34" charset="0"/>
-                  <a:buChar char="•"/>
-                  <a:defRPr sz="2800" kern="1200">
-                    <a:solidFill>
-                      <a:schemeClr val="tx1"/>
-                    </a:solidFill>
-                    <a:latin typeface="+mn-lt"/>
-                    <a:ea typeface="+mn-ea"/>
-                    <a:cs typeface="+mn-cs"/>
-                  </a:defRPr>
-                </a:lvl1pPr>
-                <a:lvl2pPr marL="685800" indent="-228600" algn="l" defTabSz="914400" rtl="0" eaLnBrk="1" latinLnBrk="0" hangingPunct="1">
-                  <a:lnSpc>
-                    <a:spcPct val="90000"/>
-                  </a:lnSpc>
-                  <a:spcBef>
-                    <a:spcPts val="500"/>
-                  </a:spcBef>
-                  <a:buFont typeface="Arial" panose="020B0604020202020204" pitchFamily="34" charset="0"/>
-                  <a:buChar char="•"/>
-                  <a:defRPr sz="2400" kern="1200">
-                    <a:solidFill>
-                      <a:schemeClr val="tx1"/>
-                    </a:solidFill>
-                    <a:latin typeface="+mn-lt"/>
-                    <a:ea typeface="+mn-ea"/>
-                    <a:cs typeface="+mn-cs"/>
-                  </a:defRPr>
-                </a:lvl2pPr>
-                <a:lvl3pPr marL="1143000" indent="-228600" algn="l" defTabSz="914400" rtl="0" eaLnBrk="1" latinLnBrk="0" hangingPunct="1">
-                  <a:lnSpc>
-                    <a:spcPct val="90000"/>
-                  </a:lnSpc>
-                  <a:spcBef>
-                    <a:spcPts val="500"/>
-                  </a:spcBef>
-                  <a:buFont typeface="Arial" panose="020B0604020202020204" pitchFamily="34" charset="0"/>
-                  <a:buChar char="•"/>
-                  <a:defRPr sz="2000" kern="1200">
-                    <a:solidFill>
-                      <a:schemeClr val="tx1"/>
-                    </a:solidFill>
-                    <a:latin typeface="+mn-lt"/>
-                    <a:ea typeface="+mn-ea"/>
-                    <a:cs typeface="+mn-cs"/>
-                  </a:defRPr>
-                </a:lvl3pPr>
-                <a:lvl4pPr marL="1600200" indent="-228600" algn="l" defTabSz="914400" rtl="0" eaLnBrk="1" latinLnBrk="0" hangingPunct="1">
-                  <a:lnSpc>
-                    <a:spcPct val="90000"/>
-                  </a:lnSpc>
-                  <a:spcBef>
-                    <a:spcPts val="500"/>
-                  </a:spcBef>
-                  <a:buFont typeface="Arial" panose="020B0604020202020204" pitchFamily="34" charset="0"/>
-                  <a:buChar char="•"/>
-                  <a:defRPr sz="1800" kern="1200">
-                    <a:solidFill>
-                      <a:schemeClr val="tx1"/>
-                    </a:solidFill>
-                    <a:latin typeface="+mn-lt"/>
-                    <a:ea typeface="+mn-ea"/>
-                    <a:cs typeface="+mn-cs"/>
-                  </a:defRPr>
-                </a:lvl4pPr>
-                <a:lvl5pPr marL="2057400" indent="-228600" algn="l" defTabSz="914400" rtl="0" eaLnBrk="1" latinLnBrk="0" hangingPunct="1">
-                  <a:lnSpc>
-                    <a:spcPct val="90000"/>
-                  </a:lnSpc>
-                  <a:spcBef>
-                    <a:spcPts val="500"/>
-                  </a:spcBef>
-                  <a:buFont typeface="Arial" panose="020B0604020202020204" pitchFamily="34" charset="0"/>
-                  <a:buChar char="•"/>
-                  <a:defRPr sz="1800" kern="1200">
-                    <a:solidFill>
-                      <a:schemeClr val="tx1"/>
-                    </a:solidFill>
-                    <a:latin typeface="+mn-lt"/>
-                    <a:ea typeface="+mn-ea"/>
-                    <a:cs typeface="+mn-cs"/>
-                  </a:defRPr>
-                </a:lvl5pPr>
-                <a:lvl6pPr marL="2514600" indent="-228600" algn="l" defTabSz="914400" rtl="0" eaLnBrk="1" latinLnBrk="0" hangingPunct="1">
-                  <a:lnSpc>
-                    <a:spcPct val="90000"/>
-                  </a:lnSpc>
-                  <a:spcBef>
-                    <a:spcPts val="500"/>
-                  </a:spcBef>
-                  <a:buFont typeface="Arial" panose="020B0604020202020204" pitchFamily="34" charset="0"/>
-                  <a:buChar char="•"/>
-                  <a:defRPr sz="1800" kern="1200">
-                    <a:solidFill>
-                      <a:schemeClr val="tx1"/>
-                    </a:solidFill>
-                    <a:latin typeface="+mn-lt"/>
-                    <a:ea typeface="+mn-ea"/>
-                    <a:cs typeface="+mn-cs"/>
-                  </a:defRPr>
-                </a:lvl6pPr>
-                <a:lvl7pPr marL="2971800" indent="-228600" algn="l" defTabSz="914400" rtl="0" eaLnBrk="1" latinLnBrk="0" hangingPunct="1">
-                  <a:lnSpc>
-                    <a:spcPct val="90000"/>
-                  </a:lnSpc>
-                  <a:spcBef>
-                    <a:spcPts val="500"/>
-                  </a:spcBef>
-                  <a:buFont typeface="Arial" panose="020B0604020202020204" pitchFamily="34" charset="0"/>
-                  <a:buChar char="•"/>
-                  <a:defRPr sz="1800" kern="1200">
-                    <a:solidFill>
-                      <a:schemeClr val="tx1"/>
-                    </a:solidFill>
-                    <a:latin typeface="+mn-lt"/>
-                    <a:ea typeface="+mn-ea"/>
-                    <a:cs typeface="+mn-cs"/>
-                  </a:defRPr>
-                </a:lvl7pPr>
-                <a:lvl8pPr marL="3429000" indent="-228600" algn="l" defTabSz="914400" rtl="0" eaLnBrk="1" latinLnBrk="0" hangingPunct="1">
-                  <a:lnSpc>
-                    <a:spcPct val="90000"/>
-                  </a:lnSpc>
-                  <a:spcBef>
-                    <a:spcPts val="500"/>
-                  </a:spcBef>
-                  <a:buFont typeface="Arial" panose="020B0604020202020204" pitchFamily="34" charset="0"/>
-                  <a:buChar char="•"/>
-                  <a:defRPr sz="1800" kern="1200">
-                    <a:solidFill>
-                      <a:schemeClr val="tx1"/>
-                    </a:solidFill>
-                    <a:latin typeface="+mn-lt"/>
-                    <a:ea typeface="+mn-ea"/>
-                    <a:cs typeface="+mn-cs"/>
-                  </a:defRPr>
-                </a:lvl8pPr>
-                <a:lvl9pPr marL="3886200" indent="-228600" algn="l" defTabSz="914400" rtl="0" eaLnBrk="1" latinLnBrk="0" hangingPunct="1">
-                  <a:lnSpc>
-                    <a:spcPct val="90000"/>
-                  </a:lnSpc>
-                  <a:spcBef>
-                    <a:spcPts val="500"/>
-                  </a:spcBef>
-                  <a:buFont typeface="Arial" panose="020B0604020202020204" pitchFamily="34" charset="0"/>
-                  <a:buChar char="•"/>
-                  <a:defRPr sz="1800" kern="1200">
-                    <a:solidFill>
-                      <a:schemeClr val="tx1"/>
-                    </a:solidFill>
-                    <a:latin typeface="+mn-lt"/>
-                    <a:ea typeface="+mn-ea"/>
-                    <a:cs typeface="+mn-cs"/>
-                  </a:defRPr>
-                </a:lvl9pPr>
-              </a:lstStyle>
-              <a:p>
-                <a:pPr marL="0" indent="0">
-                  <a:buNone/>
-                </a:pPr>
-                <a14:m>
-                  <m:oMathPara xmlns:m="http://schemas.openxmlformats.org/officeDocument/2006/math">
-                    <m:oMathParaPr>
-                      <m:jc m:val="centerGroup"/>
-                    </m:oMathParaPr>
-                    <m:oMath xmlns:m="http://schemas.openxmlformats.org/officeDocument/2006/math">
-                      <m:r>
-                        <a:rPr lang="en-US" altLang="zh-TW" sz="2600" b="0" i="1" smtClean="0">
-                          <a:latin typeface="Cambria Math" panose="02040503050406030204" pitchFamily="18" charset="0"/>
-                        </a:rPr>
-                        <m:t>𝐹</m:t>
-                      </m:r>
-                      <m:r>
-                        <a:rPr lang="en-US" altLang="zh-TW" sz="2600" b="0" i="1" smtClean="0">
-                          <a:latin typeface="Cambria Math" panose="02040503050406030204" pitchFamily="18" charset="0"/>
-                        </a:rPr>
-                        <m:t>=</m:t>
-                      </m:r>
-                      <m:f>
-                        <m:fPr>
-                          <m:ctrlPr>
-                            <a:rPr lang="en-US" altLang="zh-TW" sz="2600" b="0" i="1" smtClean="0">
-                              <a:latin typeface="Cambria Math" panose="02040503050406030204" pitchFamily="18" charset="0"/>
-                            </a:rPr>
-                          </m:ctrlPr>
-                        </m:fPr>
-                        <m:num>
-                          <m:r>
-                            <a:rPr lang="en-US" altLang="zh-TW" sz="2600" b="0" i="1" smtClean="0">
-                              <a:latin typeface="Cambria Math" panose="02040503050406030204" pitchFamily="18" charset="0"/>
-                            </a:rPr>
-                            <m:t>𝐺𝑀𝑚</m:t>
-                          </m:r>
-                        </m:num>
-                        <m:den>
-                          <m:sSup>
-                            <m:sSupPr>
-                              <m:ctrlPr>
-                                <a:rPr lang="en-US" altLang="zh-TW" sz="2600" i="1">
-                                  <a:latin typeface="Cambria Math" panose="02040503050406030204" pitchFamily="18" charset="0"/>
-                                </a:rPr>
-                              </m:ctrlPr>
-                            </m:sSupPr>
-                            <m:e>
-                              <m:r>
-                                <a:rPr lang="en-US" altLang="zh-TW" sz="2600" b="0" i="1" smtClean="0">
-                                  <a:latin typeface="Cambria Math" panose="02040503050406030204" pitchFamily="18" charset="0"/>
-                                </a:rPr>
-                                <m:t>𝑟</m:t>
-                              </m:r>
-                            </m:e>
-                            <m:sup>
-                              <m:r>
-                                <a:rPr lang="en-US" altLang="zh-TW" sz="2600" b="0" i="1" smtClean="0">
-                                  <a:latin typeface="Cambria Math" panose="02040503050406030204" pitchFamily="18" charset="0"/>
-                                </a:rPr>
-                                <m:t>2</m:t>
-                              </m:r>
-                            </m:sup>
-                          </m:sSup>
-                        </m:den>
-                      </m:f>
-                    </m:oMath>
-                  </m:oMathPara>
-                </a14:m>
-                <a:endParaRPr lang="zh-TW" altLang="en-US" sz="2600" dirty="0"/>
-              </a:p>
-            </p:txBody>
-          </p:sp>
-        </mc:Choice>
-        <mc:Fallback xmlns="">
-          <p:sp>
-            <p:nvSpPr>
-              <p:cNvPr id="125" name="內容版面配置區 2">
-                <a:extLst>
-                  <a:ext uri="{FF2B5EF4-FFF2-40B4-BE49-F238E27FC236}">
-                    <a16:creationId xmlns:a16="http://schemas.microsoft.com/office/drawing/2014/main" id="{29776F24-9A1B-40EC-9E9A-D67FEB6192B9}"/>
-                  </a:ext>
-                </a:extLst>
-              </p:cNvPr>
-              <p:cNvSpPr txBox="1">
-                <a:spLocks noRot="1" noChangeAspect="1" noMove="1" noResize="1" noEditPoints="1" noAdjustHandles="1" noChangeArrowheads="1" noChangeShapeType="1" noTextEdit="1"/>
-              </p:cNvSpPr>
-              <p:nvPr/>
-            </p:nvSpPr>
-            <p:spPr>
-              <a:xfrm>
-                <a:off x="4223005" y="4302209"/>
-                <a:ext cx="2203863" cy="825662"/>
-              </a:xfrm>
-              <a:prstGeom prst="rect">
-                <a:avLst/>
-              </a:prstGeom>
-              <a:blipFill>
-                <a:blip r:embed="rId3"/>
-                <a:stretch>
-                  <a:fillRect/>
-                </a:stretch>
-              </a:blipFill>
-              <a:ln w="19050">
-                <a:solidFill>
-                  <a:schemeClr val="tx1"/>
-                </a:solidFill>
-                <a:prstDash val="dashDot"/>
-              </a:ln>
-            </p:spPr>
-            <p:txBody>
-              <a:bodyPr/>
-              <a:lstStyle/>
-              <a:p>
-                <a:r>
-                  <a:rPr lang="zh-TW" altLang="en-US">
-                    <a:noFill/>
-                  </a:rPr>
-                  <a:t> </a:t>
-                </a:r>
-              </a:p>
-            </p:txBody>
-          </p:sp>
-        </mc:Fallback>
-      </mc:AlternateContent>
-      <p:sp>
-        <p:nvSpPr>
-          <p:cNvPr id="126" name="內容版面配置區 2">
-            <a:extLst>
-              <a:ext uri="{FF2B5EF4-FFF2-40B4-BE49-F238E27FC236}">
-                <a16:creationId xmlns:a16="http://schemas.microsoft.com/office/drawing/2014/main" id="{180CBC79-0A65-4B44-9B93-B966A2EDA656}"/>
-              </a:ext>
-            </a:extLst>
-          </p:cNvPr>
-          <p:cNvSpPr txBox="1">
-            <a:spLocks/>
-          </p:cNvSpPr>
-          <p:nvPr/>
-        </p:nvSpPr>
-        <p:spPr>
-          <a:xfrm>
-            <a:off x="205386" y="5591342"/>
-            <a:ext cx="9091014" cy="825662"/>
-          </a:xfrm>
-          <a:prstGeom prst="rect">
-            <a:avLst/>
-          </a:prstGeom>
-        </p:spPr>
-        <p:txBody>
-          <a:bodyPr vert="horz" lIns="91440" tIns="45720" rIns="91440" bIns="45720" rtlCol="0">
-            <a:noAutofit/>
-          </a:bodyPr>
-          <a:lstStyle>
-            <a:lvl1pPr marL="228600" indent="-228600" algn="l" defTabSz="914400" rtl="0" eaLnBrk="1" latinLnBrk="0" hangingPunct="1">
-              <a:lnSpc>
-                <a:spcPct val="90000"/>
-              </a:lnSpc>
-              <a:spcBef>
-                <a:spcPts val="1000"/>
-              </a:spcBef>
-              <a:buFont typeface="Arial" panose="020B0604020202020204" pitchFamily="34" charset="0"/>
-              <a:buChar char="•"/>
-              <a:defRPr sz="2800" kern="1200">
-                <a:solidFill>
-                  <a:schemeClr val="tx1"/>
-                </a:solidFill>
-                <a:latin typeface="+mn-lt"/>
-                <a:ea typeface="+mn-ea"/>
-                <a:cs typeface="+mn-cs"/>
-              </a:defRPr>
-            </a:lvl1pPr>
-            <a:lvl2pPr marL="685800" indent="-228600" algn="l" defTabSz="914400" rtl="0" eaLnBrk="1" latinLnBrk="0" hangingPunct="1">
-              <a:lnSpc>
-                <a:spcPct val="90000"/>
-              </a:lnSpc>
-              <a:spcBef>
-                <a:spcPts val="500"/>
-              </a:spcBef>
-              <a:buFont typeface="Arial" panose="020B0604020202020204" pitchFamily="34" charset="0"/>
-              <a:buChar char="•"/>
-              <a:defRPr sz="2400" kern="1200">
-                <a:solidFill>
-                  <a:schemeClr val="tx1"/>
-                </a:solidFill>
-                <a:latin typeface="+mn-lt"/>
-                <a:ea typeface="+mn-ea"/>
-                <a:cs typeface="+mn-cs"/>
-              </a:defRPr>
-            </a:lvl2pPr>
-            <a:lvl3pPr marL="1143000" indent="-228600" algn="l" defTabSz="914400" rtl="0" eaLnBrk="1" latinLnBrk="0" hangingPunct="1">
-              <a:lnSpc>
-                <a:spcPct val="90000"/>
-              </a:lnSpc>
-              <a:spcBef>
-                <a:spcPts val="500"/>
-              </a:spcBef>
-              <a:buFont typeface="Arial" panose="020B0604020202020204" pitchFamily="34" charset="0"/>
-              <a:buChar char="•"/>
-              <a:defRPr sz="2000" kern="1200">
-                <a:solidFill>
-                  <a:schemeClr val="tx1"/>
-                </a:solidFill>
-                <a:latin typeface="+mn-lt"/>
-                <a:ea typeface="+mn-ea"/>
-                <a:cs typeface="+mn-cs"/>
-              </a:defRPr>
-            </a:lvl3pPr>
-            <a:lvl4pPr marL="1600200" indent="-228600" algn="l" defTabSz="914400" rtl="0" eaLnBrk="1" latinLnBrk="0" hangingPunct="1">
-              <a:lnSpc>
-                <a:spcPct val="90000"/>
-              </a:lnSpc>
-              <a:spcBef>
-                <a:spcPts val="500"/>
-              </a:spcBef>
-              <a:buFont typeface="Arial" panose="020B0604020202020204" pitchFamily="34" charset="0"/>
-              <a:buChar char="•"/>
-              <a:defRPr sz="1800" kern="1200">
-                <a:solidFill>
-                  <a:schemeClr val="tx1"/>
-                </a:solidFill>
-                <a:latin typeface="+mn-lt"/>
-                <a:ea typeface="+mn-ea"/>
-                <a:cs typeface="+mn-cs"/>
-              </a:defRPr>
-            </a:lvl4pPr>
-            <a:lvl5pPr marL="2057400" indent="-228600" algn="l" defTabSz="914400" rtl="0" eaLnBrk="1" latinLnBrk="0" hangingPunct="1">
-              <a:lnSpc>
-                <a:spcPct val="90000"/>
-              </a:lnSpc>
-              <a:spcBef>
-                <a:spcPts val="500"/>
-              </a:spcBef>
-              <a:buFont typeface="Arial" panose="020B0604020202020204" pitchFamily="34" charset="0"/>
-              <a:buChar char="•"/>
-              <a:defRPr sz="1800" kern="1200">
-                <a:solidFill>
-                  <a:schemeClr val="tx1"/>
-                </a:solidFill>
-                <a:latin typeface="+mn-lt"/>
-                <a:ea typeface="+mn-ea"/>
-                <a:cs typeface="+mn-cs"/>
-              </a:defRPr>
-            </a:lvl5pPr>
-            <a:lvl6pPr marL="2514600" indent="-228600" algn="l" defTabSz="914400" rtl="0" eaLnBrk="1" latinLnBrk="0" hangingPunct="1">
-              <a:lnSpc>
-                <a:spcPct val="90000"/>
-              </a:lnSpc>
-              <a:spcBef>
-                <a:spcPts val="500"/>
-              </a:spcBef>
-              <a:buFont typeface="Arial" panose="020B0604020202020204" pitchFamily="34" charset="0"/>
-              <a:buChar char="•"/>
-              <a:defRPr sz="1800" kern="1200">
-                <a:solidFill>
-                  <a:schemeClr val="tx1"/>
-                </a:solidFill>
-                <a:latin typeface="+mn-lt"/>
-                <a:ea typeface="+mn-ea"/>
-                <a:cs typeface="+mn-cs"/>
-              </a:defRPr>
-            </a:lvl6pPr>
-            <a:lvl7pPr marL="2971800" indent="-228600" algn="l" defTabSz="914400" rtl="0" eaLnBrk="1" latinLnBrk="0" hangingPunct="1">
-              <a:lnSpc>
-                <a:spcPct val="90000"/>
-              </a:lnSpc>
-              <a:spcBef>
-                <a:spcPts val="500"/>
-              </a:spcBef>
-              <a:buFont typeface="Arial" panose="020B0604020202020204" pitchFamily="34" charset="0"/>
-              <a:buChar char="•"/>
-              <a:defRPr sz="1800" kern="1200">
-                <a:solidFill>
-                  <a:schemeClr val="tx1"/>
-                </a:solidFill>
-                <a:latin typeface="+mn-lt"/>
-                <a:ea typeface="+mn-ea"/>
-                <a:cs typeface="+mn-cs"/>
-              </a:defRPr>
-            </a:lvl7pPr>
-            <a:lvl8pPr marL="3429000" indent="-228600" algn="l" defTabSz="914400" rtl="0" eaLnBrk="1" latinLnBrk="0" hangingPunct="1">
-              <a:lnSpc>
-                <a:spcPct val="90000"/>
-              </a:lnSpc>
-              <a:spcBef>
-                <a:spcPts val="500"/>
-              </a:spcBef>
-              <a:buFont typeface="Arial" panose="020B0604020202020204" pitchFamily="34" charset="0"/>
-              <a:buChar char="•"/>
-              <a:defRPr sz="1800" kern="1200">
-                <a:solidFill>
-                  <a:schemeClr val="tx1"/>
-                </a:solidFill>
-                <a:latin typeface="+mn-lt"/>
-                <a:ea typeface="+mn-ea"/>
-                <a:cs typeface="+mn-cs"/>
-              </a:defRPr>
-            </a:lvl8pPr>
-            <a:lvl9pPr marL="3886200" indent="-228600" algn="l" defTabSz="914400" rtl="0" eaLnBrk="1" latinLnBrk="0" hangingPunct="1">
-              <a:lnSpc>
-                <a:spcPct val="90000"/>
-              </a:lnSpc>
-              <a:spcBef>
-                <a:spcPts val="500"/>
-              </a:spcBef>
-              <a:buFont typeface="Arial" panose="020B0604020202020204" pitchFamily="34" charset="0"/>
-              <a:buChar char="•"/>
-              <a:defRPr sz="1800" kern="1200">
-                <a:solidFill>
-                  <a:schemeClr val="tx1"/>
-                </a:solidFill>
-                <a:latin typeface="+mn-lt"/>
-                <a:ea typeface="+mn-ea"/>
-                <a:cs typeface="+mn-cs"/>
-              </a:defRPr>
-            </a:lvl9pPr>
-          </a:lstStyle>
-          <a:p>
-            <a:pPr marL="0" indent="0">
-              <a:buFont typeface="Arial" panose="020B0604020202020204" pitchFamily="34" charset="0"/>
-              <a:buNone/>
-            </a:pPr>
-            <a:r>
-              <a:rPr lang="en-US" altLang="zh-TW" sz="2600" dirty="0"/>
-              <a:t>No matter the distance is, </a:t>
-            </a:r>
-          </a:p>
-          <a:p>
-            <a:pPr marL="0" indent="0">
-              <a:buFont typeface="Arial" panose="020B0604020202020204" pitchFamily="34" charset="0"/>
-              <a:buNone/>
-            </a:pPr>
-            <a:r>
-              <a:rPr lang="en-US" altLang="zh-TW" sz="2600" dirty="0"/>
-              <a:t>calculating force pairs will consume a lot of time when N is large. </a:t>
-            </a:r>
-          </a:p>
-        </p:txBody>
-      </p:sp>
-    </p:spTree>
-    <p:extLst>
-      <p:ext uri="{BB962C8B-B14F-4D97-AF65-F5344CB8AC3E}">
-        <p14:creationId xmlns:p14="http://schemas.microsoft.com/office/powerpoint/2010/main" val="746654055"/>
-      </p:ext>
-    </p:extLst>
-  </p:cSld>
-  <p:clrMapOvr>
-    <a:masterClrMapping/>
-  </p:clrMapOvr>
-  <p:timing>
-    <p:tnLst>
-      <p:par>
-        <p:cTn id="1" dur="indefinite" restart="never" nodeType="tmRoot">
-          <p:childTnLst>
-            <p:seq concurrent="1" nextAc="seek">
-              <p:cTn id="2" dur="indefinite" nodeType="mainSeq">
-                <p:childTnLst>
-                  <p:par>
-                    <p:cTn id="3" fill="hold">
-                      <p:stCondLst>
-                        <p:cond delay="indefinite"/>
-                        <p:cond evt="onBegin" delay="0">
-                          <p:tn val="2"/>
-                        </p:cond>
-                      </p:stCondLst>
-                      <p:childTnLst>
-                        <p:par>
-                          <p:cTn id="4" fill="hold">
-                            <p:stCondLst>
-                              <p:cond delay="0"/>
-                            </p:stCondLst>
-                            <p:childTnLst>
-                              <p:par>
-                                <p:cTn id="5" presetID="26" presetClass="emph" presetSubtype="0" fill="hold" nodeType="afterEffect">
-                                  <p:stCondLst>
-                                    <p:cond delay="0"/>
-                                  </p:stCondLst>
-                                  <p:childTnLst>
-                                    <p:animEffect transition="out" filter="fade">
-                                      <p:cBhvr>
-                                        <p:cTn id="6" dur="1000" tmFilter="0, 0; .2, .5; .8, .5; 1, 0"/>
-                                        <p:tgtEl>
-                                          <p:spTgt spid="16"/>
-                                        </p:tgtEl>
-                                      </p:cBhvr>
-                                    </p:animEffect>
-                                    <p:animScale>
-                                      <p:cBhvr>
-                                        <p:cTn id="7" dur="500" autoRev="1" fill="hold"/>
-                                        <p:tgtEl>
-                                          <p:spTgt spid="16"/>
-                                        </p:tgtEl>
-                                      </p:cBhvr>
-                                      <p:by x="105000" y="105000"/>
-                                    </p:animScale>
-                                  </p:childTnLst>
-                                </p:cTn>
-                              </p:par>
-                            </p:childTnLst>
-                          </p:cTn>
-                        </p:par>
-                        <p:par>
-                          <p:cTn id="8" fill="hold">
-                            <p:stCondLst>
-                              <p:cond delay="1000"/>
-                            </p:stCondLst>
-                            <p:childTnLst>
-                              <p:par>
-                                <p:cTn id="9" presetID="26" presetClass="emph" presetSubtype="0" fill="hold" nodeType="afterEffect">
-                                  <p:stCondLst>
-                                    <p:cond delay="0"/>
-                                  </p:stCondLst>
-                                  <p:childTnLst>
-                                    <p:animEffect transition="out" filter="fade">
-                                      <p:cBhvr>
-                                        <p:cTn id="10" dur="1000" tmFilter="0, 0; .2, .5; .8, .5; 1, 0"/>
-                                        <p:tgtEl>
-                                          <p:spTgt spid="18"/>
-                                        </p:tgtEl>
-                                      </p:cBhvr>
-                                    </p:animEffect>
-                                    <p:animScale>
-                                      <p:cBhvr>
-                                        <p:cTn id="11" dur="500" autoRev="1" fill="hold"/>
-                                        <p:tgtEl>
-                                          <p:spTgt spid="18"/>
-                                        </p:tgtEl>
-                                      </p:cBhvr>
-                                      <p:by x="105000" y="105000"/>
-                                    </p:animScale>
-                                  </p:childTnLst>
-                                </p:cTn>
-                              </p:par>
-                            </p:childTnLst>
-                          </p:cTn>
-                        </p:par>
-                        <p:par>
-                          <p:cTn id="12" fill="hold">
-                            <p:stCondLst>
-                              <p:cond delay="2000"/>
-                            </p:stCondLst>
-                            <p:childTnLst>
-                              <p:par>
-                                <p:cTn id="13" presetID="26" presetClass="emph" presetSubtype="0" fill="hold" nodeType="afterEffect">
-                                  <p:stCondLst>
-                                    <p:cond delay="0"/>
-                                  </p:stCondLst>
-                                  <p:childTnLst>
-                                    <p:animEffect transition="out" filter="fade">
-                                      <p:cBhvr>
-                                        <p:cTn id="14" dur="1000" tmFilter="0, 0; .2, .5; .8, .5; 1, 0"/>
-                                        <p:tgtEl>
-                                          <p:spTgt spid="22"/>
-                                        </p:tgtEl>
-                                      </p:cBhvr>
-                                    </p:animEffect>
-                                    <p:animScale>
-                                      <p:cBhvr>
-                                        <p:cTn id="15" dur="500" autoRev="1" fill="hold"/>
-                                        <p:tgtEl>
-                                          <p:spTgt spid="22"/>
-                                        </p:tgtEl>
-                                      </p:cBhvr>
-                                      <p:by x="105000" y="105000"/>
-                                    </p:animScale>
-                                  </p:childTnLst>
-                                </p:cTn>
-                              </p:par>
-                            </p:childTnLst>
-                          </p:cTn>
-                        </p:par>
-                        <p:par>
-                          <p:cTn id="16" fill="hold">
-                            <p:stCondLst>
-                              <p:cond delay="3000"/>
-                            </p:stCondLst>
-                            <p:childTnLst>
-                              <p:par>
-                                <p:cTn id="17" presetID="26" presetClass="emph" presetSubtype="0" fill="hold" nodeType="afterEffect">
-                                  <p:stCondLst>
-                                    <p:cond delay="0"/>
-                                  </p:stCondLst>
-                                  <p:childTnLst>
-                                    <p:animEffect transition="out" filter="fade">
-                                      <p:cBhvr>
-                                        <p:cTn id="18" dur="1000" tmFilter="0, 0; .2, .5; .8, .5; 1, 0"/>
-                                        <p:tgtEl>
-                                          <p:spTgt spid="14"/>
-                                        </p:tgtEl>
-                                      </p:cBhvr>
-                                    </p:animEffect>
-                                    <p:animScale>
-                                      <p:cBhvr>
-                                        <p:cTn id="19" dur="500" autoRev="1" fill="hold"/>
-                                        <p:tgtEl>
-                                          <p:spTgt spid="14"/>
-                                        </p:tgtEl>
-                                      </p:cBhvr>
-                                      <p:by x="105000" y="105000"/>
-                                    </p:animScale>
-                                  </p:childTnLst>
-                                </p:cTn>
-                              </p:par>
-                            </p:childTnLst>
-                          </p:cTn>
-                        </p:par>
-                      </p:childTnLst>
-                    </p:cTn>
-                  </p:par>
-                  <p:par>
-                    <p:cTn id="20" fill="hold">
-                      <p:stCondLst>
-                        <p:cond delay="indefinite"/>
-                      </p:stCondLst>
-                      <p:childTnLst>
-                        <p:par>
-                          <p:cTn id="21" fill="hold">
-                            <p:stCondLst>
-                              <p:cond delay="0"/>
-                            </p:stCondLst>
-                            <p:childTnLst>
-                              <p:par>
-                                <p:cTn id="22" presetID="26" presetClass="emph" presetSubtype="0" fill="hold" nodeType="clickEffect">
-                                  <p:stCondLst>
-                                    <p:cond delay="0"/>
-                                  </p:stCondLst>
-                                  <p:childTnLst>
-                                    <p:animEffect transition="out" filter="fade">
-                                      <p:cBhvr>
-                                        <p:cTn id="23" dur="1000" tmFilter="0, 0; .2, .5; .8, .5; 1, 0"/>
-                                        <p:tgtEl>
-                                          <p:spTgt spid="36"/>
-                                        </p:tgtEl>
-                                      </p:cBhvr>
-                                    </p:animEffect>
-                                    <p:animScale>
-                                      <p:cBhvr>
-                                        <p:cTn id="24" dur="500" autoRev="1" fill="hold"/>
-                                        <p:tgtEl>
-                                          <p:spTgt spid="36"/>
-                                        </p:tgtEl>
-                                      </p:cBhvr>
-                                      <p:by x="105000" y="105000"/>
-                                    </p:animScale>
-                                  </p:childTnLst>
-                                </p:cTn>
-                              </p:par>
-                              <p:par>
-                                <p:cTn id="25" presetID="26" presetClass="emph" presetSubtype="0" fill="hold" nodeType="withEffect">
-                                  <p:stCondLst>
-                                    <p:cond delay="500"/>
-                                  </p:stCondLst>
-                                  <p:childTnLst>
-                                    <p:animEffect transition="out" filter="fade">
-                                      <p:cBhvr>
-                                        <p:cTn id="26" dur="1000" tmFilter="0, 0; .2, .5; .8, .5; 1, 0"/>
-                                        <p:tgtEl>
-                                          <p:spTgt spid="41"/>
-                                        </p:tgtEl>
-                                      </p:cBhvr>
-                                    </p:animEffect>
-                                    <p:animScale>
-                                      <p:cBhvr>
-                                        <p:cTn id="27" dur="500" autoRev="1" fill="hold"/>
-                                        <p:tgtEl>
-                                          <p:spTgt spid="41"/>
-                                        </p:tgtEl>
-                                      </p:cBhvr>
-                                      <p:by x="105000" y="105000"/>
-                                    </p:animScale>
-                                  </p:childTnLst>
-                                </p:cTn>
-                              </p:par>
-                            </p:childTnLst>
-                          </p:cTn>
-                        </p:par>
-                        <p:par>
-                          <p:cTn id="28" fill="hold">
-                            <p:stCondLst>
-                              <p:cond delay="1500"/>
-                            </p:stCondLst>
-                            <p:childTnLst>
-                              <p:par>
-                                <p:cTn id="29" presetID="26" presetClass="emph" presetSubtype="0" fill="hold" nodeType="afterEffect">
-                                  <p:stCondLst>
-                                    <p:cond delay="0"/>
-                                  </p:stCondLst>
-                                  <p:childTnLst>
-                                    <p:animEffect transition="out" filter="fade">
-                                      <p:cBhvr>
-                                        <p:cTn id="30" dur="1000" tmFilter="0, 0; .2, .5; .8, .5; 1, 0"/>
-                                        <p:tgtEl>
-                                          <p:spTgt spid="44"/>
-                                        </p:tgtEl>
-                                      </p:cBhvr>
-                                    </p:animEffect>
-                                    <p:animScale>
-                                      <p:cBhvr>
-                                        <p:cTn id="31" dur="500" autoRev="1" fill="hold"/>
-                                        <p:tgtEl>
-                                          <p:spTgt spid="44"/>
-                                        </p:tgtEl>
-                                      </p:cBhvr>
-                                      <p:by x="105000" y="105000"/>
-                                    </p:animScale>
-                                  </p:childTnLst>
-                                </p:cTn>
-                              </p:par>
-                            </p:childTnLst>
-                          </p:cTn>
-                        </p:par>
-                      </p:childTnLst>
-                    </p:cTn>
-                  </p:par>
-                  <p:par>
-                    <p:cTn id="32" fill="hold">
-                      <p:stCondLst>
-                        <p:cond delay="indefinite"/>
-                      </p:stCondLst>
-                      <p:childTnLst>
-                        <p:par>
-                          <p:cTn id="33" fill="hold">
-                            <p:stCondLst>
-                              <p:cond delay="0"/>
-                            </p:stCondLst>
-                            <p:childTnLst>
-                              <p:par>
-                                <p:cTn id="34" presetID="26" presetClass="emph" presetSubtype="0" fill="hold" nodeType="clickEffect">
-                                  <p:stCondLst>
-                                    <p:cond delay="0"/>
-                                  </p:stCondLst>
-                                  <p:childTnLst>
-                                    <p:animEffect transition="out" filter="fade">
-                                      <p:cBhvr>
-                                        <p:cTn id="35" dur="1000" tmFilter="0, 0; .2, .5; .8, .5; 1, 0"/>
-                                        <p:tgtEl>
-                                          <p:spTgt spid="89"/>
-                                        </p:tgtEl>
-                                      </p:cBhvr>
-                                    </p:animEffect>
-                                    <p:animScale>
-                                      <p:cBhvr>
-                                        <p:cTn id="36" dur="500" autoRev="1" fill="hold"/>
-                                        <p:tgtEl>
-                                          <p:spTgt spid="89"/>
-                                        </p:tgtEl>
-                                      </p:cBhvr>
-                                      <p:by x="105000" y="105000"/>
-                                    </p:animScale>
-                                  </p:childTnLst>
-                                </p:cTn>
-                              </p:par>
-                            </p:childTnLst>
-                          </p:cTn>
-                        </p:par>
-                        <p:par>
-                          <p:cTn id="37" fill="hold">
-                            <p:stCondLst>
-                              <p:cond delay="1000"/>
-                            </p:stCondLst>
-                            <p:childTnLst>
-                              <p:par>
-                                <p:cTn id="38" presetID="26" presetClass="emph" presetSubtype="0" fill="hold" nodeType="afterEffect">
-                                  <p:stCondLst>
-                                    <p:cond delay="0"/>
-                                  </p:stCondLst>
-                                  <p:childTnLst>
-                                    <p:animEffect transition="out" filter="fade">
-                                      <p:cBhvr>
-                                        <p:cTn id="39" dur="1000" tmFilter="0, 0; .2, .5; .8, .5; 1, 0"/>
-                                        <p:tgtEl>
-                                          <p:spTgt spid="93"/>
-                                        </p:tgtEl>
-                                      </p:cBhvr>
-                                    </p:animEffect>
-                                    <p:animScale>
-                                      <p:cBhvr>
-                                        <p:cTn id="40" dur="500" autoRev="1" fill="hold"/>
-                                        <p:tgtEl>
-                                          <p:spTgt spid="93"/>
-                                        </p:tgtEl>
-                                      </p:cBhvr>
-                                      <p:by x="105000" y="105000"/>
-                                    </p:animScale>
-                                  </p:childTnLst>
-                                </p:cTn>
-                              </p:par>
-                            </p:childTnLst>
-                          </p:cTn>
-                        </p:par>
-                      </p:childTnLst>
-                    </p:cTn>
-                  </p:par>
-                  <p:par>
-                    <p:cTn id="41" fill="hold">
-                      <p:stCondLst>
-                        <p:cond delay="indefinite"/>
-                      </p:stCondLst>
-                      <p:childTnLst>
-                        <p:par>
-                          <p:cTn id="42" fill="hold">
-                            <p:stCondLst>
-                              <p:cond delay="0"/>
-                            </p:stCondLst>
-                            <p:childTnLst>
-                              <p:par>
-                                <p:cTn id="43" presetID="26" presetClass="emph" presetSubtype="0" fill="hold" nodeType="clickEffect">
-                                  <p:stCondLst>
-                                    <p:cond delay="0"/>
-                                  </p:stCondLst>
-                                  <p:childTnLst>
-                                    <p:animEffect transition="out" filter="fade">
-                                      <p:cBhvr>
-                                        <p:cTn id="44" dur="1000" tmFilter="0, 0; .2, .5; .8, .5; 1, 0"/>
-                                        <p:tgtEl>
-                                          <p:spTgt spid="103"/>
-                                        </p:tgtEl>
-                                      </p:cBhvr>
-                                    </p:animEffect>
-                                    <p:animScale>
-                                      <p:cBhvr>
-                                        <p:cTn id="45" dur="500" autoRev="1" fill="hold"/>
-                                        <p:tgtEl>
-                                          <p:spTgt spid="103"/>
-                                        </p:tgtEl>
-                                      </p:cBhvr>
-                                      <p:by x="105000" y="105000"/>
-                                    </p:animScale>
-                                  </p:childTnLst>
-                                </p:cTn>
-                              </p:par>
-                            </p:childTnLst>
-                          </p:cTn>
-                        </p:par>
-                      </p:childTnLst>
-                    </p:cTn>
-                  </p:par>
-                </p:childTnLst>
-              </p:cTn>
-              <p:prevCondLst>
-                <p:cond evt="onPrev" delay="0">
-                  <p:tgtEl>
-                    <p:sldTgt/>
-                  </p:tgtEl>
-                </p:cond>
-              </p:prevCondLst>
-              <p:nextCondLst>
-                <p:cond evt="onNext" delay="0">
-                  <p:tgtEl>
-                    <p:sldTgt/>
-                  </p:tgtEl>
-                </p:cond>
-              </p:nextCondLst>
-            </p:seq>
-          </p:childTnLst>
-        </p:cTn>
-      </p:par>
-    </p:tnLst>
-  </p:timing>
-</p:sld>
-</file>
-
 <file path=ppt/slides/slide3.xml><?xml version="1.0" encoding="utf-8"?>
 <p:sld xmlns:a="http://schemas.openxmlformats.org/drawingml/2006/main" xmlns:r="http://schemas.openxmlformats.org/officeDocument/2006/relationships" xmlns:p="http://schemas.openxmlformats.org/presentationml/2006/main">
   <p:cSld>
